--- a/efficient_microdata.pptx
+++ b/efficient_microdata.pptx
@@ -480,7 +480,7 @@
             <a:fld id="{5E4F288A-A6E3-41AC-A051-0411F84CEBE4}" type="datetime1">
               <a:rPr lang="en-GB"/>
               <a:pPr lvl="0"/>
-              <a:t>13/04/2024</a:t>
+              <a:t>15/04/2024</a:t>
             </a:fld>
             <a:endParaRPr lang="en-GB"/>
           </a:p>
@@ -994,7 +994,7 @@
             <a:fld id="{40D0F563-FC19-4F32-AEF6-1F1DD9A26D94}" type="datetime1">
               <a:rPr lang="en-GB"/>
               <a:pPr lvl="0"/>
-              <a:t>13/04/2024</a:t>
+              <a:t>15/04/2024</a:t>
             </a:fld>
             <a:endParaRPr lang="en-GB"/>
           </a:p>
@@ -1231,7 +1231,7 @@
             <a:fld id="{57CE4236-54B9-48EA-85DF-EAA8081FF5D6}" type="datetime1">
               <a:rPr lang="en-GB"/>
               <a:pPr lvl="0"/>
-              <a:t>13/04/2024</a:t>
+              <a:t>15/04/2024</a:t>
             </a:fld>
             <a:endParaRPr lang="en-GB"/>
           </a:p>
@@ -1477,7 +1477,7 @@
             <a:fld id="{1B804053-0255-486B-B0F0-0F7C86CBDEA7}" type="datetime1">
               <a:rPr lang="en-GB"/>
               <a:pPr lvl="0"/>
-              <a:t>13/04/2024</a:t>
+              <a:t>15/04/2024</a:t>
             </a:fld>
             <a:endParaRPr lang="en-GB"/>
           </a:p>
@@ -1713,7 +1713,7 @@
             <a:fld id="{F3827D9B-3E0E-449F-A946-F3491C9D9D39}" type="datetime1">
               <a:rPr lang="en-GB"/>
               <a:pPr lvl="0"/>
-              <a:t>13/04/2024</a:t>
+              <a:t>15/04/2024</a:t>
             </a:fld>
             <a:endParaRPr lang="en-GB"/>
           </a:p>
@@ -1924,7 +1924,7 @@
             <a:fld id="{53090247-1E8C-48C1-BE5B-ABCCB499B70C}" type="datetime1">
               <a:rPr lang="en-GB"/>
               <a:pPr lvl="0"/>
-              <a:t>13/04/2024</a:t>
+              <a:t>15/04/2024</a:t>
             </a:fld>
             <a:endParaRPr lang="en-GB"/>
           </a:p>
@@ -2244,7 +2244,7 @@
             <a:fld id="{794AA38E-6FCB-4E34-8FE1-E06FC6B697D9}" type="datetime1">
               <a:rPr lang="en-GB"/>
               <a:pPr lvl="0"/>
-              <a:t>13/04/2024</a:t>
+              <a:t>15/04/2024</a:t>
             </a:fld>
             <a:endParaRPr lang="en-GB"/>
           </a:p>
@@ -2647,7 +2647,7 @@
             <a:fld id="{497E95C5-7C0A-4000-8B07-961C7F40DA0C}" type="datetime1">
               <a:rPr lang="en-GB"/>
               <a:pPr lvl="0"/>
-              <a:t>13/04/2024</a:t>
+              <a:t>15/04/2024</a:t>
             </a:fld>
             <a:endParaRPr lang="en-GB"/>
           </a:p>
@@ -2809,7 +2809,7 @@
             <a:fld id="{78062716-05BE-4E55-B717-8165588D1704}" type="datetime1">
               <a:rPr lang="en-GB"/>
               <a:pPr lvl="0"/>
-              <a:t>13/04/2024</a:t>
+              <a:t>15/04/2024</a:t>
             </a:fld>
             <a:endParaRPr lang="en-GB"/>
           </a:p>
@@ -2937,7 +2937,7 @@
             <a:fld id="{76FEE43E-2081-4B11-8B65-A62818AD16FA}" type="datetime1">
               <a:rPr lang="en-GB"/>
               <a:pPr lvl="0"/>
-              <a:t>13/04/2024</a:t>
+              <a:t>15/04/2024</a:t>
             </a:fld>
             <a:endParaRPr lang="en-GB"/>
           </a:p>
@@ -3222,7 +3222,7 @@
             <a:fld id="{D8A3DB83-8C32-40B1-97E8-FB35626DF478}" type="datetime1">
               <a:rPr lang="en-GB"/>
               <a:pPr lvl="0"/>
-              <a:t>13/04/2024</a:t>
+              <a:t>15/04/2024</a:t>
             </a:fld>
             <a:endParaRPr lang="en-GB"/>
           </a:p>
@@ -3464,7 +3464,7 @@
             <a:fld id="{38EE5B45-DD4E-4843-9F3A-14E4993B12CA}" type="datetime1">
               <a:rPr lang="en-GB"/>
               <a:pPr lvl="0"/>
-              <a:t>13/04/2024</a:t>
+              <a:t>15/04/2024</a:t>
             </a:fld>
             <a:endParaRPr lang="en-GB"/>
           </a:p>
@@ -3747,7 +3747,7 @@
             <a:fld id="{E91A6515-C8A5-4C9E-86DC-9D0D6CBE66E8}" type="datetime1">
               <a:rPr lang="en-GB"/>
               <a:pPr lvl="0"/>
-              <a:t>13/04/2024</a:t>
+              <a:t>15/04/2024</a:t>
             </a:fld>
             <a:endParaRPr lang="en-GB"/>
           </a:p>
@@ -9907,7 +9907,7 @@
       <p:pic>
         <p:nvPicPr>
           <p:cNvPr id="5" name="Graphic 4">
-            <a:hlinkClick r:id="rId2" action="ppaction://hlinkfile"/>
+            <a:hlinkClick r:id="rId2"/>
             <a:extLst>
               <a:ext uri="{FF2B5EF4-FFF2-40B4-BE49-F238E27FC236}">
                 <a16:creationId xmlns:a16="http://schemas.microsoft.com/office/drawing/2014/main" id="{5559BE94-2E84-4C5E-CFBC-E7DE6D94415C}"/>

--- a/efficient_microdata.pptx
+++ b/efficient_microdata.pptx
@@ -5,68 +5,66 @@
     <p:sldMasterId id="2147483648" r:id="rId1"/>
   </p:sldMasterIdLst>
   <p:notesMasterIdLst>
-    <p:notesMasterId r:id="rId46"/>
+    <p:notesMasterId r:id="rId44"/>
   </p:notesMasterIdLst>
   <p:sldIdLst>
     <p:sldId id="256" r:id="rId2"/>
     <p:sldId id="261" r:id="rId3"/>
     <p:sldId id="301" r:id="rId4"/>
     <p:sldId id="340" r:id="rId5"/>
-    <p:sldId id="341" r:id="rId6"/>
-    <p:sldId id="342" r:id="rId7"/>
-    <p:sldId id="343" r:id="rId8"/>
-    <p:sldId id="345" r:id="rId9"/>
-    <p:sldId id="344" r:id="rId10"/>
-    <p:sldId id="339" r:id="rId11"/>
-    <p:sldId id="293" r:id="rId12"/>
-    <p:sldId id="309" r:id="rId13"/>
-    <p:sldId id="332" r:id="rId14"/>
-    <p:sldId id="333" r:id="rId15"/>
-    <p:sldId id="334" r:id="rId16"/>
-    <p:sldId id="336" r:id="rId17"/>
+    <p:sldId id="348" r:id="rId6"/>
+    <p:sldId id="341" r:id="rId7"/>
+    <p:sldId id="342" r:id="rId8"/>
+    <p:sldId id="343" r:id="rId9"/>
+    <p:sldId id="345" r:id="rId10"/>
+    <p:sldId id="344" r:id="rId11"/>
+    <p:sldId id="339" r:id="rId12"/>
+    <p:sldId id="293" r:id="rId13"/>
+    <p:sldId id="309" r:id="rId14"/>
+    <p:sldId id="334" r:id="rId15"/>
+    <p:sldId id="349" r:id="rId16"/>
+    <p:sldId id="351" r:id="rId17"/>
     <p:sldId id="315" r:id="rId18"/>
-    <p:sldId id="338" r:id="rId19"/>
-    <p:sldId id="337" r:id="rId20"/>
-    <p:sldId id="323" r:id="rId21"/>
-    <p:sldId id="335" r:id="rId22"/>
-    <p:sldId id="299" r:id="rId23"/>
-    <p:sldId id="302" r:id="rId24"/>
-    <p:sldId id="311" r:id="rId25"/>
-    <p:sldId id="316" r:id="rId26"/>
-    <p:sldId id="297" r:id="rId27"/>
-    <p:sldId id="313" r:id="rId28"/>
-    <p:sldId id="314" r:id="rId29"/>
-    <p:sldId id="319" r:id="rId30"/>
-    <p:sldId id="320" r:id="rId31"/>
-    <p:sldId id="325" r:id="rId32"/>
-    <p:sldId id="324" r:id="rId33"/>
-    <p:sldId id="312" r:id="rId34"/>
-    <p:sldId id="329" r:id="rId35"/>
-    <p:sldId id="328" r:id="rId36"/>
-    <p:sldId id="327" r:id="rId37"/>
-    <p:sldId id="331" r:id="rId38"/>
-    <p:sldId id="318" r:id="rId39"/>
-    <p:sldId id="290" r:id="rId40"/>
-    <p:sldId id="292" r:id="rId41"/>
-    <p:sldId id="326" r:id="rId42"/>
-    <p:sldId id="330" r:id="rId43"/>
-    <p:sldId id="298" r:id="rId44"/>
-    <p:sldId id="310" r:id="rId45"/>
+    <p:sldId id="346" r:id="rId19"/>
+    <p:sldId id="338" r:id="rId20"/>
+    <p:sldId id="347" r:id="rId21"/>
+    <p:sldId id="353" r:id="rId22"/>
+    <p:sldId id="352" r:id="rId23"/>
+    <p:sldId id="354" r:id="rId24"/>
+    <p:sldId id="337" r:id="rId25"/>
+    <p:sldId id="323" r:id="rId26"/>
+    <p:sldId id="335" r:id="rId27"/>
+    <p:sldId id="299" r:id="rId28"/>
+    <p:sldId id="302" r:id="rId29"/>
+    <p:sldId id="355" r:id="rId30"/>
+    <p:sldId id="311" r:id="rId31"/>
+    <p:sldId id="297" r:id="rId32"/>
+    <p:sldId id="313" r:id="rId33"/>
+    <p:sldId id="314" r:id="rId34"/>
+    <p:sldId id="319" r:id="rId35"/>
+    <p:sldId id="325" r:id="rId36"/>
+    <p:sldId id="356" r:id="rId37"/>
+    <p:sldId id="290" r:id="rId38"/>
+    <p:sldId id="292" r:id="rId39"/>
+    <p:sldId id="326" r:id="rId40"/>
+    <p:sldId id="330" r:id="rId41"/>
+    <p:sldId id="298" r:id="rId42"/>
+    <p:sldId id="310" r:id="rId43"/>
   </p:sldIdLst>
   <p:sldSz cx="12192000" cy="6858000"/>
   <p:notesSz cx="6858000" cy="9144000"/>
   <p:embeddedFontLst>
     <p:embeddedFont>
       <p:font typeface="Fira Code" panose="020B0809050000020004" pitchFamily="49" charset="0"/>
-      <p:regular r:id="rId47"/>
-      <p:bold r:id="rId48"/>
+      <p:regular r:id="rId45"/>
+      <p:bold r:id="rId46"/>
     </p:embeddedFont>
     <p:embeddedFont>
       <p:font typeface="Fira Sans" panose="020B0503050000020004" pitchFamily="34" charset="0"/>
-      <p:regular r:id="rId49"/>
-      <p:bold r:id="rId50"/>
-      <p:italic r:id="rId51"/>
-      <p:boldItalic r:id="rId52"/>
+      <p:regular r:id="rId47"/>
+      <p:bold r:id="rId48"/>
+      <p:italic r:id="rId49"/>
+      <p:boldItalic r:id="rId50"/>
     </p:embeddedFont>
   </p:embeddedFontLst>
   <p:defaultTextStyle>
@@ -188,6 +186,90 @@
           <inkml:channelProperty channel="F" name="resolution" value="0" units="1/dev"/>
         </inkml:channelProperties>
       </inkml:inkSource>
+      <inkml:timestamp xml:id="ts0" timeString="2024-04-17T09:43:58.556"/>
+    </inkml:context>
+    <inkml:brush xml:id="br0">
+      <inkml:brushProperty name="width" value="0.1" units="cm"/>
+      <inkml:brushProperty name="height" value="0.1" units="cm"/>
+      <inkml:brushProperty name="color" value="#FFFFFF"/>
+    </inkml:brush>
+  </inkml:definitions>
+  <inkml:trace contextRef="#ctx0" brushRef="#br0">1099 3339 24575,'-45'-40'0,"-211"-169"0,176 154 0,-187-134 0,234 161 0,3 0 0,0-2 0,2-1 0,-46-67 0,-71-146 0,137 228 0,-10-16 0,2-1 0,2 0 0,1-1 0,2-1 0,1 0 0,3 0 0,1 0 0,-1-47 0,13-470 0,-2 486 0,3 1 0,4 0 0,2 0 0,40-105 0,-33 120 0,3 2 0,2 0 0,3 2 0,2 0 0,2 2 0,50-53 0,-72 85 0,80-84 0,128-106 0,-156 158 0,2 2 0,2 3 0,2 2 0,107-42 0,-126 60 0,2 2 0,0 3 0,1 1 0,0 2 0,103-8 0,273 9 0,-348 10 0,33 4 0,0 5 0,-1 4 0,-1 4 0,0 4 0,-2 5 0,196 70 0,-241-71 0,-1 2 0,-2 3 0,-1 2 0,-2 2 0,-2 3 0,-1 2 0,-3 2 0,-1 1 0,53 60 0,-81-75 0,-1 1 0,-1 2 0,-2-1 0,21 45 0,45 134 0,-64-154 0,68 251 0,-81-276 0,-2 0 0,0 0 0,-3 0 0,-1 0 0,-1 0 0,-1 0 0,-7 32 0,-2-10 0,-3-1 0,-31 78 0,-188 352 0,37-90 0,181-360 0,-1-1 0,-2-1 0,-1 0 0,-2 0 0,-1-2 0,-1 0 0,-1-1 0,-2-1 0,-53 42 0,44-41 0,-22 18 0,-1-2 0,-3-2 0,-110 55 0,113-69 0,-12 7 0,-99 31 0,139-57-124,0-1-1,0-1 0,-1-1 1,1-1-1,-1-2 0,-36-2 1,49 1-369,-14 1-6333</inkml:trace>
+</inkml:ink>
+</file>
+
+<file path=ppt/ink/ink2.xml><?xml version="1.0" encoding="utf-8"?>
+<inkml:ink xmlns:inkml="http://www.w3.org/2003/InkML">
+  <inkml:definitions>
+    <inkml:context xml:id="ctx0">
+      <inkml:inkSource xml:id="inkSrc0">
+        <inkml:traceFormat>
+          <inkml:channel name="X" type="integer" min="-2.14748E9" max="2.14748E9" units="cm"/>
+          <inkml:channel name="Y" type="integer" min="-2.14748E9" max="2.14748E9" units="cm"/>
+          <inkml:channel name="F" type="integer" max="32767" units="dev"/>
+        </inkml:traceFormat>
+        <inkml:channelProperties>
+          <inkml:channelProperty channel="X" name="resolution" value="1000" units="1/cm"/>
+          <inkml:channelProperty channel="Y" name="resolution" value="1000" units="1/cm"/>
+          <inkml:channelProperty channel="F" name="resolution" value="0" units="1/dev"/>
+        </inkml:channelProperties>
+      </inkml:inkSource>
+      <inkml:timestamp xml:id="ts0" timeString="2024-04-17T09:43:59.780"/>
+    </inkml:context>
+    <inkml:brush xml:id="br0">
+      <inkml:brushProperty name="width" value="0.1" units="cm"/>
+      <inkml:brushProperty name="height" value="0.1" units="cm"/>
+      <inkml:brushProperty name="color" value="#FFFFFF"/>
+    </inkml:brush>
+  </inkml:definitions>
+  <inkml:trace contextRef="#ctx0" brushRef="#br0">323 0 24575,'-1'12'0,"0"0"0,-1 0 0,-1-1 0,0 1 0,0-1 0,-11 22 0,-43 65 0,39-69 0,-25 41 0,5-11 0,3 1 0,2 1 0,-29 85 0,60-142 0,0 0 0,1 0 0,0 0 0,0 0 0,0 0 0,0 0 0,1 0 0,0 1 0,0-1 0,0 0 0,1 0 0,-1 0 0,1 0 0,0 0 0,1 0 0,-1 0 0,1 0 0,0 0 0,0 0 0,0 0 0,0-1 0,1 1 0,0-1 0,-1 0 0,2 1 0,-1-1 0,0 0 0,1-1 0,-1 1 0,9 4 0,5 2 0,0-1 0,0 0 0,1-1 0,0-1 0,1-1 0,25 5 0,121 14 0,-136-21 0,390 34 0,-321-29-1365,-59-5-5461</inkml:trace>
+</inkml:ink>
+</file>
+
+<file path=ppt/ink/ink3.xml><?xml version="1.0" encoding="utf-8"?>
+<inkml:ink xmlns:inkml="http://www.w3.org/2003/InkML">
+  <inkml:definitions>
+    <inkml:context xml:id="ctx0">
+      <inkml:inkSource xml:id="inkSrc0">
+        <inkml:traceFormat>
+          <inkml:channel name="X" type="integer" min="-2.14748E9" max="2.14748E9" units="cm"/>
+          <inkml:channel name="Y" type="integer" min="-2.14748E9" max="2.14748E9" units="cm"/>
+          <inkml:channel name="F" type="integer" max="32767" units="dev"/>
+        </inkml:traceFormat>
+        <inkml:channelProperties>
+          <inkml:channelProperty channel="X" name="resolution" value="1000" units="1/cm"/>
+          <inkml:channelProperty channel="Y" name="resolution" value="1000" units="1/cm"/>
+          <inkml:channelProperty channel="F" name="resolution" value="0" units="1/dev"/>
+        </inkml:channelProperties>
+      </inkml:inkSource>
+      <inkml:timestamp xml:id="ts0" timeString="2024-04-17T09:44:28.013"/>
+    </inkml:context>
+    <inkml:brush xml:id="br0">
+      <inkml:brushProperty name="width" value="0.1" units="cm"/>
+      <inkml:brushProperty name="height" value="0.1" units="cm"/>
+      <inkml:brushProperty name="color" value="#FFFFFF"/>
+    </inkml:brush>
+  </inkml:definitions>
+  <inkml:trace contextRef="#ctx0" brushRef="#br0">1 2647 24575,'182'164'0,"-58"-55"0,91 74 0,27 25 0,-227-193 0,-10-9 0,0-1 0,1 0 0,0 0 0,0 0 0,0 0 0,1-1 0,7 4 0,-12-8 0,0 1 0,1 0 0,-1-1 0,1 1 0,-1-1 0,0 0 0,1 0 0,-1 0 0,1 0 0,-1 0 0,0-1 0,1 1 0,-1-1 0,1 0 0,-1 1 0,0-1 0,0 0 0,0 0 0,1 0 0,-1-1 0,0 1 0,0 0 0,0-1 0,-1 0 0,1 1 0,0-1 0,-1 0 0,3-2 0,15-21 0,-1-1 0,-1-1 0,-1-1 0,19-45 0,-13 25 0,505-938-904,424-432 820,-715 1110 53,-175 235 86,4 3-1,77-65 1,-115 113-204,2 0-1,1 2 1,36-18-1,-6 10-6588</inkml:trace>
+</inkml:ink>
+</file>
+
+<file path=ppt/ink/ink4.xml><?xml version="1.0" encoding="utf-8"?>
+<inkml:ink xmlns:inkml="http://www.w3.org/2003/InkML">
+  <inkml:definitions>
+    <inkml:context xml:id="ctx0">
+      <inkml:inkSource xml:id="inkSrc0">
+        <inkml:traceFormat>
+          <inkml:channel name="X" type="integer" min="-2.14748E9" max="2.14748E9" units="cm"/>
+          <inkml:channel name="Y" type="integer" min="-2.14748E9" max="2.14748E9" units="cm"/>
+          <inkml:channel name="F" type="integer" max="32767" units="dev"/>
+        </inkml:traceFormat>
+        <inkml:channelProperties>
+          <inkml:channelProperty channel="X" name="resolution" value="1000" units="1/cm"/>
+          <inkml:channelProperty channel="Y" name="resolution" value="1000" units="1/cm"/>
+          <inkml:channelProperty channel="F" name="resolution" value="0" units="1/dev"/>
+        </inkml:channelProperties>
+      </inkml:inkSource>
       <inkml:timestamp xml:id="ts0" timeString="2022-05-13T14:21:39.776"/>
     </inkml:context>
     <inkml:brush xml:id="br0">
@@ -199,7 +281,7 @@
 </inkml:ink>
 </file>
 
-<file path=ppt/ink/ink2.xml><?xml version="1.0" encoding="utf-8"?>
+<file path=ppt/ink/ink5.xml><?xml version="1.0" encoding="utf-8"?>
 <inkml:ink xmlns:inkml="http://www.w3.org/2003/InkML">
   <inkml:definitions>
     <inkml:context xml:id="ctx0">
@@ -226,7 +308,7 @@
 </inkml:ink>
 </file>
 
-<file path=ppt/ink/ink3.xml><?xml version="1.0" encoding="utf-8"?>
+<file path=ppt/ink/ink6.xml><?xml version="1.0" encoding="utf-8"?>
 <inkml:ink xmlns:inkml="http://www.w3.org/2003/InkML">
   <inkml:definitions>
     <inkml:context xml:id="ctx0">
@@ -253,7 +335,7 @@
 </inkml:ink>
 </file>
 
-<file path=ppt/ink/ink4.xml><?xml version="1.0" encoding="utf-8"?>
+<file path=ppt/ink/ink7.xml><?xml version="1.0" encoding="utf-8"?>
 <inkml:ink xmlns:inkml="http://www.w3.org/2003/InkML">
   <inkml:definitions>
     <inkml:context xml:id="ctx0">
@@ -280,7 +362,7 @@
 </inkml:ink>
 </file>
 
-<file path=ppt/ink/ink5.xml><?xml version="1.0" encoding="utf-8"?>
+<file path=ppt/ink/ink8.xml><?xml version="1.0" encoding="utf-8"?>
 <inkml:ink xmlns:inkml="http://www.w3.org/2003/InkML">
   <inkml:definitions>
     <inkml:context xml:id="ctx0">
@@ -307,7 +389,7 @@
 </inkml:ink>
 </file>
 
-<file path=ppt/ink/ink6.xml><?xml version="1.0" encoding="utf-8"?>
+<file path=ppt/ink/ink9.xml><?xml version="1.0" encoding="utf-8"?>
 <inkml:ink xmlns:inkml="http://www.w3.org/2003/InkML">
   <inkml:definitions>
     <inkml:context xml:id="ctx0">
@@ -480,7 +562,7 @@
             <a:fld id="{5E4F288A-A6E3-41AC-A051-0411F84CEBE4}" type="datetime1">
               <a:rPr lang="en-GB"/>
               <a:pPr lvl="0"/>
-              <a:t>15/04/2024</a:t>
+              <a:t>17/04/2024</a:t>
             </a:fld>
             <a:endParaRPr lang="en-GB"/>
           </a:p>
@@ -994,7 +1076,7 @@
             <a:fld id="{40D0F563-FC19-4F32-AEF6-1F1DD9A26D94}" type="datetime1">
               <a:rPr lang="en-GB"/>
               <a:pPr lvl="0"/>
-              <a:t>15/04/2024</a:t>
+              <a:t>17/04/2024</a:t>
             </a:fld>
             <a:endParaRPr lang="en-GB"/>
           </a:p>
@@ -1231,7 +1313,7 @@
             <a:fld id="{57CE4236-54B9-48EA-85DF-EAA8081FF5D6}" type="datetime1">
               <a:rPr lang="en-GB"/>
               <a:pPr lvl="0"/>
-              <a:t>15/04/2024</a:t>
+              <a:t>17/04/2024</a:t>
             </a:fld>
             <a:endParaRPr lang="en-GB"/>
           </a:p>
@@ -1477,7 +1559,7 @@
             <a:fld id="{1B804053-0255-486B-B0F0-0F7C86CBDEA7}" type="datetime1">
               <a:rPr lang="en-GB"/>
               <a:pPr lvl="0"/>
-              <a:t>15/04/2024</a:t>
+              <a:t>17/04/2024</a:t>
             </a:fld>
             <a:endParaRPr lang="en-GB"/>
           </a:p>
@@ -1713,7 +1795,7 @@
             <a:fld id="{F3827D9B-3E0E-449F-A946-F3491C9D9D39}" type="datetime1">
               <a:rPr lang="en-GB"/>
               <a:pPr lvl="0"/>
-              <a:t>15/04/2024</a:t>
+              <a:t>17/04/2024</a:t>
             </a:fld>
             <a:endParaRPr lang="en-GB"/>
           </a:p>
@@ -1924,7 +2006,7 @@
             <a:fld id="{53090247-1E8C-48C1-BE5B-ABCCB499B70C}" type="datetime1">
               <a:rPr lang="en-GB"/>
               <a:pPr lvl="0"/>
-              <a:t>15/04/2024</a:t>
+              <a:t>17/04/2024</a:t>
             </a:fld>
             <a:endParaRPr lang="en-GB"/>
           </a:p>
@@ -2244,7 +2326,7 @@
             <a:fld id="{794AA38E-6FCB-4E34-8FE1-E06FC6B697D9}" type="datetime1">
               <a:rPr lang="en-GB"/>
               <a:pPr lvl="0"/>
-              <a:t>15/04/2024</a:t>
+              <a:t>17/04/2024</a:t>
             </a:fld>
             <a:endParaRPr lang="en-GB"/>
           </a:p>
@@ -2647,7 +2729,7 @@
             <a:fld id="{497E95C5-7C0A-4000-8B07-961C7F40DA0C}" type="datetime1">
               <a:rPr lang="en-GB"/>
               <a:pPr lvl="0"/>
-              <a:t>15/04/2024</a:t>
+              <a:t>17/04/2024</a:t>
             </a:fld>
             <a:endParaRPr lang="en-GB"/>
           </a:p>
@@ -2809,7 +2891,7 @@
             <a:fld id="{78062716-05BE-4E55-B717-8165588D1704}" type="datetime1">
               <a:rPr lang="en-GB"/>
               <a:pPr lvl="0"/>
-              <a:t>15/04/2024</a:t>
+              <a:t>17/04/2024</a:t>
             </a:fld>
             <a:endParaRPr lang="en-GB"/>
           </a:p>
@@ -2937,7 +3019,7 @@
             <a:fld id="{76FEE43E-2081-4B11-8B65-A62818AD16FA}" type="datetime1">
               <a:rPr lang="en-GB"/>
               <a:pPr lvl="0"/>
-              <a:t>15/04/2024</a:t>
+              <a:t>17/04/2024</a:t>
             </a:fld>
             <a:endParaRPr lang="en-GB"/>
           </a:p>
@@ -3222,7 +3304,7 @@
             <a:fld id="{D8A3DB83-8C32-40B1-97E8-FB35626DF478}" type="datetime1">
               <a:rPr lang="en-GB"/>
               <a:pPr lvl="0"/>
-              <a:t>15/04/2024</a:t>
+              <a:t>17/04/2024</a:t>
             </a:fld>
             <a:endParaRPr lang="en-GB"/>
           </a:p>
@@ -3464,7 +3546,7 @@
             <a:fld id="{38EE5B45-DD4E-4843-9F3A-14E4993B12CA}" type="datetime1">
               <a:rPr lang="en-GB"/>
               <a:pPr lvl="0"/>
-              <a:t>15/04/2024</a:t>
+              <a:t>17/04/2024</a:t>
             </a:fld>
             <a:endParaRPr lang="en-GB"/>
           </a:p>
@@ -3747,7 +3829,7 @@
             <a:fld id="{E91A6515-C8A5-4C9E-86DC-9D0D6CBE66E8}" type="datetime1">
               <a:rPr lang="en-GB"/>
               <a:pPr lvl="0"/>
-              <a:t>15/04/2024</a:t>
+              <a:t>17/04/2024</a:t>
             </a:fld>
             <a:endParaRPr lang="en-GB"/>
           </a:p>
@@ -4476,6 +4558,87 @@
 <file path=ppt/slides/slide10.xml><?xml version="1.0" encoding="utf-8"?>
 <p:sld xmlns:a="http://schemas.openxmlformats.org/drawingml/2006/main" xmlns:r="http://schemas.openxmlformats.org/officeDocument/2006/relationships" xmlns:p="http://schemas.openxmlformats.org/presentationml/2006/main">
   <p:cSld>
+    <p:spTree>
+      <p:nvGrpSpPr>
+        <p:cNvPr id="1" name=""/>
+        <p:cNvGrpSpPr/>
+        <p:nvPr/>
+      </p:nvGrpSpPr>
+      <p:grpSpPr>
+        <a:xfrm>
+          <a:off x="0" y="0"/>
+          <a:ext cx="0" cy="0"/>
+          <a:chOff x="0" y="0"/>
+          <a:chExt cx="0" cy="0"/>
+        </a:xfrm>
+      </p:grpSpPr>
+      <p:sp>
+        <p:nvSpPr>
+          <p:cNvPr id="2" name="Title 1">
+            <a:extLst>
+              <a:ext uri="{FF2B5EF4-FFF2-40B4-BE49-F238E27FC236}">
+                <a16:creationId xmlns:a16="http://schemas.microsoft.com/office/drawing/2014/main" id="{65DAE2F9-7A45-8BF9-85F7-4B246C81B481}"/>
+              </a:ext>
+            </a:extLst>
+          </p:cNvPr>
+          <p:cNvSpPr txBox="1">
+            <a:spLocks noGrp="1"/>
+          </p:cNvSpPr>
+          <p:nvPr>
+            <p:ph type="title"/>
+          </p:nvPr>
+        </p:nvSpPr>
+        <p:spPr>
+          <a:xfrm>
+            <a:off x="838200" y="2766220"/>
+            <a:ext cx="10515600" cy="1325559"/>
+          </a:xfrm>
+        </p:spPr>
+        <p:txBody>
+          <a:bodyPr>
+            <a:normAutofit/>
+          </a:bodyPr>
+          <a:lstStyle/>
+          <a:p>
+            <a:pPr lvl="0" algn="ctr">
+              <a:lnSpc>
+                <a:spcPct val="100000"/>
+              </a:lnSpc>
+            </a:pPr>
+            <a:r>
+              <a:rPr lang="en-GB" sz="4800" b="1" kern="0" dirty="0">
+                <a:solidFill>
+                  <a:srgbClr val="006388"/>
+                </a:solidFill>
+                <a:latin typeface="Fira Sans" pitchFamily="34"/>
+                <a:ea typeface="Fira Code" pitchFamily="49"/>
+              </a:rPr>
+              <a:t>Any questions?</a:t>
+            </a:r>
+            <a:endParaRPr lang="en-GB" sz="4800" dirty="0">
+              <a:solidFill>
+                <a:srgbClr val="006388"/>
+              </a:solidFill>
+            </a:endParaRPr>
+          </a:p>
+        </p:txBody>
+      </p:sp>
+    </p:spTree>
+    <p:extLst>
+      <p:ext uri="{BB962C8B-B14F-4D97-AF65-F5344CB8AC3E}">
+        <p14:creationId xmlns:p14="http://schemas.microsoft.com/office/powerpoint/2010/main" val="1393995696"/>
+      </p:ext>
+    </p:extLst>
+  </p:cSld>
+  <p:clrMapOvr>
+    <a:masterClrMapping/>
+  </p:clrMapOvr>
+</p:sld>
+</file>
+
+<file path=ppt/slides/slide11.xml><?xml version="1.0" encoding="utf-8"?>
+<p:sld xmlns:a="http://schemas.openxmlformats.org/drawingml/2006/main" xmlns:r="http://schemas.openxmlformats.org/officeDocument/2006/relationships" xmlns:p="http://schemas.openxmlformats.org/presentationml/2006/main">
+  <p:cSld>
     <p:bg>
       <p:bgPr>
         <a:solidFill>
@@ -4537,7 +4700,7 @@
                 <a:latin typeface="Fira Sans" pitchFamily="34"/>
                 <a:ea typeface="Fira Code" pitchFamily="49"/>
               </a:rPr>
-              <a:t>Structure &amp; reproducibility</a:t>
+              <a:t>Structure</a:t>
             </a:r>
             <a:endParaRPr lang="en-GB" sz="1800" kern="0" dirty="0">
               <a:solidFill>
@@ -4598,7 +4761,7 @@
 </p:sld>
 </file>
 
-<file path=ppt/slides/slide11.xml><?xml version="1.0" encoding="utf-8"?>
+<file path=ppt/slides/slide12.xml><?xml version="1.0" encoding="utf-8"?>
 <p:sld xmlns:a="http://schemas.openxmlformats.org/drawingml/2006/main" xmlns:r="http://schemas.openxmlformats.org/officeDocument/2006/relationships" xmlns:p="http://schemas.openxmlformats.org/presentationml/2006/main">
   <p:cSld name="Slide38">
     <p:spTree>
@@ -5078,7 +5241,7 @@
 </p:sld>
 </file>
 
-<file path=ppt/slides/slide12.xml><?xml version="1.0" encoding="utf-8"?>
+<file path=ppt/slides/slide13.xml><?xml version="1.0" encoding="utf-8"?>
 <p:sld xmlns:a="http://schemas.openxmlformats.org/drawingml/2006/main" xmlns:r="http://schemas.openxmlformats.org/officeDocument/2006/relationships" xmlns:p="http://schemas.openxmlformats.org/presentationml/2006/main">
   <p:cSld name="Slide54">
     <p:spTree>
@@ -5718,825 +5881,6 @@
         </p:txBody>
       </p:sp>
     </p:spTree>
-  </p:cSld>
-  <p:clrMapOvr>
-    <a:masterClrMapping/>
-  </p:clrMapOvr>
-</p:sld>
-</file>
-
-<file path=ppt/slides/slide13.xml><?xml version="1.0" encoding="utf-8"?>
-<p:sld xmlns:a="http://schemas.openxmlformats.org/drawingml/2006/main" xmlns:r="http://schemas.openxmlformats.org/officeDocument/2006/relationships" xmlns:p="http://schemas.openxmlformats.org/presentationml/2006/main">
-  <p:cSld>
-    <p:spTree>
-      <p:nvGrpSpPr>
-        <p:cNvPr id="1" name=""/>
-        <p:cNvGrpSpPr/>
-        <p:nvPr/>
-      </p:nvGrpSpPr>
-      <p:grpSpPr>
-        <a:xfrm>
-          <a:off x="0" y="0"/>
-          <a:ext cx="0" cy="0"/>
-          <a:chOff x="0" y="0"/>
-          <a:chExt cx="0" cy="0"/>
-        </a:xfrm>
-      </p:grpSpPr>
-      <p:sp>
-        <p:nvSpPr>
-          <p:cNvPr id="2" name="Title 1">
-            <a:extLst>
-              <a:ext uri="{FF2B5EF4-FFF2-40B4-BE49-F238E27FC236}">
-                <a16:creationId xmlns:a16="http://schemas.microsoft.com/office/drawing/2014/main" id="{B7EED9E0-09BF-A4FF-20FB-2C5463161567}"/>
-              </a:ext>
-            </a:extLst>
-          </p:cNvPr>
-          <p:cNvSpPr txBox="1">
-            <a:spLocks noGrp="1"/>
-          </p:cNvSpPr>
-          <p:nvPr>
-            <p:ph type="title"/>
-          </p:nvPr>
-        </p:nvSpPr>
-        <p:spPr/>
-        <p:txBody>
-          <a:bodyPr/>
-          <a:lstStyle/>
-          <a:p>
-            <a:pPr lvl="0">
-              <a:lnSpc>
-                <a:spcPct val="100000"/>
-              </a:lnSpc>
-            </a:pPr>
-            <a:r>
-              <a:rPr lang="en-GB" sz="5400" b="1" kern="0">
-                <a:solidFill>
-                  <a:srgbClr val="006388"/>
-                </a:solidFill>
-                <a:latin typeface="Fira Sans" pitchFamily="34"/>
-                <a:ea typeface="Fira Code" pitchFamily="49"/>
-              </a:rPr>
-              <a:t>Efficient project folder structure</a:t>
-            </a:r>
-            <a:endParaRPr lang="en-GB" sz="1800" kern="0"/>
-          </a:p>
-        </p:txBody>
-      </p:sp>
-      <p:sp>
-        <p:nvSpPr>
-          <p:cNvPr id="3" name="Content Placeholder 2">
-            <a:extLst>
-              <a:ext uri="{FF2B5EF4-FFF2-40B4-BE49-F238E27FC236}">
-                <a16:creationId xmlns:a16="http://schemas.microsoft.com/office/drawing/2014/main" id="{011646F0-AF56-94DB-7512-6D836C169817}"/>
-              </a:ext>
-            </a:extLst>
-          </p:cNvPr>
-          <p:cNvSpPr txBox="1">
-            <a:spLocks noGrp="1"/>
-          </p:cNvSpPr>
-          <p:nvPr>
-            <p:ph idx="1"/>
-          </p:nvPr>
-        </p:nvSpPr>
-        <p:spPr>
-          <a:xfrm>
-            <a:off x="838203" y="1825627"/>
-            <a:ext cx="10515600" cy="4667243"/>
-          </a:xfrm>
-        </p:spPr>
-        <p:txBody>
-          <a:bodyPr/>
-          <a:lstStyle/>
-          <a:p>
-            <a:pPr marL="0" lvl="0" indent="0">
-              <a:lnSpc>
-                <a:spcPct val="70000"/>
-              </a:lnSpc>
-              <a:buNone/>
-            </a:pPr>
-            <a:r>
-              <a:rPr lang="en-GB" sz="1900" dirty="0" err="1">
-                <a:solidFill>
-                  <a:srgbClr val="404040"/>
-                </a:solidFill>
-                <a:latin typeface="Fira Code" pitchFamily="49"/>
-                <a:ea typeface="Fira Code" pitchFamily="49"/>
-              </a:rPr>
-              <a:t>my_project</a:t>
-            </a:r>
-            <a:r>
-              <a:rPr lang="en-GB" sz="1900" dirty="0">
-                <a:solidFill>
-                  <a:srgbClr val="404040"/>
-                </a:solidFill>
-                <a:latin typeface="Fira Code" pitchFamily="49"/>
-                <a:ea typeface="Fira Code" pitchFamily="49"/>
-              </a:rPr>
-              <a:t>/</a:t>
-            </a:r>
-          </a:p>
-          <a:p>
-            <a:pPr marL="0" lvl="0" indent="0">
-              <a:lnSpc>
-                <a:spcPct val="70000"/>
-              </a:lnSpc>
-              <a:buNone/>
-            </a:pPr>
-            <a:r>
-              <a:rPr lang="en-GB" sz="1900" dirty="0">
-                <a:solidFill>
-                  <a:srgbClr val="404040"/>
-                </a:solidFill>
-                <a:latin typeface="Fira Code" pitchFamily="49"/>
-                <a:ea typeface="Fira Code" pitchFamily="49"/>
-              </a:rPr>
-              <a:t>├─ </a:t>
-            </a:r>
-            <a:r>
-              <a:rPr lang="en-GB" sz="1900" dirty="0" err="1">
-                <a:solidFill>
-                  <a:srgbClr val="404040"/>
-                </a:solidFill>
-                <a:latin typeface="Fira Code" pitchFamily="49"/>
-                <a:ea typeface="Fira Code" pitchFamily="49"/>
-              </a:rPr>
-              <a:t>raw_data</a:t>
-            </a:r>
-            <a:r>
-              <a:rPr lang="en-GB" sz="1900" dirty="0">
-                <a:solidFill>
-                  <a:srgbClr val="404040"/>
-                </a:solidFill>
-                <a:latin typeface="Fira Code" pitchFamily="49"/>
-                <a:ea typeface="Fira Code" pitchFamily="49"/>
-              </a:rPr>
-              <a:t>/</a:t>
-            </a:r>
-          </a:p>
-          <a:p>
-            <a:pPr marL="0" lvl="0" indent="0">
-              <a:lnSpc>
-                <a:spcPct val="70000"/>
-              </a:lnSpc>
-              <a:buNone/>
-            </a:pPr>
-            <a:r>
-              <a:rPr lang="en-GB" sz="1900" dirty="0">
-                <a:solidFill>
-                  <a:srgbClr val="404040"/>
-                </a:solidFill>
-                <a:latin typeface="Fira Code" pitchFamily="49"/>
-                <a:ea typeface="Fira Code" pitchFamily="49"/>
-              </a:rPr>
-              <a:t>│  ├─ questionnaire_data.csv</a:t>
-            </a:r>
-          </a:p>
-          <a:p>
-            <a:pPr marL="0" lvl="0" indent="0">
-              <a:lnSpc>
-                <a:spcPct val="70000"/>
-              </a:lnSpc>
-              <a:buNone/>
-            </a:pPr>
-            <a:r>
-              <a:rPr lang="en-GB" sz="1900" dirty="0">
-                <a:solidFill>
-                  <a:srgbClr val="404040"/>
-                </a:solidFill>
-                <a:latin typeface="Fira Code" pitchFamily="49"/>
-                <a:ea typeface="Fira Code" pitchFamily="49"/>
-              </a:rPr>
-              <a:t>├─ </a:t>
-            </a:r>
-            <a:r>
-              <a:rPr lang="en-GB" sz="1900" dirty="0" err="1">
-                <a:solidFill>
-                  <a:srgbClr val="404040"/>
-                </a:solidFill>
-                <a:latin typeface="Fira Code" pitchFamily="49"/>
-                <a:ea typeface="Fira Code" pitchFamily="49"/>
-              </a:rPr>
-              <a:t>processed_data</a:t>
-            </a:r>
-            <a:r>
-              <a:rPr lang="en-GB" sz="1900" dirty="0">
-                <a:solidFill>
-                  <a:srgbClr val="404040"/>
-                </a:solidFill>
-                <a:latin typeface="Fira Code" pitchFamily="49"/>
-                <a:ea typeface="Fira Code" pitchFamily="49"/>
-              </a:rPr>
-              <a:t>/</a:t>
-            </a:r>
-          </a:p>
-          <a:p>
-            <a:pPr marL="0" lvl="0" indent="0">
-              <a:lnSpc>
-                <a:spcPct val="70000"/>
-              </a:lnSpc>
-              <a:buNone/>
-            </a:pPr>
-            <a:r>
-              <a:rPr lang="en-GB" sz="1900" dirty="0">
-                <a:solidFill>
-                  <a:srgbClr val="404040"/>
-                </a:solidFill>
-                <a:latin typeface="Fira Code" pitchFamily="49"/>
-                <a:ea typeface="Fira Code" pitchFamily="49"/>
-              </a:rPr>
-              <a:t>│  ├─ </a:t>
-            </a:r>
-            <a:r>
-              <a:rPr lang="en-GB" sz="1900" dirty="0" err="1">
-                <a:solidFill>
-                  <a:srgbClr val="404040"/>
-                </a:solidFill>
-                <a:latin typeface="Fira Code" pitchFamily="49"/>
-                <a:ea typeface="Fira Code" pitchFamily="49"/>
-              </a:rPr>
-              <a:t>questionnaire_processed.rds</a:t>
-            </a:r>
-            <a:endParaRPr lang="en-GB" sz="1900" dirty="0">
-              <a:solidFill>
-                <a:srgbClr val="404040"/>
-              </a:solidFill>
-              <a:latin typeface="Fira Code" pitchFamily="49"/>
-              <a:ea typeface="Fira Code" pitchFamily="49"/>
-            </a:endParaRPr>
-          </a:p>
-          <a:p>
-            <a:pPr marL="0" lvl="0" indent="0">
-              <a:lnSpc>
-                <a:spcPct val="70000"/>
-              </a:lnSpc>
-              <a:buNone/>
-            </a:pPr>
-            <a:r>
-              <a:rPr lang="en-GB" sz="1900" dirty="0">
-                <a:solidFill>
-                  <a:srgbClr val="404040"/>
-                </a:solidFill>
-                <a:latin typeface="Fira Code" pitchFamily="49"/>
-                <a:ea typeface="Fira Code" pitchFamily="49"/>
-              </a:rPr>
-              <a:t>│  ├─ </a:t>
-            </a:r>
-            <a:r>
-              <a:rPr lang="en-GB" sz="1900" dirty="0" err="1">
-                <a:solidFill>
-                  <a:srgbClr val="404040"/>
-                </a:solidFill>
-                <a:latin typeface="Fira Code" pitchFamily="49"/>
-                <a:ea typeface="Fira Code" pitchFamily="49"/>
-              </a:rPr>
-              <a:t>analysis_object.rds</a:t>
-            </a:r>
-            <a:endParaRPr lang="en-GB" sz="1900" dirty="0">
-              <a:solidFill>
-                <a:srgbClr val="404040"/>
-              </a:solidFill>
-              <a:latin typeface="Fira Code" pitchFamily="49"/>
-              <a:ea typeface="Fira Code" pitchFamily="49"/>
-            </a:endParaRPr>
-          </a:p>
-          <a:p>
-            <a:pPr marL="0" lvl="0" indent="0">
-              <a:lnSpc>
-                <a:spcPct val="70000"/>
-              </a:lnSpc>
-              <a:buNone/>
-            </a:pPr>
-            <a:r>
-              <a:rPr lang="en-GB" sz="1900" dirty="0">
-                <a:solidFill>
-                  <a:srgbClr val="404040"/>
-                </a:solidFill>
-                <a:latin typeface="Fira Code" pitchFamily="49"/>
-                <a:ea typeface="Fira Code" pitchFamily="49"/>
-              </a:rPr>
-              <a:t>├─ </a:t>
-            </a:r>
-            <a:r>
-              <a:rPr lang="en-GB" sz="1900" dirty="0" err="1">
-                <a:solidFill>
-                  <a:srgbClr val="404040"/>
-                </a:solidFill>
-                <a:latin typeface="Fira Code" pitchFamily="49"/>
-                <a:ea typeface="Fira Code" pitchFamily="49"/>
-              </a:rPr>
-              <a:t>img</a:t>
-            </a:r>
-            <a:r>
-              <a:rPr lang="en-GB" sz="1900" dirty="0">
-                <a:solidFill>
-                  <a:srgbClr val="404040"/>
-                </a:solidFill>
-                <a:latin typeface="Fira Code" pitchFamily="49"/>
-                <a:ea typeface="Fira Code" pitchFamily="49"/>
-              </a:rPr>
-              <a:t>/</a:t>
-            </a:r>
-          </a:p>
-          <a:p>
-            <a:pPr marL="0" lvl="0" indent="0">
-              <a:lnSpc>
-                <a:spcPct val="70000"/>
-              </a:lnSpc>
-              <a:buNone/>
-            </a:pPr>
-            <a:r>
-              <a:rPr lang="en-GB" sz="1900" dirty="0">
-                <a:solidFill>
-                  <a:srgbClr val="404040"/>
-                </a:solidFill>
-                <a:latin typeface="Fira Code" pitchFamily="49"/>
-                <a:ea typeface="Fira Code" pitchFamily="49"/>
-              </a:rPr>
-              <a:t>│  ├─ plot.png</a:t>
-            </a:r>
-          </a:p>
-          <a:p>
-            <a:pPr marL="0" lvl="0" indent="0">
-              <a:lnSpc>
-                <a:spcPct val="70000"/>
-              </a:lnSpc>
-              <a:buNone/>
-            </a:pPr>
-            <a:r>
-              <a:rPr lang="en-GB" sz="1900" dirty="0">
-                <a:solidFill>
-                  <a:srgbClr val="404040"/>
-                </a:solidFill>
-                <a:latin typeface="Fira Code" pitchFamily="49"/>
-                <a:ea typeface="Fira Code" pitchFamily="49"/>
-              </a:rPr>
-              <a:t>├─ 01_load_and_process_data.R</a:t>
-            </a:r>
-          </a:p>
-          <a:p>
-            <a:pPr marL="0" lvl="0" indent="0">
-              <a:lnSpc>
-                <a:spcPct val="70000"/>
-              </a:lnSpc>
-              <a:buNone/>
-            </a:pPr>
-            <a:r>
-              <a:rPr lang="en-GB" sz="1900" dirty="0">
-                <a:solidFill>
-                  <a:srgbClr val="404040"/>
-                </a:solidFill>
-                <a:latin typeface="Fira Code" pitchFamily="49"/>
-                <a:ea typeface="Fira Code" pitchFamily="49"/>
-              </a:rPr>
-              <a:t>├─ 02_create_visualisations.R</a:t>
-            </a:r>
-          </a:p>
-          <a:p>
-            <a:pPr marL="0" lvl="0" indent="0">
-              <a:lnSpc>
-                <a:spcPct val="70000"/>
-              </a:lnSpc>
-              <a:buNone/>
-            </a:pPr>
-            <a:r>
-              <a:rPr lang="en-GB" sz="1900" dirty="0">
-                <a:solidFill>
-                  <a:srgbClr val="404040"/>
-                </a:solidFill>
-                <a:latin typeface="Fira Code" pitchFamily="49"/>
-                <a:ea typeface="Fira Code" pitchFamily="49"/>
-              </a:rPr>
-              <a:t>├─ 03_main_analysis.R</a:t>
-            </a:r>
-          </a:p>
-          <a:p>
-            <a:pPr marL="0" lvl="0" indent="0">
-              <a:lnSpc>
-                <a:spcPct val="70000"/>
-              </a:lnSpc>
-              <a:buNone/>
-            </a:pPr>
-            <a:r>
-              <a:rPr lang="en-GB" sz="1900" dirty="0">
-                <a:solidFill>
-                  <a:srgbClr val="404040"/>
-                </a:solidFill>
-                <a:latin typeface="Fira Code" pitchFamily="49"/>
-                <a:ea typeface="Fira Code" pitchFamily="49"/>
-              </a:rPr>
-              <a:t>├─ 04_output_results.R</a:t>
-            </a:r>
-          </a:p>
-          <a:p>
-            <a:pPr marL="0" lvl="0" indent="0">
-              <a:lnSpc>
-                <a:spcPct val="70000"/>
-              </a:lnSpc>
-              <a:buNone/>
-            </a:pPr>
-            <a:r>
-              <a:rPr lang="en-GB" sz="1900" dirty="0">
-                <a:solidFill>
-                  <a:srgbClr val="404040"/>
-                </a:solidFill>
-                <a:latin typeface="Fira Code" pitchFamily="49"/>
-                <a:ea typeface="Fira Code" pitchFamily="49"/>
-              </a:rPr>
-              <a:t>├─ </a:t>
-            </a:r>
-            <a:r>
-              <a:rPr lang="en-GB" sz="1900" dirty="0" err="1">
-                <a:solidFill>
-                  <a:srgbClr val="404040"/>
-                </a:solidFill>
-                <a:latin typeface="Fira Code" pitchFamily="49"/>
-                <a:ea typeface="Fira Code" pitchFamily="49"/>
-              </a:rPr>
-              <a:t>my_project.Rproj</a:t>
-            </a:r>
-            <a:endParaRPr lang="en-GB" sz="1900" dirty="0">
-              <a:solidFill>
-                <a:srgbClr val="404040"/>
-              </a:solidFill>
-              <a:latin typeface="Fira Code" pitchFamily="49"/>
-              <a:ea typeface="Fira Code" pitchFamily="49"/>
-            </a:endParaRPr>
-          </a:p>
-          <a:p>
-            <a:pPr marL="0" lvl="0" indent="0">
-              <a:lnSpc>
-                <a:spcPct val="70000"/>
-              </a:lnSpc>
-              <a:buNone/>
-            </a:pPr>
-            <a:r>
-              <a:rPr lang="en-GB" sz="1900" dirty="0">
-                <a:solidFill>
-                  <a:srgbClr val="404040"/>
-                </a:solidFill>
-                <a:latin typeface="Fira Code" pitchFamily="49"/>
-                <a:ea typeface="Fira Code" pitchFamily="49"/>
-              </a:rPr>
-              <a:t>├─ readme.md</a:t>
-            </a:r>
-          </a:p>
-          <a:p>
-            <a:pPr marL="0" lvl="0" indent="0">
-              <a:lnSpc>
-                <a:spcPct val="70000"/>
-              </a:lnSpc>
-              <a:buNone/>
-            </a:pPr>
-            <a:endParaRPr lang="en-GB" sz="1900" dirty="0">
-              <a:solidFill>
-                <a:srgbClr val="404040"/>
-              </a:solidFill>
-              <a:latin typeface="Fira Code" pitchFamily="49"/>
-              <a:ea typeface="Fira Code" pitchFamily="49"/>
-            </a:endParaRPr>
-          </a:p>
-        </p:txBody>
-      </p:sp>
-      <p:sp>
-        <p:nvSpPr>
-          <p:cNvPr id="4" name="TextBox 4">
-            <a:extLst>
-              <a:ext uri="{FF2B5EF4-FFF2-40B4-BE49-F238E27FC236}">
-                <a16:creationId xmlns:a16="http://schemas.microsoft.com/office/drawing/2014/main" id="{DB5D5E1A-41A4-2708-8FE1-4E580A0C51C5}"/>
-              </a:ext>
-            </a:extLst>
-          </p:cNvPr>
-          <p:cNvSpPr txBox="1"/>
-          <p:nvPr/>
-        </p:nvSpPr>
-        <p:spPr>
-          <a:xfrm>
-            <a:off x="6096003" y="2122752"/>
-            <a:ext cx="4864973" cy="646334"/>
-          </a:xfrm>
-          <a:prstGeom prst="rect">
-            <a:avLst/>
-          </a:prstGeom>
-          <a:noFill/>
-          <a:ln cap="flat">
-            <a:noFill/>
-          </a:ln>
-        </p:spPr>
-        <p:txBody>
-          <a:bodyPr vert="horz" wrap="square" lIns="91440" tIns="45720" rIns="91440" bIns="45720" anchor="t" anchorCtr="0" compatLnSpc="1">
-            <a:spAutoFit/>
-          </a:bodyPr>
-          <a:lstStyle/>
-          <a:p>
-            <a:pPr marL="0" marR="0" lvl="0" indent="0" algn="l" defTabSz="914400" rtl="0" fontAlgn="auto" hangingPunct="1">
-              <a:lnSpc>
-                <a:spcPct val="100000"/>
-              </a:lnSpc>
-              <a:spcBef>
-                <a:spcPts val="0"/>
-              </a:spcBef>
-              <a:spcAft>
-                <a:spcPts val="0"/>
-              </a:spcAft>
-              <a:buNone/>
-              <a:tabLst/>
-              <a:defRPr sz="1800" b="0" i="0" u="none" strike="noStrike" kern="0" cap="none" spc="0" baseline="0">
-                <a:solidFill>
-                  <a:srgbClr val="000000"/>
-                </a:solidFill>
-                <a:uFillTx/>
-              </a:defRPr>
-            </a:pPr>
-            <a:r>
-              <a:rPr lang="en-GB" sz="1800" b="1" i="0" u="none" strike="noStrike" kern="0" cap="none" spc="0" baseline="0" dirty="0">
-                <a:solidFill>
-                  <a:srgbClr val="006388"/>
-                </a:solidFill>
-                <a:uFillTx/>
-                <a:latin typeface="Fira Sans" pitchFamily="34"/>
-                <a:ea typeface="Fira Code" pitchFamily="49"/>
-              </a:rPr>
-              <a:t>At CBS, this is on a different disk (G:/)!</a:t>
-            </a:r>
-          </a:p>
-          <a:p>
-            <a:pPr marL="0" marR="0" lvl="0" indent="0" algn="l" defTabSz="914400" rtl="0" fontAlgn="auto" hangingPunct="1">
-              <a:lnSpc>
-                <a:spcPct val="100000"/>
-              </a:lnSpc>
-              <a:spcBef>
-                <a:spcPts val="0"/>
-              </a:spcBef>
-              <a:spcAft>
-                <a:spcPts val="0"/>
-              </a:spcAft>
-              <a:buNone/>
-              <a:tabLst/>
-              <a:defRPr sz="1800" b="0" i="0" u="none" strike="noStrike" kern="0" cap="none" spc="0" baseline="0">
-                <a:solidFill>
-                  <a:srgbClr val="000000"/>
-                </a:solidFill>
-                <a:uFillTx/>
-              </a:defRPr>
-            </a:pPr>
-            <a:r>
-              <a:rPr lang="en-GB" sz="1800" b="1" i="0" u="none" strike="noStrike" kern="0" cap="none" spc="0" baseline="0" dirty="0">
-                <a:solidFill>
-                  <a:srgbClr val="7F7F7F"/>
-                </a:solidFill>
-                <a:uFillTx/>
-                <a:latin typeface="Fira Sans" pitchFamily="34"/>
-                <a:ea typeface="Fira Code" pitchFamily="49"/>
-              </a:rPr>
-              <a:t>Does not count towards your 100GB quote</a:t>
-            </a:r>
-            <a:endParaRPr lang="en-NL" sz="1800" b="1" i="0" u="none" strike="noStrike" kern="1200" cap="none" spc="0" baseline="0" dirty="0">
-              <a:solidFill>
-                <a:srgbClr val="7F7F7F"/>
-              </a:solidFill>
-              <a:uFillTx/>
-              <a:latin typeface="Calibri"/>
-            </a:endParaRPr>
-          </a:p>
-        </p:txBody>
-      </p:sp>
-      <p:sp>
-        <p:nvSpPr>
-          <p:cNvPr id="5" name="TextBox 5">
-            <a:extLst>
-              <a:ext uri="{FF2B5EF4-FFF2-40B4-BE49-F238E27FC236}">
-                <a16:creationId xmlns:a16="http://schemas.microsoft.com/office/drawing/2014/main" id="{D3D56F22-B26A-08D6-C89F-5DC057DFA4C6}"/>
-              </a:ext>
-            </a:extLst>
-          </p:cNvPr>
-          <p:cNvSpPr txBox="1"/>
-          <p:nvPr/>
-        </p:nvSpPr>
-        <p:spPr>
-          <a:xfrm>
-            <a:off x="6096003" y="2961970"/>
-            <a:ext cx="4864973" cy="646334"/>
-          </a:xfrm>
-          <a:prstGeom prst="rect">
-            <a:avLst/>
-          </a:prstGeom>
-          <a:noFill/>
-          <a:ln cap="flat">
-            <a:noFill/>
-          </a:ln>
-        </p:spPr>
-        <p:txBody>
-          <a:bodyPr vert="horz" wrap="square" lIns="91440" tIns="45720" rIns="91440" bIns="45720" anchor="t" anchorCtr="0" compatLnSpc="1">
-            <a:spAutoFit/>
-          </a:bodyPr>
-          <a:lstStyle/>
-          <a:p>
-            <a:pPr marL="0" marR="0" lvl="0" indent="0" algn="l" defTabSz="914400" rtl="0" fontAlgn="auto" hangingPunct="1">
-              <a:lnSpc>
-                <a:spcPct val="100000"/>
-              </a:lnSpc>
-              <a:spcBef>
-                <a:spcPts val="0"/>
-              </a:spcBef>
-              <a:spcAft>
-                <a:spcPts val="0"/>
-              </a:spcAft>
-              <a:buNone/>
-              <a:tabLst/>
-              <a:defRPr sz="1800" b="0" i="0" u="none" strike="noStrike" kern="0" cap="none" spc="0" baseline="0">
-                <a:solidFill>
-                  <a:srgbClr val="000000"/>
-                </a:solidFill>
-                <a:uFillTx/>
-              </a:defRPr>
-            </a:pPr>
-            <a:r>
-              <a:rPr lang="en-GB" sz="1800" b="1" i="0" u="none" strike="noStrike" kern="0" cap="none" spc="0" baseline="0" dirty="0">
-                <a:solidFill>
-                  <a:srgbClr val="006388"/>
-                </a:solidFill>
-                <a:uFillTx/>
-                <a:latin typeface="Fira Sans" pitchFamily="34"/>
-                <a:ea typeface="Fira Code" pitchFamily="49"/>
-              </a:rPr>
-              <a:t>Make these objects efficiently stored</a:t>
-            </a:r>
-          </a:p>
-          <a:p>
-            <a:pPr marL="0" marR="0" lvl="0" indent="0" algn="l" defTabSz="914400" rtl="0" fontAlgn="auto" hangingPunct="1">
-              <a:lnSpc>
-                <a:spcPct val="100000"/>
-              </a:lnSpc>
-              <a:spcBef>
-                <a:spcPts val="0"/>
-              </a:spcBef>
-              <a:spcAft>
-                <a:spcPts val="0"/>
-              </a:spcAft>
-              <a:buNone/>
-              <a:tabLst/>
-              <a:defRPr sz="1800" b="0" i="0" u="none" strike="noStrike" kern="0" cap="none" spc="0" baseline="0">
-                <a:solidFill>
-                  <a:srgbClr val="000000"/>
-                </a:solidFill>
-                <a:uFillTx/>
-              </a:defRPr>
-            </a:pPr>
-            <a:r>
-              <a:rPr lang="en-GB" sz="1800" b="1" i="0" u="none" strike="noStrike" kern="0" cap="none" spc="0" baseline="0" dirty="0">
-                <a:solidFill>
-                  <a:srgbClr val="7F7F7F"/>
-                </a:solidFill>
-                <a:uFillTx/>
-                <a:latin typeface="Fira Sans" pitchFamily="34"/>
-                <a:ea typeface="Fira Code" pitchFamily="49"/>
-              </a:rPr>
-              <a:t>Depends on your application</a:t>
-            </a:r>
-            <a:endParaRPr lang="en-NL" sz="1800" b="1" i="0" u="none" strike="noStrike" kern="1200" cap="none" spc="0" baseline="0" dirty="0">
-              <a:solidFill>
-                <a:srgbClr val="7F7F7F"/>
-              </a:solidFill>
-              <a:uFillTx/>
-              <a:latin typeface="Calibri"/>
-            </a:endParaRPr>
-          </a:p>
-        </p:txBody>
-      </p:sp>
-      <p:sp>
-        <p:nvSpPr>
-          <p:cNvPr id="6" name="Rectangle 6">
-            <a:extLst>
-              <a:ext uri="{FF2B5EF4-FFF2-40B4-BE49-F238E27FC236}">
-                <a16:creationId xmlns:a16="http://schemas.microsoft.com/office/drawing/2014/main" id="{1ABC437F-D960-115C-35E1-5602EF34EA3E}"/>
-              </a:ext>
-            </a:extLst>
-          </p:cNvPr>
-          <p:cNvSpPr/>
-          <p:nvPr/>
-        </p:nvSpPr>
-        <p:spPr>
-          <a:xfrm>
-            <a:off x="882871" y="2093445"/>
-            <a:ext cx="10030812" cy="704929"/>
-          </a:xfrm>
-          <a:prstGeom prst="rect">
-            <a:avLst/>
-          </a:prstGeom>
-          <a:noFill/>
-          <a:ln w="12701" cap="flat">
-            <a:solidFill>
-              <a:srgbClr val="404040"/>
-            </a:solidFill>
-            <a:prstDash val="solid"/>
-            <a:miter/>
-          </a:ln>
-        </p:spPr>
-        <p:txBody>
-          <a:bodyPr vert="horz" wrap="square" lIns="91440" tIns="45720" rIns="91440" bIns="45720" anchor="ctr" anchorCtr="1" compatLnSpc="1">
-            <a:noAutofit/>
-          </a:bodyPr>
-          <a:lstStyle/>
-          <a:p>
-            <a:pPr marL="0" marR="0" lvl="0" indent="0" algn="ctr" defTabSz="914400" rtl="0" fontAlgn="auto" hangingPunct="1">
-              <a:lnSpc>
-                <a:spcPct val="100000"/>
-              </a:lnSpc>
-              <a:spcBef>
-                <a:spcPts val="0"/>
-              </a:spcBef>
-              <a:spcAft>
-                <a:spcPts val="0"/>
-              </a:spcAft>
-              <a:buNone/>
-              <a:tabLst/>
-              <a:defRPr sz="1800" b="0" i="0" u="none" strike="noStrike" kern="0" cap="none" spc="0" baseline="0">
-                <a:solidFill>
-                  <a:srgbClr val="000000"/>
-                </a:solidFill>
-                <a:uFillTx/>
-              </a:defRPr>
-            </a:pPr>
-            <a:endParaRPr lang="en-NL" sz="1800" b="0" i="0" u="none" strike="noStrike" kern="1200" cap="none" spc="0" baseline="0">
-              <a:solidFill>
-                <a:srgbClr val="FFFFFF"/>
-              </a:solidFill>
-              <a:uFillTx/>
-              <a:latin typeface="Calibri"/>
-            </a:endParaRPr>
-          </a:p>
-        </p:txBody>
-      </p:sp>
-      <p:sp>
-        <p:nvSpPr>
-          <p:cNvPr id="7" name="Rectangle 7">
-            <a:extLst>
-              <a:ext uri="{FF2B5EF4-FFF2-40B4-BE49-F238E27FC236}">
-                <a16:creationId xmlns:a16="http://schemas.microsoft.com/office/drawing/2014/main" id="{0AF4357E-A780-3C18-D720-95531E04AFFB}"/>
-              </a:ext>
-            </a:extLst>
-          </p:cNvPr>
-          <p:cNvSpPr/>
-          <p:nvPr/>
-        </p:nvSpPr>
-        <p:spPr>
-          <a:xfrm>
-            <a:off x="882871" y="2798374"/>
-            <a:ext cx="10030812" cy="973525"/>
-          </a:xfrm>
-          <a:prstGeom prst="rect">
-            <a:avLst/>
-          </a:prstGeom>
-          <a:noFill/>
-          <a:ln w="12701" cap="flat">
-            <a:solidFill>
-              <a:srgbClr val="404040"/>
-            </a:solidFill>
-            <a:prstDash val="solid"/>
-            <a:miter/>
-          </a:ln>
-        </p:spPr>
-        <p:txBody>
-          <a:bodyPr vert="horz" wrap="square" lIns="91440" tIns="45720" rIns="91440" bIns="45720" anchor="ctr" anchorCtr="1" compatLnSpc="1">
-            <a:noAutofit/>
-          </a:bodyPr>
-          <a:lstStyle/>
-          <a:p>
-            <a:pPr marL="0" marR="0" lvl="0" indent="0" algn="ctr" defTabSz="914400" rtl="0" fontAlgn="auto" hangingPunct="1">
-              <a:lnSpc>
-                <a:spcPct val="100000"/>
-              </a:lnSpc>
-              <a:spcBef>
-                <a:spcPts val="0"/>
-              </a:spcBef>
-              <a:spcAft>
-                <a:spcPts val="0"/>
-              </a:spcAft>
-              <a:buNone/>
-              <a:tabLst/>
-              <a:defRPr sz="1800" b="0" i="0" u="none" strike="noStrike" kern="0" cap="none" spc="0" baseline="0">
-                <a:solidFill>
-                  <a:srgbClr val="000000"/>
-                </a:solidFill>
-                <a:uFillTx/>
-              </a:defRPr>
-            </a:pPr>
-            <a:endParaRPr lang="en-NL" sz="1800" b="0" i="0" u="none" strike="noStrike" kern="1200" cap="none" spc="0" baseline="0">
-              <a:solidFill>
-                <a:srgbClr val="FFFFFF"/>
-              </a:solidFill>
-              <a:uFillTx/>
-              <a:latin typeface="Calibri"/>
-            </a:endParaRPr>
-          </a:p>
-        </p:txBody>
-      </p:sp>
-    </p:spTree>
-    <p:extLst>
-      <p:ext uri="{BB962C8B-B14F-4D97-AF65-F5344CB8AC3E}">
-        <p14:creationId xmlns:p14="http://schemas.microsoft.com/office/powerpoint/2010/main" val="4221590804"/>
-      </p:ext>
-    </p:extLst>
   </p:cSld>
   <p:clrMapOvr>
     <a:masterClrMapping/>
@@ -7134,7 +6478,7 @@
         <p:spPr>
           <a:xfrm>
             <a:off x="6096003" y="2961970"/>
-            <a:ext cx="4864973" cy="646334"/>
+            <a:ext cx="4864973" cy="923330"/>
           </a:xfrm>
           <a:prstGeom prst="rect">
             <a:avLst/>
@@ -7210,7 +6554,28 @@
                 <a:latin typeface="Fira Sans" pitchFamily="34"/>
                 <a:ea typeface="Fira Code" pitchFamily="49"/>
               </a:rPr>
-              <a:t>Depends on your application</a:t>
+              <a:t>Binary formats are better</a:t>
+            </a:r>
+            <a:br>
+              <a:rPr lang="en-GB" sz="1800" b="1" i="0" u="none" strike="noStrike" kern="0" cap="none" spc="0" baseline="0" dirty="0">
+                <a:solidFill>
+                  <a:srgbClr val="7F7F7F"/>
+                </a:solidFill>
+                <a:uFillTx/>
+                <a:latin typeface="Fira Sans" pitchFamily="34"/>
+                <a:ea typeface="Fira Code" pitchFamily="49"/>
+              </a:rPr>
+            </a:br>
+            <a:r>
+              <a:rPr lang="en-GB" sz="1800" b="1" i="0" u="none" strike="noStrike" kern="0" cap="none" spc="0" baseline="0" dirty="0">
+                <a:solidFill>
+                  <a:srgbClr val="7F7F7F"/>
+                </a:solidFill>
+                <a:uFillTx/>
+                <a:latin typeface="Fira Sans" pitchFamily="34"/>
+                <a:ea typeface="Fira Code" pitchFamily="49"/>
+              </a:rPr>
+              <a:t>later we’ll also see database files</a:t>
             </a:r>
             <a:endParaRPr lang="en-NL" sz="1800" b="1" i="0" u="none" strike="noStrike" kern="1200" cap="none" spc="0" baseline="0" dirty="0">
               <a:solidFill>
@@ -7301,7 +6666,7 @@
         <p:spPr>
           <a:xfrm>
             <a:off x="882871" y="2798374"/>
-            <a:ext cx="10030812" cy="973525"/>
+            <a:ext cx="10030812" cy="1637324"/>
           </a:xfrm>
           <a:prstGeom prst="rect">
             <a:avLst/>
@@ -7350,175 +6715,10 @@
           </a:p>
         </p:txBody>
       </p:sp>
-      <p:sp>
-        <p:nvSpPr>
-          <p:cNvPr id="8" name="TextBox 5">
-            <a:extLst>
-              <a:ext uri="{FF2B5EF4-FFF2-40B4-BE49-F238E27FC236}">
-                <a16:creationId xmlns:a16="http://schemas.microsoft.com/office/drawing/2014/main" id="{47549F4A-F3B8-03FD-00FE-1D7EDB22FDC2}"/>
-              </a:ext>
-            </a:extLst>
-          </p:cNvPr>
-          <p:cNvSpPr txBox="1"/>
-          <p:nvPr/>
-        </p:nvSpPr>
-        <p:spPr>
-          <a:xfrm>
-            <a:off x="6127264" y="4766836"/>
-            <a:ext cx="4864973" cy="646334"/>
-          </a:xfrm>
-          <a:prstGeom prst="rect">
-            <a:avLst/>
-          </a:prstGeom>
-          <a:noFill/>
-          <a:ln cap="flat">
-            <a:noFill/>
-          </a:ln>
-        </p:spPr>
-        <p:txBody>
-          <a:bodyPr vert="horz" wrap="square" lIns="91440" tIns="45720" rIns="91440" bIns="45720" anchor="t" anchorCtr="0" compatLnSpc="1">
-            <a:spAutoFit/>
-          </a:bodyPr>
-          <a:lstStyle/>
-          <a:p>
-            <a:pPr marL="0" marR="0" lvl="0" indent="0" algn="l" defTabSz="914400" rtl="0" fontAlgn="auto" hangingPunct="1">
-              <a:lnSpc>
-                <a:spcPct val="100000"/>
-              </a:lnSpc>
-              <a:spcBef>
-                <a:spcPts val="0"/>
-              </a:spcBef>
-              <a:spcAft>
-                <a:spcPts val="0"/>
-              </a:spcAft>
-              <a:buNone/>
-              <a:tabLst/>
-              <a:defRPr sz="1800" b="0" i="0" u="none" strike="noStrike" kern="0" cap="none" spc="0" baseline="0">
-                <a:solidFill>
-                  <a:srgbClr val="000000"/>
-                </a:solidFill>
-                <a:uFillTx/>
-              </a:defRPr>
-            </a:pPr>
-            <a:r>
-              <a:rPr lang="en-GB" sz="1800" b="1" i="0" u="none" strike="noStrike" kern="0" cap="none" spc="0" baseline="0" dirty="0">
-                <a:solidFill>
-                  <a:srgbClr val="006388"/>
-                </a:solidFill>
-                <a:uFillTx/>
-                <a:latin typeface="Fira Sans" pitchFamily="34"/>
-                <a:ea typeface="Fira Code" pitchFamily="49"/>
-              </a:rPr>
-              <a:t>Clear ordering &amp; separation of tasks</a:t>
-            </a:r>
-          </a:p>
-          <a:p>
-            <a:pPr marL="0" marR="0" lvl="0" indent="0" algn="l" defTabSz="914400" rtl="0" fontAlgn="auto" hangingPunct="1">
-              <a:lnSpc>
-                <a:spcPct val="100000"/>
-              </a:lnSpc>
-              <a:spcBef>
-                <a:spcPts val="0"/>
-              </a:spcBef>
-              <a:spcAft>
-                <a:spcPts val="0"/>
-              </a:spcAft>
-              <a:buNone/>
-              <a:tabLst/>
-              <a:defRPr sz="1800" b="0" i="0" u="none" strike="noStrike" kern="0" cap="none" spc="0" baseline="0">
-                <a:solidFill>
-                  <a:srgbClr val="000000"/>
-                </a:solidFill>
-                <a:uFillTx/>
-              </a:defRPr>
-            </a:pPr>
-            <a:r>
-              <a:rPr lang="en-US" b="1" dirty="0">
-                <a:solidFill>
-                  <a:srgbClr val="7F7F7F"/>
-                </a:solidFill>
-                <a:latin typeface="Calibri"/>
-              </a:rPr>
-              <a:t>Separating preprocessing &amp; analysis</a:t>
-            </a:r>
-            <a:endParaRPr lang="en-NL" sz="1800" b="1" i="0" u="none" strike="noStrike" kern="1200" cap="none" spc="0" baseline="0" dirty="0">
-              <a:solidFill>
-                <a:srgbClr val="7F7F7F"/>
-              </a:solidFill>
-              <a:uFillTx/>
-              <a:latin typeface="Calibri"/>
-            </a:endParaRPr>
-          </a:p>
-        </p:txBody>
-      </p:sp>
-      <p:sp>
-        <p:nvSpPr>
-          <p:cNvPr id="9" name="Rectangle 7">
-            <a:extLst>
-              <a:ext uri="{FF2B5EF4-FFF2-40B4-BE49-F238E27FC236}">
-                <a16:creationId xmlns:a16="http://schemas.microsoft.com/office/drawing/2014/main" id="{BC3A6CD7-5610-9EFA-F412-4FA4C8A19275}"/>
-              </a:ext>
-            </a:extLst>
-          </p:cNvPr>
-          <p:cNvSpPr/>
-          <p:nvPr/>
-        </p:nvSpPr>
-        <p:spPr>
-          <a:xfrm>
-            <a:off x="882871" y="4435698"/>
-            <a:ext cx="10030812" cy="1308610"/>
-          </a:xfrm>
-          <a:prstGeom prst="rect">
-            <a:avLst/>
-          </a:prstGeom>
-          <a:noFill/>
-          <a:ln w="12701" cap="flat">
-            <a:solidFill>
-              <a:srgbClr val="404040"/>
-            </a:solidFill>
-            <a:prstDash val="solid"/>
-            <a:miter/>
-          </a:ln>
-        </p:spPr>
-        <p:txBody>
-          <a:bodyPr vert="horz" wrap="square" lIns="91440" tIns="45720" rIns="91440" bIns="45720" anchor="ctr" anchorCtr="1" compatLnSpc="1">
-            <a:noAutofit/>
-          </a:bodyPr>
-          <a:lstStyle/>
-          <a:p>
-            <a:pPr marL="0" marR="0" lvl="0" indent="0" algn="ctr" defTabSz="914400" rtl="0" fontAlgn="auto" hangingPunct="1">
-              <a:lnSpc>
-                <a:spcPct val="100000"/>
-              </a:lnSpc>
-              <a:spcBef>
-                <a:spcPts val="0"/>
-              </a:spcBef>
-              <a:spcAft>
-                <a:spcPts val="0"/>
-              </a:spcAft>
-              <a:buNone/>
-              <a:tabLst/>
-              <a:defRPr sz="1800" b="0" i="0" u="none" strike="noStrike" kern="0" cap="none" spc="0" baseline="0">
-                <a:solidFill>
-                  <a:srgbClr val="000000"/>
-                </a:solidFill>
-                <a:uFillTx/>
-              </a:defRPr>
-            </a:pPr>
-            <a:endParaRPr lang="en-NL" sz="1800" b="0" i="0" u="none" strike="noStrike" kern="1200" cap="none" spc="0" baseline="0">
-              <a:solidFill>
-                <a:srgbClr val="FFFFFF"/>
-              </a:solidFill>
-              <a:uFillTx/>
-              <a:latin typeface="Calibri"/>
-            </a:endParaRPr>
-          </a:p>
-        </p:txBody>
-      </p:sp>
     </p:spTree>
     <p:extLst>
       <p:ext uri="{BB962C8B-B14F-4D97-AF65-F5344CB8AC3E}">
-        <p14:creationId xmlns:p14="http://schemas.microsoft.com/office/powerpoint/2010/main" val="753550426"/>
+        <p14:creationId xmlns:p14="http://schemas.microsoft.com/office/powerpoint/2010/main" val="1468869790"/>
       </p:ext>
     </p:extLst>
   </p:cSld>
@@ -8442,7 +7642,8 @@
                 <a:solidFill>
                   <a:srgbClr val="7F7F7F"/>
                 </a:solidFill>
-                <a:latin typeface="Calibri"/>
+                <a:latin typeface="Fira Sans" panose="020B0503050000020004" pitchFamily="34" charset="0"/>
+                <a:ea typeface="Fira Sans" panose="020B0503050000020004" pitchFamily="34" charset="0"/>
               </a:rPr>
               <a:t>Separating preprocessing &amp; analysis</a:t>
             </a:r>
@@ -8451,7 +7652,8 @@
                 <a:srgbClr val="7F7F7F"/>
               </a:solidFill>
               <a:uFillTx/>
-              <a:latin typeface="Calibri"/>
+              <a:latin typeface="Fira Sans" panose="020B0503050000020004" pitchFamily="34" charset="0"/>
+              <a:ea typeface="Fira Sans" panose="020B0503050000020004" pitchFamily="34" charset="0"/>
             </a:endParaRPr>
           </a:p>
         </p:txBody>
@@ -8520,160 +7722,10 @@
           </a:p>
         </p:txBody>
       </p:sp>
-      <p:sp>
-        <p:nvSpPr>
-          <p:cNvPr id="10" name="TextBox 4">
-            <a:extLst>
-              <a:ext uri="{FF2B5EF4-FFF2-40B4-BE49-F238E27FC236}">
-                <a16:creationId xmlns:a16="http://schemas.microsoft.com/office/drawing/2014/main" id="{A996124E-D3B7-849B-CC9C-9235B81C7321}"/>
-              </a:ext>
-            </a:extLst>
-          </p:cNvPr>
-          <p:cNvSpPr txBox="1"/>
-          <p:nvPr/>
-        </p:nvSpPr>
-        <p:spPr>
-          <a:xfrm>
-            <a:off x="6096003" y="5768890"/>
-            <a:ext cx="4864973" cy="369332"/>
-          </a:xfrm>
-          <a:prstGeom prst="rect">
-            <a:avLst/>
-          </a:prstGeom>
-          <a:noFill/>
-          <a:ln cap="flat">
-            <a:noFill/>
-          </a:ln>
-        </p:spPr>
-        <p:txBody>
-          <a:bodyPr vert="horz" wrap="square" lIns="91440" tIns="45720" rIns="91440" bIns="45720" anchor="t" anchorCtr="0" compatLnSpc="1">
-            <a:spAutoFit/>
-          </a:bodyPr>
-          <a:lstStyle/>
-          <a:p>
-            <a:pPr marL="0" marR="0" lvl="0" indent="0" algn="l" defTabSz="914400" rtl="0" fontAlgn="auto" hangingPunct="1">
-              <a:lnSpc>
-                <a:spcPct val="100000"/>
-              </a:lnSpc>
-              <a:spcBef>
-                <a:spcPts val="0"/>
-              </a:spcBef>
-              <a:spcAft>
-                <a:spcPts val="0"/>
-              </a:spcAft>
-              <a:buNone/>
-              <a:tabLst/>
-              <a:defRPr sz="1800" b="0" i="0" u="none" strike="noStrike" kern="0" cap="none" spc="0" baseline="0">
-                <a:solidFill>
-                  <a:srgbClr val="000000"/>
-                </a:solidFill>
-                <a:uFillTx/>
-              </a:defRPr>
-            </a:pPr>
-            <a:r>
-              <a:rPr lang="en-GB" sz="1800" b="1" i="0" u="none" strike="noStrike" kern="0" cap="none" spc="0" baseline="0" dirty="0">
-                <a:solidFill>
-                  <a:srgbClr val="006388"/>
-                </a:solidFill>
-                <a:uFillTx/>
-                <a:latin typeface="Fira Sans" pitchFamily="34"/>
-                <a:ea typeface="Fira Code" pitchFamily="49"/>
-              </a:rPr>
-              <a:t>Use .</a:t>
-            </a:r>
-            <a:r>
-              <a:rPr lang="en-GB" sz="1800" b="1" i="0" u="none" strike="noStrike" kern="0" cap="none" spc="0" baseline="0" dirty="0" err="1">
-                <a:solidFill>
-                  <a:srgbClr val="006388"/>
-                </a:solidFill>
-                <a:uFillTx/>
-                <a:latin typeface="Fira Sans" pitchFamily="34"/>
-                <a:ea typeface="Fira Code" pitchFamily="49"/>
-              </a:rPr>
-              <a:t>Rproj</a:t>
-            </a:r>
-            <a:r>
-              <a:rPr lang="en-GB" sz="1800" b="1" i="0" u="none" strike="noStrike" kern="0" cap="none" spc="0" baseline="0" dirty="0">
-                <a:solidFill>
-                  <a:srgbClr val="006388"/>
-                </a:solidFill>
-                <a:uFillTx/>
-                <a:latin typeface="Fira Sans" pitchFamily="34"/>
-                <a:ea typeface="Fira Code" pitchFamily="49"/>
-              </a:rPr>
-              <a:t> file for portability</a:t>
-            </a:r>
-          </a:p>
-        </p:txBody>
-      </p:sp>
-      <p:sp>
-        <p:nvSpPr>
-          <p:cNvPr id="11" name="Rectangle 6">
-            <a:extLst>
-              <a:ext uri="{FF2B5EF4-FFF2-40B4-BE49-F238E27FC236}">
-                <a16:creationId xmlns:a16="http://schemas.microsoft.com/office/drawing/2014/main" id="{7C47916F-7B57-585D-3E8E-683347B9F80C}"/>
-              </a:ext>
-            </a:extLst>
-          </p:cNvPr>
-          <p:cNvSpPr/>
-          <p:nvPr/>
-        </p:nvSpPr>
-        <p:spPr>
-          <a:xfrm>
-            <a:off x="882871" y="5739584"/>
-            <a:ext cx="10030812" cy="369332"/>
-          </a:xfrm>
-          <a:prstGeom prst="rect">
-            <a:avLst/>
-          </a:prstGeom>
-          <a:noFill/>
-          <a:ln w="12701" cap="flat">
-            <a:solidFill>
-              <a:srgbClr val="404040"/>
-            </a:solidFill>
-            <a:prstDash val="solid"/>
-            <a:miter/>
-          </a:ln>
-        </p:spPr>
-        <p:txBody>
-          <a:bodyPr vert="horz" wrap="square" lIns="91440" tIns="45720" rIns="91440" bIns="45720" anchor="ctr" anchorCtr="1" compatLnSpc="1">
-            <a:noAutofit/>
-          </a:bodyPr>
-          <a:lstStyle/>
-          <a:p>
-            <a:pPr marL="0" marR="0" lvl="0" indent="0" algn="ctr" defTabSz="914400" rtl="0" fontAlgn="auto" hangingPunct="1">
-              <a:lnSpc>
-                <a:spcPct val="100000"/>
-              </a:lnSpc>
-              <a:spcBef>
-                <a:spcPts val="0"/>
-              </a:spcBef>
-              <a:spcAft>
-                <a:spcPts val="0"/>
-              </a:spcAft>
-              <a:buNone/>
-              <a:tabLst/>
-              <a:defRPr sz="1800" b="0" i="0" u="none" strike="noStrike" kern="0" cap="none" spc="0" baseline="0">
-                <a:solidFill>
-                  <a:srgbClr val="000000"/>
-                </a:solidFill>
-                <a:uFillTx/>
-              </a:defRPr>
-            </a:pPr>
-            <a:endParaRPr lang="en-NL" sz="1800" b="0" i="0" u="none" strike="noStrike" kern="1200" cap="none" spc="0" baseline="0">
-              <a:solidFill>
-                <a:srgbClr val="FFFFFF"/>
-              </a:solidFill>
-              <a:uFillTx/>
-              <a:latin typeface="Calibri"/>
-            </a:endParaRPr>
-          </a:p>
-        </p:txBody>
-      </p:sp>
     </p:spTree>
     <p:extLst>
       <p:ext uri="{BB962C8B-B14F-4D97-AF65-F5344CB8AC3E}">
-        <p14:creationId xmlns:p14="http://schemas.microsoft.com/office/powerpoint/2010/main" val="1468869790"/>
+        <p14:creationId xmlns:p14="http://schemas.microsoft.com/office/powerpoint/2010/main" val="3595527112"/>
       </p:ext>
     </p:extLst>
   </p:cSld>
@@ -9597,7 +8649,8 @@
                 <a:solidFill>
                   <a:srgbClr val="7F7F7F"/>
                 </a:solidFill>
-                <a:latin typeface="Calibri"/>
+                <a:latin typeface="Fira Sans" panose="020B0503050000020004" pitchFamily="34" charset="0"/>
+                <a:ea typeface="Fira Sans" panose="020B0503050000020004" pitchFamily="34" charset="0"/>
               </a:rPr>
               <a:t>Separating preprocessing &amp; analysis</a:t>
             </a:r>
@@ -9606,7 +8659,8 @@
                 <a:srgbClr val="7F7F7F"/>
               </a:solidFill>
               <a:uFillTx/>
-              <a:latin typeface="Calibri"/>
+              <a:latin typeface="Fira Sans" panose="020B0503050000020004" pitchFamily="34" charset="0"/>
+              <a:ea typeface="Fira Sans" panose="020B0503050000020004" pitchFamily="34" charset="0"/>
             </a:endParaRPr>
           </a:p>
         </p:txBody>
@@ -9828,7 +8882,7 @@
     </p:spTree>
     <p:extLst>
       <p:ext uri="{BB962C8B-B14F-4D97-AF65-F5344CB8AC3E}">
-        <p14:creationId xmlns:p14="http://schemas.microsoft.com/office/powerpoint/2010/main" val="4013318723"/>
+        <p14:creationId xmlns:p14="http://schemas.microsoft.com/office/powerpoint/2010/main" val="201491451"/>
       </p:ext>
     </p:extLst>
   </p:cSld>
@@ -9955,222 +9009,6 @@
 <file path=ppt/slides/slide18.xml><?xml version="1.0" encoding="utf-8"?>
 <p:sld xmlns:a="http://schemas.openxmlformats.org/drawingml/2006/main" xmlns:r="http://schemas.openxmlformats.org/officeDocument/2006/relationships" xmlns:p="http://schemas.openxmlformats.org/presentationml/2006/main">
   <p:cSld>
-    <p:spTree>
-      <p:nvGrpSpPr>
-        <p:cNvPr id="1" name=""/>
-        <p:cNvGrpSpPr/>
-        <p:nvPr/>
-      </p:nvGrpSpPr>
-      <p:grpSpPr>
-        <a:xfrm>
-          <a:off x="0" y="0"/>
-          <a:ext cx="0" cy="0"/>
-          <a:chOff x="0" y="0"/>
-          <a:chExt cx="0" cy="0"/>
-        </a:xfrm>
-      </p:grpSpPr>
-      <p:sp>
-        <p:nvSpPr>
-          <p:cNvPr id="2" name="Title 1">
-            <a:extLst>
-              <a:ext uri="{FF2B5EF4-FFF2-40B4-BE49-F238E27FC236}">
-                <a16:creationId xmlns:a16="http://schemas.microsoft.com/office/drawing/2014/main" id="{D498ADB7-680B-954F-DAAE-4638E7C2038C}"/>
-              </a:ext>
-            </a:extLst>
-          </p:cNvPr>
-          <p:cNvSpPr txBox="1">
-            <a:spLocks noGrp="1"/>
-          </p:cNvSpPr>
-          <p:nvPr>
-            <p:ph type="title"/>
-          </p:nvPr>
-        </p:nvSpPr>
-        <p:spPr/>
-        <p:txBody>
-          <a:bodyPr/>
-          <a:lstStyle/>
-          <a:p>
-            <a:pPr lvl="0">
-              <a:lnSpc>
-                <a:spcPct val="100000"/>
-              </a:lnSpc>
-            </a:pPr>
-            <a:r>
-              <a:rPr lang="en-GB" sz="5400" b="1" kern="0" dirty="0">
-                <a:solidFill>
-                  <a:srgbClr val="006388"/>
-                </a:solidFill>
-                <a:latin typeface="Fira Sans" pitchFamily="34"/>
-                <a:ea typeface="Fira Code" pitchFamily="49"/>
-              </a:rPr>
-              <a:t>Today</a:t>
-            </a:r>
-            <a:endParaRPr lang="en-GB" sz="1800" kern="0" dirty="0"/>
-          </a:p>
-        </p:txBody>
-      </p:sp>
-      <p:sp>
-        <p:nvSpPr>
-          <p:cNvPr id="3" name="Content Placeholder 2">
-            <a:extLst>
-              <a:ext uri="{FF2B5EF4-FFF2-40B4-BE49-F238E27FC236}">
-                <a16:creationId xmlns:a16="http://schemas.microsoft.com/office/drawing/2014/main" id="{D1010590-C015-8AF6-DE6B-0E74807124E7}"/>
-              </a:ext>
-            </a:extLst>
-          </p:cNvPr>
-          <p:cNvSpPr txBox="1">
-            <a:spLocks noGrp="1"/>
-          </p:cNvSpPr>
-          <p:nvPr>
-            <p:ph idx="1"/>
-          </p:nvPr>
-        </p:nvSpPr>
-        <p:spPr>
-          <a:xfrm>
-            <a:off x="838203" y="1825627"/>
-            <a:ext cx="5828321" cy="4667243"/>
-          </a:xfrm>
-        </p:spPr>
-        <p:txBody>
-          <a:bodyPr>
-            <a:normAutofit/>
-          </a:bodyPr>
-          <a:lstStyle/>
-          <a:p>
-            <a:pPr lvl="0"/>
-            <a:r>
-              <a:rPr lang="en-GB" sz="3200" dirty="0">
-                <a:solidFill>
-                  <a:srgbClr val="404040"/>
-                </a:solidFill>
-                <a:latin typeface="Fira Sans" pitchFamily="34"/>
-              </a:rPr>
-              <a:t>The CBS RA fundamentals</a:t>
-            </a:r>
-          </a:p>
-          <a:p>
-            <a:pPr lvl="0"/>
-            <a:r>
-              <a:rPr lang="en-GB" sz="3200" dirty="0">
-                <a:solidFill>
-                  <a:srgbClr val="404040"/>
-                </a:solidFill>
-                <a:latin typeface="Fira Sans" pitchFamily="34"/>
-              </a:rPr>
-              <a:t>Project structure &amp; reproducibility</a:t>
-            </a:r>
-          </a:p>
-          <a:p>
-            <a:pPr lvl="0"/>
-            <a:r>
-              <a:rPr lang="en-GB" sz="3200" dirty="0">
-                <a:solidFill>
-                  <a:srgbClr val="404040"/>
-                </a:solidFill>
-                <a:latin typeface="Fira Sans" pitchFamily="34"/>
-              </a:rPr>
-              <a:t>Efficient data handling</a:t>
-            </a:r>
-          </a:p>
-          <a:p>
-            <a:pPr lvl="1"/>
-            <a:r>
-              <a:rPr lang="en-GB" sz="2800" dirty="0">
-                <a:solidFill>
-                  <a:srgbClr val="404040"/>
-                </a:solidFill>
-                <a:latin typeface="Fira Sans" pitchFamily="34"/>
-              </a:rPr>
-              <a:t>Storage</a:t>
-            </a:r>
-          </a:p>
-          <a:p>
-            <a:pPr lvl="1"/>
-            <a:r>
-              <a:rPr lang="en-GB" sz="2800" dirty="0">
-                <a:solidFill>
-                  <a:srgbClr val="404040"/>
-                </a:solidFill>
-                <a:latin typeface="Fira Sans" pitchFamily="34"/>
-              </a:rPr>
-              <a:t>Memory</a:t>
-            </a:r>
-          </a:p>
-          <a:p>
-            <a:pPr marL="457200" lvl="1" indent="0">
-              <a:buNone/>
-            </a:pPr>
-            <a:endParaRPr lang="en-GB" sz="2800" dirty="0">
-              <a:solidFill>
-                <a:srgbClr val="404040"/>
-              </a:solidFill>
-              <a:latin typeface="Fira Sans" pitchFamily="34"/>
-            </a:endParaRPr>
-          </a:p>
-          <a:p>
-            <a:pPr lvl="0"/>
-            <a:r>
-              <a:rPr lang="en-GB" sz="3200" dirty="0">
-                <a:solidFill>
-                  <a:srgbClr val="404040"/>
-                </a:solidFill>
-                <a:latin typeface="Fira Sans" pitchFamily="34"/>
-              </a:rPr>
-              <a:t>Consultation &amp; exercise!</a:t>
-            </a:r>
-          </a:p>
-        </p:txBody>
-      </p:sp>
-      <p:pic>
-        <p:nvPicPr>
-          <p:cNvPr id="4" name="Picture 4" descr="A picture containing text&#10;&#10;Description automatically generated">
-            <a:extLst>
-              <a:ext uri="{FF2B5EF4-FFF2-40B4-BE49-F238E27FC236}">
-                <a16:creationId xmlns:a16="http://schemas.microsoft.com/office/drawing/2014/main" id="{577B5F0C-B07D-CB82-4E77-B12DF81106B3}"/>
-              </a:ext>
-            </a:extLst>
-          </p:cNvPr>
-          <p:cNvPicPr>
-            <a:picLocks noChangeAspect="1"/>
-          </p:cNvPicPr>
-          <p:nvPr/>
-        </p:nvPicPr>
-        <p:blipFill>
-          <a:blip r:embed="rId2"/>
-          <a:stretch>
-            <a:fillRect/>
-          </a:stretch>
-        </p:blipFill>
-        <p:spPr>
-          <a:xfrm>
-            <a:off x="6532437" y="1690689"/>
-            <a:ext cx="4944455" cy="4421694"/>
-          </a:xfrm>
-          <a:prstGeom prst="rect">
-            <a:avLst/>
-          </a:prstGeom>
-          <a:noFill/>
-          <a:ln cap="flat">
-            <a:noFill/>
-          </a:ln>
-        </p:spPr>
-      </p:pic>
-    </p:spTree>
-    <p:extLst>
-      <p:ext uri="{BB962C8B-B14F-4D97-AF65-F5344CB8AC3E}">
-        <p14:creationId xmlns:p14="http://schemas.microsoft.com/office/powerpoint/2010/main" val="3843530996"/>
-      </p:ext>
-    </p:extLst>
-  </p:cSld>
-  <p:clrMapOvr>
-    <a:masterClrMapping/>
-  </p:clrMapOvr>
-</p:sld>
-</file>
-
-<file path=ppt/slides/slide19.xml><?xml version="1.0" encoding="utf-8"?>
-<p:sld xmlns:a="http://schemas.openxmlformats.org/drawingml/2006/main" xmlns:r="http://schemas.openxmlformats.org/officeDocument/2006/relationships" xmlns:p="http://schemas.openxmlformats.org/presentationml/2006/main">
-  <p:cSld>
     <p:bg>
       <p:bgPr>
         <a:solidFill>
@@ -10211,12 +9049,14 @@
         </p:nvSpPr>
         <p:spPr>
           <a:xfrm>
-            <a:off x="838203" y="2766220"/>
+            <a:off x="838203" y="3429000"/>
             <a:ext cx="10515600" cy="1325559"/>
           </a:xfrm>
         </p:spPr>
         <p:txBody>
-          <a:bodyPr anchorCtr="1"/>
+          <a:bodyPr anchorCtr="1">
+            <a:normAutofit fontScale="90000"/>
+          </a:bodyPr>
           <a:lstStyle/>
           <a:p>
             <a:pPr lvl="0" algn="ctr">
@@ -10232,7 +9072,7 @@
                 <a:latin typeface="Fira Sans" pitchFamily="34"/>
                 <a:ea typeface="Fira Code" pitchFamily="49"/>
               </a:rPr>
-              <a:t>Efficient data handling</a:t>
+              <a:t>Reproducibility &amp; offline workflow</a:t>
             </a:r>
             <a:endParaRPr lang="en-GB" sz="1800" kern="0" dirty="0">
               <a:solidFill>
@@ -10242,10 +9082,471 @@
           </a:p>
         </p:txBody>
       </p:sp>
+      <p:grpSp>
+        <p:nvGrpSpPr>
+          <p:cNvPr id="16" name="Group 15">
+            <a:extLst>
+              <a:ext uri="{FF2B5EF4-FFF2-40B4-BE49-F238E27FC236}">
+                <a16:creationId xmlns:a16="http://schemas.microsoft.com/office/drawing/2014/main" id="{4FB90631-C664-730C-3E67-AABB30237A8A}"/>
+              </a:ext>
+            </a:extLst>
+          </p:cNvPr>
+          <p:cNvGrpSpPr/>
+          <p:nvPr/>
+        </p:nvGrpSpPr>
+        <p:grpSpPr>
+          <a:xfrm>
+            <a:off x="5385000" y="1752280"/>
+            <a:ext cx="1526040" cy="1676715"/>
+            <a:chOff x="5385000" y="1752280"/>
+            <a:chExt cx="1526040" cy="1676715"/>
+          </a:xfrm>
+        </p:grpSpPr>
+        <mc:AlternateContent xmlns:mc="http://schemas.openxmlformats.org/markup-compatibility/2006">
+          <mc:Choice xmlns:p14="http://schemas.microsoft.com/office/powerpoint/2010/main" Requires="p14">
+            <p:contentPart p14:bwMode="auto" r:id="rId2">
+              <p14:nvContentPartPr>
+                <p14:cNvPr id="10" name="Ink 9">
+                  <a:extLst>
+                    <a:ext uri="{FF2B5EF4-FFF2-40B4-BE49-F238E27FC236}">
+                      <a16:creationId xmlns:a16="http://schemas.microsoft.com/office/drawing/2014/main" id="{F517F923-2A91-EBDE-A682-4791B821E05A}"/>
+                    </a:ext>
+                  </a:extLst>
+                </p14:cNvPr>
+                <p14:cNvContentPartPr/>
+                <p14:nvPr/>
+              </p14:nvContentPartPr>
+              <p14:xfrm>
+                <a:off x="5385000" y="2103439"/>
+                <a:ext cx="1422000" cy="1226309"/>
+              </p14:xfrm>
+            </p:contentPart>
+          </mc:Choice>
+          <mc:Fallback>
+            <p:pic>
+              <p:nvPicPr>
+                <p:cNvPr id="10" name="Ink 9">
+                  <a:extLst>
+                    <a:ext uri="{FF2B5EF4-FFF2-40B4-BE49-F238E27FC236}">
+                      <a16:creationId xmlns:a16="http://schemas.microsoft.com/office/drawing/2014/main" id="{F517F923-2A91-EBDE-A682-4791B821E05A}"/>
+                    </a:ext>
+                  </a:extLst>
+                </p:cNvPr>
+                <p:cNvPicPr/>
+                <p:nvPr/>
+              </p:nvPicPr>
+              <p:blipFill>
+                <a:blip r:embed="rId3"/>
+                <a:stretch>
+                  <a:fillRect/>
+                </a:stretch>
+              </p:blipFill>
+              <p:spPr>
+                <a:xfrm>
+                  <a:off x="5367360" y="2085802"/>
+                  <a:ext cx="1457640" cy="1261943"/>
+                </a:xfrm>
+                <a:prstGeom prst="rect">
+                  <a:avLst/>
+                </a:prstGeom>
+              </p:spPr>
+            </p:pic>
+          </mc:Fallback>
+        </mc:AlternateContent>
+        <mc:AlternateContent xmlns:mc="http://schemas.openxmlformats.org/markup-compatibility/2006">
+          <mc:Choice xmlns:p14="http://schemas.microsoft.com/office/powerpoint/2010/main" Requires="p14">
+            <p:contentPart p14:bwMode="auto" r:id="rId4">
+              <p14:nvContentPartPr>
+                <p14:cNvPr id="11" name="Ink 10">
+                  <a:extLst>
+                    <a:ext uri="{FF2B5EF4-FFF2-40B4-BE49-F238E27FC236}">
+                      <a16:creationId xmlns:a16="http://schemas.microsoft.com/office/drawing/2014/main" id="{6ABBE048-C543-CCEF-CF1B-D5A60B6F74EF}"/>
+                    </a:ext>
+                  </a:extLst>
+                </p14:cNvPr>
+                <p14:cNvContentPartPr/>
+                <p14:nvPr/>
+              </p14:nvContentPartPr>
+              <p14:xfrm>
+                <a:off x="6159720" y="3114385"/>
+                <a:ext cx="343440" cy="314610"/>
+              </p14:xfrm>
+            </p:contentPart>
+          </mc:Choice>
+          <mc:Fallback>
+            <p:pic>
+              <p:nvPicPr>
+                <p:cNvPr id="11" name="Ink 10">
+                  <a:extLst>
+                    <a:ext uri="{FF2B5EF4-FFF2-40B4-BE49-F238E27FC236}">
+                      <a16:creationId xmlns:a16="http://schemas.microsoft.com/office/drawing/2014/main" id="{6ABBE048-C543-CCEF-CF1B-D5A60B6F74EF}"/>
+                    </a:ext>
+                  </a:extLst>
+                </p:cNvPr>
+                <p:cNvPicPr/>
+                <p:nvPr/>
+              </p:nvPicPr>
+              <p:blipFill>
+                <a:blip r:embed="rId5"/>
+                <a:stretch>
+                  <a:fillRect/>
+                </a:stretch>
+              </p:blipFill>
+              <p:spPr>
+                <a:xfrm>
+                  <a:off x="6142080" y="3096387"/>
+                  <a:ext cx="379080" cy="350247"/>
+                </a:xfrm>
+                <a:prstGeom prst="rect">
+                  <a:avLst/>
+                </a:prstGeom>
+              </p:spPr>
+            </p:pic>
+          </mc:Fallback>
+        </mc:AlternateContent>
+        <mc:AlternateContent xmlns:mc="http://schemas.openxmlformats.org/markup-compatibility/2006">
+          <mc:Choice xmlns:p14="http://schemas.microsoft.com/office/powerpoint/2010/main" Requires="p14">
+            <p:contentPart p14:bwMode="auto" r:id="rId6">
+              <p14:nvContentPartPr>
+                <p14:cNvPr id="15" name="Ink 14">
+                  <a:extLst>
+                    <a:ext uri="{FF2B5EF4-FFF2-40B4-BE49-F238E27FC236}">
+                      <a16:creationId xmlns:a16="http://schemas.microsoft.com/office/drawing/2014/main" id="{45566CF0-860B-F6C8-E013-21D9830D1312}"/>
+                    </a:ext>
+                  </a:extLst>
+                </p14:cNvPr>
+                <p14:cNvContentPartPr/>
+                <p14:nvPr/>
+              </p14:nvContentPartPr>
+              <p14:xfrm>
+                <a:off x="5751840" y="1752280"/>
+                <a:ext cx="1159200" cy="1213920"/>
+              </p14:xfrm>
+            </p:contentPart>
+          </mc:Choice>
+          <mc:Fallback>
+            <p:pic>
+              <p:nvPicPr>
+                <p:cNvPr id="15" name="Ink 14">
+                  <a:extLst>
+                    <a:ext uri="{FF2B5EF4-FFF2-40B4-BE49-F238E27FC236}">
+                      <a16:creationId xmlns:a16="http://schemas.microsoft.com/office/drawing/2014/main" id="{45566CF0-860B-F6C8-E013-21D9830D1312}"/>
+                    </a:ext>
+                  </a:extLst>
+                </p:cNvPr>
+                <p:cNvPicPr/>
+                <p:nvPr/>
+              </p:nvPicPr>
+              <p:blipFill>
+                <a:blip r:embed="rId7"/>
+                <a:stretch>
+                  <a:fillRect/>
+                </a:stretch>
+              </p:blipFill>
+              <p:spPr>
+                <a:xfrm>
+                  <a:off x="5734200" y="1734640"/>
+                  <a:ext cx="1194840" cy="1249560"/>
+                </a:xfrm>
+                <a:prstGeom prst="rect">
+                  <a:avLst/>
+                </a:prstGeom>
+              </p:spPr>
+            </p:pic>
+          </mc:Fallback>
+        </mc:AlternateContent>
+      </p:grpSp>
     </p:spTree>
     <p:extLst>
       <p:ext uri="{BB962C8B-B14F-4D97-AF65-F5344CB8AC3E}">
-        <p14:creationId xmlns:p14="http://schemas.microsoft.com/office/powerpoint/2010/main" val="3607973597"/>
+        <p14:creationId xmlns:p14="http://schemas.microsoft.com/office/powerpoint/2010/main" val="2660372316"/>
+      </p:ext>
+    </p:extLst>
+  </p:cSld>
+  <p:clrMapOvr>
+    <a:masterClrMapping/>
+  </p:clrMapOvr>
+</p:sld>
+</file>
+
+<file path=ppt/slides/slide19.xml><?xml version="1.0" encoding="utf-8"?>
+<p:sld xmlns:a="http://schemas.openxmlformats.org/drawingml/2006/main" xmlns:r="http://schemas.openxmlformats.org/officeDocument/2006/relationships" xmlns:p="http://schemas.openxmlformats.org/presentationml/2006/main">
+  <p:cSld>
+    <p:spTree>
+      <p:nvGrpSpPr>
+        <p:cNvPr id="1" name=""/>
+        <p:cNvGrpSpPr/>
+        <p:nvPr/>
+      </p:nvGrpSpPr>
+      <p:grpSpPr>
+        <a:xfrm>
+          <a:off x="0" y="0"/>
+          <a:ext cx="0" cy="0"/>
+          <a:chOff x="0" y="0"/>
+          <a:chExt cx="0" cy="0"/>
+        </a:xfrm>
+      </p:grpSpPr>
+      <p:sp>
+        <p:nvSpPr>
+          <p:cNvPr id="2" name="Title 1">
+            <a:extLst>
+              <a:ext uri="{FF2B5EF4-FFF2-40B4-BE49-F238E27FC236}">
+                <a16:creationId xmlns:a16="http://schemas.microsoft.com/office/drawing/2014/main" id="{D498ADB7-680B-954F-DAAE-4638E7C2038C}"/>
+              </a:ext>
+            </a:extLst>
+          </p:cNvPr>
+          <p:cNvSpPr txBox="1">
+            <a:spLocks noGrp="1"/>
+          </p:cNvSpPr>
+          <p:nvPr>
+            <p:ph type="title"/>
+          </p:nvPr>
+        </p:nvSpPr>
+        <p:spPr/>
+        <p:txBody>
+          <a:bodyPr/>
+          <a:lstStyle/>
+          <a:p>
+            <a:pPr lvl="0">
+              <a:lnSpc>
+                <a:spcPct val="100000"/>
+              </a:lnSpc>
+            </a:pPr>
+            <a:r>
+              <a:rPr lang="en-GB" sz="5400" b="1" kern="0" dirty="0">
+                <a:solidFill>
+                  <a:srgbClr val="006388"/>
+                </a:solidFill>
+                <a:latin typeface="Fira Sans" pitchFamily="34"/>
+                <a:ea typeface="Fira Code" pitchFamily="49"/>
+              </a:rPr>
+              <a:t>Reproducibility</a:t>
+            </a:r>
+            <a:endParaRPr lang="en-GB" sz="1800" kern="0" dirty="0"/>
+          </a:p>
+        </p:txBody>
+      </p:sp>
+      <p:sp>
+        <p:nvSpPr>
+          <p:cNvPr id="3" name="Content Placeholder 2">
+            <a:extLst>
+              <a:ext uri="{FF2B5EF4-FFF2-40B4-BE49-F238E27FC236}">
+                <a16:creationId xmlns:a16="http://schemas.microsoft.com/office/drawing/2014/main" id="{D1010590-C015-8AF6-DE6B-0E74807124E7}"/>
+              </a:ext>
+            </a:extLst>
+          </p:cNvPr>
+          <p:cNvSpPr txBox="1">
+            <a:spLocks noGrp="1"/>
+          </p:cNvSpPr>
+          <p:nvPr>
+            <p:ph idx="1"/>
+          </p:nvPr>
+        </p:nvSpPr>
+        <p:spPr>
+          <a:xfrm>
+            <a:off x="838203" y="1825627"/>
+            <a:ext cx="10515600" cy="4667243"/>
+          </a:xfrm>
+        </p:spPr>
+        <p:txBody>
+          <a:bodyPr>
+            <a:normAutofit lnSpcReduction="10000"/>
+          </a:bodyPr>
+          <a:lstStyle/>
+          <a:p>
+            <a:pPr lvl="0">
+              <a:lnSpc>
+                <a:spcPct val="100000"/>
+              </a:lnSpc>
+            </a:pPr>
+            <a:r>
+              <a:rPr lang="en-GB" sz="3200" dirty="0">
+                <a:solidFill>
+                  <a:srgbClr val="404040"/>
+                </a:solidFill>
+                <a:latin typeface="Fira Sans" pitchFamily="34"/>
+              </a:rPr>
+              <a:t>After your project, export your structured code folder!</a:t>
+            </a:r>
+          </a:p>
+          <a:p>
+            <a:pPr lvl="0">
+              <a:lnSpc>
+                <a:spcPct val="100000"/>
+              </a:lnSpc>
+            </a:pPr>
+            <a:r>
+              <a:rPr lang="en-GB" sz="3200" dirty="0">
+                <a:solidFill>
+                  <a:srgbClr val="404040"/>
+                </a:solidFill>
+                <a:latin typeface="Fira Sans" pitchFamily="34"/>
+              </a:rPr>
+              <a:t>Double check your documentation</a:t>
+            </a:r>
+          </a:p>
+          <a:p>
+            <a:pPr lvl="0">
+              <a:lnSpc>
+                <a:spcPct val="100000"/>
+              </a:lnSpc>
+            </a:pPr>
+            <a:r>
+              <a:rPr lang="en-GB" sz="3200" dirty="0">
+                <a:solidFill>
+                  <a:srgbClr val="404040"/>
+                </a:solidFill>
+                <a:latin typeface="Fira Sans" pitchFamily="34"/>
+              </a:rPr>
+              <a:t>Create a DOI / archived version (OSF, </a:t>
+            </a:r>
+            <a:r>
+              <a:rPr lang="en-GB" sz="3200" dirty="0" err="1">
+                <a:solidFill>
+                  <a:srgbClr val="404040"/>
+                </a:solidFill>
+                <a:latin typeface="Fira Sans" pitchFamily="34"/>
+              </a:rPr>
+              <a:t>Zenodo</a:t>
+            </a:r>
+            <a:r>
+              <a:rPr lang="en-GB" sz="3200" dirty="0">
+                <a:solidFill>
+                  <a:srgbClr val="404040"/>
+                </a:solidFill>
+                <a:latin typeface="Fira Sans" pitchFamily="34"/>
+              </a:rPr>
+              <a:t>)</a:t>
+            </a:r>
+          </a:p>
+          <a:p>
+            <a:pPr>
+              <a:lnSpc>
+                <a:spcPct val="100000"/>
+              </a:lnSpc>
+            </a:pPr>
+            <a:r>
+              <a:rPr lang="en-GB" sz="3200" dirty="0">
+                <a:solidFill>
+                  <a:srgbClr val="404040"/>
+                </a:solidFill>
+                <a:latin typeface="Fira Sans" pitchFamily="34"/>
+                <a:hlinkClick r:id="rId2"/>
+              </a:rPr>
+              <a:t>https://odissei-soda.nl/tutorials/post-1/</a:t>
+            </a:r>
+            <a:r>
+              <a:rPr lang="en-GB" sz="3200" dirty="0">
+                <a:solidFill>
+                  <a:srgbClr val="404040"/>
+                </a:solidFill>
+                <a:latin typeface="Fira Sans" pitchFamily="34"/>
+                <a:sym typeface="Wingdings" panose="05000000000000000000" pitchFamily="2" charset="2"/>
+              </a:rPr>
+              <a:t> </a:t>
+            </a:r>
+            <a:endParaRPr lang="en-GB" sz="3200" dirty="0">
+              <a:solidFill>
+                <a:srgbClr val="404040"/>
+              </a:solidFill>
+              <a:latin typeface="Fira Sans" pitchFamily="34"/>
+            </a:endParaRPr>
+          </a:p>
+          <a:p>
+            <a:pPr lvl="0">
+              <a:lnSpc>
+                <a:spcPct val="100000"/>
+              </a:lnSpc>
+            </a:pPr>
+            <a:endParaRPr lang="en-GB" sz="3200" dirty="0">
+              <a:solidFill>
+                <a:srgbClr val="404040"/>
+              </a:solidFill>
+              <a:latin typeface="Fira Sans" pitchFamily="34"/>
+            </a:endParaRPr>
+          </a:p>
+          <a:p>
+            <a:pPr lvl="0">
+              <a:lnSpc>
+                <a:spcPct val="100000"/>
+              </a:lnSpc>
+            </a:pPr>
+            <a:r>
+              <a:rPr lang="en-GB" sz="3200" dirty="0">
+                <a:solidFill>
+                  <a:srgbClr val="404040"/>
+                </a:solidFill>
+                <a:latin typeface="Fira Sans" pitchFamily="34"/>
+              </a:rPr>
+              <a:t>This way, others can benefit from your work</a:t>
+            </a:r>
+          </a:p>
+          <a:p>
+            <a:pPr lvl="0">
+              <a:lnSpc>
+                <a:spcPct val="100000"/>
+              </a:lnSpc>
+            </a:pPr>
+            <a:r>
+              <a:rPr lang="en-GB" sz="3200" dirty="0">
+                <a:solidFill>
+                  <a:srgbClr val="404040"/>
+                </a:solidFill>
+                <a:latin typeface="Fira Sans" pitchFamily="34"/>
+              </a:rPr>
+              <a:t>Let ODISSEI know </a:t>
+            </a:r>
+            <a:r>
+              <a:rPr lang="en-GB" sz="3200" dirty="0">
+                <a:solidFill>
+                  <a:srgbClr val="404040"/>
+                </a:solidFill>
+                <a:latin typeface="Fira Sans" pitchFamily="34"/>
+                <a:sym typeface="Wingdings" panose="05000000000000000000" pitchFamily="2" charset="2"/>
+              </a:rPr>
+              <a:t> </a:t>
+            </a:r>
+          </a:p>
+          <a:p>
+            <a:pPr lvl="0">
+              <a:lnSpc>
+                <a:spcPct val="100000"/>
+              </a:lnSpc>
+            </a:pPr>
+            <a:r>
+              <a:rPr lang="en-GB" sz="3200" dirty="0">
+                <a:solidFill>
+                  <a:srgbClr val="404040"/>
+                </a:solidFill>
+                <a:latin typeface="Fira Sans" pitchFamily="34"/>
+                <a:sym typeface="Wingdings" panose="05000000000000000000" pitchFamily="2" charset="2"/>
+                <a:hlinkClick r:id="rId3"/>
+              </a:rPr>
+              <a:t>https://odissei-data.github.io/ODISSEI-code-library/</a:t>
+            </a:r>
+            <a:r>
+              <a:rPr lang="en-GB" sz="3200" dirty="0">
+                <a:solidFill>
+                  <a:srgbClr val="404040"/>
+                </a:solidFill>
+                <a:latin typeface="Fira Sans" pitchFamily="34"/>
+                <a:sym typeface="Wingdings" panose="05000000000000000000" pitchFamily="2" charset="2"/>
+              </a:rPr>
+              <a:t> </a:t>
+            </a:r>
+            <a:endParaRPr lang="en-GB" sz="3200" dirty="0">
+              <a:solidFill>
+                <a:srgbClr val="404040"/>
+              </a:solidFill>
+              <a:latin typeface="Fira Sans" pitchFamily="34"/>
+            </a:endParaRPr>
+          </a:p>
+        </p:txBody>
+      </p:sp>
+    </p:spTree>
+    <p:extLst>
+      <p:ext uri="{BB962C8B-B14F-4D97-AF65-F5344CB8AC3E}">
+        <p14:creationId xmlns:p14="http://schemas.microsoft.com/office/powerpoint/2010/main" val="3843530996"/>
       </p:ext>
     </p:extLst>
   </p:cSld>
@@ -10468,6 +9769,872 @@
 
 <file path=ppt/slides/slide20.xml><?xml version="1.0" encoding="utf-8"?>
 <p:sld xmlns:a="http://schemas.openxmlformats.org/drawingml/2006/main" xmlns:r="http://schemas.openxmlformats.org/officeDocument/2006/relationships" xmlns:p="http://schemas.openxmlformats.org/presentationml/2006/main">
+  <p:cSld>
+    <p:spTree>
+      <p:nvGrpSpPr>
+        <p:cNvPr id="1" name=""/>
+        <p:cNvGrpSpPr/>
+        <p:nvPr/>
+      </p:nvGrpSpPr>
+      <p:grpSpPr>
+        <a:xfrm>
+          <a:off x="0" y="0"/>
+          <a:ext cx="0" cy="0"/>
+          <a:chOff x="0" y="0"/>
+          <a:chExt cx="0" cy="0"/>
+        </a:xfrm>
+      </p:grpSpPr>
+      <p:sp>
+        <p:nvSpPr>
+          <p:cNvPr id="2" name="Title 1">
+            <a:extLst>
+              <a:ext uri="{FF2B5EF4-FFF2-40B4-BE49-F238E27FC236}">
+                <a16:creationId xmlns:a16="http://schemas.microsoft.com/office/drawing/2014/main" id="{D498ADB7-680B-954F-DAAE-4638E7C2038C}"/>
+              </a:ext>
+            </a:extLst>
+          </p:cNvPr>
+          <p:cNvSpPr txBox="1">
+            <a:spLocks noGrp="1"/>
+          </p:cNvSpPr>
+          <p:nvPr>
+            <p:ph type="title"/>
+          </p:nvPr>
+        </p:nvSpPr>
+        <p:spPr/>
+        <p:txBody>
+          <a:bodyPr/>
+          <a:lstStyle/>
+          <a:p>
+            <a:pPr lvl="0">
+              <a:lnSpc>
+                <a:spcPct val="100000"/>
+              </a:lnSpc>
+            </a:pPr>
+            <a:r>
+              <a:rPr lang="en-GB" sz="5400" b="1" kern="0" dirty="0">
+                <a:solidFill>
+                  <a:srgbClr val="006388"/>
+                </a:solidFill>
+                <a:latin typeface="Fira Sans" pitchFamily="34"/>
+                <a:ea typeface="Fira Code" pitchFamily="49"/>
+              </a:rPr>
+              <a:t>Reproducibility</a:t>
+            </a:r>
+            <a:endParaRPr lang="en-GB" sz="1800" kern="0" dirty="0"/>
+          </a:p>
+        </p:txBody>
+      </p:sp>
+      <p:sp>
+        <p:nvSpPr>
+          <p:cNvPr id="3" name="Content Placeholder 2">
+            <a:extLst>
+              <a:ext uri="{FF2B5EF4-FFF2-40B4-BE49-F238E27FC236}">
+                <a16:creationId xmlns:a16="http://schemas.microsoft.com/office/drawing/2014/main" id="{D1010590-C015-8AF6-DE6B-0E74807124E7}"/>
+              </a:ext>
+            </a:extLst>
+          </p:cNvPr>
+          <p:cNvSpPr txBox="1">
+            <a:spLocks noGrp="1"/>
+          </p:cNvSpPr>
+          <p:nvPr>
+            <p:ph idx="1"/>
+          </p:nvPr>
+        </p:nvSpPr>
+        <p:spPr>
+          <a:xfrm>
+            <a:off x="838203" y="1825627"/>
+            <a:ext cx="10515600" cy="4667243"/>
+          </a:xfrm>
+        </p:spPr>
+        <p:txBody>
+          <a:bodyPr>
+            <a:normAutofit/>
+          </a:bodyPr>
+          <a:lstStyle/>
+          <a:p>
+            <a:pPr marL="0" lvl="0" indent="0">
+              <a:lnSpc>
+                <a:spcPct val="100000"/>
+              </a:lnSpc>
+              <a:buNone/>
+            </a:pPr>
+            <a:r>
+              <a:rPr lang="en-GB" sz="3200" b="1" dirty="0">
+                <a:solidFill>
+                  <a:srgbClr val="404040"/>
+                </a:solidFill>
+                <a:latin typeface="Fira Sans" pitchFamily="34"/>
+              </a:rPr>
+              <a:t>You cannot export data; create synthetic data</a:t>
+            </a:r>
+          </a:p>
+          <a:p>
+            <a:pPr lvl="0">
+              <a:lnSpc>
+                <a:spcPct val="100000"/>
+              </a:lnSpc>
+            </a:pPr>
+            <a:r>
+              <a:rPr lang="en-GB" sz="3200" dirty="0">
+                <a:solidFill>
+                  <a:srgbClr val="404040"/>
+                </a:solidFill>
+                <a:latin typeface="Fira Sans" pitchFamily="34"/>
+              </a:rPr>
+              <a:t>Create “fake” version of input data outside the RA</a:t>
+            </a:r>
+          </a:p>
+          <a:p>
+            <a:pPr lvl="0">
+              <a:lnSpc>
+                <a:spcPct val="100000"/>
+              </a:lnSpc>
+            </a:pPr>
+            <a:r>
+              <a:rPr lang="en-GB" sz="3200" dirty="0">
+                <a:solidFill>
+                  <a:srgbClr val="404040"/>
+                </a:solidFill>
+                <a:latin typeface="Fira Sans" pitchFamily="34"/>
+              </a:rPr>
+              <a:t>You can do this with a script</a:t>
+            </a:r>
+          </a:p>
+          <a:p>
+            <a:pPr lvl="0">
+              <a:lnSpc>
+                <a:spcPct val="100000"/>
+              </a:lnSpc>
+            </a:pPr>
+            <a:r>
+              <a:rPr lang="en-GB" sz="3200" dirty="0">
+                <a:solidFill>
+                  <a:srgbClr val="404040"/>
+                </a:solidFill>
+                <a:latin typeface="Fira Sans" pitchFamily="34"/>
+              </a:rPr>
+              <a:t>Don’t do this for all input tables (too much work!)</a:t>
+            </a:r>
+          </a:p>
+          <a:p>
+            <a:pPr lvl="0">
+              <a:lnSpc>
+                <a:spcPct val="100000"/>
+              </a:lnSpc>
+            </a:pPr>
+            <a:r>
+              <a:rPr lang="en-GB" sz="3200" dirty="0">
+                <a:solidFill>
+                  <a:srgbClr val="404040"/>
+                </a:solidFill>
+                <a:latin typeface="Fira Sans" pitchFamily="34"/>
+              </a:rPr>
+              <a:t>Do this for the intermediate processed table</a:t>
+            </a:r>
+          </a:p>
+          <a:p>
+            <a:pPr marL="0" lvl="0" indent="0">
+              <a:lnSpc>
+                <a:spcPct val="100000"/>
+              </a:lnSpc>
+              <a:buNone/>
+            </a:pPr>
+            <a:endParaRPr lang="en-GB" sz="3200" dirty="0">
+              <a:solidFill>
+                <a:srgbClr val="404040"/>
+              </a:solidFill>
+              <a:latin typeface="Fira Sans" pitchFamily="34"/>
+            </a:endParaRPr>
+          </a:p>
+          <a:p>
+            <a:pPr marL="0" lvl="0" indent="0">
+              <a:lnSpc>
+                <a:spcPct val="100000"/>
+              </a:lnSpc>
+              <a:buNone/>
+            </a:pPr>
+            <a:r>
+              <a:rPr lang="en-GB" sz="3200" b="1" i="1" dirty="0">
+                <a:solidFill>
+                  <a:srgbClr val="404040"/>
+                </a:solidFill>
+                <a:latin typeface="Fira Sans" pitchFamily="34"/>
+              </a:rPr>
+              <a:t>Computational reproducibility</a:t>
+            </a:r>
+          </a:p>
+        </p:txBody>
+      </p:sp>
+    </p:spTree>
+    <p:extLst>
+      <p:ext uri="{BB962C8B-B14F-4D97-AF65-F5344CB8AC3E}">
+        <p14:creationId xmlns:p14="http://schemas.microsoft.com/office/powerpoint/2010/main" val="660940050"/>
+      </p:ext>
+    </p:extLst>
+  </p:cSld>
+  <p:clrMapOvr>
+    <a:masterClrMapping/>
+  </p:clrMapOvr>
+</p:sld>
+</file>
+
+<file path=ppt/slides/slide21.xml><?xml version="1.0" encoding="utf-8"?>
+<p:sld xmlns:a="http://schemas.openxmlformats.org/drawingml/2006/main" xmlns:r="http://schemas.openxmlformats.org/officeDocument/2006/relationships" xmlns:p="http://schemas.openxmlformats.org/presentationml/2006/main">
+  <p:cSld>
+    <p:spTree>
+      <p:nvGrpSpPr>
+        <p:cNvPr id="1" name=""/>
+        <p:cNvGrpSpPr/>
+        <p:nvPr/>
+      </p:nvGrpSpPr>
+      <p:grpSpPr>
+        <a:xfrm>
+          <a:off x="0" y="0"/>
+          <a:ext cx="0" cy="0"/>
+          <a:chOff x="0" y="0"/>
+          <a:chExt cx="0" cy="0"/>
+        </a:xfrm>
+      </p:grpSpPr>
+      <p:sp>
+        <p:nvSpPr>
+          <p:cNvPr id="2" name="Title 1">
+            <a:extLst>
+              <a:ext uri="{FF2B5EF4-FFF2-40B4-BE49-F238E27FC236}">
+                <a16:creationId xmlns:a16="http://schemas.microsoft.com/office/drawing/2014/main" id="{D498ADB7-680B-954F-DAAE-4638E7C2038C}"/>
+              </a:ext>
+            </a:extLst>
+          </p:cNvPr>
+          <p:cNvSpPr txBox="1">
+            <a:spLocks noGrp="1"/>
+          </p:cNvSpPr>
+          <p:nvPr>
+            <p:ph type="title"/>
+          </p:nvPr>
+        </p:nvSpPr>
+        <p:spPr/>
+        <p:txBody>
+          <a:bodyPr/>
+          <a:lstStyle/>
+          <a:p>
+            <a:pPr lvl="0">
+              <a:lnSpc>
+                <a:spcPct val="100000"/>
+              </a:lnSpc>
+            </a:pPr>
+            <a:r>
+              <a:rPr lang="en-GB" sz="5400" b="1" kern="0" dirty="0">
+                <a:solidFill>
+                  <a:srgbClr val="006388"/>
+                </a:solidFill>
+                <a:latin typeface="Fira Sans" pitchFamily="34"/>
+                <a:ea typeface="Fira Code" pitchFamily="49"/>
+              </a:rPr>
+              <a:t>Offline workflow example</a:t>
+            </a:r>
+            <a:endParaRPr lang="en-GB" sz="1800" kern="0" dirty="0"/>
+          </a:p>
+        </p:txBody>
+      </p:sp>
+      <p:sp>
+        <p:nvSpPr>
+          <p:cNvPr id="3" name="Content Placeholder 2">
+            <a:extLst>
+              <a:ext uri="{FF2B5EF4-FFF2-40B4-BE49-F238E27FC236}">
+                <a16:creationId xmlns:a16="http://schemas.microsoft.com/office/drawing/2014/main" id="{D1010590-C015-8AF6-DE6B-0E74807124E7}"/>
+              </a:ext>
+            </a:extLst>
+          </p:cNvPr>
+          <p:cNvSpPr txBox="1">
+            <a:spLocks noGrp="1"/>
+          </p:cNvSpPr>
+          <p:nvPr>
+            <p:ph idx="1"/>
+          </p:nvPr>
+        </p:nvSpPr>
+        <p:spPr>
+          <a:xfrm>
+            <a:off x="838203" y="1825627"/>
+            <a:ext cx="10515600" cy="4667243"/>
+          </a:xfrm>
+        </p:spPr>
+        <p:txBody>
+          <a:bodyPr>
+            <a:normAutofit fontScale="92500"/>
+          </a:bodyPr>
+          <a:lstStyle/>
+          <a:p>
+            <a:pPr marL="0" indent="0">
+              <a:lnSpc>
+                <a:spcPct val="100000"/>
+              </a:lnSpc>
+              <a:buNone/>
+            </a:pPr>
+            <a:r>
+              <a:rPr lang="en-GB" sz="3200" b="1" dirty="0">
+                <a:solidFill>
+                  <a:srgbClr val="404040"/>
+                </a:solidFill>
+                <a:latin typeface="Fira Sans" pitchFamily="34"/>
+              </a:rPr>
+              <a:t>You might want to go a step further with version control</a:t>
+            </a:r>
+          </a:p>
+          <a:p>
+            <a:pPr marL="514350" indent="-514350">
+              <a:lnSpc>
+                <a:spcPct val="100000"/>
+              </a:lnSpc>
+              <a:buFont typeface="+mj-lt"/>
+              <a:buAutoNum type="arabicPeriod"/>
+            </a:pPr>
+            <a:r>
+              <a:rPr lang="en-GB" sz="3200" dirty="0">
+                <a:solidFill>
+                  <a:srgbClr val="404040"/>
+                </a:solidFill>
+                <a:latin typeface="Fira Sans" pitchFamily="34"/>
+              </a:rPr>
+              <a:t>Develop preprocessing &amp; analysis on GitHub</a:t>
+            </a:r>
+          </a:p>
+          <a:p>
+            <a:pPr marL="514350" indent="-514350">
+              <a:lnSpc>
+                <a:spcPct val="100000"/>
+              </a:lnSpc>
+              <a:buFont typeface="+mj-lt"/>
+              <a:buAutoNum type="arabicPeriod"/>
+            </a:pPr>
+            <a:r>
+              <a:rPr lang="en-GB" sz="3200" dirty="0">
+                <a:solidFill>
+                  <a:srgbClr val="404040"/>
+                </a:solidFill>
+                <a:latin typeface="Fira Sans" pitchFamily="34"/>
+              </a:rPr>
+              <a:t>Upload to CBS RA</a:t>
+            </a:r>
+          </a:p>
+          <a:p>
+            <a:pPr marL="514350" indent="-514350">
+              <a:lnSpc>
+                <a:spcPct val="100000"/>
+              </a:lnSpc>
+              <a:buFont typeface="+mj-lt"/>
+              <a:buAutoNum type="arabicPeriod"/>
+            </a:pPr>
+            <a:r>
+              <a:rPr lang="en-GB" sz="3200" dirty="0">
+                <a:solidFill>
+                  <a:srgbClr val="404040"/>
+                </a:solidFill>
+                <a:latin typeface="Fira Sans" pitchFamily="34"/>
+              </a:rPr>
+              <a:t>Do some small code fixes there to make it run</a:t>
+            </a:r>
+          </a:p>
+          <a:p>
+            <a:pPr marL="514350" indent="-514350">
+              <a:lnSpc>
+                <a:spcPct val="100000"/>
+              </a:lnSpc>
+              <a:buFont typeface="+mj-lt"/>
+              <a:buAutoNum type="arabicPeriod"/>
+            </a:pPr>
+            <a:r>
+              <a:rPr lang="en-GB" sz="3200" dirty="0">
+                <a:solidFill>
+                  <a:srgbClr val="404040"/>
+                </a:solidFill>
+                <a:latin typeface="Fira Sans" pitchFamily="34"/>
+              </a:rPr>
+              <a:t>Run once, export results</a:t>
+            </a:r>
+          </a:p>
+          <a:p>
+            <a:pPr marL="514350" indent="-514350">
+              <a:lnSpc>
+                <a:spcPct val="100000"/>
+              </a:lnSpc>
+              <a:buFont typeface="+mj-lt"/>
+              <a:buAutoNum type="arabicPeriod"/>
+            </a:pPr>
+            <a:r>
+              <a:rPr lang="en-GB" sz="3200" dirty="0">
+                <a:solidFill>
+                  <a:srgbClr val="404040"/>
+                </a:solidFill>
+                <a:latin typeface="Fira Sans" pitchFamily="34"/>
+              </a:rPr>
+              <a:t>Export code from CBS, update GitHub repository</a:t>
+            </a:r>
+          </a:p>
+          <a:p>
+            <a:pPr marL="514350" indent="-514350">
+              <a:lnSpc>
+                <a:spcPct val="100000"/>
+              </a:lnSpc>
+              <a:buFont typeface="+mj-lt"/>
+              <a:buAutoNum type="arabicPeriod"/>
+            </a:pPr>
+            <a:endParaRPr lang="en-GB" sz="3200" dirty="0">
+              <a:solidFill>
+                <a:srgbClr val="404040"/>
+              </a:solidFill>
+              <a:latin typeface="Fira Sans" pitchFamily="34"/>
+            </a:endParaRPr>
+          </a:p>
+          <a:p>
+            <a:pPr marL="0" indent="0">
+              <a:lnSpc>
+                <a:spcPct val="100000"/>
+              </a:lnSpc>
+              <a:buNone/>
+            </a:pPr>
+            <a:r>
+              <a:rPr lang="en-GB" sz="3200" dirty="0">
+                <a:solidFill>
+                  <a:srgbClr val="404040"/>
+                </a:solidFill>
+                <a:latin typeface="Fira Sans" pitchFamily="34"/>
+              </a:rPr>
+              <a:t>Recommended for complex / multi-collaborator projects</a:t>
+            </a:r>
+          </a:p>
+        </p:txBody>
+      </p:sp>
+    </p:spTree>
+    <p:extLst>
+      <p:ext uri="{BB962C8B-B14F-4D97-AF65-F5344CB8AC3E}">
+        <p14:creationId xmlns:p14="http://schemas.microsoft.com/office/powerpoint/2010/main" val="1134524916"/>
+      </p:ext>
+    </p:extLst>
+  </p:cSld>
+  <p:clrMapOvr>
+    <a:masterClrMapping/>
+  </p:clrMapOvr>
+</p:sld>
+</file>
+
+<file path=ppt/slides/slide22.xml><?xml version="1.0" encoding="utf-8"?>
+<p:sld xmlns:a="http://schemas.openxmlformats.org/drawingml/2006/main" xmlns:r="http://schemas.openxmlformats.org/officeDocument/2006/relationships" xmlns:p="http://schemas.openxmlformats.org/presentationml/2006/main">
+  <p:cSld>
+    <p:spTree>
+      <p:nvGrpSpPr>
+        <p:cNvPr id="1" name=""/>
+        <p:cNvGrpSpPr/>
+        <p:nvPr/>
+      </p:nvGrpSpPr>
+      <p:grpSpPr>
+        <a:xfrm>
+          <a:off x="0" y="0"/>
+          <a:ext cx="0" cy="0"/>
+          <a:chOff x="0" y="0"/>
+          <a:chExt cx="0" cy="0"/>
+        </a:xfrm>
+      </p:grpSpPr>
+      <p:sp>
+        <p:nvSpPr>
+          <p:cNvPr id="2" name="Title 1">
+            <a:extLst>
+              <a:ext uri="{FF2B5EF4-FFF2-40B4-BE49-F238E27FC236}">
+                <a16:creationId xmlns:a16="http://schemas.microsoft.com/office/drawing/2014/main" id="{D498ADB7-680B-954F-DAAE-4638E7C2038C}"/>
+              </a:ext>
+            </a:extLst>
+          </p:cNvPr>
+          <p:cNvSpPr txBox="1">
+            <a:spLocks noGrp="1"/>
+          </p:cNvSpPr>
+          <p:nvPr>
+            <p:ph type="title"/>
+          </p:nvPr>
+        </p:nvSpPr>
+        <p:spPr/>
+        <p:txBody>
+          <a:bodyPr/>
+          <a:lstStyle/>
+          <a:p>
+            <a:pPr lvl="0">
+              <a:lnSpc>
+                <a:spcPct val="100000"/>
+              </a:lnSpc>
+            </a:pPr>
+            <a:r>
+              <a:rPr lang="en-GB" sz="5400" b="1" kern="0" dirty="0">
+                <a:solidFill>
+                  <a:srgbClr val="006388"/>
+                </a:solidFill>
+                <a:latin typeface="Fira Sans" pitchFamily="34"/>
+                <a:ea typeface="Fira Code" pitchFamily="49"/>
+              </a:rPr>
+              <a:t>Offline workflow example</a:t>
+            </a:r>
+            <a:endParaRPr lang="en-GB" sz="1800" kern="0" dirty="0"/>
+          </a:p>
+        </p:txBody>
+      </p:sp>
+      <p:pic>
+        <p:nvPicPr>
+          <p:cNvPr id="9" name="Picture 8" descr="A white folder and hexagons on a black background&#10;&#10;Description automatically generated">
+            <a:extLst>
+              <a:ext uri="{FF2B5EF4-FFF2-40B4-BE49-F238E27FC236}">
+                <a16:creationId xmlns:a16="http://schemas.microsoft.com/office/drawing/2014/main" id="{61838756-4646-23E1-B2AD-31CE5E3BA8C1}"/>
+              </a:ext>
+            </a:extLst>
+          </p:cNvPr>
+          <p:cNvPicPr>
+            <a:picLocks noChangeAspect="1"/>
+          </p:cNvPicPr>
+          <p:nvPr/>
+        </p:nvPicPr>
+        <p:blipFill>
+          <a:blip r:embed="rId2">
+            <a:extLst>
+              <a:ext uri="{28A0092B-C50C-407E-A947-70E740481C1C}">
+                <a14:useLocalDpi xmlns:a14="http://schemas.microsoft.com/office/drawing/2010/main" val="0"/>
+              </a:ext>
+            </a:extLst>
+          </a:blip>
+          <a:stretch>
+            <a:fillRect/>
+          </a:stretch>
+        </p:blipFill>
+        <p:spPr>
+          <a:xfrm>
+            <a:off x="0" y="317500"/>
+            <a:ext cx="12192000" cy="6858000"/>
+          </a:xfrm>
+          <a:prstGeom prst="rect">
+            <a:avLst/>
+          </a:prstGeom>
+        </p:spPr>
+      </p:pic>
+      <p:pic>
+        <p:nvPicPr>
+          <p:cNvPr id="11" name="Graphic 10">
+            <a:extLst>
+              <a:ext uri="{FF2B5EF4-FFF2-40B4-BE49-F238E27FC236}">
+                <a16:creationId xmlns:a16="http://schemas.microsoft.com/office/drawing/2014/main" id="{E3F60A19-F4DE-BEE3-9E39-9505E1779837}"/>
+              </a:ext>
+            </a:extLst>
+          </p:cNvPr>
+          <p:cNvPicPr>
+            <a:picLocks noChangeAspect="1"/>
+          </p:cNvPicPr>
+          <p:nvPr/>
+        </p:nvPicPr>
+        <p:blipFill>
+          <a:blip r:embed="rId3">
+            <a:extLst>
+              <a:ext uri="{28A0092B-C50C-407E-A947-70E740481C1C}">
+                <a14:useLocalDpi xmlns:a14="http://schemas.microsoft.com/office/drawing/2010/main" val="0"/>
+              </a:ext>
+              <a:ext uri="{96DAC541-7B7A-43D3-8B79-37D633B846F1}">
+                <asvg:svgBlip xmlns:asvg="http://schemas.microsoft.com/office/drawing/2016/SVG/main" r:embed="rId4"/>
+              </a:ext>
+            </a:extLst>
+          </a:blip>
+          <a:stretch>
+            <a:fillRect/>
+          </a:stretch>
+        </p:blipFill>
+        <p:spPr>
+          <a:xfrm>
+            <a:off x="4165600" y="3373276"/>
+            <a:ext cx="762000" cy="746448"/>
+          </a:xfrm>
+          <a:prstGeom prst="rect">
+            <a:avLst/>
+          </a:prstGeom>
+        </p:spPr>
+      </p:pic>
+      <p:pic>
+        <p:nvPicPr>
+          <p:cNvPr id="12" name="Graphic 11">
+            <a:extLst>
+              <a:ext uri="{FF2B5EF4-FFF2-40B4-BE49-F238E27FC236}">
+                <a16:creationId xmlns:a16="http://schemas.microsoft.com/office/drawing/2014/main" id="{1A8AD33C-DEBD-9690-9750-DF0C08D5C7B1}"/>
+              </a:ext>
+            </a:extLst>
+          </p:cNvPr>
+          <p:cNvPicPr>
+            <a:picLocks noChangeAspect="1"/>
+          </p:cNvPicPr>
+          <p:nvPr/>
+        </p:nvPicPr>
+        <p:blipFill>
+          <a:blip r:embed="rId3">
+            <a:extLst>
+              <a:ext uri="{28A0092B-C50C-407E-A947-70E740481C1C}">
+                <a14:useLocalDpi xmlns:a14="http://schemas.microsoft.com/office/drawing/2010/main" val="0"/>
+              </a:ext>
+              <a:ext uri="{96DAC541-7B7A-43D3-8B79-37D633B846F1}">
+                <asvg:svgBlip xmlns:asvg="http://schemas.microsoft.com/office/drawing/2016/SVG/main" r:embed="rId4"/>
+              </a:ext>
+            </a:extLst>
+          </a:blip>
+          <a:stretch>
+            <a:fillRect/>
+          </a:stretch>
+        </p:blipFill>
+        <p:spPr>
+          <a:xfrm>
+            <a:off x="8001000" y="3373276"/>
+            <a:ext cx="762000" cy="746448"/>
+          </a:xfrm>
+          <a:prstGeom prst="rect">
+            <a:avLst/>
+          </a:prstGeom>
+        </p:spPr>
+      </p:pic>
+    </p:spTree>
+    <p:extLst>
+      <p:ext uri="{BB962C8B-B14F-4D97-AF65-F5344CB8AC3E}">
+        <p14:creationId xmlns:p14="http://schemas.microsoft.com/office/powerpoint/2010/main" val="4270113615"/>
+      </p:ext>
+    </p:extLst>
+  </p:cSld>
+  <p:clrMapOvr>
+    <a:masterClrMapping/>
+  </p:clrMapOvr>
+</p:sld>
+</file>
+
+<file path=ppt/slides/slide23.xml><?xml version="1.0" encoding="utf-8"?>
+<p:sld xmlns:a="http://schemas.openxmlformats.org/drawingml/2006/main" xmlns:r="http://schemas.openxmlformats.org/officeDocument/2006/relationships" xmlns:p="http://schemas.openxmlformats.org/presentationml/2006/main">
+  <p:cSld>
+    <p:spTree>
+      <p:nvGrpSpPr>
+        <p:cNvPr id="1" name=""/>
+        <p:cNvGrpSpPr/>
+        <p:nvPr/>
+      </p:nvGrpSpPr>
+      <p:grpSpPr>
+        <a:xfrm>
+          <a:off x="0" y="0"/>
+          <a:ext cx="0" cy="0"/>
+          <a:chOff x="0" y="0"/>
+          <a:chExt cx="0" cy="0"/>
+        </a:xfrm>
+      </p:grpSpPr>
+      <p:sp>
+        <p:nvSpPr>
+          <p:cNvPr id="2" name="Title 1">
+            <a:extLst>
+              <a:ext uri="{FF2B5EF4-FFF2-40B4-BE49-F238E27FC236}">
+                <a16:creationId xmlns:a16="http://schemas.microsoft.com/office/drawing/2014/main" id="{D498ADB7-680B-954F-DAAE-4638E7C2038C}"/>
+              </a:ext>
+            </a:extLst>
+          </p:cNvPr>
+          <p:cNvSpPr txBox="1">
+            <a:spLocks noGrp="1"/>
+          </p:cNvSpPr>
+          <p:nvPr>
+            <p:ph type="title"/>
+          </p:nvPr>
+        </p:nvSpPr>
+        <p:spPr/>
+        <p:txBody>
+          <a:bodyPr/>
+          <a:lstStyle/>
+          <a:p>
+            <a:pPr lvl="0">
+              <a:lnSpc>
+                <a:spcPct val="100000"/>
+              </a:lnSpc>
+            </a:pPr>
+            <a:r>
+              <a:rPr lang="en-GB" sz="5400" b="1" kern="0" dirty="0">
+                <a:solidFill>
+                  <a:srgbClr val="006388"/>
+                </a:solidFill>
+                <a:latin typeface="Fira Sans" pitchFamily="34"/>
+                <a:ea typeface="Fira Code" pitchFamily="49"/>
+              </a:rPr>
+              <a:t>Offline workflow example</a:t>
+            </a:r>
+            <a:endParaRPr lang="en-GB" sz="1800" kern="0" dirty="0"/>
+          </a:p>
+        </p:txBody>
+      </p:sp>
+      <p:sp>
+        <p:nvSpPr>
+          <p:cNvPr id="3" name="Content Placeholder 2">
+            <a:extLst>
+              <a:ext uri="{FF2B5EF4-FFF2-40B4-BE49-F238E27FC236}">
+                <a16:creationId xmlns:a16="http://schemas.microsoft.com/office/drawing/2014/main" id="{D1010590-C015-8AF6-DE6B-0E74807124E7}"/>
+              </a:ext>
+            </a:extLst>
+          </p:cNvPr>
+          <p:cNvSpPr txBox="1">
+            <a:spLocks noGrp="1"/>
+          </p:cNvSpPr>
+          <p:nvPr>
+            <p:ph idx="1"/>
+          </p:nvPr>
+        </p:nvSpPr>
+        <p:spPr>
+          <a:xfrm>
+            <a:off x="838203" y="1825627"/>
+            <a:ext cx="10515600" cy="4667243"/>
+          </a:xfrm>
+        </p:spPr>
+        <p:txBody>
+          <a:bodyPr>
+            <a:normAutofit/>
+          </a:bodyPr>
+          <a:lstStyle/>
+          <a:p>
+            <a:pPr marL="0" indent="0">
+              <a:lnSpc>
+                <a:spcPct val="100000"/>
+              </a:lnSpc>
+              <a:buNone/>
+            </a:pPr>
+            <a:r>
+              <a:rPr lang="en-GB" sz="3200" dirty="0">
+                <a:solidFill>
+                  <a:srgbClr val="404040"/>
+                </a:solidFill>
+                <a:latin typeface="Fira Sans" pitchFamily="34"/>
+              </a:rPr>
+              <a:t>How far you should go depends a lot on the project</a:t>
+            </a:r>
+          </a:p>
+          <a:p>
+            <a:pPr>
+              <a:lnSpc>
+                <a:spcPct val="100000"/>
+              </a:lnSpc>
+            </a:pPr>
+            <a:r>
+              <a:rPr lang="en-GB" sz="3200" dirty="0">
+                <a:solidFill>
+                  <a:srgbClr val="404040"/>
+                </a:solidFill>
+                <a:latin typeface="Fira Sans" pitchFamily="34"/>
+              </a:rPr>
+              <a:t>Contact us in consultation time later or schedule a meeting with us</a:t>
+            </a:r>
+          </a:p>
+          <a:p>
+            <a:pPr marL="0" indent="0">
+              <a:lnSpc>
+                <a:spcPct val="100000"/>
+              </a:lnSpc>
+              <a:buNone/>
+            </a:pPr>
+            <a:endParaRPr lang="en-GB" sz="3200" dirty="0">
+              <a:solidFill>
+                <a:srgbClr val="404040"/>
+              </a:solidFill>
+              <a:latin typeface="Fira Sans" pitchFamily="34"/>
+            </a:endParaRPr>
+          </a:p>
+        </p:txBody>
+      </p:sp>
+    </p:spTree>
+    <p:extLst>
+      <p:ext uri="{BB962C8B-B14F-4D97-AF65-F5344CB8AC3E}">
+        <p14:creationId xmlns:p14="http://schemas.microsoft.com/office/powerpoint/2010/main" val="638937201"/>
+      </p:ext>
+    </p:extLst>
+  </p:cSld>
+  <p:clrMapOvr>
+    <a:masterClrMapping/>
+  </p:clrMapOvr>
+</p:sld>
+</file>
+
+<file path=ppt/slides/slide24.xml><?xml version="1.0" encoding="utf-8"?>
+<p:sld xmlns:a="http://schemas.openxmlformats.org/drawingml/2006/main" xmlns:r="http://schemas.openxmlformats.org/officeDocument/2006/relationships" xmlns:p="http://schemas.openxmlformats.org/presentationml/2006/main">
+  <p:cSld>
+    <p:bg>
+      <p:bgPr>
+        <a:solidFill>
+          <a:srgbClr val="006388"/>
+        </a:solidFill>
+        <a:effectLst/>
+      </p:bgPr>
+    </p:bg>
+    <p:spTree>
+      <p:nvGrpSpPr>
+        <p:cNvPr id="1" name=""/>
+        <p:cNvGrpSpPr/>
+        <p:nvPr/>
+      </p:nvGrpSpPr>
+      <p:grpSpPr>
+        <a:xfrm>
+          <a:off x="0" y="0"/>
+          <a:ext cx="0" cy="0"/>
+          <a:chOff x="0" y="0"/>
+          <a:chExt cx="0" cy="0"/>
+        </a:xfrm>
+      </p:grpSpPr>
+      <p:sp>
+        <p:nvSpPr>
+          <p:cNvPr id="2" name="Title 1">
+            <a:extLst>
+              <a:ext uri="{FF2B5EF4-FFF2-40B4-BE49-F238E27FC236}">
+                <a16:creationId xmlns:a16="http://schemas.microsoft.com/office/drawing/2014/main" id="{95AAFFEC-F2D1-13C0-9DAF-FE8BEE10C5FB}"/>
+              </a:ext>
+            </a:extLst>
+          </p:cNvPr>
+          <p:cNvSpPr txBox="1">
+            <a:spLocks noGrp="1"/>
+          </p:cNvSpPr>
+          <p:nvPr>
+            <p:ph type="title"/>
+          </p:nvPr>
+        </p:nvSpPr>
+        <p:spPr>
+          <a:xfrm>
+            <a:off x="838203" y="2766220"/>
+            <a:ext cx="10515600" cy="1325559"/>
+          </a:xfrm>
+        </p:spPr>
+        <p:txBody>
+          <a:bodyPr anchorCtr="1"/>
+          <a:lstStyle/>
+          <a:p>
+            <a:pPr lvl="0" algn="ctr">
+              <a:lnSpc>
+                <a:spcPct val="100000"/>
+              </a:lnSpc>
+            </a:pPr>
+            <a:r>
+              <a:rPr lang="en-GB" sz="5400" b="1" kern="0" dirty="0">
+                <a:solidFill>
+                  <a:srgbClr val="FFFFFF"/>
+                </a:solidFill>
+                <a:latin typeface="Fira Sans" pitchFamily="34"/>
+                <a:ea typeface="Fira Code" pitchFamily="49"/>
+              </a:rPr>
+              <a:t>Efficient data handling</a:t>
+            </a:r>
+            <a:endParaRPr lang="en-GB" sz="1800" kern="0" dirty="0">
+              <a:solidFill>
+                <a:srgbClr val="FFFFFF"/>
+              </a:solidFill>
+            </a:endParaRPr>
+          </a:p>
+        </p:txBody>
+      </p:sp>
+    </p:spTree>
+    <p:extLst>
+      <p:ext uri="{BB962C8B-B14F-4D97-AF65-F5344CB8AC3E}">
+        <p14:creationId xmlns:p14="http://schemas.microsoft.com/office/powerpoint/2010/main" val="3607973597"/>
+      </p:ext>
+    </p:extLst>
+  </p:cSld>
+  <p:clrMapOvr>
+    <a:masterClrMapping/>
+  </p:clrMapOvr>
+</p:sld>
+</file>
+
+<file path=ppt/slides/slide25.xml><?xml version="1.0" encoding="utf-8"?>
+<p:sld xmlns:a="http://schemas.openxmlformats.org/drawingml/2006/main" xmlns:r="http://schemas.openxmlformats.org/officeDocument/2006/relationships" xmlns:p="http://schemas.openxmlformats.org/presentationml/2006/main">
   <p:cSld name="Slide68">
     <p:spTree>
       <p:nvGrpSpPr>
@@ -10761,7 +10928,7 @@
               </a:defRPr>
             </a:pPr>
             <a:r>
-              <a:rPr lang="en-US" sz="1800" b="0" i="0" u="none" strike="noStrike" kern="1200" cap="none" spc="0" baseline="0">
+              <a:rPr lang="en-US" sz="1800" b="0" i="0" u="none" strike="noStrike" kern="1200" cap="none" spc="0" baseline="0" dirty="0">
                 <a:solidFill>
                   <a:srgbClr val="404040"/>
                 </a:solidFill>
@@ -10793,7 +10960,7 @@
               </a:defRPr>
             </a:pPr>
             <a:r>
-              <a:rPr lang="en-US" sz="1800" b="0" i="0" u="none" strike="noStrike" kern="1200" cap="none" spc="0" baseline="0">
+              <a:rPr lang="en-US" sz="1800" b="0" i="0" u="none" strike="noStrike" kern="1200" cap="none" spc="0" baseline="0" dirty="0">
                 <a:solidFill>
                   <a:srgbClr val="404040"/>
                 </a:solidFill>
@@ -10803,7 +10970,7 @@
               </a:rPr>
               <a:t>storing</a:t>
             </a:r>
-            <a:endParaRPr lang="en-NL" sz="1800" b="0" i="0" u="none" strike="noStrike" kern="1200" cap="none" spc="0" baseline="0">
+            <a:endParaRPr lang="en-NL" sz="1800" b="0" i="0" u="none" strike="noStrike" kern="1200" cap="none" spc="0" baseline="0" dirty="0">
               <a:solidFill>
                 <a:srgbClr val="404040"/>
               </a:solidFill>
@@ -11255,6 +11422,238 @@
           </mc:Fallback>
         </mc:AlternateContent>
       </p:grpSp>
+      <p:sp>
+        <p:nvSpPr>
+          <p:cNvPr id="8" name="TextBox 39">
+            <a:extLst>
+              <a:ext uri="{FF2B5EF4-FFF2-40B4-BE49-F238E27FC236}">
+                <a16:creationId xmlns:a16="http://schemas.microsoft.com/office/drawing/2014/main" id="{9A4FD723-1EBE-8B4D-9081-F1FE0C84A836}"/>
+              </a:ext>
+            </a:extLst>
+          </p:cNvPr>
+          <p:cNvSpPr txBox="1"/>
+          <p:nvPr/>
+        </p:nvSpPr>
+        <p:spPr>
+          <a:xfrm>
+            <a:off x="2438346" y="1955312"/>
+            <a:ext cx="2339163" cy="646331"/>
+          </a:xfrm>
+          <a:prstGeom prst="rect">
+            <a:avLst/>
+          </a:prstGeom>
+          <a:noFill/>
+          <a:ln cap="flat">
+            <a:noFill/>
+          </a:ln>
+        </p:spPr>
+        <p:txBody>
+          <a:bodyPr vert="horz" wrap="square" lIns="91440" tIns="45720" rIns="91440" bIns="45720" anchor="t" anchorCtr="1" compatLnSpc="1">
+            <a:spAutoFit/>
+          </a:bodyPr>
+          <a:lstStyle/>
+          <a:p>
+            <a:pPr marL="0" marR="0" lvl="0" indent="0" algn="ctr" defTabSz="914400" rtl="0" fontAlgn="auto" hangingPunct="1">
+              <a:lnSpc>
+                <a:spcPct val="100000"/>
+              </a:lnSpc>
+              <a:spcBef>
+                <a:spcPts val="0"/>
+              </a:spcBef>
+              <a:spcAft>
+                <a:spcPts val="0"/>
+              </a:spcAft>
+              <a:buNone/>
+              <a:tabLst/>
+              <a:defRPr sz="1800" b="0" i="0" u="none" strike="noStrike" kern="0" cap="none" spc="0" baseline="0">
+                <a:solidFill>
+                  <a:srgbClr val="000000"/>
+                </a:solidFill>
+                <a:uFillTx/>
+              </a:defRPr>
+            </a:pPr>
+            <a:r>
+              <a:rPr lang="en-US" b="1" dirty="0">
+                <a:solidFill>
+                  <a:srgbClr val="404040"/>
+                </a:solidFill>
+                <a:latin typeface="Fira Sans" pitchFamily="34"/>
+                <a:ea typeface="Fira Sans" pitchFamily="34"/>
+              </a:rPr>
+              <a:t>Disk /</a:t>
+            </a:r>
+            <a:br>
+              <a:rPr lang="en-US" b="1" dirty="0">
+                <a:solidFill>
+                  <a:srgbClr val="404040"/>
+                </a:solidFill>
+                <a:latin typeface="Fira Sans" pitchFamily="34"/>
+                <a:ea typeface="Fira Sans" pitchFamily="34"/>
+              </a:rPr>
+            </a:br>
+            <a:r>
+              <a:rPr lang="en-US" b="1" dirty="0">
+                <a:solidFill>
+                  <a:srgbClr val="404040"/>
+                </a:solidFill>
+                <a:latin typeface="Fira Sans" pitchFamily="34"/>
+                <a:ea typeface="Fira Sans" pitchFamily="34"/>
+              </a:rPr>
+              <a:t>storage</a:t>
+            </a:r>
+            <a:endParaRPr lang="en-US" sz="1800" b="1" i="0" u="none" strike="noStrike" kern="1200" cap="none" spc="0" baseline="0" dirty="0">
+              <a:solidFill>
+                <a:srgbClr val="404040"/>
+              </a:solidFill>
+              <a:uFillTx/>
+              <a:latin typeface="Fira Sans" pitchFamily="34"/>
+              <a:ea typeface="Fira Sans" pitchFamily="34"/>
+            </a:endParaRPr>
+          </a:p>
+        </p:txBody>
+      </p:sp>
+      <p:sp>
+        <p:nvSpPr>
+          <p:cNvPr id="9" name="TextBox 39">
+            <a:extLst>
+              <a:ext uri="{FF2B5EF4-FFF2-40B4-BE49-F238E27FC236}">
+                <a16:creationId xmlns:a16="http://schemas.microsoft.com/office/drawing/2014/main" id="{0B7ACA85-F709-BA59-1820-FB9292057AA0}"/>
+              </a:ext>
+            </a:extLst>
+          </p:cNvPr>
+          <p:cNvSpPr txBox="1"/>
+          <p:nvPr/>
+        </p:nvSpPr>
+        <p:spPr>
+          <a:xfrm>
+            <a:off x="5917022" y="3986145"/>
+            <a:ext cx="2339163" cy="369332"/>
+          </a:xfrm>
+          <a:prstGeom prst="rect">
+            <a:avLst/>
+          </a:prstGeom>
+          <a:noFill/>
+          <a:ln cap="flat">
+            <a:noFill/>
+          </a:ln>
+        </p:spPr>
+        <p:txBody>
+          <a:bodyPr vert="horz" wrap="square" lIns="91440" tIns="45720" rIns="91440" bIns="45720" anchor="t" anchorCtr="1" compatLnSpc="1">
+            <a:spAutoFit/>
+          </a:bodyPr>
+          <a:lstStyle/>
+          <a:p>
+            <a:pPr marL="0" marR="0" lvl="0" indent="0" algn="ctr" defTabSz="914400" rtl="0" fontAlgn="auto" hangingPunct="1">
+              <a:lnSpc>
+                <a:spcPct val="100000"/>
+              </a:lnSpc>
+              <a:spcBef>
+                <a:spcPts val="0"/>
+              </a:spcBef>
+              <a:spcAft>
+                <a:spcPts val="0"/>
+              </a:spcAft>
+              <a:buNone/>
+              <a:tabLst/>
+              <a:defRPr sz="1800" b="0" i="0" u="none" strike="noStrike" kern="0" cap="none" spc="0" baseline="0">
+                <a:solidFill>
+                  <a:srgbClr val="000000"/>
+                </a:solidFill>
+                <a:uFillTx/>
+              </a:defRPr>
+            </a:pPr>
+            <a:r>
+              <a:rPr lang="en-US" b="1" dirty="0">
+                <a:solidFill>
+                  <a:srgbClr val="404040"/>
+                </a:solidFill>
+                <a:latin typeface="Fira Sans" pitchFamily="34"/>
+                <a:ea typeface="Fira Sans" pitchFamily="34"/>
+              </a:rPr>
+              <a:t>Memory / RAM</a:t>
+            </a:r>
+            <a:endParaRPr lang="en-US" sz="1800" b="1" i="0" u="none" strike="noStrike" kern="1200" cap="none" spc="0" baseline="0" dirty="0">
+              <a:solidFill>
+                <a:srgbClr val="404040"/>
+              </a:solidFill>
+              <a:uFillTx/>
+              <a:latin typeface="Fira Sans" pitchFamily="34"/>
+              <a:ea typeface="Fira Sans" pitchFamily="34"/>
+            </a:endParaRPr>
+          </a:p>
+        </p:txBody>
+      </p:sp>
+      <p:sp>
+        <p:nvSpPr>
+          <p:cNvPr id="10" name="TextBox 39">
+            <a:extLst>
+              <a:ext uri="{FF2B5EF4-FFF2-40B4-BE49-F238E27FC236}">
+                <a16:creationId xmlns:a16="http://schemas.microsoft.com/office/drawing/2014/main" id="{5C2D1FD6-32A4-F5C1-7717-3244A90CCD32}"/>
+              </a:ext>
+            </a:extLst>
+          </p:cNvPr>
+          <p:cNvSpPr txBox="1"/>
+          <p:nvPr/>
+        </p:nvSpPr>
+        <p:spPr>
+          <a:xfrm>
+            <a:off x="7660101" y="970347"/>
+            <a:ext cx="2339163" cy="369332"/>
+          </a:xfrm>
+          <a:prstGeom prst="rect">
+            <a:avLst/>
+          </a:prstGeom>
+          <a:noFill/>
+          <a:ln cap="flat">
+            <a:noFill/>
+          </a:ln>
+        </p:spPr>
+        <p:txBody>
+          <a:bodyPr vert="horz" wrap="square" lIns="91440" tIns="45720" rIns="91440" bIns="45720" anchor="t" anchorCtr="1" compatLnSpc="1">
+            <a:spAutoFit/>
+          </a:bodyPr>
+          <a:lstStyle/>
+          <a:p>
+            <a:pPr marL="0" marR="0" lvl="0" indent="0" algn="ctr" defTabSz="914400" rtl="0" fontAlgn="auto" hangingPunct="1">
+              <a:lnSpc>
+                <a:spcPct val="100000"/>
+              </a:lnSpc>
+              <a:spcBef>
+                <a:spcPts val="0"/>
+              </a:spcBef>
+              <a:spcAft>
+                <a:spcPts val="0"/>
+              </a:spcAft>
+              <a:buNone/>
+              <a:tabLst/>
+              <a:defRPr sz="1800" b="0" i="0" u="none" strike="noStrike" kern="0" cap="none" spc="0" baseline="0">
+                <a:solidFill>
+                  <a:srgbClr val="000000"/>
+                </a:solidFill>
+                <a:uFillTx/>
+              </a:defRPr>
+            </a:pPr>
+            <a:r>
+              <a:rPr lang="en-US" b="1" dirty="0">
+                <a:solidFill>
+                  <a:srgbClr val="404040"/>
+                </a:solidFill>
+                <a:latin typeface="Fira Sans" pitchFamily="34"/>
+                <a:ea typeface="Fira Sans" pitchFamily="34"/>
+              </a:rPr>
+              <a:t>CPU / Cores</a:t>
+            </a:r>
+            <a:endParaRPr lang="en-US" sz="1800" b="1" i="0" u="none" strike="noStrike" kern="1200" cap="none" spc="0" baseline="0" dirty="0">
+              <a:solidFill>
+                <a:srgbClr val="404040"/>
+              </a:solidFill>
+              <a:uFillTx/>
+              <a:latin typeface="Fira Sans" pitchFamily="34"/>
+              <a:ea typeface="Fira Sans" pitchFamily="34"/>
+            </a:endParaRPr>
+          </a:p>
+        </p:txBody>
+      </p:sp>
     </p:spTree>
   </p:cSld>
   <p:clrMapOvr>
@@ -11263,7 +11662,7 @@
 </p:sld>
 </file>
 
-<file path=ppt/slides/slide21.xml><?xml version="1.0" encoding="utf-8"?>
+<file path=ppt/slides/slide26.xml><?xml version="1.0" encoding="utf-8"?>
 <p:sld xmlns:a="http://schemas.openxmlformats.org/drawingml/2006/main" xmlns:r="http://schemas.openxmlformats.org/officeDocument/2006/relationships" xmlns:p="http://schemas.openxmlformats.org/presentationml/2006/main">
   <p:cSld>
     <p:bg>
@@ -11391,7 +11790,7 @@
 </p:sld>
 </file>
 
-<file path=ppt/slides/slide22.xml><?xml version="1.0" encoding="utf-8"?>
+<file path=ppt/slides/slide27.xml><?xml version="1.0" encoding="utf-8"?>
 <p:sld xmlns:a="http://schemas.openxmlformats.org/drawingml/2006/main" xmlns:r="http://schemas.openxmlformats.org/officeDocument/2006/relationships" xmlns:p="http://schemas.openxmlformats.org/presentationml/2006/main">
   <p:cSld name="Slide44">
     <p:spTree>
@@ -12102,7 +12501,7 @@
 </p:sld>
 </file>
 
-<file path=ppt/slides/slide23.xml><?xml version="1.0" encoding="utf-8"?>
+<file path=ppt/slides/slide28.xml><?xml version="1.0" encoding="utf-8"?>
 <p:sld xmlns:a="http://schemas.openxmlformats.org/drawingml/2006/main" xmlns:r="http://schemas.openxmlformats.org/officeDocument/2006/relationships" xmlns:p="http://schemas.openxmlformats.org/presentationml/2006/main">
   <p:cSld name="Slide47">
     <p:spTree>
@@ -12243,7 +12642,377 @@
 </p:sld>
 </file>
 
-<file path=ppt/slides/slide24.xml><?xml version="1.0" encoding="utf-8"?>
+<file path=ppt/slides/slide29.xml><?xml version="1.0" encoding="utf-8"?>
+<p:sld xmlns:a="http://schemas.openxmlformats.org/drawingml/2006/main" xmlns:r="http://schemas.openxmlformats.org/officeDocument/2006/relationships" xmlns:p="http://schemas.openxmlformats.org/presentationml/2006/main">
+  <p:cSld>
+    <p:spTree>
+      <p:nvGrpSpPr>
+        <p:cNvPr id="1" name=""/>
+        <p:cNvGrpSpPr/>
+        <p:nvPr/>
+      </p:nvGrpSpPr>
+      <p:grpSpPr>
+        <a:xfrm>
+          <a:off x="0" y="0"/>
+          <a:ext cx="0" cy="0"/>
+          <a:chOff x="0" y="0"/>
+          <a:chExt cx="0" cy="0"/>
+        </a:xfrm>
+      </p:grpSpPr>
+      <p:sp>
+        <p:nvSpPr>
+          <p:cNvPr id="2" name="Title 1">
+            <a:extLst>
+              <a:ext uri="{FF2B5EF4-FFF2-40B4-BE49-F238E27FC236}">
+                <a16:creationId xmlns:a16="http://schemas.microsoft.com/office/drawing/2014/main" id="{D498ADB7-680B-954F-DAAE-4638E7C2038C}"/>
+              </a:ext>
+            </a:extLst>
+          </p:cNvPr>
+          <p:cNvSpPr txBox="1">
+            <a:spLocks noGrp="1"/>
+          </p:cNvSpPr>
+          <p:nvPr>
+            <p:ph type="title"/>
+          </p:nvPr>
+        </p:nvSpPr>
+        <p:spPr/>
+        <p:txBody>
+          <a:bodyPr/>
+          <a:lstStyle/>
+          <a:p>
+            <a:pPr lvl="0">
+              <a:lnSpc>
+                <a:spcPct val="100000"/>
+              </a:lnSpc>
+            </a:pPr>
+            <a:r>
+              <a:rPr lang="en-GB" sz="5400" b="1" kern="0" dirty="0">
+                <a:solidFill>
+                  <a:srgbClr val="006388"/>
+                </a:solidFill>
+                <a:latin typeface="Fira Sans" pitchFamily="34"/>
+                <a:ea typeface="Fira Code" pitchFamily="49"/>
+              </a:rPr>
+              <a:t>Try to create tidy data</a:t>
+            </a:r>
+            <a:endParaRPr lang="en-GB" sz="1800" kern="0" dirty="0"/>
+          </a:p>
+        </p:txBody>
+      </p:sp>
+      <p:sp>
+        <p:nvSpPr>
+          <p:cNvPr id="3" name="Content Placeholder 2">
+            <a:extLst>
+              <a:ext uri="{FF2B5EF4-FFF2-40B4-BE49-F238E27FC236}">
+                <a16:creationId xmlns:a16="http://schemas.microsoft.com/office/drawing/2014/main" id="{D1010590-C015-8AF6-DE6B-0E74807124E7}"/>
+              </a:ext>
+            </a:extLst>
+          </p:cNvPr>
+          <p:cNvSpPr txBox="1">
+            <a:spLocks noGrp="1"/>
+          </p:cNvSpPr>
+          <p:nvPr>
+            <p:ph idx="1"/>
+          </p:nvPr>
+        </p:nvSpPr>
+        <p:spPr>
+          <a:xfrm>
+            <a:off x="838203" y="1825627"/>
+            <a:ext cx="10515600" cy="4667243"/>
+          </a:xfrm>
+        </p:spPr>
+        <p:txBody>
+          <a:bodyPr>
+            <a:normAutofit lnSpcReduction="10000"/>
+          </a:bodyPr>
+          <a:lstStyle/>
+          <a:p>
+            <a:pPr marL="0" indent="0">
+              <a:lnSpc>
+                <a:spcPct val="100000"/>
+              </a:lnSpc>
+              <a:buNone/>
+            </a:pPr>
+            <a:r>
+              <a:rPr lang="en-GB" sz="3200" dirty="0">
+                <a:solidFill>
+                  <a:srgbClr val="404040"/>
+                </a:solidFill>
+                <a:latin typeface="Fira Sans" pitchFamily="34"/>
+              </a:rPr>
+              <a:t>Intermediate data should be </a:t>
+            </a:r>
+            <a:r>
+              <a:rPr lang="en-GB" sz="3200" b="1" dirty="0">
+                <a:solidFill>
+                  <a:srgbClr val="404040"/>
+                </a:solidFill>
+                <a:latin typeface="Fira Sans" pitchFamily="34"/>
+              </a:rPr>
+              <a:t>tidy</a:t>
+            </a:r>
+          </a:p>
+          <a:p>
+            <a:pPr>
+              <a:lnSpc>
+                <a:spcPct val="100000"/>
+              </a:lnSpc>
+            </a:pPr>
+            <a:r>
+              <a:rPr lang="en-US" sz="3200" dirty="0">
+                <a:solidFill>
+                  <a:srgbClr val="404040"/>
+                </a:solidFill>
+                <a:latin typeface="Fira Sans" pitchFamily="34"/>
+              </a:rPr>
+              <a:t>Each variable is a column; each column is a variable.</a:t>
+            </a:r>
+          </a:p>
+          <a:p>
+            <a:pPr>
+              <a:lnSpc>
+                <a:spcPct val="100000"/>
+              </a:lnSpc>
+            </a:pPr>
+            <a:r>
+              <a:rPr lang="en-US" sz="3200" dirty="0">
+                <a:solidFill>
+                  <a:srgbClr val="404040"/>
+                </a:solidFill>
+                <a:latin typeface="Fira Sans" pitchFamily="34"/>
+              </a:rPr>
+              <a:t>Each observation is a row; each row is an observation.</a:t>
+            </a:r>
+          </a:p>
+          <a:p>
+            <a:pPr>
+              <a:lnSpc>
+                <a:spcPct val="100000"/>
+              </a:lnSpc>
+            </a:pPr>
+            <a:r>
+              <a:rPr lang="en-US" sz="3200" dirty="0">
+                <a:solidFill>
+                  <a:srgbClr val="404040"/>
+                </a:solidFill>
+                <a:latin typeface="Fira Sans" pitchFamily="34"/>
+              </a:rPr>
+              <a:t>Each value is a cell; each cell is a single value</a:t>
+            </a:r>
+            <a:endParaRPr lang="en-GB" sz="3200" dirty="0">
+              <a:solidFill>
+                <a:srgbClr val="404040"/>
+              </a:solidFill>
+              <a:latin typeface="Fira Sans" pitchFamily="34"/>
+            </a:endParaRPr>
+          </a:p>
+          <a:p>
+            <a:pPr marL="0" indent="0">
+              <a:lnSpc>
+                <a:spcPct val="100000"/>
+              </a:lnSpc>
+              <a:buNone/>
+            </a:pPr>
+            <a:r>
+              <a:rPr lang="en-GB" sz="3200" dirty="0">
+                <a:solidFill>
+                  <a:srgbClr val="404040"/>
+                </a:solidFill>
+                <a:latin typeface="Fira Sans" pitchFamily="34"/>
+                <a:hlinkClick r:id="rId2"/>
+              </a:rPr>
+              <a:t>https://tidyr.tidyverse.org/articles/tidy-data.html</a:t>
+            </a:r>
+            <a:r>
+              <a:rPr lang="en-GB" sz="3200" dirty="0">
+                <a:solidFill>
+                  <a:srgbClr val="404040"/>
+                </a:solidFill>
+                <a:latin typeface="Fira Sans" pitchFamily="34"/>
+              </a:rPr>
+              <a:t> </a:t>
+            </a:r>
+          </a:p>
+          <a:p>
+            <a:pPr marL="0" indent="0">
+              <a:lnSpc>
+                <a:spcPct val="100000"/>
+              </a:lnSpc>
+              <a:buNone/>
+            </a:pPr>
+            <a:endParaRPr lang="en-GB" sz="3200" dirty="0">
+              <a:solidFill>
+                <a:srgbClr val="404040"/>
+              </a:solidFill>
+              <a:latin typeface="Fira Sans" pitchFamily="34"/>
+            </a:endParaRPr>
+          </a:p>
+          <a:p>
+            <a:pPr marL="0" indent="0">
+              <a:lnSpc>
+                <a:spcPct val="100000"/>
+              </a:lnSpc>
+              <a:buNone/>
+            </a:pPr>
+            <a:r>
+              <a:rPr lang="en-GB" sz="3200" dirty="0">
+                <a:solidFill>
+                  <a:srgbClr val="404040"/>
+                </a:solidFill>
+                <a:latin typeface="Fira Sans" pitchFamily="34"/>
+              </a:rPr>
+              <a:t>Make column names legible for humans and machines</a:t>
+            </a:r>
+            <a:br>
+              <a:rPr lang="en-GB" sz="3200" dirty="0">
+                <a:solidFill>
+                  <a:srgbClr val="404040"/>
+                </a:solidFill>
+                <a:latin typeface="Fira Sans" pitchFamily="34"/>
+              </a:rPr>
+            </a:br>
+            <a:r>
+              <a:rPr lang="en-GB" sz="3200" dirty="0">
+                <a:solidFill>
+                  <a:srgbClr val="404040"/>
+                </a:solidFill>
+                <a:latin typeface="Fira Code" panose="020B0809050000020004" pitchFamily="49" charset="0"/>
+                <a:ea typeface="Fira Code" panose="020B0809050000020004" pitchFamily="49" charset="0"/>
+              </a:rPr>
+              <a:t>janitor::</a:t>
+            </a:r>
+            <a:r>
+              <a:rPr lang="en-GB" sz="3200" dirty="0" err="1">
+                <a:solidFill>
+                  <a:srgbClr val="404040"/>
+                </a:solidFill>
+                <a:latin typeface="Fira Code" panose="020B0809050000020004" pitchFamily="49" charset="0"/>
+                <a:ea typeface="Fira Code" panose="020B0809050000020004" pitchFamily="49" charset="0"/>
+              </a:rPr>
+              <a:t>clean_names</a:t>
+            </a:r>
+            <a:r>
+              <a:rPr lang="en-GB" sz="3200" dirty="0">
+                <a:solidFill>
+                  <a:srgbClr val="404040"/>
+                </a:solidFill>
+                <a:latin typeface="Fira Code" panose="020B0809050000020004" pitchFamily="49" charset="0"/>
+                <a:ea typeface="Fira Code" panose="020B0809050000020004" pitchFamily="49" charset="0"/>
+              </a:rPr>
+              <a:t>()</a:t>
+            </a:r>
+          </a:p>
+          <a:p>
+            <a:pPr>
+              <a:lnSpc>
+                <a:spcPct val="100000"/>
+              </a:lnSpc>
+            </a:pPr>
+            <a:endParaRPr lang="en-GB" sz="3200" dirty="0">
+              <a:solidFill>
+                <a:srgbClr val="404040"/>
+              </a:solidFill>
+              <a:latin typeface="Fira Sans" pitchFamily="34"/>
+            </a:endParaRPr>
+          </a:p>
+        </p:txBody>
+      </p:sp>
+    </p:spTree>
+    <p:extLst>
+      <p:ext uri="{BB962C8B-B14F-4D97-AF65-F5344CB8AC3E}">
+        <p14:creationId xmlns:p14="http://schemas.microsoft.com/office/powerpoint/2010/main" val="1745349278"/>
+      </p:ext>
+    </p:extLst>
+  </p:cSld>
+  <p:clrMapOvr>
+    <a:masterClrMapping/>
+  </p:clrMapOvr>
+</p:sld>
+</file>
+
+<file path=ppt/slides/slide3.xml><?xml version="1.0" encoding="utf-8"?>
+<p:sld xmlns:a="http://schemas.openxmlformats.org/drawingml/2006/main" xmlns:r="http://schemas.openxmlformats.org/officeDocument/2006/relationships" xmlns:p="http://schemas.openxmlformats.org/presentationml/2006/main">
+  <p:cSld name="Slide46">
+    <p:bg>
+      <p:bgPr>
+        <a:solidFill>
+          <a:srgbClr val="006388"/>
+        </a:solidFill>
+        <a:effectLst/>
+      </p:bgPr>
+    </p:bg>
+    <p:spTree>
+      <p:nvGrpSpPr>
+        <p:cNvPr id="1" name=""/>
+        <p:cNvGrpSpPr/>
+        <p:nvPr/>
+      </p:nvGrpSpPr>
+      <p:grpSpPr>
+        <a:xfrm>
+          <a:off x="0" y="0"/>
+          <a:ext cx="0" cy="0"/>
+          <a:chOff x="0" y="0"/>
+          <a:chExt cx="0" cy="0"/>
+        </a:xfrm>
+      </p:grpSpPr>
+      <p:sp>
+        <p:nvSpPr>
+          <p:cNvPr id="2" name="Title 1">
+            <a:extLst>
+              <a:ext uri="{FF2B5EF4-FFF2-40B4-BE49-F238E27FC236}">
+                <a16:creationId xmlns:a16="http://schemas.microsoft.com/office/drawing/2014/main" id="{95AAFFEC-F2D1-13C0-9DAF-FE8BEE10C5FB}"/>
+              </a:ext>
+            </a:extLst>
+          </p:cNvPr>
+          <p:cNvSpPr txBox="1">
+            <a:spLocks noGrp="1"/>
+          </p:cNvSpPr>
+          <p:nvPr>
+            <p:ph type="title"/>
+          </p:nvPr>
+        </p:nvSpPr>
+        <p:spPr>
+          <a:xfrm>
+            <a:off x="838203" y="2766220"/>
+            <a:ext cx="10515600" cy="1325559"/>
+          </a:xfrm>
+        </p:spPr>
+        <p:txBody>
+          <a:bodyPr anchorCtr="1"/>
+          <a:lstStyle/>
+          <a:p>
+            <a:pPr lvl="0" algn="ctr">
+              <a:lnSpc>
+                <a:spcPct val="100000"/>
+              </a:lnSpc>
+            </a:pPr>
+            <a:r>
+              <a:rPr lang="en-GB" sz="5400" b="1" kern="0" dirty="0">
+                <a:solidFill>
+                  <a:srgbClr val="FFFFFF"/>
+                </a:solidFill>
+                <a:latin typeface="Fira Sans" pitchFamily="34"/>
+                <a:ea typeface="Fira Code" pitchFamily="49"/>
+              </a:rPr>
+              <a:t>CBS RA fundamentals</a:t>
+            </a:r>
+            <a:endParaRPr lang="en-GB" sz="1800" kern="0" dirty="0">
+              <a:solidFill>
+                <a:srgbClr val="FFFFFF"/>
+              </a:solidFill>
+            </a:endParaRPr>
+          </a:p>
+        </p:txBody>
+      </p:sp>
+    </p:spTree>
+  </p:cSld>
+  <p:clrMapOvr>
+    <a:masterClrMapping/>
+  </p:clrMapOvr>
+</p:sld>
+</file>
+
+<file path=ppt/slides/slide30.xml><?xml version="1.0" encoding="utf-8"?>
 <p:sld xmlns:a="http://schemas.openxmlformats.org/drawingml/2006/main" xmlns:r="http://schemas.openxmlformats.org/officeDocument/2006/relationships" xmlns:p="http://schemas.openxmlformats.org/presentationml/2006/main">
   <p:cSld name="Slide56">
     <p:bg>
@@ -12366,152 +13135,7 @@
 </p:sld>
 </file>
 
-<file path=ppt/slides/slide25.xml><?xml version="1.0" encoding="utf-8"?>
-<p:sld xmlns:a="http://schemas.openxmlformats.org/drawingml/2006/main" xmlns:r="http://schemas.openxmlformats.org/officeDocument/2006/relationships" xmlns:p="http://schemas.openxmlformats.org/presentationml/2006/main">
-  <p:cSld name="Slide61">
-    <p:spTree>
-      <p:nvGrpSpPr>
-        <p:cNvPr id="1" name=""/>
-        <p:cNvGrpSpPr/>
-        <p:nvPr/>
-      </p:nvGrpSpPr>
-      <p:grpSpPr>
-        <a:xfrm>
-          <a:off x="0" y="0"/>
-          <a:ext cx="0" cy="0"/>
-          <a:chOff x="0" y="0"/>
-          <a:chExt cx="0" cy="0"/>
-        </a:xfrm>
-      </p:grpSpPr>
-      <p:sp>
-        <p:nvSpPr>
-          <p:cNvPr id="2" name="Title 1">
-            <a:extLst>
-              <a:ext uri="{FF2B5EF4-FFF2-40B4-BE49-F238E27FC236}">
-                <a16:creationId xmlns:a16="http://schemas.microsoft.com/office/drawing/2014/main" id="{21A63136-4FE7-229B-FCDF-0689C79099EA}"/>
-              </a:ext>
-            </a:extLst>
-          </p:cNvPr>
-          <p:cNvSpPr txBox="1">
-            <a:spLocks noGrp="1"/>
-          </p:cNvSpPr>
-          <p:nvPr>
-            <p:ph type="title"/>
-          </p:nvPr>
-        </p:nvSpPr>
-        <p:spPr>
-          <a:xfrm>
-            <a:off x="838203" y="1798551"/>
-            <a:ext cx="10515600" cy="1325559"/>
-          </a:xfrm>
-        </p:spPr>
-        <p:txBody>
-          <a:bodyPr/>
-          <a:lstStyle/>
-          <a:p>
-            <a:pPr lvl="0">
-              <a:lnSpc>
-                <a:spcPct val="100000"/>
-              </a:lnSpc>
-            </a:pPr>
-            <a:r>
-              <a:rPr lang="en-GB" sz="4000" b="1" kern="0">
-                <a:solidFill>
-                  <a:srgbClr val="006388"/>
-                </a:solidFill>
-                <a:latin typeface="Fira Sans" pitchFamily="34"/>
-                <a:ea typeface="Fira Code" pitchFamily="49"/>
-              </a:rPr>
-              <a:t>Top tip #4</a:t>
-            </a:r>
-            <a:endParaRPr lang="en-GB" sz="4000">
-              <a:solidFill>
-                <a:srgbClr val="006388"/>
-              </a:solidFill>
-            </a:endParaRPr>
-          </a:p>
-        </p:txBody>
-      </p:sp>
-      <p:sp>
-        <p:nvSpPr>
-          <p:cNvPr id="3" name="Title 1">
-            <a:extLst>
-              <a:ext uri="{FF2B5EF4-FFF2-40B4-BE49-F238E27FC236}">
-                <a16:creationId xmlns:a16="http://schemas.microsoft.com/office/drawing/2014/main" id="{2A677FE5-DA3C-214B-9D18-6E1FFC5017C8}"/>
-              </a:ext>
-            </a:extLst>
-          </p:cNvPr>
-          <p:cNvSpPr txBox="1"/>
-          <p:nvPr/>
-        </p:nvSpPr>
-        <p:spPr>
-          <a:xfrm>
-            <a:off x="838203" y="3071103"/>
-            <a:ext cx="10515600" cy="1325559"/>
-          </a:xfrm>
-          <a:prstGeom prst="rect">
-            <a:avLst/>
-          </a:prstGeom>
-          <a:noFill/>
-          <a:ln cap="flat">
-            <a:noFill/>
-          </a:ln>
-        </p:spPr>
-        <p:txBody>
-          <a:bodyPr vert="horz" wrap="square" lIns="91440" tIns="45720" rIns="91440" bIns="45720" anchor="ctr" anchorCtr="0" compatLnSpc="1">
-            <a:normAutofit/>
-          </a:bodyPr>
-          <a:lstStyle/>
-          <a:p>
-            <a:pPr marL="0" marR="0" lvl="0" indent="0" algn="l" defTabSz="914400" rtl="0" fontAlgn="auto" hangingPunct="1">
-              <a:lnSpc>
-                <a:spcPct val="90000"/>
-              </a:lnSpc>
-              <a:spcBef>
-                <a:spcPts val="0"/>
-              </a:spcBef>
-              <a:spcAft>
-                <a:spcPts val="0"/>
-              </a:spcAft>
-              <a:buNone/>
-              <a:tabLst/>
-              <a:defRPr sz="1800" b="0" i="0" u="none" strike="noStrike" kern="0" cap="none" spc="0" baseline="0">
-                <a:solidFill>
-                  <a:srgbClr val="000000"/>
-                </a:solidFill>
-                <a:uFillTx/>
-              </a:defRPr>
-            </a:pPr>
-            <a:r>
-              <a:rPr lang="en-GB" sz="4400" b="1" i="0" u="none" strike="noStrike" kern="0" cap="none" spc="0" baseline="0">
-                <a:solidFill>
-                  <a:srgbClr val="7F7F7F"/>
-                </a:solidFill>
-                <a:uFillTx/>
-                <a:latin typeface="Fira Sans" pitchFamily="34"/>
-                <a:ea typeface="Fira Code" pitchFamily="49"/>
-              </a:rPr>
-              <a:t>Read your program’s error messages! They give a lot of diagnostic info</a:t>
-            </a:r>
-            <a:endParaRPr lang="en-GB" sz="4400" b="0" i="0" u="none" strike="noStrike" kern="1200" cap="none" spc="0" baseline="0">
-              <a:solidFill>
-                <a:srgbClr val="7F7F7F"/>
-              </a:solidFill>
-              <a:uFillTx/>
-              <a:latin typeface="Calibri Light"/>
-            </a:endParaRPr>
-          </a:p>
-        </p:txBody>
-      </p:sp>
-    </p:spTree>
-  </p:cSld>
-  <p:clrMapOvr>
-    <a:masterClrMapping/>
-  </p:clrMapOvr>
-</p:sld>
-</file>
-
-<file path=ppt/slides/slide26.xml><?xml version="1.0" encoding="utf-8"?>
+<file path=ppt/slides/slide31.xml><?xml version="1.0" encoding="utf-8"?>
 <p:sld xmlns:a="http://schemas.openxmlformats.org/drawingml/2006/main" xmlns:r="http://schemas.openxmlformats.org/officeDocument/2006/relationships" xmlns:p="http://schemas.openxmlformats.org/presentationml/2006/main">
   <p:cSld name="Slide42">
     <p:spTree>
@@ -12685,7 +13309,7 @@
 </p:sld>
 </file>
 
-<file path=ppt/slides/slide27.xml><?xml version="1.0" encoding="utf-8"?>
+<file path=ppt/slides/slide32.xml><?xml version="1.0" encoding="utf-8"?>
 <p:sld xmlns:a="http://schemas.openxmlformats.org/drawingml/2006/main" xmlns:r="http://schemas.openxmlformats.org/officeDocument/2006/relationships" xmlns:p="http://schemas.openxmlformats.org/presentationml/2006/main">
   <p:cSld name="Slide58">
     <p:spTree>
@@ -12791,7 +13415,7 @@
 </p:sld>
 </file>
 
-<file path=ppt/slides/slide28.xml><?xml version="1.0" encoding="utf-8"?>
+<file path=ppt/slides/slide33.xml><?xml version="1.0" encoding="utf-8"?>
 <p:sld xmlns:a="http://schemas.openxmlformats.org/drawingml/2006/main" xmlns:r="http://schemas.openxmlformats.org/officeDocument/2006/relationships" xmlns:p="http://schemas.openxmlformats.org/presentationml/2006/main">
   <p:cSld name="Slide59">
     <p:spTree>
@@ -12932,7 +13556,7 @@
 </p:sld>
 </file>
 
-<file path=ppt/slides/slide29.xml><?xml version="1.0" encoding="utf-8"?>
+<file path=ppt/slides/slide34.xml><?xml version="1.0" encoding="utf-8"?>
 <p:sld xmlns:a="http://schemas.openxmlformats.org/drawingml/2006/main" xmlns:r="http://schemas.openxmlformats.org/officeDocument/2006/relationships" xmlns:p="http://schemas.openxmlformats.org/presentationml/2006/main">
   <p:cSld name="Slide64">
     <p:spTree>
@@ -13016,7 +13640,7 @@
           <a:lstStyle/>
           <a:p>
             <a:pPr lvl="0"/>
-            <a:endParaRPr lang="en-GB">
+            <a:endParaRPr lang="en-GB" dirty="0">
               <a:solidFill>
                 <a:srgbClr val="404040"/>
               </a:solidFill>
@@ -13026,7 +13650,7 @@
           <a:p>
             <a:pPr lvl="0"/>
             <a:r>
-              <a:rPr lang="en-GB">
+              <a:rPr lang="en-GB" dirty="0">
                 <a:solidFill>
                   <a:srgbClr val="404040"/>
                 </a:solidFill>
@@ -13038,7 +13662,7 @@
           <a:p>
             <a:pPr lvl="0"/>
             <a:r>
-              <a:rPr lang="en-GB">
+              <a:rPr lang="en-GB" dirty="0">
                 <a:solidFill>
                   <a:srgbClr val="404040"/>
                 </a:solidFill>
@@ -13051,7 +13675,7 @@
             <a:pPr marL="0" lvl="0" indent="0">
               <a:buNone/>
             </a:pPr>
-            <a:endParaRPr lang="en-GB">
+            <a:endParaRPr lang="en-GB" dirty="0">
               <a:solidFill>
                 <a:srgbClr val="404040"/>
               </a:solidFill>
@@ -13063,7 +13687,7 @@
               <a:buNone/>
             </a:pPr>
             <a:r>
-              <a:rPr lang="en-GB">
+              <a:rPr lang="en-GB" dirty="0">
                 <a:solidFill>
                   <a:srgbClr val="404040"/>
                 </a:solidFill>
@@ -13075,7 +13699,7 @@
           <a:p>
             <a:pPr lvl="0"/>
             <a:r>
-              <a:rPr lang="en-GB">
+              <a:rPr lang="en-GB" dirty="0">
                 <a:solidFill>
                   <a:srgbClr val="404040"/>
                 </a:solidFill>
@@ -13087,7 +13711,7 @@
           <a:p>
             <a:pPr lvl="0"/>
             <a:r>
-              <a:rPr lang="en-GB">
+              <a:rPr lang="en-GB" dirty="0">
                 <a:solidFill>
                   <a:srgbClr val="404040"/>
                 </a:solidFill>
@@ -13098,7 +13722,7 @@
           </a:p>
           <a:p>
             <a:pPr lvl="0"/>
-            <a:endParaRPr lang="en-GB">
+            <a:endParaRPr lang="en-GB" dirty="0">
               <a:solidFill>
                 <a:srgbClr val="404040"/>
               </a:solidFill>
@@ -13115,9 +13739,152 @@
 </p:sld>
 </file>
 
-<file path=ppt/slides/slide3.xml><?xml version="1.0" encoding="utf-8"?>
+<file path=ppt/slides/slide35.xml><?xml version="1.0" encoding="utf-8"?>
 <p:sld xmlns:a="http://schemas.openxmlformats.org/drawingml/2006/main" xmlns:r="http://schemas.openxmlformats.org/officeDocument/2006/relationships" xmlns:p="http://schemas.openxmlformats.org/presentationml/2006/main">
-  <p:cSld name="Slide46">
+  <p:cSld name="Slide70">
+    <p:spTree>
+      <p:nvGrpSpPr>
+        <p:cNvPr id="1" name=""/>
+        <p:cNvGrpSpPr/>
+        <p:nvPr/>
+      </p:nvGrpSpPr>
+      <p:grpSpPr>
+        <a:xfrm>
+          <a:off x="0" y="0"/>
+          <a:ext cx="0" cy="0"/>
+          <a:chOff x="0" y="0"/>
+          <a:chExt cx="0" cy="0"/>
+        </a:xfrm>
+      </p:grpSpPr>
+      <p:sp>
+        <p:nvSpPr>
+          <p:cNvPr id="2" name="Title 1">
+            <a:extLst>
+              <a:ext uri="{FF2B5EF4-FFF2-40B4-BE49-F238E27FC236}">
+                <a16:creationId xmlns:a16="http://schemas.microsoft.com/office/drawing/2014/main" id="{98ADEB9C-BF29-15A2-3116-2E65A44E330F}"/>
+              </a:ext>
+            </a:extLst>
+          </p:cNvPr>
+          <p:cNvSpPr txBox="1">
+            <a:spLocks noGrp="1"/>
+          </p:cNvSpPr>
+          <p:nvPr>
+            <p:ph type="title"/>
+          </p:nvPr>
+        </p:nvSpPr>
+        <p:spPr>
+          <a:xfrm>
+            <a:off x="838203" y="1798551"/>
+            <a:ext cx="10515600" cy="1325559"/>
+          </a:xfrm>
+        </p:spPr>
+        <p:txBody>
+          <a:bodyPr anchor="b">
+            <a:normAutofit/>
+          </a:bodyPr>
+          <a:lstStyle/>
+          <a:p>
+            <a:pPr lvl="0">
+              <a:lnSpc>
+                <a:spcPct val="100000"/>
+              </a:lnSpc>
+            </a:pPr>
+            <a:r>
+              <a:rPr lang="en-GB" sz="4300" b="1" kern="0" dirty="0">
+                <a:solidFill>
+                  <a:srgbClr val="006388"/>
+                </a:solidFill>
+                <a:latin typeface="Fira Sans" pitchFamily="34"/>
+                <a:ea typeface="Fira Code" pitchFamily="49"/>
+              </a:rPr>
+              <a:t>Working with larger-than-memory data</a:t>
+            </a:r>
+            <a:endParaRPr lang="en-GB" sz="4300" dirty="0"/>
+          </a:p>
+        </p:txBody>
+      </p:sp>
+      <p:sp>
+        <p:nvSpPr>
+          <p:cNvPr id="3" name="Title 1">
+            <a:extLst>
+              <a:ext uri="{FF2B5EF4-FFF2-40B4-BE49-F238E27FC236}">
+                <a16:creationId xmlns:a16="http://schemas.microsoft.com/office/drawing/2014/main" id="{989F52C1-207D-2DDB-9769-3B7DBBBFD06D}"/>
+              </a:ext>
+            </a:extLst>
+          </p:cNvPr>
+          <p:cNvSpPr txBox="1"/>
+          <p:nvPr/>
+        </p:nvSpPr>
+        <p:spPr>
+          <a:xfrm>
+            <a:off x="838203" y="3071103"/>
+            <a:ext cx="10515600" cy="1325559"/>
+          </a:xfrm>
+          <a:prstGeom prst="rect">
+            <a:avLst/>
+          </a:prstGeom>
+          <a:noFill/>
+          <a:ln cap="flat">
+            <a:noFill/>
+          </a:ln>
+        </p:spPr>
+        <p:txBody>
+          <a:bodyPr vert="horz" wrap="square" lIns="91440" tIns="45720" rIns="91440" bIns="45720" anchor="t" anchorCtr="0" compatLnSpc="1">
+            <a:normAutofit/>
+          </a:bodyPr>
+          <a:lstStyle/>
+          <a:p>
+            <a:pPr marL="0" marR="0" lvl="0" indent="0" algn="l" defTabSz="914400" rtl="0" fontAlgn="auto" hangingPunct="1">
+              <a:lnSpc>
+                <a:spcPct val="90000"/>
+              </a:lnSpc>
+              <a:spcBef>
+                <a:spcPts val="0"/>
+              </a:spcBef>
+              <a:spcAft>
+                <a:spcPts val="0"/>
+              </a:spcAft>
+              <a:buNone/>
+              <a:tabLst/>
+              <a:defRPr sz="1800" b="0" i="0" u="none" strike="noStrike" kern="0" cap="none" spc="0" baseline="0">
+                <a:solidFill>
+                  <a:srgbClr val="000000"/>
+                </a:solidFill>
+                <a:uFillTx/>
+              </a:defRPr>
+            </a:pPr>
+            <a:r>
+              <a:rPr lang="en-GB" sz="4400" b="1" i="0" u="none" strike="noStrike" kern="0" cap="none" spc="0" baseline="0">
+                <a:solidFill>
+                  <a:srgbClr val="7F7F7F"/>
+                </a:solidFill>
+                <a:uFillTx/>
+                <a:latin typeface="Fira Sans" pitchFamily="34"/>
+                <a:ea typeface="Fira Code" pitchFamily="49"/>
+              </a:rPr>
+              <a:t>Live coding 3</a:t>
+            </a:r>
+            <a:endParaRPr lang="en-GB" sz="4400" b="0" i="0" u="none" strike="noStrike" kern="1200" cap="none" spc="0" baseline="0">
+              <a:solidFill>
+                <a:srgbClr val="7F7F7F"/>
+              </a:solidFill>
+              <a:uFillTx/>
+              <a:latin typeface="Calibri Light"/>
+            </a:endParaRPr>
+          </a:p>
+        </p:txBody>
+      </p:sp>
+    </p:spTree>
+  </p:cSld>
+  <p:clrMapOvr>
+    <a:masterClrMapping/>
+  </p:clrMapOvr>
+</p:sld>
+</file>
+
+<file path=ppt/slides/slide36.xml><?xml version="1.0" encoding="utf-8"?>
+<p:sld xmlns:a="http://schemas.openxmlformats.org/drawingml/2006/main" xmlns:r="http://schemas.openxmlformats.org/officeDocument/2006/relationships" xmlns:p="http://schemas.openxmlformats.org/presentationml/2006/main">
+  <p:cSld>
     <p:bg>
       <p:bgPr>
         <a:solidFill>
@@ -13145,7 +13912,7 @@
           <p:cNvPr id="2" name="Title 1">
             <a:extLst>
               <a:ext uri="{FF2B5EF4-FFF2-40B4-BE49-F238E27FC236}">
-                <a16:creationId xmlns:a16="http://schemas.microsoft.com/office/drawing/2014/main" id="{95AAFFEC-F2D1-13C0-9DAF-FE8BEE10C5FB}"/>
+                <a16:creationId xmlns:a16="http://schemas.microsoft.com/office/drawing/2014/main" id="{36E1470B-4121-603B-BA86-19CFF4D872BB}"/>
               </a:ext>
             </a:extLst>
           </p:cNvPr>
@@ -13158,7 +13925,7 @@
         </p:nvSpPr>
         <p:spPr>
           <a:xfrm>
-            <a:off x="838203" y="2766220"/>
+            <a:off x="838200" y="2766220"/>
             <a:ext cx="10515600" cy="1325559"/>
           </a:xfrm>
         </p:spPr>
@@ -13179,7 +13946,7 @@
                 <a:latin typeface="Fira Sans" pitchFamily="34"/>
                 <a:ea typeface="Fira Code" pitchFamily="49"/>
               </a:rPr>
-              <a:t>CBS RA fundamentals</a:t>
+              <a:t>Group consultations / exercise</a:t>
             </a:r>
             <a:endParaRPr lang="en-GB" sz="1800" kern="0" dirty="0">
               <a:solidFill>
@@ -13190,6 +13957,11 @@
         </p:txBody>
       </p:sp>
     </p:spTree>
+    <p:extLst>
+      <p:ext uri="{BB962C8B-B14F-4D97-AF65-F5344CB8AC3E}">
+        <p14:creationId xmlns:p14="http://schemas.microsoft.com/office/powerpoint/2010/main" val="3490048193"/>
+      </p:ext>
+    </p:extLst>
   </p:cSld>
   <p:clrMapOvr>
     <a:masterClrMapping/>
@@ -13197,9 +13969,9 @@
 </p:sld>
 </file>
 
-<file path=ppt/slides/slide30.xml><?xml version="1.0" encoding="utf-8"?>
+<file path=ppt/slides/slide37.xml><?xml version="1.0" encoding="utf-8"?>
 <p:sld xmlns:a="http://schemas.openxmlformats.org/drawingml/2006/main" xmlns:r="http://schemas.openxmlformats.org/officeDocument/2006/relationships" xmlns:p="http://schemas.openxmlformats.org/presentationml/2006/main">
-  <p:cSld name="Slide65">
+  <p:cSld name="Slide35">
     <p:spTree>
       <p:nvGrpSpPr>
         <p:cNvPr id="1" name=""/>
@@ -13214,61 +13986,52 @@
           <a:chExt cx="0" cy="0"/>
         </a:xfrm>
       </p:grpSpPr>
+      <p:pic>
+        <p:nvPicPr>
+          <p:cNvPr id="2" name="Graphic 3">
+            <a:extLst>
+              <a:ext uri="{FF2B5EF4-FFF2-40B4-BE49-F238E27FC236}">
+                <a16:creationId xmlns:a16="http://schemas.microsoft.com/office/drawing/2014/main" id="{0CEEB3C4-2794-3796-7E00-0454C008EF69}"/>
+              </a:ext>
+            </a:extLst>
+          </p:cNvPr>
+          <p:cNvPicPr>
+            <a:picLocks noChangeAspect="1"/>
+          </p:cNvPicPr>
+          <p:nvPr/>
+        </p:nvPicPr>
+        <p:blipFill>
+          <a:blip r:embed="rId2">
+            <a:extLst>
+              <a:ext uri="{96DAC541-7B7A-43D3-8B79-37D633B846F1}">
+                <asvg:svgBlip xmlns:asvg="http://schemas.microsoft.com/office/drawing/2016/SVG/main" r:embed="rId3"/>
+              </a:ext>
+            </a:extLst>
+          </a:blip>
+          <a:stretch>
+            <a:fillRect/>
+          </a:stretch>
+        </p:blipFill>
+        <p:spPr>
+          <a:xfrm>
+            <a:off x="5095722" y="2448608"/>
+            <a:ext cx="2000542" cy="675513"/>
+          </a:xfrm>
+          <a:prstGeom prst="rect">
+            <a:avLst/>
+          </a:prstGeom>
+          <a:noFill/>
+          <a:ln cap="flat">
+            <a:noFill/>
+          </a:ln>
+        </p:spPr>
+      </p:pic>
       <p:sp>
         <p:nvSpPr>
-          <p:cNvPr id="2" name="Title 1">
-            <a:extLst>
-              <a:ext uri="{FF2B5EF4-FFF2-40B4-BE49-F238E27FC236}">
-                <a16:creationId xmlns:a16="http://schemas.microsoft.com/office/drawing/2014/main" id="{3C146209-28B6-72E8-2590-7616BC9CB58C}"/>
-              </a:ext>
-            </a:extLst>
-          </p:cNvPr>
-          <p:cNvSpPr txBox="1">
-            <a:spLocks noGrp="1"/>
-          </p:cNvSpPr>
-          <p:nvPr>
-            <p:ph type="title"/>
-          </p:nvPr>
-        </p:nvSpPr>
-        <p:spPr>
-          <a:xfrm>
-            <a:off x="838203" y="1798551"/>
-            <a:ext cx="10515600" cy="1325559"/>
-          </a:xfrm>
-        </p:spPr>
-        <p:txBody>
-          <a:bodyPr/>
-          <a:lstStyle/>
-          <a:p>
-            <a:pPr lvl="0">
-              <a:lnSpc>
-                <a:spcPct val="100000"/>
-              </a:lnSpc>
-            </a:pPr>
-            <a:r>
-              <a:rPr lang="en-GB" sz="4000" b="1" kern="0">
-                <a:solidFill>
-                  <a:srgbClr val="006388"/>
-                </a:solidFill>
-                <a:latin typeface="Fira Sans" pitchFamily="34"/>
-                <a:ea typeface="Fira Code" pitchFamily="49"/>
-              </a:rPr>
-              <a:t>Top tip #5</a:t>
-            </a:r>
-            <a:endParaRPr lang="en-GB" sz="4000">
-              <a:solidFill>
-                <a:srgbClr val="006388"/>
-              </a:solidFill>
-            </a:endParaRPr>
-          </a:p>
-        </p:txBody>
-      </p:sp>
-      <p:sp>
-        <p:nvSpPr>
-          <p:cNvPr id="3" name="Title 1">
-            <a:extLst>
-              <a:ext uri="{FF2B5EF4-FFF2-40B4-BE49-F238E27FC236}">
-                <a16:creationId xmlns:a16="http://schemas.microsoft.com/office/drawing/2014/main" id="{A94D61E6-3DBD-1459-F283-654DF6F53C92}"/>
+          <p:cNvPr id="3" name="TextBox 6">
+            <a:extLst>
+              <a:ext uri="{FF2B5EF4-FFF2-40B4-BE49-F238E27FC236}">
+                <a16:creationId xmlns:a16="http://schemas.microsoft.com/office/drawing/2014/main" id="{AF340431-E49E-DAE9-A817-87135740B4EC}"/>
               </a:ext>
             </a:extLst>
           </p:cNvPr>
@@ -13277,8 +14040,8 @@
         </p:nvSpPr>
         <p:spPr>
           <a:xfrm>
-            <a:off x="838203" y="3071103"/>
-            <a:ext cx="10515600" cy="1325559"/>
+            <a:off x="3048893" y="1340611"/>
+            <a:ext cx="6094201" cy="1107996"/>
           </a:xfrm>
           <a:prstGeom prst="rect">
             <a:avLst/>
@@ -13289,14 +14052,14 @@
           </a:ln>
         </p:spPr>
         <p:txBody>
-          <a:bodyPr vert="horz" wrap="square" lIns="91440" tIns="45720" rIns="91440" bIns="45720" anchor="ctr" anchorCtr="0" compatLnSpc="1">
-            <a:normAutofit/>
+          <a:bodyPr vert="horz" wrap="square" lIns="91440" tIns="45720" rIns="91440" bIns="45720" anchor="t" anchorCtr="1" compatLnSpc="1">
+            <a:spAutoFit/>
           </a:bodyPr>
           <a:lstStyle/>
           <a:p>
-            <a:pPr marL="0" marR="0" lvl="0" indent="0" algn="l" defTabSz="914400" rtl="0" fontAlgn="auto" hangingPunct="1">
-              <a:lnSpc>
-                <a:spcPct val="90000"/>
+            <a:pPr marL="0" marR="0" lvl="0" indent="0" algn="ctr" defTabSz="914400" rtl="0" fontAlgn="auto" hangingPunct="1">
+              <a:lnSpc>
+                <a:spcPct val="100000"/>
               </a:lnSpc>
               <a:spcBef>
                 <a:spcPts val="0"/>
@@ -13314,104 +14077,32 @@
               </a:defRPr>
             </a:pPr>
             <a:r>
-              <a:rPr lang="en-GB" sz="4400" b="1" i="0" u="none" strike="noStrike" kern="0" cap="none" spc="0" baseline="0">
-                <a:solidFill>
-                  <a:srgbClr val="7F7F7F"/>
+              <a:rPr lang="en-GB" sz="6600" b="1" i="0" u="none" strike="noStrike" kern="0" cap="none" spc="0" baseline="0" dirty="0">
+                <a:solidFill>
+                  <a:srgbClr val="006388"/>
                 </a:solidFill>
                 <a:uFillTx/>
                 <a:latin typeface="Fira Sans" pitchFamily="34"/>
                 <a:ea typeface="Fira Code" pitchFamily="49"/>
               </a:rPr>
-              <a:t>Investigate whether the “heavy” RA machine will solve your memory issues</a:t>
-            </a:r>
-            <a:endParaRPr lang="en-GB" sz="4400" b="0" i="0" u="none" strike="noStrike" kern="1200" cap="none" spc="0" baseline="0">
+              <a:t>Thank you!</a:t>
+            </a:r>
+            <a:endParaRPr lang="en-GB" sz="6600" b="0" i="0" u="none" strike="noStrike" kern="1200" cap="none" spc="0" baseline="0" dirty="0">
               <a:solidFill>
-                <a:srgbClr val="7F7F7F"/>
+                <a:srgbClr val="000000"/>
               </a:solidFill>
               <a:uFillTx/>
-              <a:latin typeface="Calibri Light"/>
+              <a:latin typeface="Calibri"/>
             </a:endParaRPr>
-          </a:p>
-        </p:txBody>
-      </p:sp>
-    </p:spTree>
-  </p:cSld>
-  <p:clrMapOvr>
-    <a:masterClrMapping/>
-  </p:clrMapOvr>
-</p:sld>
-</file>
-
-<file path=ppt/slides/slide31.xml><?xml version="1.0" encoding="utf-8"?>
-<p:sld xmlns:a="http://schemas.openxmlformats.org/drawingml/2006/main" xmlns:r="http://schemas.openxmlformats.org/officeDocument/2006/relationships" xmlns:p="http://schemas.openxmlformats.org/presentationml/2006/main">
-  <p:cSld name="Slide70">
-    <p:spTree>
-      <p:nvGrpSpPr>
-        <p:cNvPr id="1" name=""/>
-        <p:cNvGrpSpPr/>
-        <p:nvPr/>
-      </p:nvGrpSpPr>
-      <p:grpSpPr>
-        <a:xfrm>
-          <a:off x="0" y="0"/>
-          <a:ext cx="0" cy="0"/>
-          <a:chOff x="0" y="0"/>
-          <a:chExt cx="0" cy="0"/>
-        </a:xfrm>
-      </p:grpSpPr>
-      <p:sp>
-        <p:nvSpPr>
-          <p:cNvPr id="2" name="Title 1">
-            <a:extLst>
-              <a:ext uri="{FF2B5EF4-FFF2-40B4-BE49-F238E27FC236}">
-                <a16:creationId xmlns:a16="http://schemas.microsoft.com/office/drawing/2014/main" id="{98ADEB9C-BF29-15A2-3116-2E65A44E330F}"/>
-              </a:ext>
-            </a:extLst>
-          </p:cNvPr>
-          <p:cNvSpPr txBox="1">
-            <a:spLocks noGrp="1"/>
-          </p:cNvSpPr>
-          <p:nvPr>
-            <p:ph type="title"/>
-          </p:nvPr>
-        </p:nvSpPr>
-        <p:spPr>
-          <a:xfrm>
-            <a:off x="838203" y="1798551"/>
-            <a:ext cx="10515600" cy="1325559"/>
-          </a:xfrm>
-        </p:spPr>
-        <p:txBody>
-          <a:bodyPr anchor="b">
-            <a:normAutofit/>
-          </a:bodyPr>
-          <a:lstStyle/>
-          <a:p>
-            <a:pPr lvl="0">
-              <a:lnSpc>
-                <a:spcPct val="100000"/>
-              </a:lnSpc>
-            </a:pPr>
-            <a:r>
-              <a:rPr lang="en-GB" sz="4300" b="1" kern="0" dirty="0">
-                <a:solidFill>
-                  <a:srgbClr val="006388"/>
-                </a:solidFill>
-                <a:latin typeface="Fira Sans" pitchFamily="34"/>
-                <a:ea typeface="Fira Code" pitchFamily="49"/>
-              </a:rPr>
-              <a:t>Working with larger-than-memory data</a:t>
-            </a:r>
-            <a:endParaRPr lang="en-GB" sz="4300" dirty="0"/>
           </a:p>
         </p:txBody>
       </p:sp>
       <p:sp>
         <p:nvSpPr>
-          <p:cNvPr id="3" name="Title 1">
-            <a:extLst>
-              <a:ext uri="{FF2B5EF4-FFF2-40B4-BE49-F238E27FC236}">
-                <a16:creationId xmlns:a16="http://schemas.microsoft.com/office/drawing/2014/main" id="{989F52C1-207D-2DDB-9769-3B7DBBBFD06D}"/>
+          <p:cNvPr id="4" name="TextBox 3">
+            <a:extLst>
+              <a:ext uri="{FF2B5EF4-FFF2-40B4-BE49-F238E27FC236}">
+                <a16:creationId xmlns:a16="http://schemas.microsoft.com/office/drawing/2014/main" id="{EC157671-DA9F-8B25-0EE3-E51952D594CE}"/>
               </a:ext>
             </a:extLst>
           </p:cNvPr>
@@ -13420,8 +14111,8 @@
         </p:nvSpPr>
         <p:spPr>
           <a:xfrm>
-            <a:off x="838203" y="3071103"/>
-            <a:ext cx="10515600" cy="1325559"/>
+            <a:off x="838193" y="3733879"/>
+            <a:ext cx="10782303" cy="338554"/>
           </a:xfrm>
           <a:prstGeom prst="rect">
             <a:avLst/>
@@ -13433,13 +14124,13 @@
         </p:spPr>
         <p:txBody>
           <a:bodyPr vert="horz" wrap="square" lIns="91440" tIns="45720" rIns="91440" bIns="45720" anchor="t" anchorCtr="0" compatLnSpc="1">
-            <a:normAutofit/>
+            <a:spAutoFit/>
           </a:bodyPr>
           <a:lstStyle/>
           <a:p>
-            <a:pPr marL="0" marR="0" lvl="0" indent="0" algn="l" defTabSz="914400" rtl="0" fontAlgn="auto" hangingPunct="1">
-              <a:lnSpc>
-                <a:spcPct val="90000"/>
+            <a:pPr marL="0" marR="0" lvl="0" indent="0" algn="ctr" defTabSz="914400" rtl="0" fontAlgn="auto" hangingPunct="1">
+              <a:lnSpc>
+                <a:spcPct val="100000"/>
               </a:lnSpc>
               <a:spcBef>
                 <a:spcPts val="0"/>
@@ -13457,22 +14148,23 @@
               </a:defRPr>
             </a:pPr>
             <a:r>
-              <a:rPr lang="en-GB" sz="4400" b="1" i="0" u="none" strike="noStrike" kern="0" cap="none" spc="0" baseline="0">
-                <a:solidFill>
-                  <a:srgbClr val="7F7F7F"/>
-                </a:solidFill>
-                <a:uFillTx/>
-                <a:latin typeface="Fira Sans" pitchFamily="34"/>
-                <a:ea typeface="Fira Code" pitchFamily="49"/>
-              </a:rPr>
-              <a:t>Live coding 3</a:t>
-            </a:r>
-            <a:endParaRPr lang="en-GB" sz="4400" b="0" i="0" u="none" strike="noStrike" kern="1200" cap="none" spc="0" baseline="0">
+              <a:rPr lang="en-US" sz="1600" dirty="0">
+                <a:solidFill>
+                  <a:srgbClr val="000000"/>
+                </a:solidFill>
+                <a:latin typeface="Fira Code" pitchFamily="49"/>
+                <a:ea typeface="Fira Code" pitchFamily="49"/>
+                <a:hlinkClick r:id="rId4"/>
+              </a:rPr>
+              <a:t>https://odissei-soda.nl</a:t>
+            </a:r>
+            <a:endParaRPr lang="en-US" sz="1600" b="0" i="0" u="none" strike="noStrike" kern="1200" cap="none" spc="0" baseline="0" dirty="0">
               <a:solidFill>
-                <a:srgbClr val="7F7F7F"/>
+                <a:srgbClr val="000000"/>
               </a:solidFill>
               <a:uFillTx/>
-              <a:latin typeface="Calibri Light"/>
+              <a:latin typeface="Fira Code" pitchFamily="49"/>
+              <a:ea typeface="Fira Code" pitchFamily="49"/>
             </a:endParaRPr>
           </a:p>
         </p:txBody>
@@ -13485,9 +14177,9 @@
 </p:sld>
 </file>
 
-<file path=ppt/slides/slide32.xml><?xml version="1.0" encoding="utf-8"?>
+<file path=ppt/slides/slide38.xml><?xml version="1.0" encoding="utf-8"?>
 <p:sld xmlns:a="http://schemas.openxmlformats.org/drawingml/2006/main" xmlns:r="http://schemas.openxmlformats.org/officeDocument/2006/relationships" xmlns:p="http://schemas.openxmlformats.org/presentationml/2006/main">
-  <p:cSld name="Slide69">
+  <p:cSld name="Slide37">
     <p:bg>
       <p:bgPr>
         <a:solidFill>
@@ -13515,7 +14207,7 @@
           <p:cNvPr id="2" name="Title 1">
             <a:extLst>
               <a:ext uri="{FF2B5EF4-FFF2-40B4-BE49-F238E27FC236}">
-                <a16:creationId xmlns:a16="http://schemas.microsoft.com/office/drawing/2014/main" id="{932D8882-FDB5-4269-26B5-9FB6CAE2FE7A}"/>
+                <a16:creationId xmlns:a16="http://schemas.microsoft.com/office/drawing/2014/main" id="{CDD37D76-2D96-9A2D-7750-33DD011097DF}"/>
               </a:ext>
             </a:extLst>
           </p:cNvPr>
@@ -13528,7 +14220,7 @@
         </p:nvSpPr>
         <p:spPr>
           <a:xfrm>
-            <a:off x="838203" y="3314855"/>
+            <a:off x="838203" y="2766215"/>
             <a:ext cx="10515600" cy="1325559"/>
           </a:xfrm>
         </p:spPr>
@@ -13549,7 +14241,7 @@
                 <a:latin typeface="Fira Sans" pitchFamily="34"/>
                 <a:ea typeface="Fira Code" pitchFamily="49"/>
               </a:rPr>
-              <a:t>Compute</a:t>
+              <a:t>Questions?</a:t>
             </a:r>
             <a:endParaRPr lang="en-GB" sz="1800" kern="0">
               <a:solidFill>
@@ -13559,47 +14251,6 @@
           </a:p>
         </p:txBody>
       </p:sp>
-      <p:pic>
-        <p:nvPicPr>
-          <p:cNvPr id="3" name="Graphic 4">
-            <a:extLst>
-              <a:ext uri="{FF2B5EF4-FFF2-40B4-BE49-F238E27FC236}">
-                <a16:creationId xmlns:a16="http://schemas.microsoft.com/office/drawing/2014/main" id="{A80506F0-3692-41E9-3356-C17B18841A21}"/>
-              </a:ext>
-            </a:extLst>
-          </p:cNvPr>
-          <p:cNvPicPr>
-            <a:picLocks noChangeAspect="1"/>
-          </p:cNvPicPr>
-          <p:nvPr/>
-        </p:nvPicPr>
-        <p:blipFill>
-          <a:blip r:embed="rId2">
-            <a:extLst>
-              <a:ext uri="{96DAC541-7B7A-43D3-8B79-37D633B846F1}">
-                <asvg:svgBlip xmlns:asvg="http://schemas.microsoft.com/office/drawing/2016/SVG/main" r:embed="rId3"/>
-              </a:ext>
-            </a:extLst>
-          </a:blip>
-          <a:srcRect b="16592"/>
-          <a:stretch>
-            <a:fillRect/>
-          </a:stretch>
-        </p:blipFill>
-        <p:spPr>
-          <a:xfrm>
-            <a:off x="5053852" y="1867058"/>
-            <a:ext cx="2084301" cy="1738484"/>
-          </a:xfrm>
-          <a:prstGeom prst="rect">
-            <a:avLst/>
-          </a:prstGeom>
-          <a:noFill/>
-          <a:ln cap="flat">
-            <a:noFill/>
-          </a:ln>
-        </p:spPr>
-      </p:pic>
     </p:spTree>
   </p:cSld>
   <p:clrMapOvr>
@@ -13608,9 +14259,9 @@
 </p:sld>
 </file>
 
-<file path=ppt/slides/slide33.xml><?xml version="1.0" encoding="utf-8"?>
+<file path=ppt/slides/slide39.xml><?xml version="1.0" encoding="utf-8"?>
 <p:sld xmlns:a="http://schemas.openxmlformats.org/drawingml/2006/main" xmlns:r="http://schemas.openxmlformats.org/officeDocument/2006/relationships" xmlns:p="http://schemas.openxmlformats.org/presentationml/2006/main">
-  <p:cSld name="Slide57">
+  <p:cSld name="Slide71">
     <p:spTree>
       <p:nvGrpSpPr>
         <p:cNvPr id="1" name=""/>
@@ -13630,7 +14281,7 @@
           <p:cNvPr id="2" name="Title 1">
             <a:extLst>
               <a:ext uri="{FF2B5EF4-FFF2-40B4-BE49-F238E27FC236}">
-                <a16:creationId xmlns:a16="http://schemas.microsoft.com/office/drawing/2014/main" id="{274D8F61-5394-3558-2365-FC17578A91DB}"/>
+                <a16:creationId xmlns:a16="http://schemas.microsoft.com/office/drawing/2014/main" id="{D9F61BE7-A24F-0F5B-4EBA-04BF88679DB0}"/>
               </a:ext>
             </a:extLst>
           </p:cNvPr>
@@ -13659,7 +14310,7 @@
                 <a:latin typeface="Fira Sans" pitchFamily="34"/>
                 <a:ea typeface="Fira Code" pitchFamily="49"/>
               </a:rPr>
-              <a:t>Compute-heavy applications</a:t>
+              <a:t>Default light slide</a:t>
             </a:r>
             <a:endParaRPr lang="en-GB" sz="1800" kern="0"/>
           </a:p>
@@ -13670,7 +14321,7 @@
           <p:cNvPr id="3" name="Content Placeholder 2">
             <a:extLst>
               <a:ext uri="{FF2B5EF4-FFF2-40B4-BE49-F238E27FC236}">
-                <a16:creationId xmlns:a16="http://schemas.microsoft.com/office/drawing/2014/main" id="{E5130D71-92A2-03DE-3B9F-5A1B3B9AA412}"/>
+                <a16:creationId xmlns:a16="http://schemas.microsoft.com/office/drawing/2014/main" id="{860F260C-63D8-4F73-F9C0-08B1B28B6F8E}"/>
               </a:ext>
             </a:extLst>
           </p:cNvPr>
@@ -13691,140 +14342,38 @@
           <a:bodyPr/>
           <a:lstStyle/>
           <a:p>
-            <a:pPr lvl="0">
-              <a:lnSpc>
-                <a:spcPct val="100000"/>
-              </a:lnSpc>
-            </a:pPr>
-            <a:r>
-              <a:rPr lang="en-GB">
-                <a:solidFill>
-                  <a:srgbClr val="404040"/>
-                </a:solidFill>
-                <a:latin typeface="Fira Sans" pitchFamily="34"/>
-              </a:rPr>
-              <a:t>Large simulations, e.g., </a:t>
-            </a:r>
-          </a:p>
-          <a:p>
-            <a:pPr lvl="1">
-              <a:lnSpc>
-                <a:spcPct val="100000"/>
-              </a:lnSpc>
-            </a:pPr>
-            <a:r>
-              <a:rPr lang="en-GB">
-                <a:solidFill>
-                  <a:srgbClr val="404040"/>
-                </a:solidFill>
-                <a:latin typeface="Fira Sans" pitchFamily="34"/>
-              </a:rPr>
-              <a:t>agent-based models</a:t>
-            </a:r>
-          </a:p>
-          <a:p>
-            <a:pPr lvl="1">
-              <a:lnSpc>
-                <a:spcPct val="100000"/>
-              </a:lnSpc>
-            </a:pPr>
-            <a:r>
-              <a:rPr lang="en-GB">
-                <a:solidFill>
-                  <a:srgbClr val="404040"/>
-                </a:solidFill>
-                <a:latin typeface="Fira Sans" pitchFamily="34"/>
-              </a:rPr>
-              <a:t>computational models</a:t>
-            </a:r>
-          </a:p>
-          <a:p>
-            <a:pPr lvl="1">
-              <a:lnSpc>
-                <a:spcPct val="100000"/>
-              </a:lnSpc>
-            </a:pPr>
-            <a:r>
-              <a:rPr lang="en-GB">
-                <a:solidFill>
-                  <a:srgbClr val="404040"/>
-                </a:solidFill>
-                <a:latin typeface="Fira Sans" pitchFamily="34"/>
-              </a:rPr>
-              <a:t>complex systems stuff</a:t>
-            </a:r>
-          </a:p>
-          <a:p>
-            <a:pPr lvl="1">
-              <a:lnSpc>
-                <a:spcPct val="100000"/>
-              </a:lnSpc>
-            </a:pPr>
-            <a:r>
-              <a:rPr lang="en-GB">
-                <a:solidFill>
-                  <a:srgbClr val="404040"/>
-                </a:solidFill>
-                <a:latin typeface="Fira Sans" pitchFamily="34"/>
-              </a:rPr>
-              <a:t>statistical simulations (large power analyses)</a:t>
-            </a:r>
-          </a:p>
-          <a:p>
-            <a:pPr lvl="0">
-              <a:lnSpc>
-                <a:spcPct val="100000"/>
-              </a:lnSpc>
-            </a:pPr>
-            <a:r>
-              <a:rPr lang="en-GB">
-                <a:solidFill>
-                  <a:srgbClr val="404040"/>
-                </a:solidFill>
-                <a:latin typeface="Fira Sans" pitchFamily="34"/>
-              </a:rPr>
-              <a:t>Many different conditions </a:t>
-            </a:r>
-          </a:p>
-          <a:p>
-            <a:pPr lvl="1">
-              <a:lnSpc>
-                <a:spcPct val="100000"/>
-              </a:lnSpc>
-            </a:pPr>
-            <a:r>
-              <a:rPr lang="en-GB">
-                <a:solidFill>
-                  <a:srgbClr val="404040"/>
-                </a:solidFill>
-                <a:latin typeface="Fira Sans" pitchFamily="34"/>
-              </a:rPr>
-              <a:t>Perform some computation for each neighbourhood in NL</a:t>
-            </a:r>
-          </a:p>
-          <a:p>
-            <a:pPr lvl="0">
-              <a:lnSpc>
-                <a:spcPct val="100000"/>
-              </a:lnSpc>
-            </a:pPr>
-            <a:r>
-              <a:rPr lang="en-GB">
-                <a:solidFill>
-                  <a:srgbClr val="404040"/>
-                </a:solidFill>
-                <a:latin typeface="Fira Sans" pitchFamily="34"/>
-              </a:rPr>
-              <a:t>Bayesian estimation with large models (many parameters, many posterior samples)</a:t>
-            </a:r>
-          </a:p>
-          <a:p>
-            <a:pPr lvl="0">
-              <a:lnSpc>
-                <a:spcPct val="100000"/>
-              </a:lnSpc>
-            </a:pPr>
-            <a:endParaRPr lang="en-GB">
+            <a:pPr marL="0" lvl="0" indent="0">
+              <a:buNone/>
+            </a:pPr>
+            <a:r>
+              <a:rPr lang="en-GB" sz="2000" b="1">
+                <a:solidFill>
+                  <a:srgbClr val="404040"/>
+                </a:solidFill>
+                <a:latin typeface="Fira Sans" pitchFamily="34"/>
+              </a:rPr>
+              <a:t>Default subheading</a:t>
+            </a:r>
+          </a:p>
+          <a:p>
+            <a:pPr marL="0" lvl="0" indent="0">
+              <a:buNone/>
+            </a:pPr>
+            <a:r>
+              <a:rPr lang="en-GB" sz="2000">
+                <a:solidFill>
+                  <a:srgbClr val="404040"/>
+                </a:solidFill>
+                <a:latin typeface="Fira Sans" pitchFamily="34"/>
+              </a:rPr>
+              <a:t>This is the body of the text </a:t>
+            </a:r>
+          </a:p>
+          <a:p>
+            <a:pPr marL="0" lvl="0" indent="0">
+              <a:buNone/>
+            </a:pPr>
+            <a:endParaRPr lang="en-GB" sz="2000">
               <a:solidFill>
                 <a:srgbClr val="404040"/>
               </a:solidFill>
@@ -13832,262 +14381,77 @@
             </a:endParaRPr>
           </a:p>
           <a:p>
-            <a:pPr lvl="0">
-              <a:lnSpc>
-                <a:spcPct val="100000"/>
-              </a:lnSpc>
-            </a:pPr>
-            <a:endParaRPr lang="en-GB">
+            <a:pPr marL="0" lvl="0" indent="0">
+              <a:buNone/>
+            </a:pPr>
+            <a:r>
+              <a:rPr lang="en-GB" sz="2000" b="1">
+                <a:solidFill>
+                  <a:srgbClr val="404040"/>
+                </a:solidFill>
+                <a:latin typeface="Fira Sans" pitchFamily="34"/>
+              </a:rPr>
+              <a:t>Default subheading</a:t>
+            </a:r>
+          </a:p>
+          <a:p>
+            <a:pPr marL="0" lvl="0" indent="0">
+              <a:buNone/>
+            </a:pPr>
+            <a:r>
+              <a:rPr lang="en-GB" sz="2000">
+                <a:solidFill>
+                  <a:srgbClr val="404040"/>
+                </a:solidFill>
+                <a:latin typeface="Fira Sans" pitchFamily="34"/>
+              </a:rPr>
+              <a:t>Note that the text is not black, but “black, text 1, lighter 25%”</a:t>
+            </a:r>
+          </a:p>
+          <a:p>
+            <a:pPr marL="0" lvl="0" indent="0">
+              <a:buNone/>
+            </a:pPr>
+            <a:endParaRPr lang="en-GB" sz="2000">
               <a:solidFill>
                 <a:srgbClr val="404040"/>
               </a:solidFill>
               <a:latin typeface="Fira Sans" pitchFamily="34"/>
             </a:endParaRPr>
           </a:p>
-        </p:txBody>
-      </p:sp>
-    </p:spTree>
-  </p:cSld>
-  <p:clrMapOvr>
-    <a:masterClrMapping/>
-  </p:clrMapOvr>
-</p:sld>
-</file>
-
-<file path=ppt/slides/slide34.xml><?xml version="1.0" encoding="utf-8"?>
-<p:sld xmlns:a="http://schemas.openxmlformats.org/drawingml/2006/main" xmlns:r="http://schemas.openxmlformats.org/officeDocument/2006/relationships" xmlns:p="http://schemas.openxmlformats.org/presentationml/2006/main">
-  <p:cSld name="Slide74">
-    <p:spTree>
-      <p:nvGrpSpPr>
-        <p:cNvPr id="1" name=""/>
-        <p:cNvGrpSpPr/>
-        <p:nvPr/>
-      </p:nvGrpSpPr>
-      <p:grpSpPr>
-        <a:xfrm>
-          <a:off x="0" y="0"/>
-          <a:ext cx="0" cy="0"/>
-          <a:chOff x="0" y="0"/>
-          <a:chExt cx="0" cy="0"/>
-        </a:xfrm>
-      </p:grpSpPr>
-      <p:sp>
-        <p:nvSpPr>
-          <p:cNvPr id="2" name="Title 1">
-            <a:extLst>
-              <a:ext uri="{FF2B5EF4-FFF2-40B4-BE49-F238E27FC236}">
-                <a16:creationId xmlns:a16="http://schemas.microsoft.com/office/drawing/2014/main" id="{467FF3BF-2F6D-61CC-5CE6-78069E22C944}"/>
-              </a:ext>
-            </a:extLst>
-          </p:cNvPr>
-          <p:cNvSpPr txBox="1">
-            <a:spLocks noGrp="1"/>
-          </p:cNvSpPr>
-          <p:nvPr>
-            <p:ph type="title"/>
-          </p:nvPr>
-        </p:nvSpPr>
-        <p:spPr>
-          <a:xfrm>
-            <a:off x="838203" y="1798551"/>
-            <a:ext cx="10515600" cy="1325559"/>
-          </a:xfrm>
-        </p:spPr>
-        <p:txBody>
-          <a:bodyPr anchor="b"/>
-          <a:lstStyle/>
-          <a:p>
-            <a:pPr lvl="0">
-              <a:lnSpc>
-                <a:spcPct val="100000"/>
-              </a:lnSpc>
-            </a:pPr>
-            <a:r>
-              <a:rPr lang="en-GB" sz="4800" b="1" kern="0">
-                <a:solidFill>
-                  <a:srgbClr val="006388"/>
-                </a:solidFill>
-                <a:latin typeface="Fira Sans" pitchFamily="34"/>
-                <a:ea typeface="Fira Code" pitchFamily="49"/>
-              </a:rPr>
-              <a:t>Speeding up a function with C++</a:t>
-            </a:r>
-            <a:endParaRPr lang="en-GB" sz="4800"/>
-          </a:p>
-        </p:txBody>
-      </p:sp>
-      <p:sp>
-        <p:nvSpPr>
-          <p:cNvPr id="3" name="Title 1">
-            <a:extLst>
-              <a:ext uri="{FF2B5EF4-FFF2-40B4-BE49-F238E27FC236}">
-                <a16:creationId xmlns:a16="http://schemas.microsoft.com/office/drawing/2014/main" id="{A79E27CF-8450-037F-81A3-866FEBECE882}"/>
-              </a:ext>
-            </a:extLst>
-          </p:cNvPr>
-          <p:cNvSpPr txBox="1"/>
-          <p:nvPr/>
-        </p:nvSpPr>
-        <p:spPr>
-          <a:xfrm>
-            <a:off x="838203" y="3071103"/>
-            <a:ext cx="10515600" cy="1325559"/>
-          </a:xfrm>
-          <a:prstGeom prst="rect">
-            <a:avLst/>
-          </a:prstGeom>
-          <a:noFill/>
-          <a:ln cap="flat">
-            <a:noFill/>
-          </a:ln>
-        </p:spPr>
-        <p:txBody>
-          <a:bodyPr vert="horz" wrap="square" lIns="91440" tIns="45720" rIns="91440" bIns="45720" anchor="t" anchorCtr="0" compatLnSpc="1">
-            <a:normAutofit/>
-          </a:bodyPr>
-          <a:lstStyle/>
-          <a:p>
-            <a:pPr marL="0" marR="0" lvl="0" indent="0" algn="l" defTabSz="914400" rtl="0" fontAlgn="auto" hangingPunct="1">
-              <a:lnSpc>
-                <a:spcPct val="90000"/>
-              </a:lnSpc>
-              <a:spcBef>
-                <a:spcPts val="0"/>
-              </a:spcBef>
-              <a:spcAft>
-                <a:spcPts val="0"/>
-              </a:spcAft>
-              <a:buNone/>
-              <a:tabLst/>
-              <a:defRPr sz="1800" b="0" i="0" u="none" strike="noStrike" kern="0" cap="none" spc="0" baseline="0">
-                <a:solidFill>
-                  <a:srgbClr val="000000"/>
-                </a:solidFill>
-                <a:uFillTx/>
-              </a:defRPr>
-            </a:pPr>
-            <a:r>
-              <a:rPr lang="en-GB" sz="4400" b="1" i="0" u="none" strike="noStrike" kern="0" cap="none" spc="0" baseline="0">
-                <a:solidFill>
-                  <a:srgbClr val="7F7F7F"/>
-                </a:solidFill>
-                <a:uFillTx/>
-                <a:latin typeface="Fira Sans" pitchFamily="34"/>
-                <a:ea typeface="Fira Code" pitchFamily="49"/>
-              </a:rPr>
-              <a:t>Live coding 4</a:t>
-            </a:r>
-            <a:endParaRPr lang="en-GB" sz="4400" b="0" i="0" u="none" strike="noStrike" kern="1200" cap="none" spc="0" baseline="0">
-              <a:solidFill>
-                <a:srgbClr val="7F7F7F"/>
-              </a:solidFill>
-              <a:uFillTx/>
-              <a:latin typeface="Calibri Light"/>
-            </a:endParaRPr>
-          </a:p>
-        </p:txBody>
-      </p:sp>
-    </p:spTree>
-  </p:cSld>
-  <p:clrMapOvr>
-    <a:masterClrMapping/>
-  </p:clrMapOvr>
-</p:sld>
-</file>
-
-<file path=ppt/slides/slide35.xml><?xml version="1.0" encoding="utf-8"?>
-<p:sld xmlns:a="http://schemas.openxmlformats.org/drawingml/2006/main" xmlns:r="http://schemas.openxmlformats.org/officeDocument/2006/relationships" xmlns:p="http://schemas.openxmlformats.org/presentationml/2006/main">
-  <p:cSld name="Slide73">
-    <p:spTree>
-      <p:nvGrpSpPr>
-        <p:cNvPr id="1" name=""/>
-        <p:cNvGrpSpPr/>
-        <p:nvPr/>
-      </p:nvGrpSpPr>
-      <p:grpSpPr>
-        <a:xfrm>
-          <a:off x="0" y="0"/>
-          <a:ext cx="0" cy="0"/>
-          <a:chOff x="0" y="0"/>
-          <a:chExt cx="0" cy="0"/>
-        </a:xfrm>
-      </p:grpSpPr>
-      <p:sp>
-        <p:nvSpPr>
-          <p:cNvPr id="2" name="Content Placeholder 2">
-            <a:extLst>
-              <a:ext uri="{FF2B5EF4-FFF2-40B4-BE49-F238E27FC236}">
-                <a16:creationId xmlns:a16="http://schemas.microsoft.com/office/drawing/2014/main" id="{C1F67B0D-D4B5-07EC-ABCD-9C753A7BFBB7}"/>
-              </a:ext>
-            </a:extLst>
-          </p:cNvPr>
-          <p:cNvSpPr txBox="1">
-            <a:spLocks noGrp="1"/>
-          </p:cNvSpPr>
-          <p:nvPr>
-            <p:ph idx="1"/>
-          </p:nvPr>
-        </p:nvSpPr>
-        <p:spPr>
-          <a:xfrm>
-            <a:off x="838203" y="1825627"/>
-            <a:ext cx="10363196" cy="4667243"/>
-          </a:xfrm>
-        </p:spPr>
-        <p:txBody>
-          <a:bodyPr/>
-          <a:lstStyle/>
           <a:p>
             <a:pPr marL="0" lvl="0" indent="0">
-              <a:lnSpc>
-                <a:spcPct val="100000"/>
-              </a:lnSpc>
-              <a:buNone/>
-            </a:pPr>
-            <a:r>
-              <a:rPr lang="en-GB" b="1">
-                <a:solidFill>
-                  <a:srgbClr val="006388"/>
-                </a:solidFill>
-                <a:latin typeface="Fira Sans" pitchFamily="34"/>
-              </a:rPr>
-              <a:t>Embarrassingly parallel</a:t>
+              <a:buNone/>
+            </a:pPr>
+            <a:r>
+              <a:rPr lang="en-GB" sz="2000" b="1">
+                <a:solidFill>
+                  <a:srgbClr val="404040"/>
+                </a:solidFill>
+                <a:latin typeface="Fira Sans" pitchFamily="34"/>
+              </a:rPr>
+              <a:t>Default subheading</a:t>
             </a:r>
           </a:p>
           <a:p>
             <a:pPr marL="0" lvl="0" indent="0">
-              <a:lnSpc>
-                <a:spcPct val="100000"/>
-              </a:lnSpc>
-              <a:buNone/>
-            </a:pPr>
-            <a:r>
-              <a:rPr lang="en-GB">
-                <a:solidFill>
-                  <a:srgbClr val="404040"/>
-                </a:solidFill>
-                <a:latin typeface="Fira Sans" pitchFamily="34"/>
-              </a:rPr>
-              <a:t>Many independent computations, l</a:t>
-            </a:r>
-            <a:r>
-              <a:rPr lang="en-US">
-                <a:solidFill>
-                  <a:srgbClr val="404040"/>
-                </a:solidFill>
-                <a:latin typeface="Fira Sans" pitchFamily="34"/>
-              </a:rPr>
-              <a:t>ittle or no effort is needed to separate the problem into a number of parallel tasks</a:t>
+              <a:buNone/>
+            </a:pPr>
+            <a:r>
+              <a:rPr lang="en-GB" sz="2000">
+                <a:solidFill>
+                  <a:srgbClr val="404040"/>
+                </a:solidFill>
+                <a:latin typeface="Fira Sans" pitchFamily="34"/>
+              </a:rPr>
+              <a:t>This makes things easier on the eyes</a:t>
             </a:r>
           </a:p>
           <a:p>
             <a:pPr marL="0" lvl="0" indent="0">
-              <a:lnSpc>
-                <a:spcPct val="100000"/>
-              </a:lnSpc>
-              <a:buNone/>
-            </a:pPr>
-            <a:endParaRPr lang="en-US">
+              <a:buNone/>
+            </a:pPr>
+            <a:endParaRPr lang="en-GB" sz="2000">
               <a:solidFill>
                 <a:srgbClr val="404040"/>
               </a:solidFill>
@@ -14095,1046 +14459,42 @@
             </a:endParaRPr>
           </a:p>
           <a:p>
-            <a:pPr lvl="0">
-              <a:lnSpc>
-                <a:spcPct val="100000"/>
-              </a:lnSpc>
-            </a:pPr>
-            <a:r>
-              <a:rPr lang="en-US">
-                <a:solidFill>
-                  <a:srgbClr val="7F7F7F"/>
-                </a:solidFill>
-                <a:latin typeface="Fira Sans" pitchFamily="34"/>
-              </a:rPr>
-              <a:t>Simulations</a:t>
-            </a:r>
-          </a:p>
-          <a:p>
-            <a:pPr lvl="0">
-              <a:lnSpc>
-                <a:spcPct val="100000"/>
-              </a:lnSpc>
-            </a:pPr>
-            <a:r>
-              <a:rPr lang="en-GB">
-                <a:solidFill>
-                  <a:srgbClr val="7F7F7F"/>
-                </a:solidFill>
-                <a:latin typeface="Fira Sans" pitchFamily="34"/>
-              </a:rPr>
-              <a:t>Applying a function to many conditions</a:t>
-            </a:r>
-          </a:p>
-          <a:p>
-            <a:pPr lvl="0">
-              <a:lnSpc>
-                <a:spcPct val="100000"/>
-              </a:lnSpc>
-            </a:pPr>
-            <a:r>
-              <a:rPr lang="en-GB">
-                <a:solidFill>
-                  <a:srgbClr val="7F7F7F"/>
-                </a:solidFill>
-                <a:latin typeface="Fira Sans" pitchFamily="34"/>
-              </a:rPr>
-              <a:t>Running a piece of code with many different settings</a:t>
-            </a:r>
-          </a:p>
-          <a:p>
-            <a:pPr lvl="0">
-              <a:lnSpc>
-                <a:spcPct val="100000"/>
-              </a:lnSpc>
-            </a:pPr>
-            <a:r>
-              <a:rPr lang="en-GB">
-                <a:solidFill>
-                  <a:srgbClr val="7F7F7F"/>
-                </a:solidFill>
-                <a:latin typeface="Fira Sans" pitchFamily="34"/>
-              </a:rPr>
-              <a:t>Bootstrapping</a:t>
-            </a:r>
-          </a:p>
-          <a:p>
             <a:pPr marL="0" lvl="0" indent="0">
-              <a:lnSpc>
-                <a:spcPct val="100000"/>
-              </a:lnSpc>
-              <a:buNone/>
-            </a:pPr>
-            <a:endParaRPr lang="en-GB">
+              <a:buNone/>
+            </a:pPr>
+            <a:r>
+              <a:rPr lang="en-GB" sz="2000" b="1">
+                <a:solidFill>
+                  <a:srgbClr val="404040"/>
+                </a:solidFill>
+                <a:latin typeface="Fira Sans" pitchFamily="34"/>
+              </a:rPr>
+              <a:t>Default subheading</a:t>
+            </a:r>
+          </a:p>
+          <a:p>
+            <a:pPr marL="0" lvl="0" indent="0">
+              <a:buNone/>
+            </a:pPr>
+            <a:r>
+              <a:rPr lang="en-GB" sz="2000">
+                <a:solidFill>
+                  <a:srgbClr val="404040"/>
+                </a:solidFill>
+                <a:latin typeface="Fira Sans" pitchFamily="34"/>
+              </a:rPr>
+              <a:t>This is the body of the text </a:t>
+            </a:r>
+          </a:p>
+          <a:p>
+            <a:pPr marL="0" lvl="0" indent="0">
+              <a:buNone/>
+            </a:pPr>
+            <a:endParaRPr lang="en-GB" sz="2000">
               <a:solidFill>
                 <a:srgbClr val="404040"/>
               </a:solidFill>
               <a:latin typeface="Fira Sans" pitchFamily="34"/>
-            </a:endParaRPr>
-          </a:p>
-          <a:p>
-            <a:pPr marL="0" lvl="0" indent="0">
-              <a:lnSpc>
-                <a:spcPct val="100000"/>
-              </a:lnSpc>
-              <a:buNone/>
-            </a:pPr>
-            <a:endParaRPr lang="en-GB">
-              <a:solidFill>
-                <a:srgbClr val="404040"/>
-              </a:solidFill>
-              <a:latin typeface="Fira Sans" pitchFamily="34"/>
-            </a:endParaRPr>
-          </a:p>
-          <a:p>
-            <a:pPr marL="0" lvl="0" indent="0">
-              <a:lnSpc>
-                <a:spcPct val="100000"/>
-              </a:lnSpc>
-              <a:buNone/>
-            </a:pPr>
-            <a:endParaRPr lang="en-GB" b="1">
-              <a:solidFill>
-                <a:srgbClr val="404040"/>
-              </a:solidFill>
-              <a:latin typeface="Fira Sans" pitchFamily="34"/>
-            </a:endParaRPr>
-          </a:p>
-        </p:txBody>
-      </p:sp>
-    </p:spTree>
-  </p:cSld>
-  <p:clrMapOvr>
-    <a:masterClrMapping/>
-  </p:clrMapOvr>
-</p:sld>
-</file>
-
-<file path=ppt/slides/slide36.xml><?xml version="1.0" encoding="utf-8"?>
-<p:sld xmlns:a="http://schemas.openxmlformats.org/drawingml/2006/main" xmlns:r="http://schemas.openxmlformats.org/officeDocument/2006/relationships" xmlns:p="http://schemas.openxmlformats.org/presentationml/2006/main">
-  <p:cSld name="Slide72">
-    <p:spTree>
-      <p:nvGrpSpPr>
-        <p:cNvPr id="1" name=""/>
-        <p:cNvGrpSpPr/>
-        <p:nvPr/>
-      </p:nvGrpSpPr>
-      <p:grpSpPr>
-        <a:xfrm>
-          <a:off x="0" y="0"/>
-          <a:ext cx="0" cy="0"/>
-          <a:chOff x="0" y="0"/>
-          <a:chExt cx="0" cy="0"/>
-        </a:xfrm>
-      </p:grpSpPr>
-      <p:sp>
-        <p:nvSpPr>
-          <p:cNvPr id="2" name="Title 1">
-            <a:extLst>
-              <a:ext uri="{FF2B5EF4-FFF2-40B4-BE49-F238E27FC236}">
-                <a16:creationId xmlns:a16="http://schemas.microsoft.com/office/drawing/2014/main" id="{6BE61032-FB9B-DDC1-DA95-53E5A2AFD799}"/>
-              </a:ext>
-            </a:extLst>
-          </p:cNvPr>
-          <p:cNvSpPr txBox="1">
-            <a:spLocks noGrp="1"/>
-          </p:cNvSpPr>
-          <p:nvPr>
-            <p:ph type="title"/>
-          </p:nvPr>
-        </p:nvSpPr>
-        <p:spPr>
-          <a:xfrm>
-            <a:off x="838203" y="1798551"/>
-            <a:ext cx="10515600" cy="1325559"/>
-          </a:xfrm>
-        </p:spPr>
-        <p:txBody>
-          <a:bodyPr/>
-          <a:lstStyle/>
-          <a:p>
-            <a:pPr lvl="0">
-              <a:lnSpc>
-                <a:spcPct val="100000"/>
-              </a:lnSpc>
-            </a:pPr>
-            <a:r>
-              <a:rPr lang="en-GB" sz="4000" b="1" kern="0">
-                <a:solidFill>
-                  <a:srgbClr val="006388"/>
-                </a:solidFill>
-                <a:latin typeface="Fira Sans" pitchFamily="34"/>
-                <a:ea typeface="Fira Code" pitchFamily="49"/>
-              </a:rPr>
-              <a:t>Top tip #6</a:t>
-            </a:r>
-            <a:endParaRPr lang="en-GB" sz="4000">
-              <a:solidFill>
-                <a:srgbClr val="006388"/>
-              </a:solidFill>
-            </a:endParaRPr>
-          </a:p>
-        </p:txBody>
-      </p:sp>
-      <p:sp>
-        <p:nvSpPr>
-          <p:cNvPr id="3" name="Title 1">
-            <a:extLst>
-              <a:ext uri="{FF2B5EF4-FFF2-40B4-BE49-F238E27FC236}">
-                <a16:creationId xmlns:a16="http://schemas.microsoft.com/office/drawing/2014/main" id="{9CF60253-E88B-BFB7-B537-D4D8C4FA9FB0}"/>
-              </a:ext>
-            </a:extLst>
-          </p:cNvPr>
-          <p:cNvSpPr txBox="1"/>
-          <p:nvPr/>
-        </p:nvSpPr>
-        <p:spPr>
-          <a:xfrm>
-            <a:off x="838203" y="3071103"/>
-            <a:ext cx="10515600" cy="1325559"/>
-          </a:xfrm>
-          <a:prstGeom prst="rect">
-            <a:avLst/>
-          </a:prstGeom>
-          <a:noFill/>
-          <a:ln cap="flat">
-            <a:noFill/>
-          </a:ln>
-        </p:spPr>
-        <p:txBody>
-          <a:bodyPr vert="horz" wrap="square" lIns="91440" tIns="45720" rIns="91440" bIns="45720" anchor="ctr" anchorCtr="0" compatLnSpc="1">
-            <a:normAutofit/>
-          </a:bodyPr>
-          <a:lstStyle/>
-          <a:p>
-            <a:pPr marL="0" marR="0" lvl="0" indent="0" algn="l" defTabSz="914400" rtl="0" fontAlgn="auto" hangingPunct="1">
-              <a:lnSpc>
-                <a:spcPct val="90000"/>
-              </a:lnSpc>
-              <a:spcBef>
-                <a:spcPts val="0"/>
-              </a:spcBef>
-              <a:spcAft>
-                <a:spcPts val="0"/>
-              </a:spcAft>
-              <a:buNone/>
-              <a:tabLst/>
-              <a:defRPr sz="1800" b="0" i="0" u="none" strike="noStrike" kern="0" cap="none" spc="0" baseline="0">
-                <a:solidFill>
-                  <a:srgbClr val="000000"/>
-                </a:solidFill>
-                <a:uFillTx/>
-              </a:defRPr>
-            </a:pPr>
-            <a:r>
-              <a:rPr lang="en-GB" sz="4400" b="1" i="0" u="none" strike="noStrike" kern="0" cap="none" spc="0" baseline="0">
-                <a:solidFill>
-                  <a:srgbClr val="7F7F7F"/>
-                </a:solidFill>
-                <a:uFillTx/>
-                <a:latin typeface="Fira Sans" pitchFamily="34"/>
-                <a:ea typeface="Fira Code" pitchFamily="49"/>
-              </a:rPr>
-              <a:t>Is your problem parallelizable? Look into the ODISSEI Secure Supercomputer</a:t>
-            </a:r>
-            <a:endParaRPr lang="en-GB" sz="4400" b="0" i="0" u="none" strike="noStrike" kern="1200" cap="none" spc="0" baseline="0">
-              <a:solidFill>
-                <a:srgbClr val="7F7F7F"/>
-              </a:solidFill>
-              <a:uFillTx/>
-              <a:latin typeface="Calibri Light"/>
-            </a:endParaRPr>
-          </a:p>
-        </p:txBody>
-      </p:sp>
-    </p:spTree>
-  </p:cSld>
-  <p:clrMapOvr>
-    <a:masterClrMapping/>
-  </p:clrMapOvr>
-</p:sld>
-</file>
-
-<file path=ppt/slides/slide37.xml><?xml version="1.0" encoding="utf-8"?>
-<p:sld xmlns:a="http://schemas.openxmlformats.org/drawingml/2006/main" xmlns:r="http://schemas.openxmlformats.org/officeDocument/2006/relationships" xmlns:p="http://schemas.openxmlformats.org/presentationml/2006/main">
-  <p:cSld name="Slide76">
-    <p:spTree>
-      <p:nvGrpSpPr>
-        <p:cNvPr id="1" name=""/>
-        <p:cNvGrpSpPr/>
-        <p:nvPr/>
-      </p:nvGrpSpPr>
-      <p:grpSpPr>
-        <a:xfrm>
-          <a:off x="0" y="0"/>
-          <a:ext cx="0" cy="0"/>
-          <a:chOff x="0" y="0"/>
-          <a:chExt cx="0" cy="0"/>
-        </a:xfrm>
-      </p:grpSpPr>
-      <p:pic>
-        <p:nvPicPr>
-          <p:cNvPr id="2" name="Picture 8">
-            <a:extLst>
-              <a:ext uri="{FF2B5EF4-FFF2-40B4-BE49-F238E27FC236}">
-                <a16:creationId xmlns:a16="http://schemas.microsoft.com/office/drawing/2014/main" id="{8A3E9639-A25B-60BB-9E22-763460CAAF83}"/>
-              </a:ext>
-            </a:extLst>
-          </p:cNvPr>
-          <p:cNvPicPr>
-            <a:picLocks noChangeAspect="1"/>
-          </p:cNvPicPr>
-          <p:nvPr/>
-        </p:nvPicPr>
-        <p:blipFill>
-          <a:blip r:embed="rId2"/>
-          <a:srcRect r="563" b="824"/>
-          <a:stretch>
-            <a:fillRect/>
-          </a:stretch>
-        </p:blipFill>
-        <p:spPr>
-          <a:xfrm>
-            <a:off x="34290" y="60963"/>
-            <a:ext cx="12123416" cy="6736083"/>
-          </a:xfrm>
-          <a:prstGeom prst="rect">
-            <a:avLst/>
-          </a:prstGeom>
-          <a:noFill/>
-          <a:ln cap="flat">
-            <a:noFill/>
-          </a:ln>
-        </p:spPr>
-      </p:pic>
-    </p:spTree>
-  </p:cSld>
-  <p:clrMapOvr>
-    <a:masterClrMapping/>
-  </p:clrMapOvr>
-</p:sld>
-</file>
-
-<file path=ppt/slides/slide38.xml><?xml version="1.0" encoding="utf-8"?>
-<p:sld xmlns:a="http://schemas.openxmlformats.org/drawingml/2006/main" xmlns:r="http://schemas.openxmlformats.org/officeDocument/2006/relationships" xmlns:p="http://schemas.openxmlformats.org/presentationml/2006/main">
-  <p:cSld name="Slide63">
-    <p:spTree>
-      <p:nvGrpSpPr>
-        <p:cNvPr id="1" name=""/>
-        <p:cNvGrpSpPr/>
-        <p:nvPr/>
-      </p:nvGrpSpPr>
-      <p:grpSpPr>
-        <a:xfrm>
-          <a:off x="0" y="0"/>
-          <a:ext cx="0" cy="0"/>
-          <a:chOff x="0" y="0"/>
-          <a:chExt cx="0" cy="0"/>
-        </a:xfrm>
-      </p:grpSpPr>
-      <p:sp>
-        <p:nvSpPr>
-          <p:cNvPr id="2" name="Title 1">
-            <a:extLst>
-              <a:ext uri="{FF2B5EF4-FFF2-40B4-BE49-F238E27FC236}">
-                <a16:creationId xmlns:a16="http://schemas.microsoft.com/office/drawing/2014/main" id="{187539AE-7A4E-7A10-FEB6-EF13DEF93C22}"/>
-              </a:ext>
-            </a:extLst>
-          </p:cNvPr>
-          <p:cNvSpPr txBox="1">
-            <a:spLocks noGrp="1"/>
-          </p:cNvSpPr>
-          <p:nvPr>
-            <p:ph type="title"/>
-          </p:nvPr>
-        </p:nvSpPr>
-        <p:spPr/>
-        <p:txBody>
-          <a:bodyPr/>
-          <a:lstStyle/>
-          <a:p>
-            <a:pPr lvl="0">
-              <a:lnSpc>
-                <a:spcPct val="100000"/>
-              </a:lnSpc>
-            </a:pPr>
-            <a:r>
-              <a:rPr lang="en-GB" sz="5400" b="1" kern="0">
-                <a:solidFill>
-                  <a:srgbClr val="006388"/>
-                </a:solidFill>
-                <a:latin typeface="Fira Sans" pitchFamily="34"/>
-                <a:ea typeface="Fira Code" pitchFamily="49"/>
-              </a:rPr>
-              <a:t>Top tips, collected</a:t>
-            </a:r>
-            <a:endParaRPr lang="en-GB" sz="1800" kern="0"/>
-          </a:p>
-        </p:txBody>
-      </p:sp>
-      <p:sp>
-        <p:nvSpPr>
-          <p:cNvPr id="3" name="Content Placeholder 2">
-            <a:extLst>
-              <a:ext uri="{FF2B5EF4-FFF2-40B4-BE49-F238E27FC236}">
-                <a16:creationId xmlns:a16="http://schemas.microsoft.com/office/drawing/2014/main" id="{A2DB932C-C0AD-F901-E666-E6A79E0856C8}"/>
-              </a:ext>
-            </a:extLst>
-          </p:cNvPr>
-          <p:cNvSpPr txBox="1">
-            <a:spLocks noGrp="1"/>
-          </p:cNvSpPr>
-          <p:nvPr>
-            <p:ph idx="1"/>
-          </p:nvPr>
-        </p:nvSpPr>
-        <p:spPr>
-          <a:xfrm>
-            <a:off x="838203" y="1825627"/>
-            <a:ext cx="10515600" cy="4667243"/>
-          </a:xfrm>
-        </p:spPr>
-        <p:txBody>
-          <a:bodyPr/>
-          <a:lstStyle/>
-          <a:p>
-            <a:pPr lvl="0">
-              <a:lnSpc>
-                <a:spcPct val="100000"/>
-              </a:lnSpc>
-            </a:pPr>
-            <a:r>
-              <a:rPr lang="en-US" sz="2000" dirty="0">
-                <a:solidFill>
-                  <a:srgbClr val="404040"/>
-                </a:solidFill>
-                <a:latin typeface="Fira Sans" pitchFamily="34"/>
-              </a:rPr>
-              <a:t>Run your heavy tasks during low-intensity hours on the RA environment</a:t>
-            </a:r>
-          </a:p>
-          <a:p>
-            <a:pPr lvl="0">
-              <a:lnSpc>
-                <a:spcPct val="100000"/>
-              </a:lnSpc>
-            </a:pPr>
-            <a:r>
-              <a:rPr lang="en-US" sz="2000" dirty="0">
-                <a:solidFill>
-                  <a:srgbClr val="404040"/>
-                </a:solidFill>
-                <a:latin typeface="Fira Sans" pitchFamily="34"/>
-              </a:rPr>
-              <a:t>If you can afford it, just buy extra storage space for your project </a:t>
-            </a:r>
-            <a:r>
-              <a:rPr lang="en-US" sz="2000" dirty="0">
-                <a:solidFill>
-                  <a:srgbClr val="404040"/>
-                </a:solidFill>
-                <a:latin typeface="Wingdings" pitchFamily="2"/>
-              </a:rPr>
-              <a:t></a:t>
-            </a:r>
-          </a:p>
-          <a:p>
-            <a:pPr lvl="0">
-              <a:lnSpc>
-                <a:spcPct val="100000"/>
-              </a:lnSpc>
-            </a:pPr>
-            <a:r>
-              <a:rPr lang="en-US" sz="2000" dirty="0">
-                <a:solidFill>
-                  <a:srgbClr val="404040"/>
-                </a:solidFill>
-                <a:latin typeface="Fira Sans" pitchFamily="34"/>
-              </a:rPr>
-              <a:t>Create a clear code folder, export your code from the RA, and publish it!</a:t>
-            </a:r>
-          </a:p>
-          <a:p>
-            <a:pPr lvl="0">
-              <a:lnSpc>
-                <a:spcPct val="100000"/>
-              </a:lnSpc>
-            </a:pPr>
-            <a:r>
-              <a:rPr lang="en-US" sz="2000" dirty="0">
-                <a:solidFill>
-                  <a:srgbClr val="404040"/>
-                </a:solidFill>
-                <a:latin typeface="Fira Sans" pitchFamily="34"/>
-              </a:rPr>
-              <a:t>Read your program’s error messages! They give a lot of diagnostic info</a:t>
-            </a:r>
-          </a:p>
-          <a:p>
-            <a:pPr lvl="0">
-              <a:lnSpc>
-                <a:spcPct val="100000"/>
-              </a:lnSpc>
-            </a:pPr>
-            <a:r>
-              <a:rPr lang="en-US" sz="2000" dirty="0">
-                <a:solidFill>
-                  <a:srgbClr val="404040"/>
-                </a:solidFill>
-                <a:latin typeface="Fira Sans" pitchFamily="34"/>
-              </a:rPr>
-              <a:t>Investigate whether the “heavy” RA machine will solve your memory issues</a:t>
-            </a:r>
-          </a:p>
-          <a:p>
-            <a:pPr lvl="0">
-              <a:lnSpc>
-                <a:spcPct val="100000"/>
-              </a:lnSpc>
-            </a:pPr>
-            <a:r>
-              <a:rPr lang="en-US" sz="2000" dirty="0">
-                <a:solidFill>
-                  <a:srgbClr val="404040"/>
-                </a:solidFill>
-                <a:latin typeface="Fira Sans" pitchFamily="34"/>
-              </a:rPr>
-              <a:t>Is your problem parallelizable? Look into the ODISSEI Secure Supercomputer</a:t>
-            </a:r>
-          </a:p>
-          <a:p>
-            <a:pPr lvl="0">
-              <a:lnSpc>
-                <a:spcPct val="100000"/>
-              </a:lnSpc>
-            </a:pPr>
-            <a:r>
-              <a:rPr lang="en-US" sz="2000" dirty="0">
-                <a:solidFill>
-                  <a:srgbClr val="404040"/>
-                </a:solidFill>
-                <a:latin typeface="Fira Sans" pitchFamily="34"/>
-              </a:rPr>
-              <a:t>Want to know more? Join the workshop.</a:t>
-            </a:r>
-          </a:p>
-          <a:p>
-            <a:pPr lvl="0">
-              <a:lnSpc>
-                <a:spcPct val="100000"/>
-              </a:lnSpc>
-            </a:pPr>
-            <a:endParaRPr lang="en-US" sz="2000" dirty="0">
-              <a:solidFill>
-                <a:srgbClr val="404040"/>
-              </a:solidFill>
-              <a:latin typeface="Fira Sans" pitchFamily="34"/>
-            </a:endParaRPr>
-          </a:p>
-          <a:p>
-            <a:pPr lvl="0">
-              <a:lnSpc>
-                <a:spcPct val="100000"/>
-              </a:lnSpc>
-            </a:pPr>
-            <a:endParaRPr lang="en-US" sz="2000" dirty="0">
-              <a:solidFill>
-                <a:srgbClr val="404040"/>
-              </a:solidFill>
-              <a:latin typeface="Fira Sans" pitchFamily="34"/>
-            </a:endParaRPr>
-          </a:p>
-          <a:p>
-            <a:pPr lvl="0">
-              <a:lnSpc>
-                <a:spcPct val="100000"/>
-              </a:lnSpc>
-            </a:pPr>
-            <a:endParaRPr lang="en-US" sz="2000" dirty="0">
-              <a:solidFill>
-                <a:srgbClr val="404040"/>
-              </a:solidFill>
-              <a:latin typeface="Fira Sans" pitchFamily="34"/>
-            </a:endParaRPr>
-          </a:p>
-          <a:p>
-            <a:pPr lvl="0">
-              <a:lnSpc>
-                <a:spcPct val="100000"/>
-              </a:lnSpc>
-            </a:pPr>
-            <a:endParaRPr lang="en-US" sz="2000" dirty="0">
-              <a:solidFill>
-                <a:srgbClr val="404040"/>
-              </a:solidFill>
-              <a:latin typeface="Fira Sans" pitchFamily="34"/>
-            </a:endParaRPr>
-          </a:p>
-          <a:p>
-            <a:pPr lvl="0">
-              <a:lnSpc>
-                <a:spcPct val="100000"/>
-              </a:lnSpc>
-            </a:pPr>
-            <a:endParaRPr lang="en-GB" sz="2000" dirty="0">
-              <a:solidFill>
-                <a:srgbClr val="404040"/>
-              </a:solidFill>
-              <a:latin typeface="Fira Sans" pitchFamily="34"/>
-            </a:endParaRPr>
-          </a:p>
-        </p:txBody>
-      </p:sp>
-    </p:spTree>
-  </p:cSld>
-  <p:clrMapOvr>
-    <a:masterClrMapping/>
-  </p:clrMapOvr>
-</p:sld>
-</file>
-
-<file path=ppt/slides/slide39.xml><?xml version="1.0" encoding="utf-8"?>
-<p:sld xmlns:a="http://schemas.openxmlformats.org/drawingml/2006/main" xmlns:r="http://schemas.openxmlformats.org/officeDocument/2006/relationships" xmlns:p="http://schemas.openxmlformats.org/presentationml/2006/main">
-  <p:cSld name="Slide35">
-    <p:spTree>
-      <p:nvGrpSpPr>
-        <p:cNvPr id="1" name=""/>
-        <p:cNvGrpSpPr/>
-        <p:nvPr/>
-      </p:nvGrpSpPr>
-      <p:grpSpPr>
-        <a:xfrm>
-          <a:off x="0" y="0"/>
-          <a:ext cx="0" cy="0"/>
-          <a:chOff x="0" y="0"/>
-          <a:chExt cx="0" cy="0"/>
-        </a:xfrm>
-      </p:grpSpPr>
-      <p:pic>
-        <p:nvPicPr>
-          <p:cNvPr id="2" name="Graphic 3">
-            <a:extLst>
-              <a:ext uri="{FF2B5EF4-FFF2-40B4-BE49-F238E27FC236}">
-                <a16:creationId xmlns:a16="http://schemas.microsoft.com/office/drawing/2014/main" id="{0CEEB3C4-2794-3796-7E00-0454C008EF69}"/>
-              </a:ext>
-            </a:extLst>
-          </p:cNvPr>
-          <p:cNvPicPr>
-            <a:picLocks noChangeAspect="1"/>
-          </p:cNvPicPr>
-          <p:nvPr/>
-        </p:nvPicPr>
-        <p:blipFill>
-          <a:blip r:embed="rId2">
-            <a:extLst>
-              <a:ext uri="{96DAC541-7B7A-43D3-8B79-37D633B846F1}">
-                <asvg:svgBlip xmlns:asvg="http://schemas.microsoft.com/office/drawing/2016/SVG/main" r:embed="rId3"/>
-              </a:ext>
-            </a:extLst>
-          </a:blip>
-          <a:stretch>
-            <a:fillRect/>
-          </a:stretch>
-        </p:blipFill>
-        <p:spPr>
-          <a:xfrm>
-            <a:off x="5095722" y="2448608"/>
-            <a:ext cx="2000542" cy="675513"/>
-          </a:xfrm>
-          <a:prstGeom prst="rect">
-            <a:avLst/>
-          </a:prstGeom>
-          <a:noFill/>
-          <a:ln cap="flat">
-            <a:noFill/>
-          </a:ln>
-        </p:spPr>
-      </p:pic>
-      <p:sp>
-        <p:nvSpPr>
-          <p:cNvPr id="3" name="TextBox 6">
-            <a:extLst>
-              <a:ext uri="{FF2B5EF4-FFF2-40B4-BE49-F238E27FC236}">
-                <a16:creationId xmlns:a16="http://schemas.microsoft.com/office/drawing/2014/main" id="{AF340431-E49E-DAE9-A817-87135740B4EC}"/>
-              </a:ext>
-            </a:extLst>
-          </p:cNvPr>
-          <p:cNvSpPr txBox="1"/>
-          <p:nvPr/>
-        </p:nvSpPr>
-        <p:spPr>
-          <a:xfrm>
-            <a:off x="3048893" y="1340611"/>
-            <a:ext cx="6094201" cy="1107996"/>
-          </a:xfrm>
-          <a:prstGeom prst="rect">
-            <a:avLst/>
-          </a:prstGeom>
-          <a:noFill/>
-          <a:ln cap="flat">
-            <a:noFill/>
-          </a:ln>
-        </p:spPr>
-        <p:txBody>
-          <a:bodyPr vert="horz" wrap="square" lIns="91440" tIns="45720" rIns="91440" bIns="45720" anchor="t" anchorCtr="1" compatLnSpc="1">
-            <a:spAutoFit/>
-          </a:bodyPr>
-          <a:lstStyle/>
-          <a:p>
-            <a:pPr marL="0" marR="0" lvl="0" indent="0" algn="ctr" defTabSz="914400" rtl="0" fontAlgn="auto" hangingPunct="1">
-              <a:lnSpc>
-                <a:spcPct val="100000"/>
-              </a:lnSpc>
-              <a:spcBef>
-                <a:spcPts val="0"/>
-              </a:spcBef>
-              <a:spcAft>
-                <a:spcPts val="0"/>
-              </a:spcAft>
-              <a:buNone/>
-              <a:tabLst/>
-              <a:defRPr sz="1800" b="0" i="0" u="none" strike="noStrike" kern="0" cap="none" spc="0" baseline="0">
-                <a:solidFill>
-                  <a:srgbClr val="000000"/>
-                </a:solidFill>
-                <a:uFillTx/>
-              </a:defRPr>
-            </a:pPr>
-            <a:r>
-              <a:rPr lang="en-GB" sz="6600" b="1" i="0" u="none" strike="noStrike" kern="0" cap="none" spc="0" baseline="0" dirty="0">
-                <a:solidFill>
-                  <a:srgbClr val="006388"/>
-                </a:solidFill>
-                <a:uFillTx/>
-                <a:latin typeface="Fira Sans" pitchFamily="34"/>
-                <a:ea typeface="Fira Code" pitchFamily="49"/>
-              </a:rPr>
-              <a:t>Thank you!</a:t>
-            </a:r>
-            <a:endParaRPr lang="en-GB" sz="6600" b="0" i="0" u="none" strike="noStrike" kern="1200" cap="none" spc="0" baseline="0" dirty="0">
-              <a:solidFill>
-                <a:srgbClr val="000000"/>
-              </a:solidFill>
-              <a:uFillTx/>
-              <a:latin typeface="Calibri"/>
-            </a:endParaRPr>
-          </a:p>
-        </p:txBody>
-      </p:sp>
-      <p:sp>
-        <p:nvSpPr>
-          <p:cNvPr id="4" name="TextBox 3">
-            <a:extLst>
-              <a:ext uri="{FF2B5EF4-FFF2-40B4-BE49-F238E27FC236}">
-                <a16:creationId xmlns:a16="http://schemas.microsoft.com/office/drawing/2014/main" id="{EC157671-DA9F-8B25-0EE3-E51952D594CE}"/>
-              </a:ext>
-            </a:extLst>
-          </p:cNvPr>
-          <p:cNvSpPr txBox="1"/>
-          <p:nvPr/>
-        </p:nvSpPr>
-        <p:spPr>
-          <a:xfrm>
-            <a:off x="838193" y="3733879"/>
-            <a:ext cx="10782303" cy="2062103"/>
-          </a:xfrm>
-          <a:prstGeom prst="rect">
-            <a:avLst/>
-          </a:prstGeom>
-          <a:noFill/>
-          <a:ln cap="flat">
-            <a:noFill/>
-          </a:ln>
-        </p:spPr>
-        <p:txBody>
-          <a:bodyPr vert="horz" wrap="square" lIns="91440" tIns="45720" rIns="91440" bIns="45720" anchor="t" anchorCtr="0" compatLnSpc="1">
-            <a:spAutoFit/>
-          </a:bodyPr>
-          <a:lstStyle/>
-          <a:p>
-            <a:pPr marL="0" marR="0" lvl="0" indent="0" algn="l" defTabSz="914400" rtl="0" fontAlgn="auto" hangingPunct="1">
-              <a:lnSpc>
-                <a:spcPct val="100000"/>
-              </a:lnSpc>
-              <a:spcBef>
-                <a:spcPts val="0"/>
-              </a:spcBef>
-              <a:spcAft>
-                <a:spcPts val="0"/>
-              </a:spcAft>
-              <a:buNone/>
-              <a:tabLst/>
-              <a:defRPr sz="1800" b="0" i="0" u="none" strike="noStrike" kern="0" cap="none" spc="0" baseline="0">
-                <a:solidFill>
-                  <a:srgbClr val="000000"/>
-                </a:solidFill>
-                <a:uFillTx/>
-              </a:defRPr>
-            </a:pPr>
-            <a:r>
-              <a:rPr lang="en-US" sz="1600" b="0" i="0" u="none" strike="noStrike" kern="1200" cap="none" spc="0" baseline="0" dirty="0">
-                <a:solidFill>
-                  <a:srgbClr val="000000"/>
-                </a:solidFill>
-                <a:uFillTx/>
-                <a:latin typeface="Fira Code" pitchFamily="49"/>
-                <a:ea typeface="Fira Code" pitchFamily="49"/>
-                <a:hlinkClick r:id="rId4"/>
-              </a:rPr>
-              <a:t>https://odissei-data.nl</a:t>
-            </a:r>
-            <a:r>
-              <a:rPr lang="en-US" sz="1600" b="0" i="0" u="none" strike="noStrike" kern="1200" cap="none" spc="0" baseline="0" dirty="0">
-                <a:solidFill>
-                  <a:srgbClr val="000000"/>
-                </a:solidFill>
-                <a:uFillTx/>
-                <a:latin typeface="Fira Code" pitchFamily="49"/>
-                <a:ea typeface="Fira Code" pitchFamily="49"/>
-              </a:rPr>
-              <a:t> </a:t>
-            </a:r>
-          </a:p>
-          <a:p>
-            <a:pPr marL="0" marR="0" lvl="0" indent="0" algn="l" defTabSz="914400" rtl="0" fontAlgn="auto" hangingPunct="1">
-              <a:lnSpc>
-                <a:spcPct val="100000"/>
-              </a:lnSpc>
-              <a:spcBef>
-                <a:spcPts val="0"/>
-              </a:spcBef>
-              <a:spcAft>
-                <a:spcPts val="0"/>
-              </a:spcAft>
-              <a:buNone/>
-              <a:tabLst/>
-              <a:defRPr sz="1800" b="0" i="0" u="none" strike="noStrike" kern="0" cap="none" spc="0" baseline="0">
-                <a:solidFill>
-                  <a:srgbClr val="000000"/>
-                </a:solidFill>
-                <a:uFillTx/>
-              </a:defRPr>
-            </a:pPr>
-            <a:endParaRPr lang="en-US" sz="1600" dirty="0">
-              <a:solidFill>
-                <a:srgbClr val="000000"/>
-              </a:solidFill>
-              <a:latin typeface="Fira Code" pitchFamily="49"/>
-              <a:ea typeface="Fira Code" pitchFamily="49"/>
-            </a:endParaRPr>
-          </a:p>
-          <a:p>
-            <a:pPr marL="0" marR="0" lvl="0" indent="0" algn="l" defTabSz="914400" rtl="0" fontAlgn="auto" hangingPunct="1">
-              <a:lnSpc>
-                <a:spcPct val="100000"/>
-              </a:lnSpc>
-              <a:spcBef>
-                <a:spcPts val="0"/>
-              </a:spcBef>
-              <a:spcAft>
-                <a:spcPts val="0"/>
-              </a:spcAft>
-              <a:buNone/>
-              <a:tabLst/>
-              <a:defRPr sz="1800" b="0" i="0" u="none" strike="noStrike" kern="0" cap="none" spc="0" baseline="0">
-                <a:solidFill>
-                  <a:srgbClr val="000000"/>
-                </a:solidFill>
-                <a:uFillTx/>
-              </a:defRPr>
-            </a:pPr>
-            <a:r>
-              <a:rPr lang="en-NL" sz="1600" b="0" i="0" u="none" strike="noStrike" kern="1200" cap="none" spc="0" baseline="0" dirty="0">
-                <a:solidFill>
-                  <a:srgbClr val="000000"/>
-                </a:solidFill>
-                <a:uFillTx/>
-                <a:latin typeface="Fira Code" pitchFamily="49"/>
-                <a:ea typeface="Fira Code" pitchFamily="49"/>
-                <a:hlinkClick r:id="rId5"/>
-              </a:rPr>
-              <a:t>https://www.surf.nl/en/agenda/supercomputing-for-social-scientists-with-r</a:t>
-            </a:r>
-            <a:r>
-              <a:rPr lang="en-US" sz="1600" b="0" i="0" u="none" strike="noStrike" kern="1200" cap="none" spc="0" baseline="0" dirty="0">
-                <a:solidFill>
-                  <a:srgbClr val="000000"/>
-                </a:solidFill>
-                <a:uFillTx/>
-                <a:latin typeface="Fira Code" pitchFamily="49"/>
-                <a:ea typeface="Fira Code" pitchFamily="49"/>
-              </a:rPr>
-              <a:t> </a:t>
-            </a:r>
-          </a:p>
-          <a:p>
-            <a:pPr marL="0" marR="0" lvl="0" indent="0" algn="l" defTabSz="914400" rtl="0" fontAlgn="auto" hangingPunct="1">
-              <a:lnSpc>
-                <a:spcPct val="100000"/>
-              </a:lnSpc>
-              <a:spcBef>
-                <a:spcPts val="0"/>
-              </a:spcBef>
-              <a:spcAft>
-                <a:spcPts val="0"/>
-              </a:spcAft>
-              <a:buNone/>
-              <a:tabLst/>
-              <a:defRPr sz="1800" b="0" i="0" u="none" strike="noStrike" kern="0" cap="none" spc="0" baseline="0">
-                <a:solidFill>
-                  <a:srgbClr val="000000"/>
-                </a:solidFill>
-                <a:uFillTx/>
-              </a:defRPr>
-            </a:pPr>
-            <a:endParaRPr lang="en-US" sz="1600" b="0" i="0" u="none" strike="noStrike" kern="1200" cap="none" spc="0" baseline="0" dirty="0">
-              <a:solidFill>
-                <a:srgbClr val="000000"/>
-              </a:solidFill>
-              <a:uFillTx/>
-              <a:latin typeface="Fira Code" pitchFamily="49"/>
-              <a:ea typeface="Fira Code" pitchFamily="49"/>
-            </a:endParaRPr>
-          </a:p>
-          <a:p>
-            <a:pPr marL="0" marR="0" lvl="0" indent="0" algn="l" defTabSz="914400" rtl="0" fontAlgn="auto" hangingPunct="1">
-              <a:lnSpc>
-                <a:spcPct val="100000"/>
-              </a:lnSpc>
-              <a:spcBef>
-                <a:spcPts val="0"/>
-              </a:spcBef>
-              <a:spcAft>
-                <a:spcPts val="0"/>
-              </a:spcAft>
-              <a:buNone/>
-              <a:tabLst/>
-              <a:defRPr sz="1800" b="0" i="0" u="none" strike="noStrike" kern="0" cap="none" spc="0" baseline="0">
-                <a:solidFill>
-                  <a:srgbClr val="000000"/>
-                </a:solidFill>
-                <a:uFillTx/>
-              </a:defRPr>
-            </a:pPr>
-            <a:r>
-              <a:rPr lang="en-US" sz="1600" b="0" i="0" u="none" strike="noStrike" kern="1200" cap="none" spc="0" baseline="0" dirty="0">
-                <a:solidFill>
-                  <a:srgbClr val="000000"/>
-                </a:solidFill>
-                <a:uFillTx/>
-                <a:latin typeface="Fira Code" pitchFamily="49"/>
-                <a:ea typeface="Fira Code" pitchFamily="49"/>
-                <a:hlinkClick r:id="rId6"/>
-              </a:rPr>
-              <a:t>https://github.com/sodascience/cbs_microdata_computing</a:t>
-            </a:r>
-            <a:r>
-              <a:rPr lang="en-US" sz="1600" b="0" i="0" u="none" strike="noStrike" kern="1200" cap="none" spc="0" baseline="0" dirty="0">
-                <a:solidFill>
-                  <a:srgbClr val="000000"/>
-                </a:solidFill>
-                <a:uFillTx/>
-                <a:latin typeface="Fira Code" pitchFamily="49"/>
-                <a:ea typeface="Fira Code" pitchFamily="49"/>
-              </a:rPr>
-              <a:t> </a:t>
-            </a:r>
-          </a:p>
-          <a:p>
-            <a:pPr marL="0" marR="0" lvl="0" indent="0" algn="l" defTabSz="914400" rtl="0" fontAlgn="auto" hangingPunct="1">
-              <a:lnSpc>
-                <a:spcPct val="100000"/>
-              </a:lnSpc>
-              <a:spcBef>
-                <a:spcPts val="0"/>
-              </a:spcBef>
-              <a:spcAft>
-                <a:spcPts val="0"/>
-              </a:spcAft>
-              <a:buNone/>
-              <a:tabLst/>
-              <a:defRPr sz="1800" b="0" i="0" u="none" strike="noStrike" kern="0" cap="none" spc="0" baseline="0">
-                <a:solidFill>
-                  <a:srgbClr val="000000"/>
-                </a:solidFill>
-                <a:uFillTx/>
-              </a:defRPr>
-            </a:pPr>
-            <a:endParaRPr lang="en-US" sz="1600" dirty="0">
-              <a:solidFill>
-                <a:srgbClr val="000000"/>
-              </a:solidFill>
-              <a:latin typeface="Fira Code" pitchFamily="49"/>
-              <a:ea typeface="Fira Code" pitchFamily="49"/>
-            </a:endParaRPr>
-          </a:p>
-          <a:p>
-            <a:pPr marL="0" marR="0" lvl="0" indent="0" algn="l" defTabSz="914400" rtl="0" fontAlgn="auto" hangingPunct="1">
-              <a:lnSpc>
-                <a:spcPct val="100000"/>
-              </a:lnSpc>
-              <a:spcBef>
-                <a:spcPts val="0"/>
-              </a:spcBef>
-              <a:spcAft>
-                <a:spcPts val="0"/>
-              </a:spcAft>
-              <a:buNone/>
-              <a:tabLst/>
-              <a:defRPr sz="1800" b="0" i="0" u="none" strike="noStrike" kern="0" cap="none" spc="0" baseline="0">
-                <a:solidFill>
-                  <a:srgbClr val="000000"/>
-                </a:solidFill>
-                <a:uFillTx/>
-              </a:defRPr>
-            </a:pPr>
-            <a:endParaRPr lang="en-US" sz="1600" b="0" i="0" u="none" strike="noStrike" kern="1200" cap="none" spc="0" baseline="0" dirty="0">
-              <a:solidFill>
-                <a:srgbClr val="000000"/>
-              </a:solidFill>
-              <a:uFillTx/>
-              <a:latin typeface="Fira Code" pitchFamily="49"/>
-              <a:ea typeface="Fira Code" pitchFamily="49"/>
-            </a:endParaRPr>
-          </a:p>
-          <a:p>
-            <a:pPr marL="0" marR="0" lvl="0" indent="0" algn="l" defTabSz="914400" rtl="0" fontAlgn="auto" hangingPunct="1">
-              <a:lnSpc>
-                <a:spcPct val="100000"/>
-              </a:lnSpc>
-              <a:spcBef>
-                <a:spcPts val="0"/>
-              </a:spcBef>
-              <a:spcAft>
-                <a:spcPts val="0"/>
-              </a:spcAft>
-              <a:buNone/>
-              <a:tabLst/>
-              <a:defRPr sz="1800" b="0" i="0" u="none" strike="noStrike" kern="0" cap="none" spc="0" baseline="0">
-                <a:solidFill>
-                  <a:srgbClr val="000000"/>
-                </a:solidFill>
-                <a:uFillTx/>
-              </a:defRPr>
-            </a:pPr>
-            <a:r>
-              <a:rPr lang="en-US" sz="1600" dirty="0">
-                <a:solidFill>
-                  <a:srgbClr val="000000"/>
-                </a:solidFill>
-                <a:latin typeface="Fira Code" pitchFamily="49"/>
-                <a:ea typeface="Fira Code" pitchFamily="49"/>
-                <a:hlinkClick r:id="rId7"/>
-              </a:rPr>
-              <a:t>@SoDa_NL</a:t>
-            </a:r>
-            <a:endParaRPr lang="en-NL" sz="1600" b="0" i="0" u="none" strike="noStrike" kern="1200" cap="none" spc="0" baseline="0" dirty="0">
-              <a:solidFill>
-                <a:srgbClr val="000000"/>
-              </a:solidFill>
-              <a:uFillTx/>
-              <a:latin typeface="Fira Code" pitchFamily="49"/>
-              <a:ea typeface="Fira Code" pitchFamily="49"/>
             </a:endParaRPr>
           </a:p>
         </p:txBody>
@@ -15230,13 +14590,13 @@
         </p:spPr>
         <p:txBody>
           <a:bodyPr>
-            <a:normAutofit lnSpcReduction="10000"/>
+            <a:normAutofit fontScale="85000" lnSpcReduction="20000"/>
           </a:bodyPr>
           <a:lstStyle/>
           <a:p>
             <a:pPr lvl="0">
               <a:lnSpc>
-                <a:spcPct val="100000"/>
+                <a:spcPct val="120000"/>
               </a:lnSpc>
             </a:pPr>
             <a:r>
@@ -15252,7 +14612,7 @@
           <a:p>
             <a:pPr lvl="0">
               <a:lnSpc>
-                <a:spcPct val="100000"/>
+                <a:spcPct val="120000"/>
               </a:lnSpc>
             </a:pPr>
             <a:r>
@@ -15262,13 +14622,13 @@
                 </a:solidFill>
                 <a:latin typeface="Fira Sans" pitchFamily="34"/>
               </a:rPr>
-              <a:t>“Normal” windows environment</a:t>
+              <a:t>Normal windows OS with 100GB storage</a:t>
             </a:r>
           </a:p>
           <a:p>
             <a:pPr lvl="0">
               <a:lnSpc>
-                <a:spcPct val="100000"/>
+                <a:spcPct val="120000"/>
               </a:lnSpc>
             </a:pPr>
             <a:r>
@@ -15278,13 +14638,13 @@
                 </a:solidFill>
                 <a:latin typeface="Fira Sans" pitchFamily="34"/>
               </a:rPr>
-              <a:t>Data is made available via a drive on a per-project basis G:/microdata</a:t>
+              <a:t>R, python, SPSS, Stata, and more installed by default</a:t>
             </a:r>
           </a:p>
           <a:p>
             <a:pPr lvl="0">
               <a:lnSpc>
-                <a:spcPct val="100000"/>
+                <a:spcPct val="120000"/>
               </a:lnSpc>
             </a:pPr>
             <a:r>
@@ -15294,13 +14654,29 @@
                 </a:solidFill>
                 <a:latin typeface="Fira Sans" pitchFamily="34"/>
               </a:rPr>
-              <a:t>Additional metadata is also available</a:t>
+              <a:t>If you want specific libraries, ask the microdata team</a:t>
             </a:r>
           </a:p>
           <a:p>
             <a:pPr lvl="0">
               <a:lnSpc>
-                <a:spcPct val="100000"/>
+                <a:spcPct val="120000"/>
+              </a:lnSpc>
+            </a:pPr>
+            <a:r>
+              <a:rPr lang="en-GB" sz="3200" dirty="0">
+                <a:solidFill>
+                  <a:srgbClr val="404040"/>
+                </a:solidFill>
+                <a:latin typeface="Fira Sans" pitchFamily="34"/>
+              </a:rPr>
+              <a:t>No fancy environment management</a:t>
+            </a:r>
+          </a:p>
+          <a:p>
+            <a:pPr lvl="0">
+              <a:lnSpc>
+                <a:spcPct val="120000"/>
               </a:lnSpc>
             </a:pPr>
             <a:endParaRPr lang="en-GB" sz="3200" dirty="0">
@@ -15366,336 +14742,6 @@
 
 <file path=ppt/slides/slide40.xml><?xml version="1.0" encoding="utf-8"?>
 <p:sld xmlns:a="http://schemas.openxmlformats.org/drawingml/2006/main" xmlns:r="http://schemas.openxmlformats.org/officeDocument/2006/relationships" xmlns:p="http://schemas.openxmlformats.org/presentationml/2006/main">
-  <p:cSld name="Slide37">
-    <p:bg>
-      <p:bgPr>
-        <a:solidFill>
-          <a:srgbClr val="006388"/>
-        </a:solidFill>
-        <a:effectLst/>
-      </p:bgPr>
-    </p:bg>
-    <p:spTree>
-      <p:nvGrpSpPr>
-        <p:cNvPr id="1" name=""/>
-        <p:cNvGrpSpPr/>
-        <p:nvPr/>
-      </p:nvGrpSpPr>
-      <p:grpSpPr>
-        <a:xfrm>
-          <a:off x="0" y="0"/>
-          <a:ext cx="0" cy="0"/>
-          <a:chOff x="0" y="0"/>
-          <a:chExt cx="0" cy="0"/>
-        </a:xfrm>
-      </p:grpSpPr>
-      <p:sp>
-        <p:nvSpPr>
-          <p:cNvPr id="2" name="Title 1">
-            <a:extLst>
-              <a:ext uri="{FF2B5EF4-FFF2-40B4-BE49-F238E27FC236}">
-                <a16:creationId xmlns:a16="http://schemas.microsoft.com/office/drawing/2014/main" id="{CDD37D76-2D96-9A2D-7750-33DD011097DF}"/>
-              </a:ext>
-            </a:extLst>
-          </p:cNvPr>
-          <p:cNvSpPr txBox="1">
-            <a:spLocks noGrp="1"/>
-          </p:cNvSpPr>
-          <p:nvPr>
-            <p:ph type="title"/>
-          </p:nvPr>
-        </p:nvSpPr>
-        <p:spPr>
-          <a:xfrm>
-            <a:off x="838203" y="2766215"/>
-            <a:ext cx="10515600" cy="1325559"/>
-          </a:xfrm>
-        </p:spPr>
-        <p:txBody>
-          <a:bodyPr anchorCtr="1"/>
-          <a:lstStyle/>
-          <a:p>
-            <a:pPr lvl="0" algn="ctr">
-              <a:lnSpc>
-                <a:spcPct val="100000"/>
-              </a:lnSpc>
-            </a:pPr>
-            <a:r>
-              <a:rPr lang="en-GB" sz="5400" b="1" kern="0">
-                <a:solidFill>
-                  <a:srgbClr val="FFFFFF"/>
-                </a:solidFill>
-                <a:latin typeface="Fira Sans" pitchFamily="34"/>
-                <a:ea typeface="Fira Code" pitchFamily="49"/>
-              </a:rPr>
-              <a:t>Questions?</a:t>
-            </a:r>
-            <a:endParaRPr lang="en-GB" sz="1800" kern="0">
-              <a:solidFill>
-                <a:srgbClr val="FFFFFF"/>
-              </a:solidFill>
-            </a:endParaRPr>
-          </a:p>
-        </p:txBody>
-      </p:sp>
-    </p:spTree>
-  </p:cSld>
-  <p:clrMapOvr>
-    <a:masterClrMapping/>
-  </p:clrMapOvr>
-</p:sld>
-</file>
-
-<file path=ppt/slides/slide41.xml><?xml version="1.0" encoding="utf-8"?>
-<p:sld xmlns:a="http://schemas.openxmlformats.org/drawingml/2006/main" xmlns:r="http://schemas.openxmlformats.org/officeDocument/2006/relationships" xmlns:p="http://schemas.openxmlformats.org/presentationml/2006/main">
-  <p:cSld name="Slide71">
-    <p:spTree>
-      <p:nvGrpSpPr>
-        <p:cNvPr id="1" name=""/>
-        <p:cNvGrpSpPr/>
-        <p:nvPr/>
-      </p:nvGrpSpPr>
-      <p:grpSpPr>
-        <a:xfrm>
-          <a:off x="0" y="0"/>
-          <a:ext cx="0" cy="0"/>
-          <a:chOff x="0" y="0"/>
-          <a:chExt cx="0" cy="0"/>
-        </a:xfrm>
-      </p:grpSpPr>
-      <p:sp>
-        <p:nvSpPr>
-          <p:cNvPr id="2" name="Title 1">
-            <a:extLst>
-              <a:ext uri="{FF2B5EF4-FFF2-40B4-BE49-F238E27FC236}">
-                <a16:creationId xmlns:a16="http://schemas.microsoft.com/office/drawing/2014/main" id="{D9F61BE7-A24F-0F5B-4EBA-04BF88679DB0}"/>
-              </a:ext>
-            </a:extLst>
-          </p:cNvPr>
-          <p:cNvSpPr txBox="1">
-            <a:spLocks noGrp="1"/>
-          </p:cNvSpPr>
-          <p:nvPr>
-            <p:ph type="title"/>
-          </p:nvPr>
-        </p:nvSpPr>
-        <p:spPr/>
-        <p:txBody>
-          <a:bodyPr/>
-          <a:lstStyle/>
-          <a:p>
-            <a:pPr lvl="0">
-              <a:lnSpc>
-                <a:spcPct val="100000"/>
-              </a:lnSpc>
-            </a:pPr>
-            <a:r>
-              <a:rPr lang="en-GB" sz="5400" b="1" kern="0">
-                <a:solidFill>
-                  <a:srgbClr val="006388"/>
-                </a:solidFill>
-                <a:latin typeface="Fira Sans" pitchFamily="34"/>
-                <a:ea typeface="Fira Code" pitchFamily="49"/>
-              </a:rPr>
-              <a:t>Default light slide</a:t>
-            </a:r>
-            <a:endParaRPr lang="en-GB" sz="1800" kern="0"/>
-          </a:p>
-        </p:txBody>
-      </p:sp>
-      <p:sp>
-        <p:nvSpPr>
-          <p:cNvPr id="3" name="Content Placeholder 2">
-            <a:extLst>
-              <a:ext uri="{FF2B5EF4-FFF2-40B4-BE49-F238E27FC236}">
-                <a16:creationId xmlns:a16="http://schemas.microsoft.com/office/drawing/2014/main" id="{860F260C-63D8-4F73-F9C0-08B1B28B6F8E}"/>
-              </a:ext>
-            </a:extLst>
-          </p:cNvPr>
-          <p:cNvSpPr txBox="1">
-            <a:spLocks noGrp="1"/>
-          </p:cNvSpPr>
-          <p:nvPr>
-            <p:ph idx="1"/>
-          </p:nvPr>
-        </p:nvSpPr>
-        <p:spPr>
-          <a:xfrm>
-            <a:off x="838203" y="1825627"/>
-            <a:ext cx="10515600" cy="4667243"/>
-          </a:xfrm>
-        </p:spPr>
-        <p:txBody>
-          <a:bodyPr/>
-          <a:lstStyle/>
-          <a:p>
-            <a:pPr marL="0" lvl="0" indent="0">
-              <a:buNone/>
-            </a:pPr>
-            <a:r>
-              <a:rPr lang="en-GB" sz="2000" b="1">
-                <a:solidFill>
-                  <a:srgbClr val="404040"/>
-                </a:solidFill>
-                <a:latin typeface="Fira Sans" pitchFamily="34"/>
-              </a:rPr>
-              <a:t>Default subheading</a:t>
-            </a:r>
-          </a:p>
-          <a:p>
-            <a:pPr marL="0" lvl="0" indent="0">
-              <a:buNone/>
-            </a:pPr>
-            <a:r>
-              <a:rPr lang="en-GB" sz="2000">
-                <a:solidFill>
-                  <a:srgbClr val="404040"/>
-                </a:solidFill>
-                <a:latin typeface="Fira Sans" pitchFamily="34"/>
-              </a:rPr>
-              <a:t>This is the body of the text </a:t>
-            </a:r>
-          </a:p>
-          <a:p>
-            <a:pPr marL="0" lvl="0" indent="0">
-              <a:buNone/>
-            </a:pPr>
-            <a:endParaRPr lang="en-GB" sz="2000">
-              <a:solidFill>
-                <a:srgbClr val="404040"/>
-              </a:solidFill>
-              <a:latin typeface="Fira Sans" pitchFamily="34"/>
-            </a:endParaRPr>
-          </a:p>
-          <a:p>
-            <a:pPr marL="0" lvl="0" indent="0">
-              <a:buNone/>
-            </a:pPr>
-            <a:r>
-              <a:rPr lang="en-GB" sz="2000" b="1">
-                <a:solidFill>
-                  <a:srgbClr val="404040"/>
-                </a:solidFill>
-                <a:latin typeface="Fira Sans" pitchFamily="34"/>
-              </a:rPr>
-              <a:t>Default subheading</a:t>
-            </a:r>
-          </a:p>
-          <a:p>
-            <a:pPr marL="0" lvl="0" indent="0">
-              <a:buNone/>
-            </a:pPr>
-            <a:r>
-              <a:rPr lang="en-GB" sz="2000">
-                <a:solidFill>
-                  <a:srgbClr val="404040"/>
-                </a:solidFill>
-                <a:latin typeface="Fira Sans" pitchFamily="34"/>
-              </a:rPr>
-              <a:t>Note that the text is not black, but “black, text 1, lighter 25%”</a:t>
-            </a:r>
-          </a:p>
-          <a:p>
-            <a:pPr marL="0" lvl="0" indent="0">
-              <a:buNone/>
-            </a:pPr>
-            <a:endParaRPr lang="en-GB" sz="2000">
-              <a:solidFill>
-                <a:srgbClr val="404040"/>
-              </a:solidFill>
-              <a:latin typeface="Fira Sans" pitchFamily="34"/>
-            </a:endParaRPr>
-          </a:p>
-          <a:p>
-            <a:pPr marL="0" lvl="0" indent="0">
-              <a:buNone/>
-            </a:pPr>
-            <a:r>
-              <a:rPr lang="en-GB" sz="2000" b="1">
-                <a:solidFill>
-                  <a:srgbClr val="404040"/>
-                </a:solidFill>
-                <a:latin typeface="Fira Sans" pitchFamily="34"/>
-              </a:rPr>
-              <a:t>Default subheading</a:t>
-            </a:r>
-          </a:p>
-          <a:p>
-            <a:pPr marL="0" lvl="0" indent="0">
-              <a:buNone/>
-            </a:pPr>
-            <a:r>
-              <a:rPr lang="en-GB" sz="2000">
-                <a:solidFill>
-                  <a:srgbClr val="404040"/>
-                </a:solidFill>
-                <a:latin typeface="Fira Sans" pitchFamily="34"/>
-              </a:rPr>
-              <a:t>This makes things easier on the eyes</a:t>
-            </a:r>
-          </a:p>
-          <a:p>
-            <a:pPr marL="0" lvl="0" indent="0">
-              <a:buNone/>
-            </a:pPr>
-            <a:endParaRPr lang="en-GB" sz="2000">
-              <a:solidFill>
-                <a:srgbClr val="404040"/>
-              </a:solidFill>
-              <a:latin typeface="Fira Sans" pitchFamily="34"/>
-            </a:endParaRPr>
-          </a:p>
-          <a:p>
-            <a:pPr marL="0" lvl="0" indent="0">
-              <a:buNone/>
-            </a:pPr>
-            <a:r>
-              <a:rPr lang="en-GB" sz="2000" b="1">
-                <a:solidFill>
-                  <a:srgbClr val="404040"/>
-                </a:solidFill>
-                <a:latin typeface="Fira Sans" pitchFamily="34"/>
-              </a:rPr>
-              <a:t>Default subheading</a:t>
-            </a:r>
-          </a:p>
-          <a:p>
-            <a:pPr marL="0" lvl="0" indent="0">
-              <a:buNone/>
-            </a:pPr>
-            <a:r>
-              <a:rPr lang="en-GB" sz="2000">
-                <a:solidFill>
-                  <a:srgbClr val="404040"/>
-                </a:solidFill>
-                <a:latin typeface="Fira Sans" pitchFamily="34"/>
-              </a:rPr>
-              <a:t>This is the body of the text </a:t>
-            </a:r>
-          </a:p>
-          <a:p>
-            <a:pPr marL="0" lvl="0" indent="0">
-              <a:buNone/>
-            </a:pPr>
-            <a:endParaRPr lang="en-GB" sz="2000">
-              <a:solidFill>
-                <a:srgbClr val="404040"/>
-              </a:solidFill>
-              <a:latin typeface="Fira Sans" pitchFamily="34"/>
-            </a:endParaRPr>
-          </a:p>
-        </p:txBody>
-      </p:sp>
-    </p:spTree>
-  </p:cSld>
-  <p:clrMapOvr>
-    <a:masterClrMapping/>
-  </p:clrMapOvr>
-</p:sld>
-</file>
-
-<file path=ppt/slides/slide42.xml><?xml version="1.0" encoding="utf-8"?>
-<p:sld xmlns:a="http://schemas.openxmlformats.org/drawingml/2006/main" xmlns:r="http://schemas.openxmlformats.org/officeDocument/2006/relationships" xmlns:p="http://schemas.openxmlformats.org/presentationml/2006/main">
   <p:cSld name="Slide75">
     <p:bg>
       <p:bgPr>
@@ -15954,7 +15000,7 @@
 </p:sld>
 </file>
 
-<file path=ppt/slides/slide43.xml><?xml version="1.0" encoding="utf-8"?>
+<file path=ppt/slides/slide41.xml><?xml version="1.0" encoding="utf-8"?>
 <p:sld xmlns:a="http://schemas.openxmlformats.org/drawingml/2006/main" xmlns:r="http://schemas.openxmlformats.org/officeDocument/2006/relationships" xmlns:p="http://schemas.openxmlformats.org/presentationml/2006/main">
   <p:cSld name="Slide43">
     <p:bg>
@@ -16036,7 +15082,7 @@
 </p:sld>
 </file>
 
-<file path=ppt/slides/slide44.xml><?xml version="1.0" encoding="utf-8"?>
+<file path=ppt/slides/slide42.xml><?xml version="1.0" encoding="utf-8"?>
 <p:sld xmlns:a="http://schemas.openxmlformats.org/drawingml/2006/main" xmlns:r="http://schemas.openxmlformats.org/officeDocument/2006/relationships" xmlns:p="http://schemas.openxmlformats.org/presentationml/2006/main">
   <p:cSld name="Slide55">
     <p:spTree>
@@ -16230,90 +15276,18 @@
                 <a:latin typeface="Fira Sans" pitchFamily="34"/>
                 <a:ea typeface="Fira Code" pitchFamily="49"/>
               </a:rPr>
-              <a:t>Microdata at CBS</a:t>
+              <a:t>CBS Remote Access environment</a:t>
             </a:r>
             <a:endParaRPr lang="en-GB" sz="1800" kern="0" dirty="0"/>
-          </a:p>
-        </p:txBody>
-      </p:sp>
-      <p:pic>
-        <p:nvPicPr>
-          <p:cNvPr id="8" name="Picture 7">
-            <a:extLst>
-              <a:ext uri="{FF2B5EF4-FFF2-40B4-BE49-F238E27FC236}">
-                <a16:creationId xmlns:a16="http://schemas.microsoft.com/office/drawing/2014/main" id="{C6AF0A2A-2E09-36E4-8A6E-DD20283AA22C}"/>
-              </a:ext>
-            </a:extLst>
-          </p:cNvPr>
-          <p:cNvPicPr>
-            <a:picLocks noChangeAspect="1"/>
-          </p:cNvPicPr>
-          <p:nvPr/>
-        </p:nvPicPr>
-        <p:blipFill>
-          <a:blip r:embed="rId2"/>
-          <a:stretch>
-            <a:fillRect/>
-          </a:stretch>
-        </p:blipFill>
-        <p:spPr>
-          <a:xfrm>
-            <a:off x="6588387" y="1469409"/>
-            <a:ext cx="5352920" cy="5120186"/>
-          </a:xfrm>
-          <a:prstGeom prst="rect">
-            <a:avLst/>
-          </a:prstGeom>
-        </p:spPr>
-      </p:pic>
-      <p:sp>
-        <p:nvSpPr>
-          <p:cNvPr id="12" name="TextBox 11">
-            <a:extLst>
-              <a:ext uri="{FF2B5EF4-FFF2-40B4-BE49-F238E27FC236}">
-                <a16:creationId xmlns:a16="http://schemas.microsoft.com/office/drawing/2014/main" id="{3D04B8B8-720A-910B-B3D1-7A0EE1994AE1}"/>
-              </a:ext>
-            </a:extLst>
-          </p:cNvPr>
-          <p:cNvSpPr txBox="1"/>
-          <p:nvPr/>
-        </p:nvSpPr>
-        <p:spPr>
-          <a:xfrm>
-            <a:off x="6588387" y="455604"/>
-            <a:ext cx="5461815" cy="923330"/>
-          </a:xfrm>
-          <a:prstGeom prst="rect">
-            <a:avLst/>
-          </a:prstGeom>
-          <a:noFill/>
-        </p:spPr>
-        <p:txBody>
-          <a:bodyPr wrap="square">
-            <a:spAutoFit/>
-          </a:bodyPr>
-          <a:lstStyle/>
-          <a:p>
-            <a:r>
-              <a:rPr lang="en-US" dirty="0">
-                <a:hlinkClick r:id="rId3"/>
-              </a:rPr>
-              <a:t>https://www.cbs.nl/nl-nl/onze-diensten/maatwerk-en-microdata/microdata-zelf-onderzoek-doen/catalogus-microdata</a:t>
-            </a:r>
-            <a:r>
-              <a:rPr lang="en-US" dirty="0"/>
-              <a:t> </a:t>
-            </a:r>
-            <a:endParaRPr lang="en-NL" dirty="0"/>
           </a:p>
         </p:txBody>
       </p:sp>
       <p:sp>
         <p:nvSpPr>
-          <p:cNvPr id="13" name="Content Placeholder 2">
-            <a:extLst>
-              <a:ext uri="{FF2B5EF4-FFF2-40B4-BE49-F238E27FC236}">
-                <a16:creationId xmlns:a16="http://schemas.microsoft.com/office/drawing/2014/main" id="{28374D4B-315A-D7B8-E54F-9FB700C1EE00}"/>
+          <p:cNvPr id="3" name="Content Placeholder 2">
+            <a:extLst>
+              <a:ext uri="{FF2B5EF4-FFF2-40B4-BE49-F238E27FC236}">
+                <a16:creationId xmlns:a16="http://schemas.microsoft.com/office/drawing/2014/main" id="{D1010590-C015-8AF6-DE6B-0E74807124E7}"/>
               </a:ext>
             </a:extLst>
           </p:cNvPr>
@@ -16327,7 +15301,7 @@
         <p:spPr>
           <a:xfrm>
             <a:off x="838203" y="1825627"/>
-            <a:ext cx="5828321" cy="4667243"/>
+            <a:ext cx="6152659" cy="4667243"/>
           </a:xfrm>
         </p:spPr>
         <p:txBody>
@@ -16348,7 +15322,7 @@
                 </a:solidFill>
                 <a:latin typeface="Fira Sans" pitchFamily="34"/>
               </a:rPr>
-              <a:t>Register data and questionnaires</a:t>
+              <a:t>Data is made available via a drive on a per-project basis G:/microdata</a:t>
             </a:r>
           </a:p>
           <a:p>
@@ -16364,7 +15338,7 @@
                 </a:solidFill>
                 <a:latin typeface="Fira Sans" pitchFamily="34"/>
               </a:rPr>
-              <a:t>You can (subject to restrictions and costs) also upload your own data</a:t>
+              <a:t>You can see all tables, but you have access only to those you requested</a:t>
             </a:r>
           </a:p>
           <a:p>
@@ -16380,7 +15354,7 @@
                 </a:solidFill>
                 <a:latin typeface="Fira Sans" pitchFamily="34"/>
               </a:rPr>
-              <a:t>All these tables can be combined to do your research!</a:t>
+              <a:t>Additional metadata is also available (for everyone)</a:t>
             </a:r>
           </a:p>
           <a:p>
@@ -16396,25 +15370,51 @@
               <a:latin typeface="Fira Sans" pitchFamily="34"/>
             </a:endParaRPr>
           </a:p>
-          <a:p>
-            <a:pPr lvl="0">
-              <a:lnSpc>
-                <a:spcPct val="100000"/>
-              </a:lnSpc>
-            </a:pPr>
-            <a:endParaRPr lang="en-GB" sz="3200" dirty="0">
-              <a:solidFill>
-                <a:srgbClr val="404040"/>
-              </a:solidFill>
-              <a:latin typeface="Fira Sans" pitchFamily="34"/>
-            </a:endParaRPr>
-          </a:p>
         </p:txBody>
       </p:sp>
+      <p:pic>
+        <p:nvPicPr>
+          <p:cNvPr id="6" name="Graphic 5">
+            <a:extLst>
+              <a:ext uri="{FF2B5EF4-FFF2-40B4-BE49-F238E27FC236}">
+                <a16:creationId xmlns:a16="http://schemas.microsoft.com/office/drawing/2014/main" id="{045CA459-40EC-F3A1-3F60-0829F2AB926F}"/>
+              </a:ext>
+            </a:extLst>
+          </p:cNvPr>
+          <p:cNvPicPr>
+            <a:picLocks noChangeAspect="1"/>
+          </p:cNvPicPr>
+          <p:nvPr/>
+        </p:nvPicPr>
+        <p:blipFill>
+          <a:blip r:embed="rId2">
+            <a:extLst>
+              <a:ext uri="{28A0092B-C50C-407E-A947-70E740481C1C}">
+                <a14:useLocalDpi xmlns:a14="http://schemas.microsoft.com/office/drawing/2010/main" val="0"/>
+              </a:ext>
+              <a:ext uri="{96DAC541-7B7A-43D3-8B79-37D633B846F1}">
+                <asvg:svgBlip xmlns:asvg="http://schemas.microsoft.com/office/drawing/2016/SVG/main" r:embed="rId3"/>
+              </a:ext>
+            </a:extLst>
+          </a:blip>
+          <a:stretch>
+            <a:fillRect/>
+          </a:stretch>
+        </p:blipFill>
+        <p:spPr>
+          <a:xfrm>
+            <a:off x="7638563" y="1690688"/>
+            <a:ext cx="3646242" cy="1802789"/>
+          </a:xfrm>
+          <a:prstGeom prst="rect">
+            <a:avLst/>
+          </a:prstGeom>
+        </p:spPr>
+      </p:pic>
     </p:spTree>
     <p:extLst>
       <p:ext uri="{BB962C8B-B14F-4D97-AF65-F5344CB8AC3E}">
-        <p14:creationId xmlns:p14="http://schemas.microsoft.com/office/powerpoint/2010/main" val="2734897833"/>
+        <p14:creationId xmlns:p14="http://schemas.microsoft.com/office/powerpoint/2010/main" val="1304416535"/>
       </p:ext>
     </p:extLst>
   </p:cSld>
@@ -16574,7 +15574,7 @@
         <p:spPr>
           <a:xfrm>
             <a:off x="838203" y="1825627"/>
-            <a:ext cx="5828321" cy="4667243"/>
+            <a:ext cx="5632447" cy="4667243"/>
           </a:xfrm>
         </p:spPr>
         <p:txBody>
@@ -16595,7 +15595,7 @@
                 </a:solidFill>
                 <a:latin typeface="Fira Sans" pitchFamily="34"/>
               </a:rPr>
-              <a:t>The tables are made by humans / different departments: manual work</a:t>
+              <a:t>Register data and questionnaires</a:t>
             </a:r>
           </a:p>
           <a:p>
@@ -16611,7 +15611,7 @@
                 </a:solidFill>
                 <a:latin typeface="Fira Sans" pitchFamily="34"/>
               </a:rPr>
-              <a:t>They are (mostly) SPSS .sav files</a:t>
+              <a:t>You can (subject to restrictions and costs) also upload your own data &amp; link</a:t>
             </a:r>
           </a:p>
           <a:p>
@@ -16627,23 +15627,7 @@
                 </a:solidFill>
                 <a:latin typeface="Fira Sans" pitchFamily="34"/>
               </a:rPr>
-              <a:t>Some files are huge! (SPOLISBUS) </a:t>
-            </a:r>
-          </a:p>
-          <a:p>
-            <a:pPr lvl="0">
-              <a:lnSpc>
-                <a:spcPct val="100000"/>
-              </a:lnSpc>
-            </a:pPr>
-            <a:r>
-              <a:rPr lang="en-GB" sz="3200" dirty="0">
-                <a:solidFill>
-                  <a:srgbClr val="404040"/>
-                </a:solidFill>
-                <a:latin typeface="Fira Sans" pitchFamily="34"/>
-              </a:rPr>
-              <a:t>Their names / versions can change without warning</a:t>
+              <a:t>All these tables can be combined to do your research!</a:t>
             </a:r>
           </a:p>
           <a:p>
@@ -16677,7 +15661,7 @@
     </p:spTree>
     <p:extLst>
       <p:ext uri="{BB962C8B-B14F-4D97-AF65-F5344CB8AC3E}">
-        <p14:creationId xmlns:p14="http://schemas.microsoft.com/office/powerpoint/2010/main" val="3562962347"/>
+        <p14:creationId xmlns:p14="http://schemas.microsoft.com/office/powerpoint/2010/main" val="2734897833"/>
       </p:ext>
     </p:extLst>
   </p:cSld>
@@ -16740,9 +15724,81 @@
                 <a:latin typeface="Fira Sans" pitchFamily="34"/>
                 <a:ea typeface="Fira Code" pitchFamily="49"/>
               </a:rPr>
-              <a:t>Additional data</a:t>
+              <a:t>Microdata at CBS</a:t>
             </a:r>
             <a:endParaRPr lang="en-GB" sz="1800" kern="0" dirty="0"/>
+          </a:p>
+        </p:txBody>
+      </p:sp>
+      <p:pic>
+        <p:nvPicPr>
+          <p:cNvPr id="8" name="Picture 7">
+            <a:extLst>
+              <a:ext uri="{FF2B5EF4-FFF2-40B4-BE49-F238E27FC236}">
+                <a16:creationId xmlns:a16="http://schemas.microsoft.com/office/drawing/2014/main" id="{C6AF0A2A-2E09-36E4-8A6E-DD20283AA22C}"/>
+              </a:ext>
+            </a:extLst>
+          </p:cNvPr>
+          <p:cNvPicPr>
+            <a:picLocks noChangeAspect="1"/>
+          </p:cNvPicPr>
+          <p:nvPr/>
+        </p:nvPicPr>
+        <p:blipFill>
+          <a:blip r:embed="rId2"/>
+          <a:stretch>
+            <a:fillRect/>
+          </a:stretch>
+        </p:blipFill>
+        <p:spPr>
+          <a:xfrm>
+            <a:off x="6588387" y="1469409"/>
+            <a:ext cx="5352920" cy="5120186"/>
+          </a:xfrm>
+          <a:prstGeom prst="rect">
+            <a:avLst/>
+          </a:prstGeom>
+        </p:spPr>
+      </p:pic>
+      <p:sp>
+        <p:nvSpPr>
+          <p:cNvPr id="12" name="TextBox 11">
+            <a:extLst>
+              <a:ext uri="{FF2B5EF4-FFF2-40B4-BE49-F238E27FC236}">
+                <a16:creationId xmlns:a16="http://schemas.microsoft.com/office/drawing/2014/main" id="{3D04B8B8-720A-910B-B3D1-7A0EE1994AE1}"/>
+              </a:ext>
+            </a:extLst>
+          </p:cNvPr>
+          <p:cNvSpPr txBox="1"/>
+          <p:nvPr/>
+        </p:nvSpPr>
+        <p:spPr>
+          <a:xfrm>
+            <a:off x="6588387" y="455604"/>
+            <a:ext cx="5461815" cy="923330"/>
+          </a:xfrm>
+          <a:prstGeom prst="rect">
+            <a:avLst/>
+          </a:prstGeom>
+          <a:noFill/>
+        </p:spPr>
+        <p:txBody>
+          <a:bodyPr wrap="square">
+            <a:spAutoFit/>
+          </a:bodyPr>
+          <a:lstStyle/>
+          <a:p>
+            <a:r>
+              <a:rPr lang="en-US" dirty="0">
+                <a:hlinkClick r:id="rId3"/>
+              </a:rPr>
+              <a:t>https://www.cbs.nl/nl-nl/onze-diensten/maatwerk-en-microdata/microdata-zelf-onderzoek-doen/catalogus-microdata</a:t>
+            </a:r>
+            <a:r>
+              <a:rPr lang="en-US" dirty="0"/>
+              <a:t> </a:t>
+            </a:r>
+            <a:endParaRPr lang="en-NL" dirty="0"/>
           </a:p>
         </p:txBody>
       </p:sp>
@@ -16765,16 +15821,16 @@
         <p:spPr>
           <a:xfrm>
             <a:off x="838203" y="1825627"/>
-            <a:ext cx="10515600" cy="4667243"/>
+            <a:ext cx="5828321" cy="4667243"/>
           </a:xfrm>
         </p:spPr>
         <p:txBody>
           <a:bodyPr>
-            <a:normAutofit/>
+            <a:normAutofit lnSpcReduction="10000"/>
           </a:bodyPr>
           <a:lstStyle/>
           <a:p>
-            <a:pPr>
+            <a:pPr lvl="0">
               <a:lnSpc>
                 <a:spcPct val="100000"/>
               </a:lnSpc>
@@ -16786,11 +15842,11 @@
                 </a:solidFill>
                 <a:latin typeface="Fira Sans" pitchFamily="34"/>
               </a:rPr>
-              <a:t>There are additional (meta)data files to help with analysis</a:t>
-            </a:r>
-          </a:p>
-          <a:p>
-            <a:pPr>
+              <a:t>The tables are made by humans / different departments: manual work</a:t>
+            </a:r>
+          </a:p>
+          <a:p>
+            <a:pPr lvl="0">
               <a:lnSpc>
                 <a:spcPct val="100000"/>
               </a:lnSpc>
@@ -16802,11 +15858,11 @@
                 </a:solidFill>
                 <a:latin typeface="Fira Sans" pitchFamily="34"/>
               </a:rPr>
-              <a:t>Metadata &amp; supplementary data. Translation files, key/value files, lists of existing postal codes, and more.</a:t>
-            </a:r>
-          </a:p>
-          <a:p>
-            <a:pPr>
+              <a:t>They are (mostly) SPSS .sav files</a:t>
+            </a:r>
+          </a:p>
+          <a:p>
+            <a:pPr lvl="0">
               <a:lnSpc>
                 <a:spcPct val="100000"/>
               </a:lnSpc>
@@ -16818,11 +15874,11 @@
                 </a:solidFill>
                 <a:latin typeface="Fira Sans" pitchFamily="34"/>
               </a:rPr>
-              <a:t>These reside in a different location (not G:/)</a:t>
-            </a:r>
-          </a:p>
-          <a:p>
-            <a:pPr>
+              <a:t>Some files are huge! (SPOLISBUS) </a:t>
+            </a:r>
+          </a:p>
+          <a:p>
+            <a:pPr lvl="0">
               <a:lnSpc>
                 <a:spcPct val="100000"/>
               </a:lnSpc>
@@ -16834,11 +15890,11 @@
                 </a:solidFill>
                 <a:latin typeface="Fira Sans" pitchFamily="34"/>
               </a:rPr>
-              <a:t>This location has also changed in the past &amp; could change in the future too</a:t>
-            </a:r>
-          </a:p>
-          <a:p>
-            <a:pPr>
+              <a:t>Their names / versions can change without warning</a:t>
+            </a:r>
+          </a:p>
+          <a:p>
+            <a:pPr lvl="0">
               <a:lnSpc>
                 <a:spcPct val="100000"/>
               </a:lnSpc>
@@ -16851,7 +15907,7 @@
             </a:endParaRPr>
           </a:p>
           <a:p>
-            <a:pPr>
+            <a:pPr lvl="0">
               <a:lnSpc>
                 <a:spcPct val="100000"/>
               </a:lnSpc>
@@ -16868,7 +15924,7 @@
     </p:spTree>
     <p:extLst>
       <p:ext uri="{BB962C8B-B14F-4D97-AF65-F5344CB8AC3E}">
-        <p14:creationId xmlns:p14="http://schemas.microsoft.com/office/powerpoint/2010/main" val="316997872"/>
+        <p14:creationId xmlns:p14="http://schemas.microsoft.com/office/powerpoint/2010/main" val="3562962347"/>
       </p:ext>
     </p:extLst>
   </p:cSld>
@@ -16931,7 +15987,7 @@
                 <a:latin typeface="Fira Sans" pitchFamily="34"/>
                 <a:ea typeface="Fira Code" pitchFamily="49"/>
               </a:rPr>
-              <a:t>Imports/exports</a:t>
+              <a:t>Additional data</a:t>
             </a:r>
             <a:endParaRPr lang="en-GB" sz="1800" kern="0" dirty="0"/>
           </a:p>
@@ -16955,36 +16011,19 @@
         </p:nvSpPr>
         <p:spPr>
           <a:xfrm>
-            <a:off x="838203" y="1690689"/>
-            <a:ext cx="10515600" cy="4802182"/>
+            <a:off x="838203" y="1825627"/>
+            <a:ext cx="10515600" cy="4667243"/>
           </a:xfrm>
         </p:spPr>
         <p:txBody>
           <a:bodyPr>
-            <a:normAutofit fontScale="92500" lnSpcReduction="20000"/>
+            <a:normAutofit/>
           </a:bodyPr>
           <a:lstStyle/>
           <a:p>
-            <a:pPr marL="0" lvl="0" indent="0">
-              <a:lnSpc>
-                <a:spcPct val="110000"/>
-              </a:lnSpc>
-              <a:buNone/>
-            </a:pPr>
-            <a:r>
-              <a:rPr lang="en-GB" sz="3200" b="1" dirty="0">
-                <a:solidFill>
-                  <a:srgbClr val="404040"/>
-                </a:solidFill>
-                <a:latin typeface="Fira Sans" pitchFamily="34"/>
-              </a:rPr>
-              <a:t>Exporting analysis results is subject to output check</a:t>
-            </a:r>
-          </a:p>
-          <a:p>
             <a:pPr>
               <a:lnSpc>
-                <a:spcPct val="110000"/>
+                <a:spcPct val="100000"/>
               </a:lnSpc>
             </a:pPr>
             <a:r>
@@ -16994,13 +16033,13 @@
                 </a:solidFill>
                 <a:latin typeface="Fira Sans" pitchFamily="34"/>
               </a:rPr>
-              <a:t>Ensures our privacy</a:t>
+              <a:t>There are additional files to help with analysis</a:t>
             </a:r>
           </a:p>
           <a:p>
             <a:pPr>
               <a:lnSpc>
-                <a:spcPct val="110000"/>
+                <a:spcPct val="100000"/>
               </a:lnSpc>
             </a:pPr>
             <a:r>
@@ -17010,13 +16049,13 @@
                 </a:solidFill>
                 <a:latin typeface="Fira Sans" pitchFamily="34"/>
               </a:rPr>
-              <a:t>This is manual labour, done by a member of microdata team</a:t>
-            </a:r>
-          </a:p>
-          <a:p>
-            <a:pPr lvl="0">
-              <a:lnSpc>
-                <a:spcPct val="110000"/>
+              <a:t>Metadata &amp; supplementary data. Translation files, key/value files, lists of existing postal codes, and more.</a:t>
+            </a:r>
+          </a:p>
+          <a:p>
+            <a:pPr>
+              <a:lnSpc>
+                <a:spcPct val="100000"/>
               </a:lnSpc>
             </a:pPr>
             <a:r>
@@ -17026,15 +16065,30 @@
                 </a:solidFill>
                 <a:latin typeface="Fira Sans" pitchFamily="34"/>
               </a:rPr>
-              <a:t>Each output costs time and money</a:t>
-            </a:r>
-          </a:p>
-          <a:p>
-            <a:pPr marL="0" lvl="0" indent="0">
-              <a:lnSpc>
-                <a:spcPct val="110000"/>
-              </a:lnSpc>
-              <a:buNone/>
+              <a:t>These reside in a different location (not G:/)</a:t>
+            </a:r>
+          </a:p>
+          <a:p>
+            <a:pPr>
+              <a:lnSpc>
+                <a:spcPct val="100000"/>
+              </a:lnSpc>
+            </a:pPr>
+            <a:r>
+              <a:rPr lang="en-GB" sz="3200" dirty="0">
+                <a:solidFill>
+                  <a:srgbClr val="404040"/>
+                </a:solidFill>
+                <a:latin typeface="Fira Sans" pitchFamily="34"/>
+              </a:rPr>
+              <a:t>This location has also changed in the past &amp; could change in the future too</a:t>
+            </a:r>
+          </a:p>
+          <a:p>
+            <a:pPr>
+              <a:lnSpc>
+                <a:spcPct val="100000"/>
+              </a:lnSpc>
             </a:pPr>
             <a:endParaRPr lang="en-GB" sz="3200" dirty="0">
               <a:solidFill>
@@ -17044,58 +16098,9 @@
             </a:endParaRPr>
           </a:p>
           <a:p>
-            <a:pPr marL="0" lvl="0" indent="0">
-              <a:lnSpc>
-                <a:spcPct val="110000"/>
-              </a:lnSpc>
-              <a:buNone/>
-            </a:pPr>
-            <a:r>
-              <a:rPr lang="en-GB" sz="3200" b="1" dirty="0">
-                <a:solidFill>
-                  <a:srgbClr val="404040"/>
-                </a:solidFill>
-                <a:latin typeface="Fira Sans" pitchFamily="34"/>
-              </a:rPr>
-              <a:t>You can also import and export code files</a:t>
-            </a:r>
-          </a:p>
-          <a:p>
-            <a:pPr lvl="0">
-              <a:lnSpc>
-                <a:spcPct val="110000"/>
-              </a:lnSpc>
-            </a:pPr>
-            <a:r>
-              <a:rPr lang="en-GB" sz="3200" dirty="0">
-                <a:solidFill>
-                  <a:srgbClr val="404040"/>
-                </a:solidFill>
-                <a:latin typeface="Fira Sans" pitchFamily="34"/>
-              </a:rPr>
-              <a:t>This does not cost money!!</a:t>
-            </a:r>
-          </a:p>
-          <a:p>
-            <a:pPr lvl="0">
-              <a:lnSpc>
-                <a:spcPct val="110000"/>
-              </a:lnSpc>
-            </a:pPr>
-            <a:r>
-              <a:rPr lang="en-GB" sz="3200" dirty="0">
-                <a:solidFill>
-                  <a:srgbClr val="404040"/>
-                </a:solidFill>
-                <a:latin typeface="Fira Sans" pitchFamily="34"/>
-              </a:rPr>
-              <a:t>More on this later</a:t>
-            </a:r>
-          </a:p>
-          <a:p>
-            <a:pPr lvl="0">
-              <a:lnSpc>
-                <a:spcPct val="110000"/>
+            <a:pPr>
+              <a:lnSpc>
+                <a:spcPct val="100000"/>
               </a:lnSpc>
             </a:pPr>
             <a:endParaRPr lang="en-GB" sz="3200" dirty="0">
@@ -17105,25 +16110,12 @@
               <a:latin typeface="Fira Sans" pitchFamily="34"/>
             </a:endParaRPr>
           </a:p>
-          <a:p>
-            <a:pPr lvl="0">
-              <a:lnSpc>
-                <a:spcPct val="110000"/>
-              </a:lnSpc>
-            </a:pPr>
-            <a:endParaRPr lang="en-GB" sz="3200" dirty="0">
-              <a:solidFill>
-                <a:srgbClr val="404040"/>
-              </a:solidFill>
-              <a:latin typeface="Fira Sans" pitchFamily="34"/>
-            </a:endParaRPr>
-          </a:p>
         </p:txBody>
       </p:sp>
     </p:spTree>
     <p:extLst>
       <p:ext uri="{BB962C8B-B14F-4D97-AF65-F5344CB8AC3E}">
-        <p14:creationId xmlns:p14="http://schemas.microsoft.com/office/powerpoint/2010/main" val="4229071438"/>
+        <p14:creationId xmlns:p14="http://schemas.microsoft.com/office/powerpoint/2010/main" val="316997872"/>
       </p:ext>
     </p:extLst>
   </p:cSld>
@@ -17155,7 +16147,7 @@
           <p:cNvPr id="2" name="Title 1">
             <a:extLst>
               <a:ext uri="{FF2B5EF4-FFF2-40B4-BE49-F238E27FC236}">
-                <a16:creationId xmlns:a16="http://schemas.microsoft.com/office/drawing/2014/main" id="{65DAE2F9-7A45-8BF9-85F7-4B246C81B481}"/>
+                <a16:creationId xmlns:a16="http://schemas.microsoft.com/office/drawing/2014/main" id="{D498ADB7-680B-954F-DAAE-4638E7C2038C}"/>
               </a:ext>
             </a:extLst>
           </p:cNvPr>
@@ -17166,37 +16158,211 @@
             <p:ph type="title"/>
           </p:nvPr>
         </p:nvSpPr>
-        <p:spPr>
-          <a:xfrm>
-            <a:off x="838200" y="2766220"/>
-            <a:ext cx="10515600" cy="1325559"/>
-          </a:xfrm>
-        </p:spPr>
+        <p:spPr/>
         <p:txBody>
           <a:bodyPr>
             <a:normAutofit/>
           </a:bodyPr>
           <a:lstStyle/>
           <a:p>
-            <a:pPr lvl="0" algn="ctr">
+            <a:pPr lvl="0">
               <a:lnSpc>
                 <a:spcPct val="100000"/>
               </a:lnSpc>
             </a:pPr>
             <a:r>
-              <a:rPr lang="en-GB" sz="4800" b="1" kern="0" dirty="0">
+              <a:rPr lang="en-GB" sz="5400" b="1" kern="0" dirty="0">
                 <a:solidFill>
                   <a:srgbClr val="006388"/>
                 </a:solidFill>
                 <a:latin typeface="Fira Sans" pitchFamily="34"/>
                 <a:ea typeface="Fira Code" pitchFamily="49"/>
               </a:rPr>
-              <a:t>Any questions?</a:t>
-            </a:r>
-            <a:endParaRPr lang="en-GB" sz="4800" dirty="0">
+              <a:t>Imports/exports</a:t>
+            </a:r>
+            <a:endParaRPr lang="en-GB" sz="1800" kern="0" dirty="0"/>
+          </a:p>
+        </p:txBody>
+      </p:sp>
+      <p:sp>
+        <p:nvSpPr>
+          <p:cNvPr id="13" name="Content Placeholder 2">
+            <a:extLst>
+              <a:ext uri="{FF2B5EF4-FFF2-40B4-BE49-F238E27FC236}">
+                <a16:creationId xmlns:a16="http://schemas.microsoft.com/office/drawing/2014/main" id="{28374D4B-315A-D7B8-E54F-9FB700C1EE00}"/>
+              </a:ext>
+            </a:extLst>
+          </p:cNvPr>
+          <p:cNvSpPr txBox="1">
+            <a:spLocks noGrp="1"/>
+          </p:cNvSpPr>
+          <p:nvPr>
+            <p:ph idx="1"/>
+          </p:nvPr>
+        </p:nvSpPr>
+        <p:spPr>
+          <a:xfrm>
+            <a:off x="838203" y="1690689"/>
+            <a:ext cx="10515600" cy="4802182"/>
+          </a:xfrm>
+        </p:spPr>
+        <p:txBody>
+          <a:bodyPr>
+            <a:normAutofit fontScale="92500" lnSpcReduction="10000"/>
+          </a:bodyPr>
+          <a:lstStyle/>
+          <a:p>
+            <a:pPr marL="0" lvl="0" indent="0">
+              <a:lnSpc>
+                <a:spcPct val="110000"/>
+              </a:lnSpc>
+              <a:buNone/>
+            </a:pPr>
+            <a:r>
+              <a:rPr lang="en-GB" sz="3200" b="1" dirty="0">
+                <a:solidFill>
+                  <a:srgbClr val="404040"/>
+                </a:solidFill>
+                <a:latin typeface="Fira Sans" pitchFamily="34"/>
+              </a:rPr>
+              <a:t>Exporting analysis results is subject to output check</a:t>
+            </a:r>
+          </a:p>
+          <a:p>
+            <a:pPr>
+              <a:lnSpc>
+                <a:spcPct val="110000"/>
+              </a:lnSpc>
+            </a:pPr>
+            <a:r>
+              <a:rPr lang="en-GB" sz="3200" dirty="0">
+                <a:solidFill>
+                  <a:srgbClr val="404040"/>
+                </a:solidFill>
+                <a:latin typeface="Fira Sans" pitchFamily="34"/>
+              </a:rPr>
+              <a:t>Ensures our privacy</a:t>
+            </a:r>
+          </a:p>
+          <a:p>
+            <a:pPr>
+              <a:lnSpc>
+                <a:spcPct val="110000"/>
+              </a:lnSpc>
+            </a:pPr>
+            <a:r>
+              <a:rPr lang="en-GB" sz="3200" dirty="0">
+                <a:solidFill>
+                  <a:srgbClr val="404040"/>
+                </a:solidFill>
+                <a:latin typeface="Fira Sans" pitchFamily="34"/>
+              </a:rPr>
+              <a:t>This is manual labour, done by microdata team member</a:t>
+            </a:r>
+          </a:p>
+          <a:p>
+            <a:pPr lvl="0">
+              <a:lnSpc>
+                <a:spcPct val="110000"/>
+              </a:lnSpc>
+            </a:pPr>
+            <a:r>
+              <a:rPr lang="en-GB" sz="3200" dirty="0">
+                <a:solidFill>
+                  <a:srgbClr val="404040"/>
+                </a:solidFill>
+                <a:latin typeface="Fira Sans" pitchFamily="34"/>
+              </a:rPr>
+              <a:t>Each output costs time and money</a:t>
+            </a:r>
+          </a:p>
+          <a:p>
+            <a:pPr marL="0" lvl="0" indent="0">
+              <a:lnSpc>
+                <a:spcPct val="110000"/>
+              </a:lnSpc>
+              <a:buNone/>
+            </a:pPr>
+            <a:endParaRPr lang="en-GB" sz="3200" dirty="0">
               <a:solidFill>
-                <a:srgbClr val="006388"/>
+                <a:srgbClr val="404040"/>
               </a:solidFill>
+              <a:latin typeface="Fira Sans" pitchFamily="34"/>
+            </a:endParaRPr>
+          </a:p>
+          <a:p>
+            <a:pPr marL="0" lvl="0" indent="0">
+              <a:lnSpc>
+                <a:spcPct val="110000"/>
+              </a:lnSpc>
+              <a:buNone/>
+            </a:pPr>
+            <a:r>
+              <a:rPr lang="en-GB" sz="3200" b="1" dirty="0">
+                <a:solidFill>
+                  <a:srgbClr val="404040"/>
+                </a:solidFill>
+                <a:latin typeface="Fira Sans" pitchFamily="34"/>
+              </a:rPr>
+              <a:t>You can also import and export code files</a:t>
+            </a:r>
+          </a:p>
+          <a:p>
+            <a:pPr lvl="0">
+              <a:lnSpc>
+                <a:spcPct val="110000"/>
+              </a:lnSpc>
+            </a:pPr>
+            <a:r>
+              <a:rPr lang="en-GB" sz="3200" dirty="0">
+                <a:solidFill>
+                  <a:srgbClr val="404040"/>
+                </a:solidFill>
+                <a:latin typeface="Fira Sans" pitchFamily="34"/>
+              </a:rPr>
+              <a:t>This does not cost money!!</a:t>
+            </a:r>
+          </a:p>
+          <a:p>
+            <a:pPr lvl="0">
+              <a:lnSpc>
+                <a:spcPct val="110000"/>
+              </a:lnSpc>
+            </a:pPr>
+            <a:r>
+              <a:rPr lang="en-GB" sz="3200" dirty="0">
+                <a:solidFill>
+                  <a:srgbClr val="404040"/>
+                </a:solidFill>
+                <a:latin typeface="Fira Sans" pitchFamily="34"/>
+              </a:rPr>
+              <a:t>More on this later</a:t>
+            </a:r>
+          </a:p>
+          <a:p>
+            <a:pPr lvl="0">
+              <a:lnSpc>
+                <a:spcPct val="110000"/>
+              </a:lnSpc>
+            </a:pPr>
+            <a:endParaRPr lang="en-GB" sz="3200" dirty="0">
+              <a:solidFill>
+                <a:srgbClr val="404040"/>
+              </a:solidFill>
+              <a:latin typeface="Fira Sans" pitchFamily="34"/>
+            </a:endParaRPr>
+          </a:p>
+          <a:p>
+            <a:pPr lvl="0">
+              <a:lnSpc>
+                <a:spcPct val="110000"/>
+              </a:lnSpc>
+            </a:pPr>
+            <a:endParaRPr lang="en-GB" sz="3200" dirty="0">
+              <a:solidFill>
+                <a:srgbClr val="404040"/>
+              </a:solidFill>
+              <a:latin typeface="Fira Sans" pitchFamily="34"/>
             </a:endParaRPr>
           </a:p>
         </p:txBody>
@@ -17204,7 +16370,7 @@
     </p:spTree>
     <p:extLst>
       <p:ext uri="{BB962C8B-B14F-4D97-AF65-F5344CB8AC3E}">
-        <p14:creationId xmlns:p14="http://schemas.microsoft.com/office/powerpoint/2010/main" val="1393995696"/>
+        <p14:creationId xmlns:p14="http://schemas.microsoft.com/office/powerpoint/2010/main" val="4229071438"/>
       </p:ext>
     </p:extLst>
   </p:cSld>

--- a/efficient_microdata.pptx
+++ b/efficient_microdata.pptx
@@ -5,7 +5,7 @@
     <p:sldMasterId id="2147483648" r:id="rId1"/>
   </p:sldMasterIdLst>
   <p:notesMasterIdLst>
-    <p:notesMasterId r:id="rId44"/>
+    <p:notesMasterId r:id="rId45"/>
   </p:notesMasterIdLst>
   <p:sldIdLst>
     <p:sldId id="256" r:id="rId2"/>
@@ -43,28 +43,29 @@
     <p:sldId id="314" r:id="rId34"/>
     <p:sldId id="319" r:id="rId35"/>
     <p:sldId id="325" r:id="rId36"/>
-    <p:sldId id="356" r:id="rId37"/>
-    <p:sldId id="290" r:id="rId38"/>
-    <p:sldId id="292" r:id="rId39"/>
-    <p:sldId id="326" r:id="rId40"/>
-    <p:sldId id="330" r:id="rId41"/>
-    <p:sldId id="298" r:id="rId42"/>
-    <p:sldId id="310" r:id="rId43"/>
+    <p:sldId id="292" r:id="rId37"/>
+    <p:sldId id="356" r:id="rId38"/>
+    <p:sldId id="357" r:id="rId39"/>
+    <p:sldId id="290" r:id="rId40"/>
+    <p:sldId id="326" r:id="rId41"/>
+    <p:sldId id="330" r:id="rId42"/>
+    <p:sldId id="298" r:id="rId43"/>
+    <p:sldId id="310" r:id="rId44"/>
   </p:sldIdLst>
   <p:sldSz cx="12192000" cy="6858000"/>
   <p:notesSz cx="6858000" cy="9144000"/>
   <p:embeddedFontLst>
     <p:embeddedFont>
       <p:font typeface="Fira Code" panose="020B0809050000020004" pitchFamily="49" charset="0"/>
-      <p:regular r:id="rId45"/>
-      <p:bold r:id="rId46"/>
+      <p:regular r:id="rId46"/>
+      <p:bold r:id="rId47"/>
     </p:embeddedFont>
     <p:embeddedFont>
       <p:font typeface="Fira Sans" panose="020B0503050000020004" pitchFamily="34" charset="0"/>
-      <p:regular r:id="rId47"/>
-      <p:bold r:id="rId48"/>
-      <p:italic r:id="rId49"/>
-      <p:boldItalic r:id="rId50"/>
+      <p:regular r:id="rId48"/>
+      <p:bold r:id="rId49"/>
+      <p:italic r:id="rId50"/>
+      <p:boldItalic r:id="rId51"/>
     </p:embeddedFont>
   </p:embeddedFontLst>
   <p:defaultTextStyle>
@@ -13884,6 +13885,88 @@
 
 <file path=ppt/slides/slide36.xml><?xml version="1.0" encoding="utf-8"?>
 <p:sld xmlns:a="http://schemas.openxmlformats.org/drawingml/2006/main" xmlns:r="http://schemas.openxmlformats.org/officeDocument/2006/relationships" xmlns:p="http://schemas.openxmlformats.org/presentationml/2006/main">
+  <p:cSld name="Slide37">
+    <p:bg>
+      <p:bgPr>
+        <a:solidFill>
+          <a:srgbClr val="006388"/>
+        </a:solidFill>
+        <a:effectLst/>
+      </p:bgPr>
+    </p:bg>
+    <p:spTree>
+      <p:nvGrpSpPr>
+        <p:cNvPr id="1" name=""/>
+        <p:cNvGrpSpPr/>
+        <p:nvPr/>
+      </p:nvGrpSpPr>
+      <p:grpSpPr>
+        <a:xfrm>
+          <a:off x="0" y="0"/>
+          <a:ext cx="0" cy="0"/>
+          <a:chOff x="0" y="0"/>
+          <a:chExt cx="0" cy="0"/>
+        </a:xfrm>
+      </p:grpSpPr>
+      <p:sp>
+        <p:nvSpPr>
+          <p:cNvPr id="2" name="Title 1">
+            <a:extLst>
+              <a:ext uri="{FF2B5EF4-FFF2-40B4-BE49-F238E27FC236}">
+                <a16:creationId xmlns:a16="http://schemas.microsoft.com/office/drawing/2014/main" id="{CDD37D76-2D96-9A2D-7750-33DD011097DF}"/>
+              </a:ext>
+            </a:extLst>
+          </p:cNvPr>
+          <p:cNvSpPr txBox="1">
+            <a:spLocks noGrp="1"/>
+          </p:cNvSpPr>
+          <p:nvPr>
+            <p:ph type="title"/>
+          </p:nvPr>
+        </p:nvSpPr>
+        <p:spPr>
+          <a:xfrm>
+            <a:off x="838203" y="2766215"/>
+            <a:ext cx="10515600" cy="1325559"/>
+          </a:xfrm>
+        </p:spPr>
+        <p:txBody>
+          <a:bodyPr anchorCtr="1"/>
+          <a:lstStyle/>
+          <a:p>
+            <a:pPr lvl="0" algn="ctr">
+              <a:lnSpc>
+                <a:spcPct val="100000"/>
+              </a:lnSpc>
+            </a:pPr>
+            <a:r>
+              <a:rPr lang="en-GB" sz="5400" b="1" kern="0">
+                <a:solidFill>
+                  <a:srgbClr val="FFFFFF"/>
+                </a:solidFill>
+                <a:latin typeface="Fira Sans" pitchFamily="34"/>
+                <a:ea typeface="Fira Code" pitchFamily="49"/>
+              </a:rPr>
+              <a:t>Questions?</a:t>
+            </a:r>
+            <a:endParaRPr lang="en-GB" sz="1800" kern="0">
+              <a:solidFill>
+                <a:srgbClr val="FFFFFF"/>
+              </a:solidFill>
+            </a:endParaRPr>
+          </a:p>
+        </p:txBody>
+      </p:sp>
+    </p:spTree>
+  </p:cSld>
+  <p:clrMapOvr>
+    <a:masterClrMapping/>
+  </p:clrMapOvr>
+</p:sld>
+</file>
+
+<file path=ppt/slides/slide37.xml><?xml version="1.0" encoding="utf-8"?>
+<p:sld xmlns:a="http://schemas.openxmlformats.org/drawingml/2006/main" xmlns:r="http://schemas.openxmlformats.org/officeDocument/2006/relationships" xmlns:p="http://schemas.openxmlformats.org/presentationml/2006/main">
   <p:cSld>
     <p:bg>
       <p:bgPr>
@@ -13969,7 +14052,37 @@
 </p:sld>
 </file>
 
-<file path=ppt/slides/slide37.xml><?xml version="1.0" encoding="utf-8"?>
+<file path=ppt/slides/slide38.xml><?xml version="1.0" encoding="utf-8"?>
+<p:sld xmlns:a="http://schemas.openxmlformats.org/drawingml/2006/main" xmlns:r="http://schemas.openxmlformats.org/officeDocument/2006/relationships" xmlns:p="http://schemas.openxmlformats.org/presentationml/2006/main">
+  <p:cSld>
+    <p:spTree>
+      <p:nvGrpSpPr>
+        <p:cNvPr id="1" name=""/>
+        <p:cNvGrpSpPr/>
+        <p:nvPr/>
+      </p:nvGrpSpPr>
+      <p:grpSpPr>
+        <a:xfrm>
+          <a:off x="0" y="0"/>
+          <a:ext cx="0" cy="0"/>
+          <a:chOff x="0" y="0"/>
+          <a:chExt cx="0" cy="0"/>
+        </a:xfrm>
+      </p:grpSpPr>
+    </p:spTree>
+    <p:extLst>
+      <p:ext uri="{BB962C8B-B14F-4D97-AF65-F5344CB8AC3E}">
+        <p14:creationId xmlns:p14="http://schemas.microsoft.com/office/powerpoint/2010/main" val="1028303881"/>
+      </p:ext>
+    </p:extLst>
+  </p:cSld>
+  <p:clrMapOvr>
+    <a:masterClrMapping/>
+  </p:clrMapOvr>
+</p:sld>
+</file>
+
+<file path=ppt/slides/slide39.xml><?xml version="1.0" encoding="utf-8"?>
 <p:sld xmlns:a="http://schemas.openxmlformats.org/drawingml/2006/main" xmlns:r="http://schemas.openxmlformats.org/officeDocument/2006/relationships" xmlns:p="http://schemas.openxmlformats.org/presentationml/2006/main">
   <p:cSld name="Slide35">
     <p:spTree>
@@ -14112,7 +14225,7 @@
         <p:spPr>
           <a:xfrm>
             <a:off x="838193" y="3733879"/>
-            <a:ext cx="10782303" cy="338554"/>
+            <a:ext cx="10782303" cy="769441"/>
           </a:xfrm>
           <a:prstGeom prst="rect">
             <a:avLst/>
@@ -14148,7 +14261,7 @@
               </a:defRPr>
             </a:pPr>
             <a:r>
-              <a:rPr lang="en-US" sz="1600" dirty="0">
+              <a:rPr lang="en-US" sz="4400" dirty="0">
                 <a:solidFill>
                   <a:srgbClr val="000000"/>
                 </a:solidFill>
@@ -14158,343 +14271,13 @@
               </a:rPr>
               <a:t>https://odissei-soda.nl</a:t>
             </a:r>
-            <a:endParaRPr lang="en-US" sz="1600" b="0" i="0" u="none" strike="noStrike" kern="1200" cap="none" spc="0" baseline="0" dirty="0">
+            <a:endParaRPr lang="en-US" sz="4400" b="0" i="0" u="none" strike="noStrike" kern="1200" cap="none" spc="0" baseline="0" dirty="0">
               <a:solidFill>
                 <a:srgbClr val="000000"/>
               </a:solidFill>
               <a:uFillTx/>
               <a:latin typeface="Fira Code" pitchFamily="49"/>
               <a:ea typeface="Fira Code" pitchFamily="49"/>
-            </a:endParaRPr>
-          </a:p>
-        </p:txBody>
-      </p:sp>
-    </p:spTree>
-  </p:cSld>
-  <p:clrMapOvr>
-    <a:masterClrMapping/>
-  </p:clrMapOvr>
-</p:sld>
-</file>
-
-<file path=ppt/slides/slide38.xml><?xml version="1.0" encoding="utf-8"?>
-<p:sld xmlns:a="http://schemas.openxmlformats.org/drawingml/2006/main" xmlns:r="http://schemas.openxmlformats.org/officeDocument/2006/relationships" xmlns:p="http://schemas.openxmlformats.org/presentationml/2006/main">
-  <p:cSld name="Slide37">
-    <p:bg>
-      <p:bgPr>
-        <a:solidFill>
-          <a:srgbClr val="006388"/>
-        </a:solidFill>
-        <a:effectLst/>
-      </p:bgPr>
-    </p:bg>
-    <p:spTree>
-      <p:nvGrpSpPr>
-        <p:cNvPr id="1" name=""/>
-        <p:cNvGrpSpPr/>
-        <p:nvPr/>
-      </p:nvGrpSpPr>
-      <p:grpSpPr>
-        <a:xfrm>
-          <a:off x="0" y="0"/>
-          <a:ext cx="0" cy="0"/>
-          <a:chOff x="0" y="0"/>
-          <a:chExt cx="0" cy="0"/>
-        </a:xfrm>
-      </p:grpSpPr>
-      <p:sp>
-        <p:nvSpPr>
-          <p:cNvPr id="2" name="Title 1">
-            <a:extLst>
-              <a:ext uri="{FF2B5EF4-FFF2-40B4-BE49-F238E27FC236}">
-                <a16:creationId xmlns:a16="http://schemas.microsoft.com/office/drawing/2014/main" id="{CDD37D76-2D96-9A2D-7750-33DD011097DF}"/>
-              </a:ext>
-            </a:extLst>
-          </p:cNvPr>
-          <p:cNvSpPr txBox="1">
-            <a:spLocks noGrp="1"/>
-          </p:cNvSpPr>
-          <p:nvPr>
-            <p:ph type="title"/>
-          </p:nvPr>
-        </p:nvSpPr>
-        <p:spPr>
-          <a:xfrm>
-            <a:off x="838203" y="2766215"/>
-            <a:ext cx="10515600" cy="1325559"/>
-          </a:xfrm>
-        </p:spPr>
-        <p:txBody>
-          <a:bodyPr anchorCtr="1"/>
-          <a:lstStyle/>
-          <a:p>
-            <a:pPr lvl="0" algn="ctr">
-              <a:lnSpc>
-                <a:spcPct val="100000"/>
-              </a:lnSpc>
-            </a:pPr>
-            <a:r>
-              <a:rPr lang="en-GB" sz="5400" b="1" kern="0">
-                <a:solidFill>
-                  <a:srgbClr val="FFFFFF"/>
-                </a:solidFill>
-                <a:latin typeface="Fira Sans" pitchFamily="34"/>
-                <a:ea typeface="Fira Code" pitchFamily="49"/>
-              </a:rPr>
-              <a:t>Questions?</a:t>
-            </a:r>
-            <a:endParaRPr lang="en-GB" sz="1800" kern="0">
-              <a:solidFill>
-                <a:srgbClr val="FFFFFF"/>
-              </a:solidFill>
-            </a:endParaRPr>
-          </a:p>
-        </p:txBody>
-      </p:sp>
-    </p:spTree>
-  </p:cSld>
-  <p:clrMapOvr>
-    <a:masterClrMapping/>
-  </p:clrMapOvr>
-</p:sld>
-</file>
-
-<file path=ppt/slides/slide39.xml><?xml version="1.0" encoding="utf-8"?>
-<p:sld xmlns:a="http://schemas.openxmlformats.org/drawingml/2006/main" xmlns:r="http://schemas.openxmlformats.org/officeDocument/2006/relationships" xmlns:p="http://schemas.openxmlformats.org/presentationml/2006/main">
-  <p:cSld name="Slide71">
-    <p:spTree>
-      <p:nvGrpSpPr>
-        <p:cNvPr id="1" name=""/>
-        <p:cNvGrpSpPr/>
-        <p:nvPr/>
-      </p:nvGrpSpPr>
-      <p:grpSpPr>
-        <a:xfrm>
-          <a:off x="0" y="0"/>
-          <a:ext cx="0" cy="0"/>
-          <a:chOff x="0" y="0"/>
-          <a:chExt cx="0" cy="0"/>
-        </a:xfrm>
-      </p:grpSpPr>
-      <p:sp>
-        <p:nvSpPr>
-          <p:cNvPr id="2" name="Title 1">
-            <a:extLst>
-              <a:ext uri="{FF2B5EF4-FFF2-40B4-BE49-F238E27FC236}">
-                <a16:creationId xmlns:a16="http://schemas.microsoft.com/office/drawing/2014/main" id="{D9F61BE7-A24F-0F5B-4EBA-04BF88679DB0}"/>
-              </a:ext>
-            </a:extLst>
-          </p:cNvPr>
-          <p:cNvSpPr txBox="1">
-            <a:spLocks noGrp="1"/>
-          </p:cNvSpPr>
-          <p:nvPr>
-            <p:ph type="title"/>
-          </p:nvPr>
-        </p:nvSpPr>
-        <p:spPr/>
-        <p:txBody>
-          <a:bodyPr/>
-          <a:lstStyle/>
-          <a:p>
-            <a:pPr lvl="0">
-              <a:lnSpc>
-                <a:spcPct val="100000"/>
-              </a:lnSpc>
-            </a:pPr>
-            <a:r>
-              <a:rPr lang="en-GB" sz="5400" b="1" kern="0">
-                <a:solidFill>
-                  <a:srgbClr val="006388"/>
-                </a:solidFill>
-                <a:latin typeface="Fira Sans" pitchFamily="34"/>
-                <a:ea typeface="Fira Code" pitchFamily="49"/>
-              </a:rPr>
-              <a:t>Default light slide</a:t>
-            </a:r>
-            <a:endParaRPr lang="en-GB" sz="1800" kern="0"/>
-          </a:p>
-        </p:txBody>
-      </p:sp>
-      <p:sp>
-        <p:nvSpPr>
-          <p:cNvPr id="3" name="Content Placeholder 2">
-            <a:extLst>
-              <a:ext uri="{FF2B5EF4-FFF2-40B4-BE49-F238E27FC236}">
-                <a16:creationId xmlns:a16="http://schemas.microsoft.com/office/drawing/2014/main" id="{860F260C-63D8-4F73-F9C0-08B1B28B6F8E}"/>
-              </a:ext>
-            </a:extLst>
-          </p:cNvPr>
-          <p:cNvSpPr txBox="1">
-            <a:spLocks noGrp="1"/>
-          </p:cNvSpPr>
-          <p:nvPr>
-            <p:ph idx="1"/>
-          </p:nvPr>
-        </p:nvSpPr>
-        <p:spPr>
-          <a:xfrm>
-            <a:off x="838203" y="1825627"/>
-            <a:ext cx="10515600" cy="4667243"/>
-          </a:xfrm>
-        </p:spPr>
-        <p:txBody>
-          <a:bodyPr/>
-          <a:lstStyle/>
-          <a:p>
-            <a:pPr marL="0" lvl="0" indent="0">
-              <a:buNone/>
-            </a:pPr>
-            <a:r>
-              <a:rPr lang="en-GB" sz="2000" b="1">
-                <a:solidFill>
-                  <a:srgbClr val="404040"/>
-                </a:solidFill>
-                <a:latin typeface="Fira Sans" pitchFamily="34"/>
-              </a:rPr>
-              <a:t>Default subheading</a:t>
-            </a:r>
-          </a:p>
-          <a:p>
-            <a:pPr marL="0" lvl="0" indent="0">
-              <a:buNone/>
-            </a:pPr>
-            <a:r>
-              <a:rPr lang="en-GB" sz="2000">
-                <a:solidFill>
-                  <a:srgbClr val="404040"/>
-                </a:solidFill>
-                <a:latin typeface="Fira Sans" pitchFamily="34"/>
-              </a:rPr>
-              <a:t>This is the body of the text </a:t>
-            </a:r>
-          </a:p>
-          <a:p>
-            <a:pPr marL="0" lvl="0" indent="0">
-              <a:buNone/>
-            </a:pPr>
-            <a:endParaRPr lang="en-GB" sz="2000">
-              <a:solidFill>
-                <a:srgbClr val="404040"/>
-              </a:solidFill>
-              <a:latin typeface="Fira Sans" pitchFamily="34"/>
-            </a:endParaRPr>
-          </a:p>
-          <a:p>
-            <a:pPr marL="0" lvl="0" indent="0">
-              <a:buNone/>
-            </a:pPr>
-            <a:r>
-              <a:rPr lang="en-GB" sz="2000" b="1">
-                <a:solidFill>
-                  <a:srgbClr val="404040"/>
-                </a:solidFill>
-                <a:latin typeface="Fira Sans" pitchFamily="34"/>
-              </a:rPr>
-              <a:t>Default subheading</a:t>
-            </a:r>
-          </a:p>
-          <a:p>
-            <a:pPr marL="0" lvl="0" indent="0">
-              <a:buNone/>
-            </a:pPr>
-            <a:r>
-              <a:rPr lang="en-GB" sz="2000">
-                <a:solidFill>
-                  <a:srgbClr val="404040"/>
-                </a:solidFill>
-                <a:latin typeface="Fira Sans" pitchFamily="34"/>
-              </a:rPr>
-              <a:t>Note that the text is not black, but “black, text 1, lighter 25%”</a:t>
-            </a:r>
-          </a:p>
-          <a:p>
-            <a:pPr marL="0" lvl="0" indent="0">
-              <a:buNone/>
-            </a:pPr>
-            <a:endParaRPr lang="en-GB" sz="2000">
-              <a:solidFill>
-                <a:srgbClr val="404040"/>
-              </a:solidFill>
-              <a:latin typeface="Fira Sans" pitchFamily="34"/>
-            </a:endParaRPr>
-          </a:p>
-          <a:p>
-            <a:pPr marL="0" lvl="0" indent="0">
-              <a:buNone/>
-            </a:pPr>
-            <a:r>
-              <a:rPr lang="en-GB" sz="2000" b="1">
-                <a:solidFill>
-                  <a:srgbClr val="404040"/>
-                </a:solidFill>
-                <a:latin typeface="Fira Sans" pitchFamily="34"/>
-              </a:rPr>
-              <a:t>Default subheading</a:t>
-            </a:r>
-          </a:p>
-          <a:p>
-            <a:pPr marL="0" lvl="0" indent="0">
-              <a:buNone/>
-            </a:pPr>
-            <a:r>
-              <a:rPr lang="en-GB" sz="2000">
-                <a:solidFill>
-                  <a:srgbClr val="404040"/>
-                </a:solidFill>
-                <a:latin typeface="Fira Sans" pitchFamily="34"/>
-              </a:rPr>
-              <a:t>This makes things easier on the eyes</a:t>
-            </a:r>
-          </a:p>
-          <a:p>
-            <a:pPr marL="0" lvl="0" indent="0">
-              <a:buNone/>
-            </a:pPr>
-            <a:endParaRPr lang="en-GB" sz="2000">
-              <a:solidFill>
-                <a:srgbClr val="404040"/>
-              </a:solidFill>
-              <a:latin typeface="Fira Sans" pitchFamily="34"/>
-            </a:endParaRPr>
-          </a:p>
-          <a:p>
-            <a:pPr marL="0" lvl="0" indent="0">
-              <a:buNone/>
-            </a:pPr>
-            <a:r>
-              <a:rPr lang="en-GB" sz="2000" b="1">
-                <a:solidFill>
-                  <a:srgbClr val="404040"/>
-                </a:solidFill>
-                <a:latin typeface="Fira Sans" pitchFamily="34"/>
-              </a:rPr>
-              <a:t>Default subheading</a:t>
-            </a:r>
-          </a:p>
-          <a:p>
-            <a:pPr marL="0" lvl="0" indent="0">
-              <a:buNone/>
-            </a:pPr>
-            <a:r>
-              <a:rPr lang="en-GB" sz="2000">
-                <a:solidFill>
-                  <a:srgbClr val="404040"/>
-                </a:solidFill>
-                <a:latin typeface="Fira Sans" pitchFamily="34"/>
-              </a:rPr>
-              <a:t>This is the body of the text </a:t>
-            </a:r>
-          </a:p>
-          <a:p>
-            <a:pPr marL="0" lvl="0" indent="0">
-              <a:buNone/>
-            </a:pPr>
-            <a:endParaRPr lang="en-GB" sz="2000">
-              <a:solidFill>
-                <a:srgbClr val="404040"/>
-              </a:solidFill>
-              <a:latin typeface="Fira Sans" pitchFamily="34"/>
             </a:endParaRPr>
           </a:p>
         </p:txBody>
@@ -14741,7 +14524,255 @@
 </file>
 
 <file path=ppt/slides/slide40.xml><?xml version="1.0" encoding="utf-8"?>
-<p:sld xmlns:a="http://schemas.openxmlformats.org/drawingml/2006/main" xmlns:r="http://schemas.openxmlformats.org/officeDocument/2006/relationships" xmlns:p="http://schemas.openxmlformats.org/presentationml/2006/main">
+<p:sld xmlns:a="http://schemas.openxmlformats.org/drawingml/2006/main" xmlns:r="http://schemas.openxmlformats.org/officeDocument/2006/relationships" xmlns:p="http://schemas.openxmlformats.org/presentationml/2006/main" show="0">
+  <p:cSld name="Slide71">
+    <p:spTree>
+      <p:nvGrpSpPr>
+        <p:cNvPr id="1" name=""/>
+        <p:cNvGrpSpPr/>
+        <p:nvPr/>
+      </p:nvGrpSpPr>
+      <p:grpSpPr>
+        <a:xfrm>
+          <a:off x="0" y="0"/>
+          <a:ext cx="0" cy="0"/>
+          <a:chOff x="0" y="0"/>
+          <a:chExt cx="0" cy="0"/>
+        </a:xfrm>
+      </p:grpSpPr>
+      <p:sp>
+        <p:nvSpPr>
+          <p:cNvPr id="2" name="Title 1">
+            <a:extLst>
+              <a:ext uri="{FF2B5EF4-FFF2-40B4-BE49-F238E27FC236}">
+                <a16:creationId xmlns:a16="http://schemas.microsoft.com/office/drawing/2014/main" id="{D9F61BE7-A24F-0F5B-4EBA-04BF88679DB0}"/>
+              </a:ext>
+            </a:extLst>
+          </p:cNvPr>
+          <p:cNvSpPr txBox="1">
+            <a:spLocks noGrp="1"/>
+          </p:cNvSpPr>
+          <p:nvPr>
+            <p:ph type="title"/>
+          </p:nvPr>
+        </p:nvSpPr>
+        <p:spPr/>
+        <p:txBody>
+          <a:bodyPr/>
+          <a:lstStyle/>
+          <a:p>
+            <a:pPr lvl="0">
+              <a:lnSpc>
+                <a:spcPct val="100000"/>
+              </a:lnSpc>
+            </a:pPr>
+            <a:r>
+              <a:rPr lang="en-GB" sz="5400" b="1" kern="0">
+                <a:solidFill>
+                  <a:srgbClr val="006388"/>
+                </a:solidFill>
+                <a:latin typeface="Fira Sans" pitchFamily="34"/>
+                <a:ea typeface="Fira Code" pitchFamily="49"/>
+              </a:rPr>
+              <a:t>Default light slide</a:t>
+            </a:r>
+            <a:endParaRPr lang="en-GB" sz="1800" kern="0"/>
+          </a:p>
+        </p:txBody>
+      </p:sp>
+      <p:sp>
+        <p:nvSpPr>
+          <p:cNvPr id="3" name="Content Placeholder 2">
+            <a:extLst>
+              <a:ext uri="{FF2B5EF4-FFF2-40B4-BE49-F238E27FC236}">
+                <a16:creationId xmlns:a16="http://schemas.microsoft.com/office/drawing/2014/main" id="{860F260C-63D8-4F73-F9C0-08B1B28B6F8E}"/>
+              </a:ext>
+            </a:extLst>
+          </p:cNvPr>
+          <p:cNvSpPr txBox="1">
+            <a:spLocks noGrp="1"/>
+          </p:cNvSpPr>
+          <p:nvPr>
+            <p:ph idx="1"/>
+          </p:nvPr>
+        </p:nvSpPr>
+        <p:spPr>
+          <a:xfrm>
+            <a:off x="838203" y="1825627"/>
+            <a:ext cx="10515600" cy="4667243"/>
+          </a:xfrm>
+        </p:spPr>
+        <p:txBody>
+          <a:bodyPr/>
+          <a:lstStyle/>
+          <a:p>
+            <a:pPr marL="0" lvl="0" indent="0">
+              <a:buNone/>
+            </a:pPr>
+            <a:r>
+              <a:rPr lang="en-GB" sz="2000" b="1">
+                <a:solidFill>
+                  <a:srgbClr val="404040"/>
+                </a:solidFill>
+                <a:latin typeface="Fira Sans" pitchFamily="34"/>
+              </a:rPr>
+              <a:t>Default subheading</a:t>
+            </a:r>
+          </a:p>
+          <a:p>
+            <a:pPr marL="0" lvl="0" indent="0">
+              <a:buNone/>
+            </a:pPr>
+            <a:r>
+              <a:rPr lang="en-GB" sz="2000">
+                <a:solidFill>
+                  <a:srgbClr val="404040"/>
+                </a:solidFill>
+                <a:latin typeface="Fira Sans" pitchFamily="34"/>
+              </a:rPr>
+              <a:t>This is the body of the text </a:t>
+            </a:r>
+          </a:p>
+          <a:p>
+            <a:pPr marL="0" lvl="0" indent="0">
+              <a:buNone/>
+            </a:pPr>
+            <a:endParaRPr lang="en-GB" sz="2000">
+              <a:solidFill>
+                <a:srgbClr val="404040"/>
+              </a:solidFill>
+              <a:latin typeface="Fira Sans" pitchFamily="34"/>
+            </a:endParaRPr>
+          </a:p>
+          <a:p>
+            <a:pPr marL="0" lvl="0" indent="0">
+              <a:buNone/>
+            </a:pPr>
+            <a:r>
+              <a:rPr lang="en-GB" sz="2000" b="1">
+                <a:solidFill>
+                  <a:srgbClr val="404040"/>
+                </a:solidFill>
+                <a:latin typeface="Fira Sans" pitchFamily="34"/>
+              </a:rPr>
+              <a:t>Default subheading</a:t>
+            </a:r>
+          </a:p>
+          <a:p>
+            <a:pPr marL="0" lvl="0" indent="0">
+              <a:buNone/>
+            </a:pPr>
+            <a:r>
+              <a:rPr lang="en-GB" sz="2000">
+                <a:solidFill>
+                  <a:srgbClr val="404040"/>
+                </a:solidFill>
+                <a:latin typeface="Fira Sans" pitchFamily="34"/>
+              </a:rPr>
+              <a:t>Note that the text is not black, but “black, text 1, lighter 25%”</a:t>
+            </a:r>
+          </a:p>
+          <a:p>
+            <a:pPr marL="0" lvl="0" indent="0">
+              <a:buNone/>
+            </a:pPr>
+            <a:endParaRPr lang="en-GB" sz="2000">
+              <a:solidFill>
+                <a:srgbClr val="404040"/>
+              </a:solidFill>
+              <a:latin typeface="Fira Sans" pitchFamily="34"/>
+            </a:endParaRPr>
+          </a:p>
+          <a:p>
+            <a:pPr marL="0" lvl="0" indent="0">
+              <a:buNone/>
+            </a:pPr>
+            <a:r>
+              <a:rPr lang="en-GB" sz="2000" b="1">
+                <a:solidFill>
+                  <a:srgbClr val="404040"/>
+                </a:solidFill>
+                <a:latin typeface="Fira Sans" pitchFamily="34"/>
+              </a:rPr>
+              <a:t>Default subheading</a:t>
+            </a:r>
+          </a:p>
+          <a:p>
+            <a:pPr marL="0" lvl="0" indent="0">
+              <a:buNone/>
+            </a:pPr>
+            <a:r>
+              <a:rPr lang="en-GB" sz="2000">
+                <a:solidFill>
+                  <a:srgbClr val="404040"/>
+                </a:solidFill>
+                <a:latin typeface="Fira Sans" pitchFamily="34"/>
+              </a:rPr>
+              <a:t>This makes things easier on the eyes</a:t>
+            </a:r>
+          </a:p>
+          <a:p>
+            <a:pPr marL="0" lvl="0" indent="0">
+              <a:buNone/>
+            </a:pPr>
+            <a:endParaRPr lang="en-GB" sz="2000">
+              <a:solidFill>
+                <a:srgbClr val="404040"/>
+              </a:solidFill>
+              <a:latin typeface="Fira Sans" pitchFamily="34"/>
+            </a:endParaRPr>
+          </a:p>
+          <a:p>
+            <a:pPr marL="0" lvl="0" indent="0">
+              <a:buNone/>
+            </a:pPr>
+            <a:r>
+              <a:rPr lang="en-GB" sz="2000" b="1">
+                <a:solidFill>
+                  <a:srgbClr val="404040"/>
+                </a:solidFill>
+                <a:latin typeface="Fira Sans" pitchFamily="34"/>
+              </a:rPr>
+              <a:t>Default subheading</a:t>
+            </a:r>
+          </a:p>
+          <a:p>
+            <a:pPr marL="0" lvl="0" indent="0">
+              <a:buNone/>
+            </a:pPr>
+            <a:r>
+              <a:rPr lang="en-GB" sz="2000">
+                <a:solidFill>
+                  <a:srgbClr val="404040"/>
+                </a:solidFill>
+                <a:latin typeface="Fira Sans" pitchFamily="34"/>
+              </a:rPr>
+              <a:t>This is the body of the text </a:t>
+            </a:r>
+          </a:p>
+          <a:p>
+            <a:pPr marL="0" lvl="0" indent="0">
+              <a:buNone/>
+            </a:pPr>
+            <a:endParaRPr lang="en-GB" sz="2000">
+              <a:solidFill>
+                <a:srgbClr val="404040"/>
+              </a:solidFill>
+              <a:latin typeface="Fira Sans" pitchFamily="34"/>
+            </a:endParaRPr>
+          </a:p>
+        </p:txBody>
+      </p:sp>
+    </p:spTree>
+  </p:cSld>
+  <p:clrMapOvr>
+    <a:masterClrMapping/>
+  </p:clrMapOvr>
+</p:sld>
+</file>
+
+<file path=ppt/slides/slide41.xml><?xml version="1.0" encoding="utf-8"?>
+<p:sld xmlns:a="http://schemas.openxmlformats.org/drawingml/2006/main" xmlns:r="http://schemas.openxmlformats.org/officeDocument/2006/relationships" xmlns:p="http://schemas.openxmlformats.org/presentationml/2006/main" show="0">
   <p:cSld name="Slide75">
     <p:bg>
       <p:bgPr>
@@ -15000,8 +15031,8 @@
 </p:sld>
 </file>
 
-<file path=ppt/slides/slide41.xml><?xml version="1.0" encoding="utf-8"?>
-<p:sld xmlns:a="http://schemas.openxmlformats.org/drawingml/2006/main" xmlns:r="http://schemas.openxmlformats.org/officeDocument/2006/relationships" xmlns:p="http://schemas.openxmlformats.org/presentationml/2006/main">
+<file path=ppt/slides/slide42.xml><?xml version="1.0" encoding="utf-8"?>
+<p:sld xmlns:a="http://schemas.openxmlformats.org/drawingml/2006/main" xmlns:r="http://schemas.openxmlformats.org/officeDocument/2006/relationships" xmlns:p="http://schemas.openxmlformats.org/presentationml/2006/main" show="0">
   <p:cSld name="Slide43">
     <p:bg>
       <p:bgPr>
@@ -15082,8 +15113,8 @@
 </p:sld>
 </file>
 
-<file path=ppt/slides/slide42.xml><?xml version="1.0" encoding="utf-8"?>
-<p:sld xmlns:a="http://schemas.openxmlformats.org/drawingml/2006/main" xmlns:r="http://schemas.openxmlformats.org/officeDocument/2006/relationships" xmlns:p="http://schemas.openxmlformats.org/presentationml/2006/main">
+<file path=ppt/slides/slide43.xml><?xml version="1.0" encoding="utf-8"?>
+<p:sld xmlns:a="http://schemas.openxmlformats.org/drawingml/2006/main" xmlns:r="http://schemas.openxmlformats.org/officeDocument/2006/relationships" xmlns:p="http://schemas.openxmlformats.org/presentationml/2006/main" show="0">
   <p:cSld name="Slide55">
     <p:spTree>
       <p:nvGrpSpPr>

--- a/efficient_microdata.pptx
+++ b/efficient_microdata.pptx
@@ -5,67 +5,71 @@
     <p:sldMasterId id="2147483648" r:id="rId1"/>
   </p:sldMasterIdLst>
   <p:notesMasterIdLst>
-    <p:notesMasterId r:id="rId45"/>
+    <p:notesMasterId r:id="rId49"/>
   </p:notesMasterIdLst>
   <p:sldIdLst>
     <p:sldId id="256" r:id="rId2"/>
     <p:sldId id="261" r:id="rId3"/>
-    <p:sldId id="301" r:id="rId4"/>
-    <p:sldId id="340" r:id="rId5"/>
-    <p:sldId id="348" r:id="rId6"/>
-    <p:sldId id="341" r:id="rId7"/>
-    <p:sldId id="342" r:id="rId8"/>
-    <p:sldId id="343" r:id="rId9"/>
-    <p:sldId id="345" r:id="rId10"/>
-    <p:sldId id="344" r:id="rId11"/>
-    <p:sldId id="339" r:id="rId12"/>
-    <p:sldId id="293" r:id="rId13"/>
-    <p:sldId id="309" r:id="rId14"/>
-    <p:sldId id="334" r:id="rId15"/>
-    <p:sldId id="349" r:id="rId16"/>
-    <p:sldId id="351" r:id="rId17"/>
-    <p:sldId id="315" r:id="rId18"/>
-    <p:sldId id="346" r:id="rId19"/>
-    <p:sldId id="338" r:id="rId20"/>
-    <p:sldId id="347" r:id="rId21"/>
-    <p:sldId id="353" r:id="rId22"/>
-    <p:sldId id="352" r:id="rId23"/>
-    <p:sldId id="354" r:id="rId24"/>
-    <p:sldId id="337" r:id="rId25"/>
-    <p:sldId id="323" r:id="rId26"/>
-    <p:sldId id="335" r:id="rId27"/>
-    <p:sldId id="299" r:id="rId28"/>
-    <p:sldId id="302" r:id="rId29"/>
-    <p:sldId id="355" r:id="rId30"/>
-    <p:sldId id="311" r:id="rId31"/>
-    <p:sldId id="297" r:id="rId32"/>
-    <p:sldId id="313" r:id="rId33"/>
-    <p:sldId id="314" r:id="rId34"/>
-    <p:sldId id="319" r:id="rId35"/>
-    <p:sldId id="325" r:id="rId36"/>
-    <p:sldId id="292" r:id="rId37"/>
-    <p:sldId id="356" r:id="rId38"/>
-    <p:sldId id="357" r:id="rId39"/>
-    <p:sldId id="290" r:id="rId40"/>
-    <p:sldId id="326" r:id="rId41"/>
-    <p:sldId id="330" r:id="rId42"/>
-    <p:sldId id="298" r:id="rId43"/>
-    <p:sldId id="310" r:id="rId44"/>
+    <p:sldId id="360" r:id="rId4"/>
+    <p:sldId id="361" r:id="rId5"/>
+    <p:sldId id="358" r:id="rId6"/>
+    <p:sldId id="301" r:id="rId7"/>
+    <p:sldId id="340" r:id="rId8"/>
+    <p:sldId id="348" r:id="rId9"/>
+    <p:sldId id="341" r:id="rId10"/>
+    <p:sldId id="342" r:id="rId11"/>
+    <p:sldId id="343" r:id="rId12"/>
+    <p:sldId id="345" r:id="rId13"/>
+    <p:sldId id="344" r:id="rId14"/>
+    <p:sldId id="339" r:id="rId15"/>
+    <p:sldId id="293" r:id="rId16"/>
+    <p:sldId id="309" r:id="rId17"/>
+    <p:sldId id="334" r:id="rId18"/>
+    <p:sldId id="349" r:id="rId19"/>
+    <p:sldId id="351" r:id="rId20"/>
+    <p:sldId id="315" r:id="rId21"/>
+    <p:sldId id="346" r:id="rId22"/>
+    <p:sldId id="338" r:id="rId23"/>
+    <p:sldId id="347" r:id="rId24"/>
+    <p:sldId id="353" r:id="rId25"/>
+    <p:sldId id="352" r:id="rId26"/>
+    <p:sldId id="354" r:id="rId27"/>
+    <p:sldId id="337" r:id="rId28"/>
+    <p:sldId id="323" r:id="rId29"/>
+    <p:sldId id="335" r:id="rId30"/>
+    <p:sldId id="299" r:id="rId31"/>
+    <p:sldId id="302" r:id="rId32"/>
+    <p:sldId id="355" r:id="rId33"/>
+    <p:sldId id="311" r:id="rId34"/>
+    <p:sldId id="297" r:id="rId35"/>
+    <p:sldId id="313" r:id="rId36"/>
+    <p:sldId id="314" r:id="rId37"/>
+    <p:sldId id="319" r:id="rId38"/>
+    <p:sldId id="325" r:id="rId39"/>
+    <p:sldId id="292" r:id="rId40"/>
+    <p:sldId id="356" r:id="rId41"/>
+    <p:sldId id="359" r:id="rId42"/>
+    <p:sldId id="357" r:id="rId43"/>
+    <p:sldId id="290" r:id="rId44"/>
+    <p:sldId id="326" r:id="rId45"/>
+    <p:sldId id="330" r:id="rId46"/>
+    <p:sldId id="298" r:id="rId47"/>
+    <p:sldId id="310" r:id="rId48"/>
   </p:sldIdLst>
   <p:sldSz cx="12192000" cy="6858000"/>
   <p:notesSz cx="6858000" cy="9144000"/>
   <p:embeddedFontLst>
     <p:embeddedFont>
       <p:font typeface="Fira Code" panose="020B0809050000020004" pitchFamily="49" charset="0"/>
-      <p:regular r:id="rId46"/>
-      <p:bold r:id="rId47"/>
+      <p:regular r:id="rId50"/>
+      <p:bold r:id="rId51"/>
     </p:embeddedFont>
     <p:embeddedFont>
       <p:font typeface="Fira Sans" panose="020B0503050000020004" pitchFamily="34" charset="0"/>
-      <p:regular r:id="rId48"/>
-      <p:bold r:id="rId49"/>
-      <p:italic r:id="rId50"/>
-      <p:boldItalic r:id="rId51"/>
+      <p:regular r:id="rId52"/>
+      <p:bold r:id="rId53"/>
+      <p:italic r:id="rId54"/>
+      <p:boldItalic r:id="rId55"/>
     </p:embeddedFont>
   </p:embeddedFontLst>
   <p:defaultTextStyle>
@@ -4578,6 +4582,715 @@
           <p:cNvPr id="2" name="Title 1">
             <a:extLst>
               <a:ext uri="{FF2B5EF4-FFF2-40B4-BE49-F238E27FC236}">
+                <a16:creationId xmlns:a16="http://schemas.microsoft.com/office/drawing/2014/main" id="{D498ADB7-680B-954F-DAAE-4638E7C2038C}"/>
+              </a:ext>
+            </a:extLst>
+          </p:cNvPr>
+          <p:cNvSpPr txBox="1">
+            <a:spLocks noGrp="1"/>
+          </p:cNvSpPr>
+          <p:nvPr>
+            <p:ph type="title"/>
+          </p:nvPr>
+        </p:nvSpPr>
+        <p:spPr/>
+        <p:txBody>
+          <a:bodyPr>
+            <a:normAutofit/>
+          </a:bodyPr>
+          <a:lstStyle/>
+          <a:p>
+            <a:pPr lvl="0">
+              <a:lnSpc>
+                <a:spcPct val="100000"/>
+              </a:lnSpc>
+            </a:pPr>
+            <a:r>
+              <a:rPr lang="en-GB" sz="5400" b="1" kern="0" dirty="0">
+                <a:solidFill>
+                  <a:srgbClr val="006388"/>
+                </a:solidFill>
+                <a:latin typeface="Fira Sans" pitchFamily="34"/>
+                <a:ea typeface="Fira Code" pitchFamily="49"/>
+              </a:rPr>
+              <a:t>Microdata at CBS</a:t>
+            </a:r>
+            <a:endParaRPr lang="en-GB" sz="1800" kern="0" dirty="0"/>
+          </a:p>
+        </p:txBody>
+      </p:sp>
+      <p:pic>
+        <p:nvPicPr>
+          <p:cNvPr id="8" name="Picture 7">
+            <a:extLst>
+              <a:ext uri="{FF2B5EF4-FFF2-40B4-BE49-F238E27FC236}">
+                <a16:creationId xmlns:a16="http://schemas.microsoft.com/office/drawing/2014/main" id="{C6AF0A2A-2E09-36E4-8A6E-DD20283AA22C}"/>
+              </a:ext>
+            </a:extLst>
+          </p:cNvPr>
+          <p:cNvPicPr>
+            <a:picLocks noChangeAspect="1"/>
+          </p:cNvPicPr>
+          <p:nvPr/>
+        </p:nvPicPr>
+        <p:blipFill>
+          <a:blip r:embed="rId2"/>
+          <a:stretch>
+            <a:fillRect/>
+          </a:stretch>
+        </p:blipFill>
+        <p:spPr>
+          <a:xfrm>
+            <a:off x="6588387" y="1469409"/>
+            <a:ext cx="5352920" cy="5120186"/>
+          </a:xfrm>
+          <a:prstGeom prst="rect">
+            <a:avLst/>
+          </a:prstGeom>
+        </p:spPr>
+      </p:pic>
+      <p:sp>
+        <p:nvSpPr>
+          <p:cNvPr id="12" name="TextBox 11">
+            <a:extLst>
+              <a:ext uri="{FF2B5EF4-FFF2-40B4-BE49-F238E27FC236}">
+                <a16:creationId xmlns:a16="http://schemas.microsoft.com/office/drawing/2014/main" id="{3D04B8B8-720A-910B-B3D1-7A0EE1994AE1}"/>
+              </a:ext>
+            </a:extLst>
+          </p:cNvPr>
+          <p:cNvSpPr txBox="1"/>
+          <p:nvPr/>
+        </p:nvSpPr>
+        <p:spPr>
+          <a:xfrm>
+            <a:off x="6588387" y="455604"/>
+            <a:ext cx="5461815" cy="923330"/>
+          </a:xfrm>
+          <a:prstGeom prst="rect">
+            <a:avLst/>
+          </a:prstGeom>
+          <a:noFill/>
+        </p:spPr>
+        <p:txBody>
+          <a:bodyPr wrap="square">
+            <a:spAutoFit/>
+          </a:bodyPr>
+          <a:lstStyle/>
+          <a:p>
+            <a:r>
+              <a:rPr lang="en-US" dirty="0">
+                <a:hlinkClick r:id="rId3"/>
+              </a:rPr>
+              <a:t>https://www.cbs.nl/nl-nl/onze-diensten/maatwerk-en-microdata/microdata-zelf-onderzoek-doen/catalogus-microdata</a:t>
+            </a:r>
+            <a:r>
+              <a:rPr lang="en-US" dirty="0"/>
+              <a:t> </a:t>
+            </a:r>
+            <a:endParaRPr lang="en-NL" dirty="0"/>
+          </a:p>
+        </p:txBody>
+      </p:sp>
+      <p:sp>
+        <p:nvSpPr>
+          <p:cNvPr id="13" name="Content Placeholder 2">
+            <a:extLst>
+              <a:ext uri="{FF2B5EF4-FFF2-40B4-BE49-F238E27FC236}">
+                <a16:creationId xmlns:a16="http://schemas.microsoft.com/office/drawing/2014/main" id="{28374D4B-315A-D7B8-E54F-9FB700C1EE00}"/>
+              </a:ext>
+            </a:extLst>
+          </p:cNvPr>
+          <p:cNvSpPr txBox="1">
+            <a:spLocks noGrp="1"/>
+          </p:cNvSpPr>
+          <p:nvPr>
+            <p:ph idx="1"/>
+          </p:nvPr>
+        </p:nvSpPr>
+        <p:spPr>
+          <a:xfrm>
+            <a:off x="838203" y="1825627"/>
+            <a:ext cx="5828321" cy="4667243"/>
+          </a:xfrm>
+        </p:spPr>
+        <p:txBody>
+          <a:bodyPr>
+            <a:normAutofit lnSpcReduction="10000"/>
+          </a:bodyPr>
+          <a:lstStyle/>
+          <a:p>
+            <a:pPr lvl="0">
+              <a:lnSpc>
+                <a:spcPct val="100000"/>
+              </a:lnSpc>
+            </a:pPr>
+            <a:r>
+              <a:rPr lang="en-GB" sz="3200" dirty="0">
+                <a:solidFill>
+                  <a:srgbClr val="404040"/>
+                </a:solidFill>
+                <a:latin typeface="Fira Sans" pitchFamily="34"/>
+              </a:rPr>
+              <a:t>The tables are made by humans / different departments: manual work</a:t>
+            </a:r>
+          </a:p>
+          <a:p>
+            <a:pPr lvl="0">
+              <a:lnSpc>
+                <a:spcPct val="100000"/>
+              </a:lnSpc>
+            </a:pPr>
+            <a:r>
+              <a:rPr lang="en-GB" sz="3200" dirty="0">
+                <a:solidFill>
+                  <a:srgbClr val="404040"/>
+                </a:solidFill>
+                <a:latin typeface="Fira Sans" pitchFamily="34"/>
+              </a:rPr>
+              <a:t>They are (mostly) SPSS .sav files</a:t>
+            </a:r>
+          </a:p>
+          <a:p>
+            <a:pPr lvl="0">
+              <a:lnSpc>
+                <a:spcPct val="100000"/>
+              </a:lnSpc>
+            </a:pPr>
+            <a:r>
+              <a:rPr lang="en-GB" sz="3200" dirty="0">
+                <a:solidFill>
+                  <a:srgbClr val="404040"/>
+                </a:solidFill>
+                <a:latin typeface="Fira Sans" pitchFamily="34"/>
+              </a:rPr>
+              <a:t>Some files are huge! (SPOLISBUS) </a:t>
+            </a:r>
+          </a:p>
+          <a:p>
+            <a:pPr lvl="0">
+              <a:lnSpc>
+                <a:spcPct val="100000"/>
+              </a:lnSpc>
+            </a:pPr>
+            <a:r>
+              <a:rPr lang="en-GB" sz="3200" dirty="0">
+                <a:solidFill>
+                  <a:srgbClr val="404040"/>
+                </a:solidFill>
+                <a:latin typeface="Fira Sans" pitchFamily="34"/>
+              </a:rPr>
+              <a:t>Their names / versions can change without warning</a:t>
+            </a:r>
+          </a:p>
+          <a:p>
+            <a:pPr lvl="0">
+              <a:lnSpc>
+                <a:spcPct val="100000"/>
+              </a:lnSpc>
+            </a:pPr>
+            <a:endParaRPr lang="en-GB" sz="3200" dirty="0">
+              <a:solidFill>
+                <a:srgbClr val="404040"/>
+              </a:solidFill>
+              <a:latin typeface="Fira Sans" pitchFamily="34"/>
+            </a:endParaRPr>
+          </a:p>
+          <a:p>
+            <a:pPr lvl="0">
+              <a:lnSpc>
+                <a:spcPct val="100000"/>
+              </a:lnSpc>
+            </a:pPr>
+            <a:endParaRPr lang="en-GB" sz="3200" dirty="0">
+              <a:solidFill>
+                <a:srgbClr val="404040"/>
+              </a:solidFill>
+              <a:latin typeface="Fira Sans" pitchFamily="34"/>
+            </a:endParaRPr>
+          </a:p>
+        </p:txBody>
+      </p:sp>
+    </p:spTree>
+    <p:extLst>
+      <p:ext uri="{BB962C8B-B14F-4D97-AF65-F5344CB8AC3E}">
+        <p14:creationId xmlns:p14="http://schemas.microsoft.com/office/powerpoint/2010/main" val="3562962347"/>
+      </p:ext>
+    </p:extLst>
+  </p:cSld>
+  <p:clrMapOvr>
+    <a:masterClrMapping/>
+  </p:clrMapOvr>
+</p:sld>
+</file>
+
+<file path=ppt/slides/slide11.xml><?xml version="1.0" encoding="utf-8"?>
+<p:sld xmlns:a="http://schemas.openxmlformats.org/drawingml/2006/main" xmlns:r="http://schemas.openxmlformats.org/officeDocument/2006/relationships" xmlns:p="http://schemas.openxmlformats.org/presentationml/2006/main">
+  <p:cSld>
+    <p:spTree>
+      <p:nvGrpSpPr>
+        <p:cNvPr id="1" name=""/>
+        <p:cNvGrpSpPr/>
+        <p:nvPr/>
+      </p:nvGrpSpPr>
+      <p:grpSpPr>
+        <a:xfrm>
+          <a:off x="0" y="0"/>
+          <a:ext cx="0" cy="0"/>
+          <a:chOff x="0" y="0"/>
+          <a:chExt cx="0" cy="0"/>
+        </a:xfrm>
+      </p:grpSpPr>
+      <p:sp>
+        <p:nvSpPr>
+          <p:cNvPr id="2" name="Title 1">
+            <a:extLst>
+              <a:ext uri="{FF2B5EF4-FFF2-40B4-BE49-F238E27FC236}">
+                <a16:creationId xmlns:a16="http://schemas.microsoft.com/office/drawing/2014/main" id="{D498ADB7-680B-954F-DAAE-4638E7C2038C}"/>
+              </a:ext>
+            </a:extLst>
+          </p:cNvPr>
+          <p:cNvSpPr txBox="1">
+            <a:spLocks noGrp="1"/>
+          </p:cNvSpPr>
+          <p:nvPr>
+            <p:ph type="title"/>
+          </p:nvPr>
+        </p:nvSpPr>
+        <p:spPr/>
+        <p:txBody>
+          <a:bodyPr>
+            <a:normAutofit/>
+          </a:bodyPr>
+          <a:lstStyle/>
+          <a:p>
+            <a:pPr lvl="0">
+              <a:lnSpc>
+                <a:spcPct val="100000"/>
+              </a:lnSpc>
+            </a:pPr>
+            <a:r>
+              <a:rPr lang="en-GB" sz="5400" b="1" kern="0" dirty="0">
+                <a:solidFill>
+                  <a:srgbClr val="006388"/>
+                </a:solidFill>
+                <a:latin typeface="Fira Sans" pitchFamily="34"/>
+                <a:ea typeface="Fira Code" pitchFamily="49"/>
+              </a:rPr>
+              <a:t>Additional data</a:t>
+            </a:r>
+            <a:endParaRPr lang="en-GB" sz="1800" kern="0" dirty="0"/>
+          </a:p>
+        </p:txBody>
+      </p:sp>
+      <p:sp>
+        <p:nvSpPr>
+          <p:cNvPr id="13" name="Content Placeholder 2">
+            <a:extLst>
+              <a:ext uri="{FF2B5EF4-FFF2-40B4-BE49-F238E27FC236}">
+                <a16:creationId xmlns:a16="http://schemas.microsoft.com/office/drawing/2014/main" id="{28374D4B-315A-D7B8-E54F-9FB700C1EE00}"/>
+              </a:ext>
+            </a:extLst>
+          </p:cNvPr>
+          <p:cNvSpPr txBox="1">
+            <a:spLocks noGrp="1"/>
+          </p:cNvSpPr>
+          <p:nvPr>
+            <p:ph idx="1"/>
+          </p:nvPr>
+        </p:nvSpPr>
+        <p:spPr>
+          <a:xfrm>
+            <a:off x="838203" y="1825627"/>
+            <a:ext cx="10515600" cy="4667243"/>
+          </a:xfrm>
+        </p:spPr>
+        <p:txBody>
+          <a:bodyPr>
+            <a:normAutofit/>
+          </a:bodyPr>
+          <a:lstStyle/>
+          <a:p>
+            <a:pPr>
+              <a:lnSpc>
+                <a:spcPct val="100000"/>
+              </a:lnSpc>
+            </a:pPr>
+            <a:r>
+              <a:rPr lang="en-GB" sz="3200" dirty="0">
+                <a:solidFill>
+                  <a:srgbClr val="404040"/>
+                </a:solidFill>
+                <a:latin typeface="Fira Sans" pitchFamily="34"/>
+              </a:rPr>
+              <a:t>There are additional files to help with analysis</a:t>
+            </a:r>
+          </a:p>
+          <a:p>
+            <a:pPr>
+              <a:lnSpc>
+                <a:spcPct val="100000"/>
+              </a:lnSpc>
+            </a:pPr>
+            <a:r>
+              <a:rPr lang="en-GB" sz="3200" dirty="0">
+                <a:solidFill>
+                  <a:srgbClr val="404040"/>
+                </a:solidFill>
+                <a:latin typeface="Fira Sans" pitchFamily="34"/>
+              </a:rPr>
+              <a:t>Metadata &amp; supplementary data. Translation files, key/value files, lists of existing postal codes, and more.</a:t>
+            </a:r>
+          </a:p>
+          <a:p>
+            <a:pPr>
+              <a:lnSpc>
+                <a:spcPct val="100000"/>
+              </a:lnSpc>
+            </a:pPr>
+            <a:r>
+              <a:rPr lang="en-GB" sz="3200" dirty="0">
+                <a:solidFill>
+                  <a:srgbClr val="404040"/>
+                </a:solidFill>
+                <a:latin typeface="Fira Sans" pitchFamily="34"/>
+              </a:rPr>
+              <a:t>These reside in a different location (not G:/)</a:t>
+            </a:r>
+          </a:p>
+          <a:p>
+            <a:pPr>
+              <a:lnSpc>
+                <a:spcPct val="100000"/>
+              </a:lnSpc>
+            </a:pPr>
+            <a:r>
+              <a:rPr lang="en-GB" sz="3200" dirty="0">
+                <a:solidFill>
+                  <a:srgbClr val="404040"/>
+                </a:solidFill>
+                <a:latin typeface="Fira Sans" pitchFamily="34"/>
+              </a:rPr>
+              <a:t>This location has also changed in the past &amp; could change in the future too</a:t>
+            </a:r>
+          </a:p>
+          <a:p>
+            <a:pPr>
+              <a:lnSpc>
+                <a:spcPct val="100000"/>
+              </a:lnSpc>
+            </a:pPr>
+            <a:endParaRPr lang="en-GB" sz="3200" dirty="0">
+              <a:solidFill>
+                <a:srgbClr val="404040"/>
+              </a:solidFill>
+              <a:latin typeface="Fira Sans" pitchFamily="34"/>
+            </a:endParaRPr>
+          </a:p>
+          <a:p>
+            <a:pPr>
+              <a:lnSpc>
+                <a:spcPct val="100000"/>
+              </a:lnSpc>
+            </a:pPr>
+            <a:endParaRPr lang="en-GB" sz="3200" dirty="0">
+              <a:solidFill>
+                <a:srgbClr val="404040"/>
+              </a:solidFill>
+              <a:latin typeface="Fira Sans" pitchFamily="34"/>
+            </a:endParaRPr>
+          </a:p>
+        </p:txBody>
+      </p:sp>
+    </p:spTree>
+    <p:extLst>
+      <p:ext uri="{BB962C8B-B14F-4D97-AF65-F5344CB8AC3E}">
+        <p14:creationId xmlns:p14="http://schemas.microsoft.com/office/powerpoint/2010/main" val="316997872"/>
+      </p:ext>
+    </p:extLst>
+  </p:cSld>
+  <p:clrMapOvr>
+    <a:masterClrMapping/>
+  </p:clrMapOvr>
+</p:sld>
+</file>
+
+<file path=ppt/slides/slide12.xml><?xml version="1.0" encoding="utf-8"?>
+<p:sld xmlns:a="http://schemas.openxmlformats.org/drawingml/2006/main" xmlns:r="http://schemas.openxmlformats.org/officeDocument/2006/relationships" xmlns:p="http://schemas.openxmlformats.org/presentationml/2006/main">
+  <p:cSld>
+    <p:spTree>
+      <p:nvGrpSpPr>
+        <p:cNvPr id="1" name=""/>
+        <p:cNvGrpSpPr/>
+        <p:nvPr/>
+      </p:nvGrpSpPr>
+      <p:grpSpPr>
+        <a:xfrm>
+          <a:off x="0" y="0"/>
+          <a:ext cx="0" cy="0"/>
+          <a:chOff x="0" y="0"/>
+          <a:chExt cx="0" cy="0"/>
+        </a:xfrm>
+      </p:grpSpPr>
+      <p:sp>
+        <p:nvSpPr>
+          <p:cNvPr id="2" name="Title 1">
+            <a:extLst>
+              <a:ext uri="{FF2B5EF4-FFF2-40B4-BE49-F238E27FC236}">
+                <a16:creationId xmlns:a16="http://schemas.microsoft.com/office/drawing/2014/main" id="{D498ADB7-680B-954F-DAAE-4638E7C2038C}"/>
+              </a:ext>
+            </a:extLst>
+          </p:cNvPr>
+          <p:cNvSpPr txBox="1">
+            <a:spLocks noGrp="1"/>
+          </p:cNvSpPr>
+          <p:nvPr>
+            <p:ph type="title"/>
+          </p:nvPr>
+        </p:nvSpPr>
+        <p:spPr/>
+        <p:txBody>
+          <a:bodyPr>
+            <a:normAutofit/>
+          </a:bodyPr>
+          <a:lstStyle/>
+          <a:p>
+            <a:pPr lvl="0">
+              <a:lnSpc>
+                <a:spcPct val="100000"/>
+              </a:lnSpc>
+            </a:pPr>
+            <a:r>
+              <a:rPr lang="en-GB" sz="5400" b="1" kern="0" dirty="0">
+                <a:solidFill>
+                  <a:srgbClr val="006388"/>
+                </a:solidFill>
+                <a:latin typeface="Fira Sans" pitchFamily="34"/>
+                <a:ea typeface="Fira Code" pitchFamily="49"/>
+              </a:rPr>
+              <a:t>Imports/exports</a:t>
+            </a:r>
+            <a:endParaRPr lang="en-GB" sz="1800" kern="0" dirty="0"/>
+          </a:p>
+        </p:txBody>
+      </p:sp>
+      <p:sp>
+        <p:nvSpPr>
+          <p:cNvPr id="13" name="Content Placeholder 2">
+            <a:extLst>
+              <a:ext uri="{FF2B5EF4-FFF2-40B4-BE49-F238E27FC236}">
+                <a16:creationId xmlns:a16="http://schemas.microsoft.com/office/drawing/2014/main" id="{28374D4B-315A-D7B8-E54F-9FB700C1EE00}"/>
+              </a:ext>
+            </a:extLst>
+          </p:cNvPr>
+          <p:cNvSpPr txBox="1">
+            <a:spLocks noGrp="1"/>
+          </p:cNvSpPr>
+          <p:nvPr>
+            <p:ph idx="1"/>
+          </p:nvPr>
+        </p:nvSpPr>
+        <p:spPr>
+          <a:xfrm>
+            <a:off x="838203" y="1690689"/>
+            <a:ext cx="10515600" cy="4802182"/>
+          </a:xfrm>
+        </p:spPr>
+        <p:txBody>
+          <a:bodyPr>
+            <a:normAutofit fontScale="92500" lnSpcReduction="10000"/>
+          </a:bodyPr>
+          <a:lstStyle/>
+          <a:p>
+            <a:pPr marL="0" lvl="0" indent="0">
+              <a:lnSpc>
+                <a:spcPct val="110000"/>
+              </a:lnSpc>
+              <a:buNone/>
+            </a:pPr>
+            <a:r>
+              <a:rPr lang="en-GB" sz="3200" b="1" dirty="0">
+                <a:solidFill>
+                  <a:srgbClr val="404040"/>
+                </a:solidFill>
+                <a:latin typeface="Fira Sans" pitchFamily="34"/>
+              </a:rPr>
+              <a:t>Exporting analysis results is subject to output check</a:t>
+            </a:r>
+          </a:p>
+          <a:p>
+            <a:pPr>
+              <a:lnSpc>
+                <a:spcPct val="110000"/>
+              </a:lnSpc>
+            </a:pPr>
+            <a:r>
+              <a:rPr lang="en-GB" sz="3200" dirty="0">
+                <a:solidFill>
+                  <a:srgbClr val="404040"/>
+                </a:solidFill>
+                <a:latin typeface="Fira Sans" pitchFamily="34"/>
+              </a:rPr>
+              <a:t>Ensures our privacy</a:t>
+            </a:r>
+          </a:p>
+          <a:p>
+            <a:pPr>
+              <a:lnSpc>
+                <a:spcPct val="110000"/>
+              </a:lnSpc>
+            </a:pPr>
+            <a:r>
+              <a:rPr lang="en-GB" sz="3200" dirty="0">
+                <a:solidFill>
+                  <a:srgbClr val="404040"/>
+                </a:solidFill>
+                <a:latin typeface="Fira Sans" pitchFamily="34"/>
+              </a:rPr>
+              <a:t>This is manual labour, done by microdata team member</a:t>
+            </a:r>
+          </a:p>
+          <a:p>
+            <a:pPr lvl="0">
+              <a:lnSpc>
+                <a:spcPct val="110000"/>
+              </a:lnSpc>
+            </a:pPr>
+            <a:r>
+              <a:rPr lang="en-GB" sz="3200" dirty="0">
+                <a:solidFill>
+                  <a:srgbClr val="404040"/>
+                </a:solidFill>
+                <a:latin typeface="Fira Sans" pitchFamily="34"/>
+              </a:rPr>
+              <a:t>Each output costs time and money</a:t>
+            </a:r>
+          </a:p>
+          <a:p>
+            <a:pPr marL="0" lvl="0" indent="0">
+              <a:lnSpc>
+                <a:spcPct val="110000"/>
+              </a:lnSpc>
+              <a:buNone/>
+            </a:pPr>
+            <a:endParaRPr lang="en-GB" sz="3200" dirty="0">
+              <a:solidFill>
+                <a:srgbClr val="404040"/>
+              </a:solidFill>
+              <a:latin typeface="Fira Sans" pitchFamily="34"/>
+            </a:endParaRPr>
+          </a:p>
+          <a:p>
+            <a:pPr marL="0" lvl="0" indent="0">
+              <a:lnSpc>
+                <a:spcPct val="110000"/>
+              </a:lnSpc>
+              <a:buNone/>
+            </a:pPr>
+            <a:r>
+              <a:rPr lang="en-GB" sz="3200" b="1" dirty="0">
+                <a:solidFill>
+                  <a:srgbClr val="404040"/>
+                </a:solidFill>
+                <a:latin typeface="Fira Sans" pitchFamily="34"/>
+              </a:rPr>
+              <a:t>You can also import and export code files</a:t>
+            </a:r>
+          </a:p>
+          <a:p>
+            <a:pPr lvl="0">
+              <a:lnSpc>
+                <a:spcPct val="110000"/>
+              </a:lnSpc>
+            </a:pPr>
+            <a:r>
+              <a:rPr lang="en-GB" sz="3200" dirty="0">
+                <a:solidFill>
+                  <a:srgbClr val="404040"/>
+                </a:solidFill>
+                <a:latin typeface="Fira Sans" pitchFamily="34"/>
+              </a:rPr>
+              <a:t>This does not cost money!!</a:t>
+            </a:r>
+          </a:p>
+          <a:p>
+            <a:pPr lvl="0">
+              <a:lnSpc>
+                <a:spcPct val="110000"/>
+              </a:lnSpc>
+            </a:pPr>
+            <a:r>
+              <a:rPr lang="en-GB" sz="3200" dirty="0">
+                <a:solidFill>
+                  <a:srgbClr val="404040"/>
+                </a:solidFill>
+                <a:latin typeface="Fira Sans" pitchFamily="34"/>
+              </a:rPr>
+              <a:t>More on this later</a:t>
+            </a:r>
+          </a:p>
+          <a:p>
+            <a:pPr lvl="0">
+              <a:lnSpc>
+                <a:spcPct val="110000"/>
+              </a:lnSpc>
+            </a:pPr>
+            <a:endParaRPr lang="en-GB" sz="3200" dirty="0">
+              <a:solidFill>
+                <a:srgbClr val="404040"/>
+              </a:solidFill>
+              <a:latin typeface="Fira Sans" pitchFamily="34"/>
+            </a:endParaRPr>
+          </a:p>
+          <a:p>
+            <a:pPr lvl="0">
+              <a:lnSpc>
+                <a:spcPct val="110000"/>
+              </a:lnSpc>
+            </a:pPr>
+            <a:endParaRPr lang="en-GB" sz="3200" dirty="0">
+              <a:solidFill>
+                <a:srgbClr val="404040"/>
+              </a:solidFill>
+              <a:latin typeface="Fira Sans" pitchFamily="34"/>
+            </a:endParaRPr>
+          </a:p>
+        </p:txBody>
+      </p:sp>
+    </p:spTree>
+    <p:extLst>
+      <p:ext uri="{BB962C8B-B14F-4D97-AF65-F5344CB8AC3E}">
+        <p14:creationId xmlns:p14="http://schemas.microsoft.com/office/powerpoint/2010/main" val="4229071438"/>
+      </p:ext>
+    </p:extLst>
+  </p:cSld>
+  <p:clrMapOvr>
+    <a:masterClrMapping/>
+  </p:clrMapOvr>
+</p:sld>
+</file>
+
+<file path=ppt/slides/slide13.xml><?xml version="1.0" encoding="utf-8"?>
+<p:sld xmlns:a="http://schemas.openxmlformats.org/drawingml/2006/main" xmlns:r="http://schemas.openxmlformats.org/officeDocument/2006/relationships" xmlns:p="http://schemas.openxmlformats.org/presentationml/2006/main">
+  <p:cSld>
+    <p:spTree>
+      <p:nvGrpSpPr>
+        <p:cNvPr id="1" name=""/>
+        <p:cNvGrpSpPr/>
+        <p:nvPr/>
+      </p:nvGrpSpPr>
+      <p:grpSpPr>
+        <a:xfrm>
+          <a:off x="0" y="0"/>
+          <a:ext cx="0" cy="0"/>
+          <a:chOff x="0" y="0"/>
+          <a:chExt cx="0" cy="0"/>
+        </a:xfrm>
+      </p:grpSpPr>
+      <p:sp>
+        <p:nvSpPr>
+          <p:cNvPr id="2" name="Title 1">
+            <a:extLst>
+              <a:ext uri="{FF2B5EF4-FFF2-40B4-BE49-F238E27FC236}">
                 <a16:creationId xmlns:a16="http://schemas.microsoft.com/office/drawing/2014/main" id="{65DAE2F9-7A45-8BF9-85F7-4B246C81B481}"/>
               </a:ext>
             </a:extLst>
@@ -4637,7 +5350,7 @@
 </p:sld>
 </file>
 
-<file path=ppt/slides/slide11.xml><?xml version="1.0" encoding="utf-8"?>
+<file path=ppt/slides/slide14.xml><?xml version="1.0" encoding="utf-8"?>
 <p:sld xmlns:a="http://schemas.openxmlformats.org/drawingml/2006/main" xmlns:r="http://schemas.openxmlformats.org/officeDocument/2006/relationships" xmlns:p="http://schemas.openxmlformats.org/presentationml/2006/main">
   <p:cSld>
     <p:bg>
@@ -4762,7 +5475,7 @@
 </p:sld>
 </file>
 
-<file path=ppt/slides/slide12.xml><?xml version="1.0" encoding="utf-8"?>
+<file path=ppt/slides/slide15.xml><?xml version="1.0" encoding="utf-8"?>
 <p:sld xmlns:a="http://schemas.openxmlformats.org/drawingml/2006/main" xmlns:r="http://schemas.openxmlformats.org/officeDocument/2006/relationships" xmlns:p="http://schemas.openxmlformats.org/presentationml/2006/main">
   <p:cSld name="Slide38">
     <p:spTree>
@@ -5242,7 +5955,7 @@
 </p:sld>
 </file>
 
-<file path=ppt/slides/slide13.xml><?xml version="1.0" encoding="utf-8"?>
+<file path=ppt/slides/slide16.xml><?xml version="1.0" encoding="utf-8"?>
 <p:sld xmlns:a="http://schemas.openxmlformats.org/drawingml/2006/main" xmlns:r="http://schemas.openxmlformats.org/officeDocument/2006/relationships" xmlns:p="http://schemas.openxmlformats.org/presentationml/2006/main">
   <p:cSld name="Slide54">
     <p:spTree>
@@ -5889,7 +6602,7 @@
 </p:sld>
 </file>
 
-<file path=ppt/slides/slide14.xml><?xml version="1.0" encoding="utf-8"?>
+<file path=ppt/slides/slide17.xml><?xml version="1.0" encoding="utf-8"?>
 <p:sld xmlns:a="http://schemas.openxmlformats.org/drawingml/2006/main" xmlns:r="http://schemas.openxmlformats.org/officeDocument/2006/relationships" xmlns:p="http://schemas.openxmlformats.org/presentationml/2006/main">
   <p:cSld>
     <p:spTree>
@@ -6729,7 +7442,7 @@
 </p:sld>
 </file>
 
-<file path=ppt/slides/slide15.xml><?xml version="1.0" encoding="utf-8"?>
+<file path=ppt/slides/slide18.xml><?xml version="1.0" encoding="utf-8"?>
 <p:sld xmlns:a="http://schemas.openxmlformats.org/drawingml/2006/main" xmlns:r="http://schemas.openxmlformats.org/officeDocument/2006/relationships" xmlns:p="http://schemas.openxmlformats.org/presentationml/2006/main">
   <p:cSld>
     <p:spTree>
@@ -7736,7 +8449,7 @@
 </p:sld>
 </file>
 
-<file path=ppt/slides/slide16.xml><?xml version="1.0" encoding="utf-8"?>
+<file path=ppt/slides/slide19.xml><?xml version="1.0" encoding="utf-8"?>
 <p:sld xmlns:a="http://schemas.openxmlformats.org/drawingml/2006/main" xmlns:r="http://schemas.openxmlformats.org/officeDocument/2006/relationships" xmlns:p="http://schemas.openxmlformats.org/presentationml/2006/main">
   <p:cSld>
     <p:spTree>
@@ -8893,7 +9606,268 @@
 </p:sld>
 </file>
 
-<file path=ppt/slides/slide17.xml><?xml version="1.0" encoding="utf-8"?>
+<file path=ppt/slides/slide2.xml><?xml version="1.0" encoding="utf-8"?>
+<p:sld xmlns:a="http://schemas.openxmlformats.org/drawingml/2006/main" xmlns:r="http://schemas.openxmlformats.org/officeDocument/2006/relationships" xmlns:p="http://schemas.openxmlformats.org/presentationml/2006/main">
+  <p:cSld name="Slide6">
+    <p:spTree>
+      <p:nvGrpSpPr>
+        <p:cNvPr id="1" name=""/>
+        <p:cNvGrpSpPr/>
+        <p:nvPr/>
+      </p:nvGrpSpPr>
+      <p:grpSpPr>
+        <a:xfrm>
+          <a:off x="0" y="0"/>
+          <a:ext cx="0" cy="0"/>
+          <a:chOff x="0" y="0"/>
+          <a:chExt cx="0" cy="0"/>
+        </a:xfrm>
+      </p:grpSpPr>
+      <p:pic>
+        <p:nvPicPr>
+          <p:cNvPr id="6" name="Picture 5">
+            <a:extLst>
+              <a:ext uri="{FF2B5EF4-FFF2-40B4-BE49-F238E27FC236}">
+                <a16:creationId xmlns:a16="http://schemas.microsoft.com/office/drawing/2014/main" id="{4E48B03A-EA2A-E982-086B-840B7500D72B}"/>
+              </a:ext>
+            </a:extLst>
+          </p:cNvPr>
+          <p:cNvPicPr>
+            <a:picLocks noChangeAspect="1"/>
+          </p:cNvPicPr>
+          <p:nvPr/>
+        </p:nvPicPr>
+        <p:blipFill rotWithShape="1">
+          <a:blip r:embed="rId2"/>
+          <a:srcRect r="23915"/>
+          <a:stretch/>
+        </p:blipFill>
+        <p:spPr>
+          <a:xfrm>
+            <a:off x="3846147" y="0"/>
+            <a:ext cx="8293350" cy="6858000"/>
+          </a:xfrm>
+          <a:prstGeom prst="rect">
+            <a:avLst/>
+          </a:prstGeom>
+        </p:spPr>
+      </p:pic>
+      <p:sp>
+        <p:nvSpPr>
+          <p:cNvPr id="2" name="Title 1">
+            <a:extLst>
+              <a:ext uri="{FF2B5EF4-FFF2-40B4-BE49-F238E27FC236}">
+                <a16:creationId xmlns:a16="http://schemas.microsoft.com/office/drawing/2014/main" id="{D498ADB7-680B-954F-DAAE-4638E7C2038C}"/>
+              </a:ext>
+            </a:extLst>
+          </p:cNvPr>
+          <p:cNvSpPr txBox="1">
+            <a:spLocks noGrp="1"/>
+          </p:cNvSpPr>
+          <p:nvPr>
+            <p:ph type="title"/>
+          </p:nvPr>
+        </p:nvSpPr>
+        <p:spPr/>
+        <p:txBody>
+          <a:bodyPr/>
+          <a:lstStyle/>
+          <a:p>
+            <a:pPr lvl="0">
+              <a:lnSpc>
+                <a:spcPct val="100000"/>
+              </a:lnSpc>
+            </a:pPr>
+            <a:r>
+              <a:rPr lang="en-GB" sz="5400" b="1" kern="0" dirty="0">
+                <a:solidFill>
+                  <a:srgbClr val="006388"/>
+                </a:solidFill>
+                <a:latin typeface="Fira Sans" pitchFamily="34"/>
+                <a:ea typeface="Fira Code" pitchFamily="49"/>
+              </a:rPr>
+              <a:t>Webpage</a:t>
+            </a:r>
+            <a:endParaRPr lang="en-GB" sz="1800" kern="0" dirty="0"/>
+          </a:p>
+        </p:txBody>
+      </p:sp>
+      <p:sp>
+        <p:nvSpPr>
+          <p:cNvPr id="3" name="Content Placeholder 2">
+            <a:extLst>
+              <a:ext uri="{FF2B5EF4-FFF2-40B4-BE49-F238E27FC236}">
+                <a16:creationId xmlns:a16="http://schemas.microsoft.com/office/drawing/2014/main" id="{D1010590-C015-8AF6-DE6B-0E74807124E7}"/>
+              </a:ext>
+            </a:extLst>
+          </p:cNvPr>
+          <p:cNvSpPr txBox="1">
+            <a:spLocks noGrp="1"/>
+          </p:cNvSpPr>
+          <p:nvPr>
+            <p:ph idx="1"/>
+          </p:nvPr>
+        </p:nvSpPr>
+        <p:spPr>
+          <a:xfrm>
+            <a:off x="838203" y="1825627"/>
+            <a:ext cx="6766166" cy="4667243"/>
+          </a:xfrm>
+        </p:spPr>
+        <p:txBody>
+          <a:bodyPr>
+            <a:normAutofit/>
+          </a:bodyPr>
+          <a:lstStyle/>
+          <a:p>
+            <a:pPr marL="0" lvl="0" indent="0">
+              <a:lnSpc>
+                <a:spcPct val="110000"/>
+              </a:lnSpc>
+              <a:buNone/>
+            </a:pPr>
+            <a:r>
+              <a:rPr lang="en-GB" sz="3200" dirty="0">
+                <a:solidFill>
+                  <a:srgbClr val="404040"/>
+                </a:solidFill>
+                <a:latin typeface="Fira Sans" pitchFamily="34"/>
+                <a:hlinkClick r:id="rId3"/>
+              </a:rPr>
+              <a:t>https://is.gd/microdataworkshop</a:t>
+            </a:r>
+            <a:r>
+              <a:rPr lang="en-GB" sz="3200" dirty="0">
+                <a:solidFill>
+                  <a:srgbClr val="404040"/>
+                </a:solidFill>
+                <a:latin typeface="Fira Sans" pitchFamily="34"/>
+              </a:rPr>
+              <a:t> </a:t>
+            </a:r>
+          </a:p>
+          <a:p>
+            <a:pPr marL="0" lvl="0" indent="0">
+              <a:lnSpc>
+                <a:spcPct val="110000"/>
+              </a:lnSpc>
+              <a:buNone/>
+            </a:pPr>
+            <a:endParaRPr lang="en-GB" sz="3200" dirty="0">
+              <a:solidFill>
+                <a:srgbClr val="404040"/>
+              </a:solidFill>
+              <a:latin typeface="Fira Sans" pitchFamily="34"/>
+            </a:endParaRPr>
+          </a:p>
+          <a:p>
+            <a:pPr>
+              <a:lnSpc>
+                <a:spcPct val="110000"/>
+              </a:lnSpc>
+            </a:pPr>
+            <a:r>
+              <a:rPr lang="en-GB" sz="3200" dirty="0">
+                <a:solidFill>
+                  <a:srgbClr val="404040"/>
+                </a:solidFill>
+                <a:latin typeface="Fira Sans" pitchFamily="34"/>
+              </a:rPr>
+              <a:t>Go there now</a:t>
+            </a:r>
+          </a:p>
+          <a:p>
+            <a:pPr>
+              <a:lnSpc>
+                <a:spcPct val="110000"/>
+              </a:lnSpc>
+            </a:pPr>
+            <a:r>
+              <a:rPr lang="en-GB" sz="3200" dirty="0">
+                <a:solidFill>
+                  <a:srgbClr val="404040"/>
+                </a:solidFill>
+                <a:latin typeface="Fira Sans" pitchFamily="34"/>
+              </a:rPr>
+              <a:t>Download the materials</a:t>
+            </a:r>
+          </a:p>
+          <a:p>
+            <a:pPr>
+              <a:lnSpc>
+                <a:spcPct val="110000"/>
+              </a:lnSpc>
+            </a:pPr>
+            <a:r>
+              <a:rPr lang="en-GB" sz="3200" dirty="0">
+                <a:solidFill>
+                  <a:srgbClr val="404040"/>
+                </a:solidFill>
+                <a:latin typeface="Fira Sans" pitchFamily="34"/>
+              </a:rPr>
+              <a:t>Download the exercise data</a:t>
+            </a:r>
+          </a:p>
+          <a:p>
+            <a:pPr>
+              <a:lnSpc>
+                <a:spcPct val="110000"/>
+              </a:lnSpc>
+            </a:pPr>
+            <a:r>
+              <a:rPr lang="en-GB" sz="3200" dirty="0">
+                <a:solidFill>
+                  <a:srgbClr val="404040"/>
+                </a:solidFill>
+                <a:latin typeface="Fira Sans" pitchFamily="34"/>
+              </a:rPr>
+              <a:t>Pray we don’t crash </a:t>
+            </a:r>
+            <a:r>
+              <a:rPr lang="en-GB" sz="3200" dirty="0" err="1">
+                <a:solidFill>
+                  <a:srgbClr val="404040"/>
+                </a:solidFill>
+                <a:latin typeface="Fira Sans" pitchFamily="34"/>
+              </a:rPr>
+              <a:t>uu</a:t>
+            </a:r>
+            <a:r>
+              <a:rPr lang="en-GB" sz="3200" dirty="0">
+                <a:solidFill>
+                  <a:srgbClr val="404040"/>
+                </a:solidFill>
+                <a:latin typeface="Fira Sans" pitchFamily="34"/>
+              </a:rPr>
+              <a:t> </a:t>
+            </a:r>
+            <a:r>
+              <a:rPr lang="en-GB" sz="3200" dirty="0" err="1">
+                <a:solidFill>
+                  <a:srgbClr val="404040"/>
+                </a:solidFill>
+                <a:latin typeface="Fira Sans" pitchFamily="34"/>
+              </a:rPr>
+              <a:t>wifi</a:t>
+            </a:r>
+            <a:endParaRPr lang="en-GB" sz="3200" dirty="0">
+              <a:solidFill>
+                <a:srgbClr val="404040"/>
+              </a:solidFill>
+              <a:latin typeface="Fira Sans" pitchFamily="34"/>
+            </a:endParaRPr>
+          </a:p>
+        </p:txBody>
+      </p:sp>
+    </p:spTree>
+  </p:cSld>
+  <p:clrMapOvr>
+    <a:masterClrMapping/>
+  </p:clrMapOvr>
+</p:sld>
+</file>
+
+<file path=ppt/slides/slide20.xml><?xml version="1.0" encoding="utf-8"?>
 <p:sld xmlns:a="http://schemas.openxmlformats.org/drawingml/2006/main" xmlns:r="http://schemas.openxmlformats.org/officeDocument/2006/relationships" xmlns:p="http://schemas.openxmlformats.org/presentationml/2006/main">
   <p:cSld name="Slide60">
     <p:spTree>
@@ -9007,7 +9981,7 @@
 </p:sld>
 </file>
 
-<file path=ppt/slides/slide18.xml><?xml version="1.0" encoding="utf-8"?>
+<file path=ppt/slides/slide21.xml><?xml version="1.0" encoding="utf-8"?>
 <p:sld xmlns:a="http://schemas.openxmlformats.org/drawingml/2006/main" xmlns:r="http://schemas.openxmlformats.org/officeDocument/2006/relationships" xmlns:p="http://schemas.openxmlformats.org/presentationml/2006/main">
   <p:cSld>
     <p:bg>
@@ -9103,8 +10077,8 @@
             <a:chExt cx="1526040" cy="1676715"/>
           </a:xfrm>
         </p:grpSpPr>
-        <mc:AlternateContent xmlns:mc="http://schemas.openxmlformats.org/markup-compatibility/2006">
-          <mc:Choice xmlns:p14="http://schemas.microsoft.com/office/powerpoint/2010/main" Requires="p14">
+        <mc:AlternateContent xmlns:mc="http://schemas.openxmlformats.org/markup-compatibility/2006" xmlns:p14="http://schemas.microsoft.com/office/powerpoint/2010/main">
+          <mc:Choice Requires="p14">
             <p:contentPart p14:bwMode="auto" r:id="rId2">
               <p14:nvContentPartPr>
                 <p14:cNvPr id="10" name="Ink 9">
@@ -9123,7 +10097,7 @@
               </p14:xfrm>
             </p:contentPart>
           </mc:Choice>
-          <mc:Fallback>
+          <mc:Fallback xmlns="">
             <p:pic>
               <p:nvPicPr>
                 <p:cNvPr id="10" name="Ink 9">
@@ -9154,8 +10128,8 @@
             </p:pic>
           </mc:Fallback>
         </mc:AlternateContent>
-        <mc:AlternateContent xmlns:mc="http://schemas.openxmlformats.org/markup-compatibility/2006">
-          <mc:Choice xmlns:p14="http://schemas.microsoft.com/office/powerpoint/2010/main" Requires="p14">
+        <mc:AlternateContent xmlns:mc="http://schemas.openxmlformats.org/markup-compatibility/2006" xmlns:p14="http://schemas.microsoft.com/office/powerpoint/2010/main">
+          <mc:Choice Requires="p14">
             <p:contentPart p14:bwMode="auto" r:id="rId4">
               <p14:nvContentPartPr>
                 <p14:cNvPr id="11" name="Ink 10">
@@ -9174,7 +10148,7 @@
               </p14:xfrm>
             </p:contentPart>
           </mc:Choice>
-          <mc:Fallback>
+          <mc:Fallback xmlns="">
             <p:pic>
               <p:nvPicPr>
                 <p:cNvPr id="11" name="Ink 10">
@@ -9205,8 +10179,8 @@
             </p:pic>
           </mc:Fallback>
         </mc:AlternateContent>
-        <mc:AlternateContent xmlns:mc="http://schemas.openxmlformats.org/markup-compatibility/2006">
-          <mc:Choice xmlns:p14="http://schemas.microsoft.com/office/powerpoint/2010/main" Requires="p14">
+        <mc:AlternateContent xmlns:mc="http://schemas.openxmlformats.org/markup-compatibility/2006" xmlns:p14="http://schemas.microsoft.com/office/powerpoint/2010/main">
+          <mc:Choice Requires="p14">
             <p:contentPart p14:bwMode="auto" r:id="rId6">
               <p14:nvContentPartPr>
                 <p14:cNvPr id="15" name="Ink 14">
@@ -9225,7 +10199,7 @@
               </p14:xfrm>
             </p:contentPart>
           </mc:Choice>
-          <mc:Fallback>
+          <mc:Fallback xmlns="">
             <p:pic>
               <p:nvPicPr>
                 <p:cNvPr id="15" name="Ink 14">
@@ -9270,953 +10244,6 @@
 </p:sld>
 </file>
 
-<file path=ppt/slides/slide19.xml><?xml version="1.0" encoding="utf-8"?>
-<p:sld xmlns:a="http://schemas.openxmlformats.org/drawingml/2006/main" xmlns:r="http://schemas.openxmlformats.org/officeDocument/2006/relationships" xmlns:p="http://schemas.openxmlformats.org/presentationml/2006/main">
-  <p:cSld>
-    <p:spTree>
-      <p:nvGrpSpPr>
-        <p:cNvPr id="1" name=""/>
-        <p:cNvGrpSpPr/>
-        <p:nvPr/>
-      </p:nvGrpSpPr>
-      <p:grpSpPr>
-        <a:xfrm>
-          <a:off x="0" y="0"/>
-          <a:ext cx="0" cy="0"/>
-          <a:chOff x="0" y="0"/>
-          <a:chExt cx="0" cy="0"/>
-        </a:xfrm>
-      </p:grpSpPr>
-      <p:sp>
-        <p:nvSpPr>
-          <p:cNvPr id="2" name="Title 1">
-            <a:extLst>
-              <a:ext uri="{FF2B5EF4-FFF2-40B4-BE49-F238E27FC236}">
-                <a16:creationId xmlns:a16="http://schemas.microsoft.com/office/drawing/2014/main" id="{D498ADB7-680B-954F-DAAE-4638E7C2038C}"/>
-              </a:ext>
-            </a:extLst>
-          </p:cNvPr>
-          <p:cNvSpPr txBox="1">
-            <a:spLocks noGrp="1"/>
-          </p:cNvSpPr>
-          <p:nvPr>
-            <p:ph type="title"/>
-          </p:nvPr>
-        </p:nvSpPr>
-        <p:spPr/>
-        <p:txBody>
-          <a:bodyPr/>
-          <a:lstStyle/>
-          <a:p>
-            <a:pPr lvl="0">
-              <a:lnSpc>
-                <a:spcPct val="100000"/>
-              </a:lnSpc>
-            </a:pPr>
-            <a:r>
-              <a:rPr lang="en-GB" sz="5400" b="1" kern="0" dirty="0">
-                <a:solidFill>
-                  <a:srgbClr val="006388"/>
-                </a:solidFill>
-                <a:latin typeface="Fira Sans" pitchFamily="34"/>
-                <a:ea typeface="Fira Code" pitchFamily="49"/>
-              </a:rPr>
-              <a:t>Reproducibility</a:t>
-            </a:r>
-            <a:endParaRPr lang="en-GB" sz="1800" kern="0" dirty="0"/>
-          </a:p>
-        </p:txBody>
-      </p:sp>
-      <p:sp>
-        <p:nvSpPr>
-          <p:cNvPr id="3" name="Content Placeholder 2">
-            <a:extLst>
-              <a:ext uri="{FF2B5EF4-FFF2-40B4-BE49-F238E27FC236}">
-                <a16:creationId xmlns:a16="http://schemas.microsoft.com/office/drawing/2014/main" id="{D1010590-C015-8AF6-DE6B-0E74807124E7}"/>
-              </a:ext>
-            </a:extLst>
-          </p:cNvPr>
-          <p:cNvSpPr txBox="1">
-            <a:spLocks noGrp="1"/>
-          </p:cNvSpPr>
-          <p:nvPr>
-            <p:ph idx="1"/>
-          </p:nvPr>
-        </p:nvSpPr>
-        <p:spPr>
-          <a:xfrm>
-            <a:off x="838203" y="1825627"/>
-            <a:ext cx="10515600" cy="4667243"/>
-          </a:xfrm>
-        </p:spPr>
-        <p:txBody>
-          <a:bodyPr>
-            <a:normAutofit lnSpcReduction="10000"/>
-          </a:bodyPr>
-          <a:lstStyle/>
-          <a:p>
-            <a:pPr lvl="0">
-              <a:lnSpc>
-                <a:spcPct val="100000"/>
-              </a:lnSpc>
-            </a:pPr>
-            <a:r>
-              <a:rPr lang="en-GB" sz="3200" dirty="0">
-                <a:solidFill>
-                  <a:srgbClr val="404040"/>
-                </a:solidFill>
-                <a:latin typeface="Fira Sans" pitchFamily="34"/>
-              </a:rPr>
-              <a:t>After your project, export your structured code folder!</a:t>
-            </a:r>
-          </a:p>
-          <a:p>
-            <a:pPr lvl="0">
-              <a:lnSpc>
-                <a:spcPct val="100000"/>
-              </a:lnSpc>
-            </a:pPr>
-            <a:r>
-              <a:rPr lang="en-GB" sz="3200" dirty="0">
-                <a:solidFill>
-                  <a:srgbClr val="404040"/>
-                </a:solidFill>
-                <a:latin typeface="Fira Sans" pitchFamily="34"/>
-              </a:rPr>
-              <a:t>Double check your documentation</a:t>
-            </a:r>
-          </a:p>
-          <a:p>
-            <a:pPr lvl="0">
-              <a:lnSpc>
-                <a:spcPct val="100000"/>
-              </a:lnSpc>
-            </a:pPr>
-            <a:r>
-              <a:rPr lang="en-GB" sz="3200" dirty="0">
-                <a:solidFill>
-                  <a:srgbClr val="404040"/>
-                </a:solidFill>
-                <a:latin typeface="Fira Sans" pitchFamily="34"/>
-              </a:rPr>
-              <a:t>Create a DOI / archived version (OSF, </a:t>
-            </a:r>
-            <a:r>
-              <a:rPr lang="en-GB" sz="3200" dirty="0" err="1">
-                <a:solidFill>
-                  <a:srgbClr val="404040"/>
-                </a:solidFill>
-                <a:latin typeface="Fira Sans" pitchFamily="34"/>
-              </a:rPr>
-              <a:t>Zenodo</a:t>
-            </a:r>
-            <a:r>
-              <a:rPr lang="en-GB" sz="3200" dirty="0">
-                <a:solidFill>
-                  <a:srgbClr val="404040"/>
-                </a:solidFill>
-                <a:latin typeface="Fira Sans" pitchFamily="34"/>
-              </a:rPr>
-              <a:t>)</a:t>
-            </a:r>
-          </a:p>
-          <a:p>
-            <a:pPr>
-              <a:lnSpc>
-                <a:spcPct val="100000"/>
-              </a:lnSpc>
-            </a:pPr>
-            <a:r>
-              <a:rPr lang="en-GB" sz="3200" dirty="0">
-                <a:solidFill>
-                  <a:srgbClr val="404040"/>
-                </a:solidFill>
-                <a:latin typeface="Fira Sans" pitchFamily="34"/>
-                <a:hlinkClick r:id="rId2"/>
-              </a:rPr>
-              <a:t>https://odissei-soda.nl/tutorials/post-1/</a:t>
-            </a:r>
-            <a:r>
-              <a:rPr lang="en-GB" sz="3200" dirty="0">
-                <a:solidFill>
-                  <a:srgbClr val="404040"/>
-                </a:solidFill>
-                <a:latin typeface="Fira Sans" pitchFamily="34"/>
-                <a:sym typeface="Wingdings" panose="05000000000000000000" pitchFamily="2" charset="2"/>
-              </a:rPr>
-              <a:t> </a:t>
-            </a:r>
-            <a:endParaRPr lang="en-GB" sz="3200" dirty="0">
-              <a:solidFill>
-                <a:srgbClr val="404040"/>
-              </a:solidFill>
-              <a:latin typeface="Fira Sans" pitchFamily="34"/>
-            </a:endParaRPr>
-          </a:p>
-          <a:p>
-            <a:pPr lvl="0">
-              <a:lnSpc>
-                <a:spcPct val="100000"/>
-              </a:lnSpc>
-            </a:pPr>
-            <a:endParaRPr lang="en-GB" sz="3200" dirty="0">
-              <a:solidFill>
-                <a:srgbClr val="404040"/>
-              </a:solidFill>
-              <a:latin typeface="Fira Sans" pitchFamily="34"/>
-            </a:endParaRPr>
-          </a:p>
-          <a:p>
-            <a:pPr lvl="0">
-              <a:lnSpc>
-                <a:spcPct val="100000"/>
-              </a:lnSpc>
-            </a:pPr>
-            <a:r>
-              <a:rPr lang="en-GB" sz="3200" dirty="0">
-                <a:solidFill>
-                  <a:srgbClr val="404040"/>
-                </a:solidFill>
-                <a:latin typeface="Fira Sans" pitchFamily="34"/>
-              </a:rPr>
-              <a:t>This way, others can benefit from your work</a:t>
-            </a:r>
-          </a:p>
-          <a:p>
-            <a:pPr lvl="0">
-              <a:lnSpc>
-                <a:spcPct val="100000"/>
-              </a:lnSpc>
-            </a:pPr>
-            <a:r>
-              <a:rPr lang="en-GB" sz="3200" dirty="0">
-                <a:solidFill>
-                  <a:srgbClr val="404040"/>
-                </a:solidFill>
-                <a:latin typeface="Fira Sans" pitchFamily="34"/>
-              </a:rPr>
-              <a:t>Let ODISSEI know </a:t>
-            </a:r>
-            <a:r>
-              <a:rPr lang="en-GB" sz="3200" dirty="0">
-                <a:solidFill>
-                  <a:srgbClr val="404040"/>
-                </a:solidFill>
-                <a:latin typeface="Fira Sans" pitchFamily="34"/>
-                <a:sym typeface="Wingdings" panose="05000000000000000000" pitchFamily="2" charset="2"/>
-              </a:rPr>
-              <a:t> </a:t>
-            </a:r>
-          </a:p>
-          <a:p>
-            <a:pPr lvl="0">
-              <a:lnSpc>
-                <a:spcPct val="100000"/>
-              </a:lnSpc>
-            </a:pPr>
-            <a:r>
-              <a:rPr lang="en-GB" sz="3200" dirty="0">
-                <a:solidFill>
-                  <a:srgbClr val="404040"/>
-                </a:solidFill>
-                <a:latin typeface="Fira Sans" pitchFamily="34"/>
-                <a:sym typeface="Wingdings" panose="05000000000000000000" pitchFamily="2" charset="2"/>
-                <a:hlinkClick r:id="rId3"/>
-              </a:rPr>
-              <a:t>https://odissei-data.github.io/ODISSEI-code-library/</a:t>
-            </a:r>
-            <a:r>
-              <a:rPr lang="en-GB" sz="3200" dirty="0">
-                <a:solidFill>
-                  <a:srgbClr val="404040"/>
-                </a:solidFill>
-                <a:latin typeface="Fira Sans" pitchFamily="34"/>
-                <a:sym typeface="Wingdings" panose="05000000000000000000" pitchFamily="2" charset="2"/>
-              </a:rPr>
-              <a:t> </a:t>
-            </a:r>
-            <a:endParaRPr lang="en-GB" sz="3200" dirty="0">
-              <a:solidFill>
-                <a:srgbClr val="404040"/>
-              </a:solidFill>
-              <a:latin typeface="Fira Sans" pitchFamily="34"/>
-            </a:endParaRPr>
-          </a:p>
-        </p:txBody>
-      </p:sp>
-    </p:spTree>
-    <p:extLst>
-      <p:ext uri="{BB962C8B-B14F-4D97-AF65-F5344CB8AC3E}">
-        <p14:creationId xmlns:p14="http://schemas.microsoft.com/office/powerpoint/2010/main" val="3843530996"/>
-      </p:ext>
-    </p:extLst>
-  </p:cSld>
-  <p:clrMapOvr>
-    <a:masterClrMapping/>
-  </p:clrMapOvr>
-</p:sld>
-</file>
-
-<file path=ppt/slides/slide2.xml><?xml version="1.0" encoding="utf-8"?>
-<p:sld xmlns:a="http://schemas.openxmlformats.org/drawingml/2006/main" xmlns:r="http://schemas.openxmlformats.org/officeDocument/2006/relationships" xmlns:p="http://schemas.openxmlformats.org/presentationml/2006/main">
-  <p:cSld name="Slide6">
-    <p:spTree>
-      <p:nvGrpSpPr>
-        <p:cNvPr id="1" name=""/>
-        <p:cNvGrpSpPr/>
-        <p:nvPr/>
-      </p:nvGrpSpPr>
-      <p:grpSpPr>
-        <a:xfrm>
-          <a:off x="0" y="0"/>
-          <a:ext cx="0" cy="0"/>
-          <a:chOff x="0" y="0"/>
-          <a:chExt cx="0" cy="0"/>
-        </a:xfrm>
-      </p:grpSpPr>
-      <p:sp>
-        <p:nvSpPr>
-          <p:cNvPr id="2" name="Title 1">
-            <a:extLst>
-              <a:ext uri="{FF2B5EF4-FFF2-40B4-BE49-F238E27FC236}">
-                <a16:creationId xmlns:a16="http://schemas.microsoft.com/office/drawing/2014/main" id="{D498ADB7-680B-954F-DAAE-4638E7C2038C}"/>
-              </a:ext>
-            </a:extLst>
-          </p:cNvPr>
-          <p:cNvSpPr txBox="1">
-            <a:spLocks noGrp="1"/>
-          </p:cNvSpPr>
-          <p:nvPr>
-            <p:ph type="title"/>
-          </p:nvPr>
-        </p:nvSpPr>
-        <p:spPr/>
-        <p:txBody>
-          <a:bodyPr/>
-          <a:lstStyle/>
-          <a:p>
-            <a:pPr lvl="0">
-              <a:lnSpc>
-                <a:spcPct val="100000"/>
-              </a:lnSpc>
-            </a:pPr>
-            <a:r>
-              <a:rPr lang="en-GB" sz="5400" b="1" kern="0" dirty="0">
-                <a:solidFill>
-                  <a:srgbClr val="006388"/>
-                </a:solidFill>
-                <a:latin typeface="Fira Sans" pitchFamily="34"/>
-                <a:ea typeface="Fira Code" pitchFamily="49"/>
-              </a:rPr>
-              <a:t>Today</a:t>
-            </a:r>
-            <a:endParaRPr lang="en-GB" sz="1800" kern="0" dirty="0"/>
-          </a:p>
-        </p:txBody>
-      </p:sp>
-      <p:sp>
-        <p:nvSpPr>
-          <p:cNvPr id="3" name="Content Placeholder 2">
-            <a:extLst>
-              <a:ext uri="{FF2B5EF4-FFF2-40B4-BE49-F238E27FC236}">
-                <a16:creationId xmlns:a16="http://schemas.microsoft.com/office/drawing/2014/main" id="{D1010590-C015-8AF6-DE6B-0E74807124E7}"/>
-              </a:ext>
-            </a:extLst>
-          </p:cNvPr>
-          <p:cNvSpPr txBox="1">
-            <a:spLocks noGrp="1"/>
-          </p:cNvSpPr>
-          <p:nvPr>
-            <p:ph idx="1"/>
-          </p:nvPr>
-        </p:nvSpPr>
-        <p:spPr>
-          <a:xfrm>
-            <a:off x="838203" y="1825627"/>
-            <a:ext cx="5828321" cy="4667243"/>
-          </a:xfrm>
-        </p:spPr>
-        <p:txBody>
-          <a:bodyPr>
-            <a:normAutofit/>
-          </a:bodyPr>
-          <a:lstStyle/>
-          <a:p>
-            <a:pPr lvl="0"/>
-            <a:r>
-              <a:rPr lang="en-GB" sz="3200" dirty="0">
-                <a:solidFill>
-                  <a:srgbClr val="404040"/>
-                </a:solidFill>
-                <a:latin typeface="Fira Sans" pitchFamily="34"/>
-              </a:rPr>
-              <a:t>The CBS RA fundamentals</a:t>
-            </a:r>
-          </a:p>
-          <a:p>
-            <a:pPr lvl="0"/>
-            <a:r>
-              <a:rPr lang="en-GB" sz="3200" dirty="0">
-                <a:solidFill>
-                  <a:srgbClr val="404040"/>
-                </a:solidFill>
-                <a:latin typeface="Fira Sans" pitchFamily="34"/>
-              </a:rPr>
-              <a:t>Project structure &amp; reproducibility</a:t>
-            </a:r>
-          </a:p>
-          <a:p>
-            <a:pPr lvl="0"/>
-            <a:r>
-              <a:rPr lang="en-GB" sz="3200" dirty="0">
-                <a:solidFill>
-                  <a:srgbClr val="404040"/>
-                </a:solidFill>
-                <a:latin typeface="Fira Sans" pitchFamily="34"/>
-              </a:rPr>
-              <a:t>Efficient data handling</a:t>
-            </a:r>
-          </a:p>
-          <a:p>
-            <a:pPr lvl="1"/>
-            <a:r>
-              <a:rPr lang="en-GB" sz="2800" dirty="0">
-                <a:solidFill>
-                  <a:srgbClr val="404040"/>
-                </a:solidFill>
-                <a:latin typeface="Fira Sans" pitchFamily="34"/>
-              </a:rPr>
-              <a:t>Storage</a:t>
-            </a:r>
-          </a:p>
-          <a:p>
-            <a:pPr lvl="1"/>
-            <a:r>
-              <a:rPr lang="en-GB" sz="2800" dirty="0">
-                <a:solidFill>
-                  <a:srgbClr val="404040"/>
-                </a:solidFill>
-                <a:latin typeface="Fira Sans" pitchFamily="34"/>
-              </a:rPr>
-              <a:t>Memory</a:t>
-            </a:r>
-          </a:p>
-          <a:p>
-            <a:pPr marL="457200" lvl="1" indent="0">
-              <a:buNone/>
-            </a:pPr>
-            <a:endParaRPr lang="en-GB" sz="2800" dirty="0">
-              <a:solidFill>
-                <a:srgbClr val="404040"/>
-              </a:solidFill>
-              <a:latin typeface="Fira Sans" pitchFamily="34"/>
-            </a:endParaRPr>
-          </a:p>
-          <a:p>
-            <a:pPr lvl="0"/>
-            <a:r>
-              <a:rPr lang="en-GB" sz="3200" dirty="0">
-                <a:solidFill>
-                  <a:srgbClr val="404040"/>
-                </a:solidFill>
-                <a:latin typeface="Fira Sans" pitchFamily="34"/>
-              </a:rPr>
-              <a:t>Consultation &amp; exercise!</a:t>
-            </a:r>
-          </a:p>
-        </p:txBody>
-      </p:sp>
-      <p:pic>
-        <p:nvPicPr>
-          <p:cNvPr id="4" name="Picture 4" descr="A picture containing text&#10;&#10;Description automatically generated">
-            <a:extLst>
-              <a:ext uri="{FF2B5EF4-FFF2-40B4-BE49-F238E27FC236}">
-                <a16:creationId xmlns:a16="http://schemas.microsoft.com/office/drawing/2014/main" id="{577B5F0C-B07D-CB82-4E77-B12DF81106B3}"/>
-              </a:ext>
-            </a:extLst>
-          </p:cNvPr>
-          <p:cNvPicPr>
-            <a:picLocks noChangeAspect="1"/>
-          </p:cNvPicPr>
-          <p:nvPr/>
-        </p:nvPicPr>
-        <p:blipFill>
-          <a:blip r:embed="rId2"/>
-          <a:stretch>
-            <a:fillRect/>
-          </a:stretch>
-        </p:blipFill>
-        <p:spPr>
-          <a:xfrm>
-            <a:off x="6532437" y="1690689"/>
-            <a:ext cx="4944455" cy="4421694"/>
-          </a:xfrm>
-          <a:prstGeom prst="rect">
-            <a:avLst/>
-          </a:prstGeom>
-          <a:noFill/>
-          <a:ln cap="flat">
-            <a:noFill/>
-          </a:ln>
-        </p:spPr>
-      </p:pic>
-    </p:spTree>
-  </p:cSld>
-  <p:clrMapOvr>
-    <a:masterClrMapping/>
-  </p:clrMapOvr>
-</p:sld>
-</file>
-
-<file path=ppt/slides/slide20.xml><?xml version="1.0" encoding="utf-8"?>
-<p:sld xmlns:a="http://schemas.openxmlformats.org/drawingml/2006/main" xmlns:r="http://schemas.openxmlformats.org/officeDocument/2006/relationships" xmlns:p="http://schemas.openxmlformats.org/presentationml/2006/main">
-  <p:cSld>
-    <p:spTree>
-      <p:nvGrpSpPr>
-        <p:cNvPr id="1" name=""/>
-        <p:cNvGrpSpPr/>
-        <p:nvPr/>
-      </p:nvGrpSpPr>
-      <p:grpSpPr>
-        <a:xfrm>
-          <a:off x="0" y="0"/>
-          <a:ext cx="0" cy="0"/>
-          <a:chOff x="0" y="0"/>
-          <a:chExt cx="0" cy="0"/>
-        </a:xfrm>
-      </p:grpSpPr>
-      <p:sp>
-        <p:nvSpPr>
-          <p:cNvPr id="2" name="Title 1">
-            <a:extLst>
-              <a:ext uri="{FF2B5EF4-FFF2-40B4-BE49-F238E27FC236}">
-                <a16:creationId xmlns:a16="http://schemas.microsoft.com/office/drawing/2014/main" id="{D498ADB7-680B-954F-DAAE-4638E7C2038C}"/>
-              </a:ext>
-            </a:extLst>
-          </p:cNvPr>
-          <p:cNvSpPr txBox="1">
-            <a:spLocks noGrp="1"/>
-          </p:cNvSpPr>
-          <p:nvPr>
-            <p:ph type="title"/>
-          </p:nvPr>
-        </p:nvSpPr>
-        <p:spPr/>
-        <p:txBody>
-          <a:bodyPr/>
-          <a:lstStyle/>
-          <a:p>
-            <a:pPr lvl="0">
-              <a:lnSpc>
-                <a:spcPct val="100000"/>
-              </a:lnSpc>
-            </a:pPr>
-            <a:r>
-              <a:rPr lang="en-GB" sz="5400" b="1" kern="0" dirty="0">
-                <a:solidFill>
-                  <a:srgbClr val="006388"/>
-                </a:solidFill>
-                <a:latin typeface="Fira Sans" pitchFamily="34"/>
-                <a:ea typeface="Fira Code" pitchFamily="49"/>
-              </a:rPr>
-              <a:t>Reproducibility</a:t>
-            </a:r>
-            <a:endParaRPr lang="en-GB" sz="1800" kern="0" dirty="0"/>
-          </a:p>
-        </p:txBody>
-      </p:sp>
-      <p:sp>
-        <p:nvSpPr>
-          <p:cNvPr id="3" name="Content Placeholder 2">
-            <a:extLst>
-              <a:ext uri="{FF2B5EF4-FFF2-40B4-BE49-F238E27FC236}">
-                <a16:creationId xmlns:a16="http://schemas.microsoft.com/office/drawing/2014/main" id="{D1010590-C015-8AF6-DE6B-0E74807124E7}"/>
-              </a:ext>
-            </a:extLst>
-          </p:cNvPr>
-          <p:cNvSpPr txBox="1">
-            <a:spLocks noGrp="1"/>
-          </p:cNvSpPr>
-          <p:nvPr>
-            <p:ph idx="1"/>
-          </p:nvPr>
-        </p:nvSpPr>
-        <p:spPr>
-          <a:xfrm>
-            <a:off x="838203" y="1825627"/>
-            <a:ext cx="10515600" cy="4667243"/>
-          </a:xfrm>
-        </p:spPr>
-        <p:txBody>
-          <a:bodyPr>
-            <a:normAutofit/>
-          </a:bodyPr>
-          <a:lstStyle/>
-          <a:p>
-            <a:pPr marL="0" lvl="0" indent="0">
-              <a:lnSpc>
-                <a:spcPct val="100000"/>
-              </a:lnSpc>
-              <a:buNone/>
-            </a:pPr>
-            <a:r>
-              <a:rPr lang="en-GB" sz="3200" b="1" dirty="0">
-                <a:solidFill>
-                  <a:srgbClr val="404040"/>
-                </a:solidFill>
-                <a:latin typeface="Fira Sans" pitchFamily="34"/>
-              </a:rPr>
-              <a:t>You cannot export data; create synthetic data</a:t>
-            </a:r>
-          </a:p>
-          <a:p>
-            <a:pPr lvl="0">
-              <a:lnSpc>
-                <a:spcPct val="100000"/>
-              </a:lnSpc>
-            </a:pPr>
-            <a:r>
-              <a:rPr lang="en-GB" sz="3200" dirty="0">
-                <a:solidFill>
-                  <a:srgbClr val="404040"/>
-                </a:solidFill>
-                <a:latin typeface="Fira Sans" pitchFamily="34"/>
-              </a:rPr>
-              <a:t>Create “fake” version of input data outside the RA</a:t>
-            </a:r>
-          </a:p>
-          <a:p>
-            <a:pPr lvl="0">
-              <a:lnSpc>
-                <a:spcPct val="100000"/>
-              </a:lnSpc>
-            </a:pPr>
-            <a:r>
-              <a:rPr lang="en-GB" sz="3200" dirty="0">
-                <a:solidFill>
-                  <a:srgbClr val="404040"/>
-                </a:solidFill>
-                <a:latin typeface="Fira Sans" pitchFamily="34"/>
-              </a:rPr>
-              <a:t>You can do this with a script</a:t>
-            </a:r>
-          </a:p>
-          <a:p>
-            <a:pPr lvl="0">
-              <a:lnSpc>
-                <a:spcPct val="100000"/>
-              </a:lnSpc>
-            </a:pPr>
-            <a:r>
-              <a:rPr lang="en-GB" sz="3200" dirty="0">
-                <a:solidFill>
-                  <a:srgbClr val="404040"/>
-                </a:solidFill>
-                <a:latin typeface="Fira Sans" pitchFamily="34"/>
-              </a:rPr>
-              <a:t>Don’t do this for all input tables (too much work!)</a:t>
-            </a:r>
-          </a:p>
-          <a:p>
-            <a:pPr lvl="0">
-              <a:lnSpc>
-                <a:spcPct val="100000"/>
-              </a:lnSpc>
-            </a:pPr>
-            <a:r>
-              <a:rPr lang="en-GB" sz="3200" dirty="0">
-                <a:solidFill>
-                  <a:srgbClr val="404040"/>
-                </a:solidFill>
-                <a:latin typeface="Fira Sans" pitchFamily="34"/>
-              </a:rPr>
-              <a:t>Do this for the intermediate processed table</a:t>
-            </a:r>
-          </a:p>
-          <a:p>
-            <a:pPr marL="0" lvl="0" indent="0">
-              <a:lnSpc>
-                <a:spcPct val="100000"/>
-              </a:lnSpc>
-              <a:buNone/>
-            </a:pPr>
-            <a:endParaRPr lang="en-GB" sz="3200" dirty="0">
-              <a:solidFill>
-                <a:srgbClr val="404040"/>
-              </a:solidFill>
-              <a:latin typeface="Fira Sans" pitchFamily="34"/>
-            </a:endParaRPr>
-          </a:p>
-          <a:p>
-            <a:pPr marL="0" lvl="0" indent="0">
-              <a:lnSpc>
-                <a:spcPct val="100000"/>
-              </a:lnSpc>
-              <a:buNone/>
-            </a:pPr>
-            <a:r>
-              <a:rPr lang="en-GB" sz="3200" b="1" i="1" dirty="0">
-                <a:solidFill>
-                  <a:srgbClr val="404040"/>
-                </a:solidFill>
-                <a:latin typeface="Fira Sans" pitchFamily="34"/>
-              </a:rPr>
-              <a:t>Computational reproducibility</a:t>
-            </a:r>
-          </a:p>
-        </p:txBody>
-      </p:sp>
-    </p:spTree>
-    <p:extLst>
-      <p:ext uri="{BB962C8B-B14F-4D97-AF65-F5344CB8AC3E}">
-        <p14:creationId xmlns:p14="http://schemas.microsoft.com/office/powerpoint/2010/main" val="660940050"/>
-      </p:ext>
-    </p:extLst>
-  </p:cSld>
-  <p:clrMapOvr>
-    <a:masterClrMapping/>
-  </p:clrMapOvr>
-</p:sld>
-</file>
-
-<file path=ppt/slides/slide21.xml><?xml version="1.0" encoding="utf-8"?>
-<p:sld xmlns:a="http://schemas.openxmlformats.org/drawingml/2006/main" xmlns:r="http://schemas.openxmlformats.org/officeDocument/2006/relationships" xmlns:p="http://schemas.openxmlformats.org/presentationml/2006/main">
-  <p:cSld>
-    <p:spTree>
-      <p:nvGrpSpPr>
-        <p:cNvPr id="1" name=""/>
-        <p:cNvGrpSpPr/>
-        <p:nvPr/>
-      </p:nvGrpSpPr>
-      <p:grpSpPr>
-        <a:xfrm>
-          <a:off x="0" y="0"/>
-          <a:ext cx="0" cy="0"/>
-          <a:chOff x="0" y="0"/>
-          <a:chExt cx="0" cy="0"/>
-        </a:xfrm>
-      </p:grpSpPr>
-      <p:sp>
-        <p:nvSpPr>
-          <p:cNvPr id="2" name="Title 1">
-            <a:extLst>
-              <a:ext uri="{FF2B5EF4-FFF2-40B4-BE49-F238E27FC236}">
-                <a16:creationId xmlns:a16="http://schemas.microsoft.com/office/drawing/2014/main" id="{D498ADB7-680B-954F-DAAE-4638E7C2038C}"/>
-              </a:ext>
-            </a:extLst>
-          </p:cNvPr>
-          <p:cNvSpPr txBox="1">
-            <a:spLocks noGrp="1"/>
-          </p:cNvSpPr>
-          <p:nvPr>
-            <p:ph type="title"/>
-          </p:nvPr>
-        </p:nvSpPr>
-        <p:spPr/>
-        <p:txBody>
-          <a:bodyPr/>
-          <a:lstStyle/>
-          <a:p>
-            <a:pPr lvl="0">
-              <a:lnSpc>
-                <a:spcPct val="100000"/>
-              </a:lnSpc>
-            </a:pPr>
-            <a:r>
-              <a:rPr lang="en-GB" sz="5400" b="1" kern="0" dirty="0">
-                <a:solidFill>
-                  <a:srgbClr val="006388"/>
-                </a:solidFill>
-                <a:latin typeface="Fira Sans" pitchFamily="34"/>
-                <a:ea typeface="Fira Code" pitchFamily="49"/>
-              </a:rPr>
-              <a:t>Offline workflow example</a:t>
-            </a:r>
-            <a:endParaRPr lang="en-GB" sz="1800" kern="0" dirty="0"/>
-          </a:p>
-        </p:txBody>
-      </p:sp>
-      <p:sp>
-        <p:nvSpPr>
-          <p:cNvPr id="3" name="Content Placeholder 2">
-            <a:extLst>
-              <a:ext uri="{FF2B5EF4-FFF2-40B4-BE49-F238E27FC236}">
-                <a16:creationId xmlns:a16="http://schemas.microsoft.com/office/drawing/2014/main" id="{D1010590-C015-8AF6-DE6B-0E74807124E7}"/>
-              </a:ext>
-            </a:extLst>
-          </p:cNvPr>
-          <p:cNvSpPr txBox="1">
-            <a:spLocks noGrp="1"/>
-          </p:cNvSpPr>
-          <p:nvPr>
-            <p:ph idx="1"/>
-          </p:nvPr>
-        </p:nvSpPr>
-        <p:spPr>
-          <a:xfrm>
-            <a:off x="838203" y="1825627"/>
-            <a:ext cx="10515600" cy="4667243"/>
-          </a:xfrm>
-        </p:spPr>
-        <p:txBody>
-          <a:bodyPr>
-            <a:normAutofit fontScale="92500"/>
-          </a:bodyPr>
-          <a:lstStyle/>
-          <a:p>
-            <a:pPr marL="0" indent="0">
-              <a:lnSpc>
-                <a:spcPct val="100000"/>
-              </a:lnSpc>
-              <a:buNone/>
-            </a:pPr>
-            <a:r>
-              <a:rPr lang="en-GB" sz="3200" b="1" dirty="0">
-                <a:solidFill>
-                  <a:srgbClr val="404040"/>
-                </a:solidFill>
-                <a:latin typeface="Fira Sans" pitchFamily="34"/>
-              </a:rPr>
-              <a:t>You might want to go a step further with version control</a:t>
-            </a:r>
-          </a:p>
-          <a:p>
-            <a:pPr marL="514350" indent="-514350">
-              <a:lnSpc>
-                <a:spcPct val="100000"/>
-              </a:lnSpc>
-              <a:buFont typeface="+mj-lt"/>
-              <a:buAutoNum type="arabicPeriod"/>
-            </a:pPr>
-            <a:r>
-              <a:rPr lang="en-GB" sz="3200" dirty="0">
-                <a:solidFill>
-                  <a:srgbClr val="404040"/>
-                </a:solidFill>
-                <a:latin typeface="Fira Sans" pitchFamily="34"/>
-              </a:rPr>
-              <a:t>Develop preprocessing &amp; analysis on GitHub</a:t>
-            </a:r>
-          </a:p>
-          <a:p>
-            <a:pPr marL="514350" indent="-514350">
-              <a:lnSpc>
-                <a:spcPct val="100000"/>
-              </a:lnSpc>
-              <a:buFont typeface="+mj-lt"/>
-              <a:buAutoNum type="arabicPeriod"/>
-            </a:pPr>
-            <a:r>
-              <a:rPr lang="en-GB" sz="3200" dirty="0">
-                <a:solidFill>
-                  <a:srgbClr val="404040"/>
-                </a:solidFill>
-                <a:latin typeface="Fira Sans" pitchFamily="34"/>
-              </a:rPr>
-              <a:t>Upload to CBS RA</a:t>
-            </a:r>
-          </a:p>
-          <a:p>
-            <a:pPr marL="514350" indent="-514350">
-              <a:lnSpc>
-                <a:spcPct val="100000"/>
-              </a:lnSpc>
-              <a:buFont typeface="+mj-lt"/>
-              <a:buAutoNum type="arabicPeriod"/>
-            </a:pPr>
-            <a:r>
-              <a:rPr lang="en-GB" sz="3200" dirty="0">
-                <a:solidFill>
-                  <a:srgbClr val="404040"/>
-                </a:solidFill>
-                <a:latin typeface="Fira Sans" pitchFamily="34"/>
-              </a:rPr>
-              <a:t>Do some small code fixes there to make it run</a:t>
-            </a:r>
-          </a:p>
-          <a:p>
-            <a:pPr marL="514350" indent="-514350">
-              <a:lnSpc>
-                <a:spcPct val="100000"/>
-              </a:lnSpc>
-              <a:buFont typeface="+mj-lt"/>
-              <a:buAutoNum type="arabicPeriod"/>
-            </a:pPr>
-            <a:r>
-              <a:rPr lang="en-GB" sz="3200" dirty="0">
-                <a:solidFill>
-                  <a:srgbClr val="404040"/>
-                </a:solidFill>
-                <a:latin typeface="Fira Sans" pitchFamily="34"/>
-              </a:rPr>
-              <a:t>Run once, export results</a:t>
-            </a:r>
-          </a:p>
-          <a:p>
-            <a:pPr marL="514350" indent="-514350">
-              <a:lnSpc>
-                <a:spcPct val="100000"/>
-              </a:lnSpc>
-              <a:buFont typeface="+mj-lt"/>
-              <a:buAutoNum type="arabicPeriod"/>
-            </a:pPr>
-            <a:r>
-              <a:rPr lang="en-GB" sz="3200" dirty="0">
-                <a:solidFill>
-                  <a:srgbClr val="404040"/>
-                </a:solidFill>
-                <a:latin typeface="Fira Sans" pitchFamily="34"/>
-              </a:rPr>
-              <a:t>Export code from CBS, update GitHub repository</a:t>
-            </a:r>
-          </a:p>
-          <a:p>
-            <a:pPr marL="514350" indent="-514350">
-              <a:lnSpc>
-                <a:spcPct val="100000"/>
-              </a:lnSpc>
-              <a:buFont typeface="+mj-lt"/>
-              <a:buAutoNum type="arabicPeriod"/>
-            </a:pPr>
-            <a:endParaRPr lang="en-GB" sz="3200" dirty="0">
-              <a:solidFill>
-                <a:srgbClr val="404040"/>
-              </a:solidFill>
-              <a:latin typeface="Fira Sans" pitchFamily="34"/>
-            </a:endParaRPr>
-          </a:p>
-          <a:p>
-            <a:pPr marL="0" indent="0">
-              <a:lnSpc>
-                <a:spcPct val="100000"/>
-              </a:lnSpc>
-              <a:buNone/>
-            </a:pPr>
-            <a:r>
-              <a:rPr lang="en-GB" sz="3200" dirty="0">
-                <a:solidFill>
-                  <a:srgbClr val="404040"/>
-                </a:solidFill>
-                <a:latin typeface="Fira Sans" pitchFamily="34"/>
-              </a:rPr>
-              <a:t>Recommended for complex / multi-collaborator projects</a:t>
-            </a:r>
-          </a:p>
-        </p:txBody>
-      </p:sp>
-    </p:spTree>
-    <p:extLst>
-      <p:ext uri="{BB962C8B-B14F-4D97-AF65-F5344CB8AC3E}">
-        <p14:creationId xmlns:p14="http://schemas.microsoft.com/office/powerpoint/2010/main" val="1134524916"/>
-      </p:ext>
-    </p:extLst>
-  </p:cSld>
-  <p:clrMapOvr>
-    <a:masterClrMapping/>
-  </p:clrMapOvr>
-</p:sld>
-</file>
-
 <file path=ppt/slides/slide22.xml><?xml version="1.0" encoding="utf-8"?>
 <p:sld xmlns:a="http://schemas.openxmlformats.org/drawingml/2006/main" xmlns:r="http://schemas.openxmlformats.org/officeDocument/2006/relationships" xmlns:p="http://schemas.openxmlformats.org/presentationml/2006/main">
   <p:cSld>
@@ -10268,130 +10295,233 @@
                 <a:latin typeface="Fira Sans" pitchFamily="34"/>
                 <a:ea typeface="Fira Code" pitchFamily="49"/>
               </a:rPr>
-              <a:t>Offline workflow example</a:t>
+              <a:t>Reproducibility</a:t>
             </a:r>
             <a:endParaRPr lang="en-GB" sz="1800" kern="0" dirty="0"/>
           </a:p>
         </p:txBody>
       </p:sp>
-      <p:pic>
-        <p:nvPicPr>
-          <p:cNvPr id="9" name="Picture 8" descr="A white folder and hexagons on a black background&#10;&#10;Description automatically generated">
+      <p:sp>
+        <p:nvSpPr>
+          <p:cNvPr id="3" name="Content Placeholder 2">
             <a:extLst>
               <a:ext uri="{FF2B5EF4-FFF2-40B4-BE49-F238E27FC236}">
-                <a16:creationId xmlns:a16="http://schemas.microsoft.com/office/drawing/2014/main" id="{61838756-4646-23E1-B2AD-31CE5E3BA8C1}"/>
+                <a16:creationId xmlns:a16="http://schemas.microsoft.com/office/drawing/2014/main" id="{D1010590-C015-8AF6-DE6B-0E74807124E7}"/>
               </a:ext>
             </a:extLst>
           </p:cNvPr>
-          <p:cNvPicPr>
-            <a:picLocks noChangeAspect="1"/>
-          </p:cNvPicPr>
-          <p:nvPr/>
-        </p:nvPicPr>
-        <p:blipFill>
-          <a:blip r:embed="rId2">
-            <a:extLst>
-              <a:ext uri="{28A0092B-C50C-407E-A947-70E740481C1C}">
-                <a14:useLocalDpi xmlns:a14="http://schemas.microsoft.com/office/drawing/2010/main" val="0"/>
-              </a:ext>
-            </a:extLst>
-          </a:blip>
-          <a:stretch>
-            <a:fillRect/>
-          </a:stretch>
-        </p:blipFill>
+          <p:cNvSpPr txBox="1">
+            <a:spLocks noGrp="1"/>
+          </p:cNvSpPr>
+          <p:nvPr>
+            <p:ph idx="1"/>
+          </p:nvPr>
+        </p:nvSpPr>
         <p:spPr>
           <a:xfrm>
-            <a:off x="0" y="317500"/>
-            <a:ext cx="12192000" cy="6858000"/>
+            <a:off x="838203" y="1825627"/>
+            <a:ext cx="10515600" cy="4667243"/>
           </a:xfrm>
-          <a:prstGeom prst="rect">
-            <a:avLst/>
-          </a:prstGeom>
         </p:spPr>
-      </p:pic>
-      <p:pic>
-        <p:nvPicPr>
-          <p:cNvPr id="11" name="Graphic 10">
-            <a:extLst>
-              <a:ext uri="{FF2B5EF4-FFF2-40B4-BE49-F238E27FC236}">
-                <a16:creationId xmlns:a16="http://schemas.microsoft.com/office/drawing/2014/main" id="{E3F60A19-F4DE-BEE3-9E39-9505E1779837}"/>
-              </a:ext>
-            </a:extLst>
-          </p:cNvPr>
-          <p:cNvPicPr>
-            <a:picLocks noChangeAspect="1"/>
-          </p:cNvPicPr>
-          <p:nvPr/>
-        </p:nvPicPr>
-        <p:blipFill>
-          <a:blip r:embed="rId3">
-            <a:extLst>
-              <a:ext uri="{28A0092B-C50C-407E-A947-70E740481C1C}">
-                <a14:useLocalDpi xmlns:a14="http://schemas.microsoft.com/office/drawing/2010/main" val="0"/>
-              </a:ext>
-              <a:ext uri="{96DAC541-7B7A-43D3-8B79-37D633B846F1}">
-                <asvg:svgBlip xmlns:asvg="http://schemas.microsoft.com/office/drawing/2016/SVG/main" r:embed="rId4"/>
-              </a:ext>
-            </a:extLst>
-          </a:blip>
-          <a:stretch>
-            <a:fillRect/>
-          </a:stretch>
-        </p:blipFill>
-        <p:spPr>
-          <a:xfrm>
-            <a:off x="4165600" y="3373276"/>
-            <a:ext cx="762000" cy="746448"/>
-          </a:xfrm>
-          <a:prstGeom prst="rect">
-            <a:avLst/>
-          </a:prstGeom>
-        </p:spPr>
-      </p:pic>
-      <p:pic>
-        <p:nvPicPr>
-          <p:cNvPr id="12" name="Graphic 11">
-            <a:extLst>
-              <a:ext uri="{FF2B5EF4-FFF2-40B4-BE49-F238E27FC236}">
-                <a16:creationId xmlns:a16="http://schemas.microsoft.com/office/drawing/2014/main" id="{1A8AD33C-DEBD-9690-9750-DF0C08D5C7B1}"/>
-              </a:ext>
-            </a:extLst>
-          </p:cNvPr>
-          <p:cNvPicPr>
-            <a:picLocks noChangeAspect="1"/>
-          </p:cNvPicPr>
-          <p:nvPr/>
-        </p:nvPicPr>
-        <p:blipFill>
-          <a:blip r:embed="rId3">
-            <a:extLst>
-              <a:ext uri="{28A0092B-C50C-407E-A947-70E740481C1C}">
-                <a14:useLocalDpi xmlns:a14="http://schemas.microsoft.com/office/drawing/2010/main" val="0"/>
-              </a:ext>
-              <a:ext uri="{96DAC541-7B7A-43D3-8B79-37D633B846F1}">
-                <asvg:svgBlip xmlns:asvg="http://schemas.microsoft.com/office/drawing/2016/SVG/main" r:embed="rId4"/>
-              </a:ext>
-            </a:extLst>
-          </a:blip>
-          <a:stretch>
-            <a:fillRect/>
-          </a:stretch>
-        </p:blipFill>
-        <p:spPr>
-          <a:xfrm>
-            <a:off x="8001000" y="3373276"/>
-            <a:ext cx="762000" cy="746448"/>
-          </a:xfrm>
-          <a:prstGeom prst="rect">
-            <a:avLst/>
-          </a:prstGeom>
-        </p:spPr>
-      </p:pic>
+        <p:txBody>
+          <a:bodyPr>
+            <a:normAutofit lnSpcReduction="10000"/>
+          </a:bodyPr>
+          <a:lstStyle/>
+          <a:p>
+            <a:pPr lvl="0">
+              <a:lnSpc>
+                <a:spcPct val="100000"/>
+              </a:lnSpc>
+            </a:pPr>
+            <a:r>
+              <a:rPr lang="en-GB" sz="3200" dirty="0">
+                <a:solidFill>
+                  <a:srgbClr val="404040"/>
+                </a:solidFill>
+                <a:latin typeface="Fira Sans" pitchFamily="34"/>
+              </a:rPr>
+              <a:t>After your project, export your structured code folder!</a:t>
+            </a:r>
+          </a:p>
+          <a:p>
+            <a:pPr lvl="0">
+              <a:lnSpc>
+                <a:spcPct val="100000"/>
+              </a:lnSpc>
+            </a:pPr>
+            <a:r>
+              <a:rPr lang="en-GB" sz="3200" dirty="0">
+                <a:solidFill>
+                  <a:srgbClr val="404040"/>
+                </a:solidFill>
+                <a:latin typeface="Fira Sans" pitchFamily="34"/>
+              </a:rPr>
+              <a:t>Double check your documentation</a:t>
+            </a:r>
+          </a:p>
+          <a:p>
+            <a:pPr lvl="0">
+              <a:lnSpc>
+                <a:spcPct val="100000"/>
+              </a:lnSpc>
+            </a:pPr>
+            <a:r>
+              <a:rPr lang="en-GB" sz="3200" dirty="0">
+                <a:solidFill>
+                  <a:srgbClr val="404040"/>
+                </a:solidFill>
+                <a:latin typeface="Fira Sans" pitchFamily="34"/>
+              </a:rPr>
+              <a:t>Create a DOI / archived version (OSF, </a:t>
+            </a:r>
+            <a:r>
+              <a:rPr lang="en-GB" sz="3200" dirty="0" err="1">
+                <a:solidFill>
+                  <a:srgbClr val="404040"/>
+                </a:solidFill>
+                <a:latin typeface="Fira Sans" pitchFamily="34"/>
+              </a:rPr>
+              <a:t>Zenodo</a:t>
+            </a:r>
+            <a:r>
+              <a:rPr lang="en-GB" sz="3200" dirty="0">
+                <a:solidFill>
+                  <a:srgbClr val="404040"/>
+                </a:solidFill>
+                <a:latin typeface="Fira Sans" pitchFamily="34"/>
+              </a:rPr>
+              <a:t>)</a:t>
+            </a:r>
+          </a:p>
+          <a:p>
+            <a:pPr>
+              <a:lnSpc>
+                <a:spcPct val="100000"/>
+              </a:lnSpc>
+            </a:pPr>
+            <a:r>
+              <a:rPr lang="en-GB" sz="3200" dirty="0">
+                <a:solidFill>
+                  <a:srgbClr val="404040"/>
+                </a:solidFill>
+                <a:latin typeface="Fira Sans" pitchFamily="34"/>
+                <a:hlinkClick r:id="rId2"/>
+              </a:rPr>
+              <a:t>https://odissei-soda.nl/tutorials/post-1/</a:t>
+            </a:r>
+            <a:r>
+              <a:rPr lang="en-GB" sz="3200" dirty="0">
+                <a:solidFill>
+                  <a:srgbClr val="404040"/>
+                </a:solidFill>
+                <a:latin typeface="Fira Sans" pitchFamily="34"/>
+                <a:sym typeface="Wingdings" panose="05000000000000000000" pitchFamily="2" charset="2"/>
+              </a:rPr>
+              <a:t> </a:t>
+            </a:r>
+            <a:endParaRPr lang="en-GB" sz="3200" dirty="0">
+              <a:solidFill>
+                <a:srgbClr val="404040"/>
+              </a:solidFill>
+              <a:latin typeface="Fira Sans" pitchFamily="34"/>
+            </a:endParaRPr>
+          </a:p>
+          <a:p>
+            <a:pPr lvl="0">
+              <a:lnSpc>
+                <a:spcPct val="100000"/>
+              </a:lnSpc>
+            </a:pPr>
+            <a:endParaRPr lang="en-GB" sz="3200" dirty="0">
+              <a:solidFill>
+                <a:srgbClr val="404040"/>
+              </a:solidFill>
+              <a:latin typeface="Fira Sans" pitchFamily="34"/>
+            </a:endParaRPr>
+          </a:p>
+          <a:p>
+            <a:pPr lvl="0">
+              <a:lnSpc>
+                <a:spcPct val="100000"/>
+              </a:lnSpc>
+            </a:pPr>
+            <a:r>
+              <a:rPr lang="en-GB" sz="3200" dirty="0">
+                <a:solidFill>
+                  <a:srgbClr val="404040"/>
+                </a:solidFill>
+                <a:latin typeface="Fira Sans" pitchFamily="34"/>
+              </a:rPr>
+              <a:t>This way, others can benefit from your work</a:t>
+            </a:r>
+          </a:p>
+          <a:p>
+            <a:pPr lvl="0">
+              <a:lnSpc>
+                <a:spcPct val="100000"/>
+              </a:lnSpc>
+            </a:pPr>
+            <a:r>
+              <a:rPr lang="en-GB" sz="3200" dirty="0">
+                <a:solidFill>
+                  <a:srgbClr val="404040"/>
+                </a:solidFill>
+                <a:latin typeface="Fira Sans" pitchFamily="34"/>
+              </a:rPr>
+              <a:t>Let ODISSEI know </a:t>
+            </a:r>
+            <a:r>
+              <a:rPr lang="en-GB" sz="3200" dirty="0">
+                <a:solidFill>
+                  <a:srgbClr val="404040"/>
+                </a:solidFill>
+                <a:latin typeface="Fira Sans" pitchFamily="34"/>
+                <a:sym typeface="Wingdings" panose="05000000000000000000" pitchFamily="2" charset="2"/>
+              </a:rPr>
+              <a:t> </a:t>
+            </a:r>
+          </a:p>
+          <a:p>
+            <a:pPr lvl="0">
+              <a:lnSpc>
+                <a:spcPct val="100000"/>
+              </a:lnSpc>
+            </a:pPr>
+            <a:r>
+              <a:rPr lang="en-GB" sz="3200" dirty="0">
+                <a:solidFill>
+                  <a:srgbClr val="404040"/>
+                </a:solidFill>
+                <a:latin typeface="Fira Sans" pitchFamily="34"/>
+                <a:sym typeface="Wingdings" panose="05000000000000000000" pitchFamily="2" charset="2"/>
+                <a:hlinkClick r:id="rId3"/>
+              </a:rPr>
+              <a:t>https://odissei-data.github.io/ODISSEI-code-library/</a:t>
+            </a:r>
+            <a:r>
+              <a:rPr lang="en-GB" sz="3200" dirty="0">
+                <a:solidFill>
+                  <a:srgbClr val="404040"/>
+                </a:solidFill>
+                <a:latin typeface="Fira Sans" pitchFamily="34"/>
+                <a:sym typeface="Wingdings" panose="05000000000000000000" pitchFamily="2" charset="2"/>
+              </a:rPr>
+              <a:t> </a:t>
+            </a:r>
+            <a:endParaRPr lang="en-GB" sz="3200" dirty="0">
+              <a:solidFill>
+                <a:srgbClr val="404040"/>
+              </a:solidFill>
+              <a:latin typeface="Fira Sans" pitchFamily="34"/>
+            </a:endParaRPr>
+          </a:p>
+        </p:txBody>
+      </p:sp>
     </p:spTree>
     <p:extLst>
       <p:ext uri="{BB962C8B-B14F-4D97-AF65-F5344CB8AC3E}">
-        <p14:creationId xmlns:p14="http://schemas.microsoft.com/office/powerpoint/2010/main" val="4270113615"/>
+        <p14:creationId xmlns:p14="http://schemas.microsoft.com/office/powerpoint/2010/main" val="3843530996"/>
       </p:ext>
     </p:extLst>
   </p:cSld>
@@ -10452,7 +10582,7 @@
                 <a:latin typeface="Fira Sans" pitchFamily="34"/>
                 <a:ea typeface="Fira Code" pitchFamily="49"/>
               </a:rPr>
-              <a:t>Offline workflow example</a:t>
+              <a:t>Reproducibility</a:t>
             </a:r>
             <a:endParaRPr lang="en-GB" sz="1800" kern="0" dirty="0"/>
           </a:p>
@@ -10486,6 +10616,639 @@
           </a:bodyPr>
           <a:lstStyle/>
           <a:p>
+            <a:pPr marL="0" lvl="0" indent="0">
+              <a:lnSpc>
+                <a:spcPct val="100000"/>
+              </a:lnSpc>
+              <a:buNone/>
+            </a:pPr>
+            <a:r>
+              <a:rPr lang="en-GB" sz="3200" b="1" dirty="0">
+                <a:solidFill>
+                  <a:srgbClr val="404040"/>
+                </a:solidFill>
+                <a:latin typeface="Fira Sans" pitchFamily="34"/>
+              </a:rPr>
+              <a:t>You cannot export data; create synthetic data</a:t>
+            </a:r>
+          </a:p>
+          <a:p>
+            <a:pPr lvl="0">
+              <a:lnSpc>
+                <a:spcPct val="100000"/>
+              </a:lnSpc>
+            </a:pPr>
+            <a:r>
+              <a:rPr lang="en-GB" sz="3200" dirty="0">
+                <a:solidFill>
+                  <a:srgbClr val="404040"/>
+                </a:solidFill>
+                <a:latin typeface="Fira Sans" pitchFamily="34"/>
+              </a:rPr>
+              <a:t>Create “fake” version of input data outside the RA</a:t>
+            </a:r>
+          </a:p>
+          <a:p>
+            <a:pPr lvl="0">
+              <a:lnSpc>
+                <a:spcPct val="100000"/>
+              </a:lnSpc>
+            </a:pPr>
+            <a:r>
+              <a:rPr lang="en-GB" sz="3200" dirty="0">
+                <a:solidFill>
+                  <a:srgbClr val="404040"/>
+                </a:solidFill>
+                <a:latin typeface="Fira Sans" pitchFamily="34"/>
+              </a:rPr>
+              <a:t>You can do this with a script</a:t>
+            </a:r>
+          </a:p>
+          <a:p>
+            <a:pPr lvl="0">
+              <a:lnSpc>
+                <a:spcPct val="100000"/>
+              </a:lnSpc>
+            </a:pPr>
+            <a:r>
+              <a:rPr lang="en-GB" sz="3200" dirty="0">
+                <a:solidFill>
+                  <a:srgbClr val="404040"/>
+                </a:solidFill>
+                <a:latin typeface="Fira Sans" pitchFamily="34"/>
+              </a:rPr>
+              <a:t>Don’t do this for all input tables (too much work!)</a:t>
+            </a:r>
+          </a:p>
+          <a:p>
+            <a:pPr lvl="0">
+              <a:lnSpc>
+                <a:spcPct val="100000"/>
+              </a:lnSpc>
+            </a:pPr>
+            <a:r>
+              <a:rPr lang="en-GB" sz="3200" dirty="0">
+                <a:solidFill>
+                  <a:srgbClr val="404040"/>
+                </a:solidFill>
+                <a:latin typeface="Fira Sans" pitchFamily="34"/>
+              </a:rPr>
+              <a:t>Do this for the intermediate processed table</a:t>
+            </a:r>
+          </a:p>
+          <a:p>
+            <a:pPr marL="0" lvl="0" indent="0">
+              <a:lnSpc>
+                <a:spcPct val="100000"/>
+              </a:lnSpc>
+              <a:buNone/>
+            </a:pPr>
+            <a:endParaRPr lang="en-GB" sz="3200" dirty="0">
+              <a:solidFill>
+                <a:srgbClr val="404040"/>
+              </a:solidFill>
+              <a:latin typeface="Fira Sans" pitchFamily="34"/>
+            </a:endParaRPr>
+          </a:p>
+          <a:p>
+            <a:pPr marL="0" lvl="0" indent="0">
+              <a:lnSpc>
+                <a:spcPct val="100000"/>
+              </a:lnSpc>
+              <a:buNone/>
+            </a:pPr>
+            <a:r>
+              <a:rPr lang="en-GB" sz="3200" b="1" i="1" dirty="0">
+                <a:solidFill>
+                  <a:srgbClr val="404040"/>
+                </a:solidFill>
+                <a:latin typeface="Fira Sans" pitchFamily="34"/>
+              </a:rPr>
+              <a:t>Computational reproducibility</a:t>
+            </a:r>
+          </a:p>
+        </p:txBody>
+      </p:sp>
+    </p:spTree>
+    <p:extLst>
+      <p:ext uri="{BB962C8B-B14F-4D97-AF65-F5344CB8AC3E}">
+        <p14:creationId xmlns:p14="http://schemas.microsoft.com/office/powerpoint/2010/main" val="660940050"/>
+      </p:ext>
+    </p:extLst>
+  </p:cSld>
+  <p:clrMapOvr>
+    <a:masterClrMapping/>
+  </p:clrMapOvr>
+</p:sld>
+</file>
+
+<file path=ppt/slides/slide24.xml><?xml version="1.0" encoding="utf-8"?>
+<p:sld xmlns:a="http://schemas.openxmlformats.org/drawingml/2006/main" xmlns:r="http://schemas.openxmlformats.org/officeDocument/2006/relationships" xmlns:p="http://schemas.openxmlformats.org/presentationml/2006/main">
+  <p:cSld>
+    <p:spTree>
+      <p:nvGrpSpPr>
+        <p:cNvPr id="1" name=""/>
+        <p:cNvGrpSpPr/>
+        <p:nvPr/>
+      </p:nvGrpSpPr>
+      <p:grpSpPr>
+        <a:xfrm>
+          <a:off x="0" y="0"/>
+          <a:ext cx="0" cy="0"/>
+          <a:chOff x="0" y="0"/>
+          <a:chExt cx="0" cy="0"/>
+        </a:xfrm>
+      </p:grpSpPr>
+      <p:sp>
+        <p:nvSpPr>
+          <p:cNvPr id="2" name="Title 1">
+            <a:extLst>
+              <a:ext uri="{FF2B5EF4-FFF2-40B4-BE49-F238E27FC236}">
+                <a16:creationId xmlns:a16="http://schemas.microsoft.com/office/drawing/2014/main" id="{D498ADB7-680B-954F-DAAE-4638E7C2038C}"/>
+              </a:ext>
+            </a:extLst>
+          </p:cNvPr>
+          <p:cNvSpPr txBox="1">
+            <a:spLocks noGrp="1"/>
+          </p:cNvSpPr>
+          <p:nvPr>
+            <p:ph type="title"/>
+          </p:nvPr>
+        </p:nvSpPr>
+        <p:spPr/>
+        <p:txBody>
+          <a:bodyPr/>
+          <a:lstStyle/>
+          <a:p>
+            <a:pPr lvl="0">
+              <a:lnSpc>
+                <a:spcPct val="100000"/>
+              </a:lnSpc>
+            </a:pPr>
+            <a:r>
+              <a:rPr lang="en-GB" sz="5400" b="1" kern="0" dirty="0">
+                <a:solidFill>
+                  <a:srgbClr val="006388"/>
+                </a:solidFill>
+                <a:latin typeface="Fira Sans" pitchFamily="34"/>
+                <a:ea typeface="Fira Code" pitchFamily="49"/>
+              </a:rPr>
+              <a:t>Offline workflow example</a:t>
+            </a:r>
+            <a:endParaRPr lang="en-GB" sz="1800" kern="0" dirty="0"/>
+          </a:p>
+        </p:txBody>
+      </p:sp>
+      <p:sp>
+        <p:nvSpPr>
+          <p:cNvPr id="3" name="Content Placeholder 2">
+            <a:extLst>
+              <a:ext uri="{FF2B5EF4-FFF2-40B4-BE49-F238E27FC236}">
+                <a16:creationId xmlns:a16="http://schemas.microsoft.com/office/drawing/2014/main" id="{D1010590-C015-8AF6-DE6B-0E74807124E7}"/>
+              </a:ext>
+            </a:extLst>
+          </p:cNvPr>
+          <p:cNvSpPr txBox="1">
+            <a:spLocks noGrp="1"/>
+          </p:cNvSpPr>
+          <p:nvPr>
+            <p:ph idx="1"/>
+          </p:nvPr>
+        </p:nvSpPr>
+        <p:spPr>
+          <a:xfrm>
+            <a:off x="838203" y="1825627"/>
+            <a:ext cx="10515600" cy="4667243"/>
+          </a:xfrm>
+        </p:spPr>
+        <p:txBody>
+          <a:bodyPr>
+            <a:normAutofit fontScale="92500"/>
+          </a:bodyPr>
+          <a:lstStyle/>
+          <a:p>
+            <a:pPr marL="0" indent="0">
+              <a:lnSpc>
+                <a:spcPct val="100000"/>
+              </a:lnSpc>
+              <a:buNone/>
+            </a:pPr>
+            <a:r>
+              <a:rPr lang="en-GB" sz="3200" b="1" dirty="0">
+                <a:solidFill>
+                  <a:srgbClr val="404040"/>
+                </a:solidFill>
+                <a:latin typeface="Fira Sans" pitchFamily="34"/>
+              </a:rPr>
+              <a:t>You might want to go a step further with version control</a:t>
+            </a:r>
+          </a:p>
+          <a:p>
+            <a:pPr marL="514350" indent="-514350">
+              <a:lnSpc>
+                <a:spcPct val="100000"/>
+              </a:lnSpc>
+              <a:buFont typeface="+mj-lt"/>
+              <a:buAutoNum type="arabicPeriod"/>
+            </a:pPr>
+            <a:r>
+              <a:rPr lang="en-GB" sz="3200" dirty="0">
+                <a:solidFill>
+                  <a:srgbClr val="404040"/>
+                </a:solidFill>
+                <a:latin typeface="Fira Sans" pitchFamily="34"/>
+              </a:rPr>
+              <a:t>Develop preprocessing &amp; analysis on GitHub</a:t>
+            </a:r>
+          </a:p>
+          <a:p>
+            <a:pPr marL="514350" indent="-514350">
+              <a:lnSpc>
+                <a:spcPct val="100000"/>
+              </a:lnSpc>
+              <a:buFont typeface="+mj-lt"/>
+              <a:buAutoNum type="arabicPeriod"/>
+            </a:pPr>
+            <a:r>
+              <a:rPr lang="en-GB" sz="3200" dirty="0">
+                <a:solidFill>
+                  <a:srgbClr val="404040"/>
+                </a:solidFill>
+                <a:latin typeface="Fira Sans" pitchFamily="34"/>
+              </a:rPr>
+              <a:t>Upload to CBS RA</a:t>
+            </a:r>
+          </a:p>
+          <a:p>
+            <a:pPr marL="514350" indent="-514350">
+              <a:lnSpc>
+                <a:spcPct val="100000"/>
+              </a:lnSpc>
+              <a:buFont typeface="+mj-lt"/>
+              <a:buAutoNum type="arabicPeriod"/>
+            </a:pPr>
+            <a:r>
+              <a:rPr lang="en-GB" sz="3200" dirty="0">
+                <a:solidFill>
+                  <a:srgbClr val="404040"/>
+                </a:solidFill>
+                <a:latin typeface="Fira Sans" pitchFamily="34"/>
+              </a:rPr>
+              <a:t>Do some small code fixes there to make it run</a:t>
+            </a:r>
+          </a:p>
+          <a:p>
+            <a:pPr marL="514350" indent="-514350">
+              <a:lnSpc>
+                <a:spcPct val="100000"/>
+              </a:lnSpc>
+              <a:buFont typeface="+mj-lt"/>
+              <a:buAutoNum type="arabicPeriod"/>
+            </a:pPr>
+            <a:r>
+              <a:rPr lang="en-GB" sz="3200" dirty="0">
+                <a:solidFill>
+                  <a:srgbClr val="404040"/>
+                </a:solidFill>
+                <a:latin typeface="Fira Sans" pitchFamily="34"/>
+              </a:rPr>
+              <a:t>Run once, export results</a:t>
+            </a:r>
+          </a:p>
+          <a:p>
+            <a:pPr marL="514350" indent="-514350">
+              <a:lnSpc>
+                <a:spcPct val="100000"/>
+              </a:lnSpc>
+              <a:buFont typeface="+mj-lt"/>
+              <a:buAutoNum type="arabicPeriod"/>
+            </a:pPr>
+            <a:r>
+              <a:rPr lang="en-GB" sz="3200" dirty="0">
+                <a:solidFill>
+                  <a:srgbClr val="404040"/>
+                </a:solidFill>
+                <a:latin typeface="Fira Sans" pitchFamily="34"/>
+              </a:rPr>
+              <a:t>Export code from CBS, update GitHub repository</a:t>
+            </a:r>
+          </a:p>
+          <a:p>
+            <a:pPr marL="514350" indent="-514350">
+              <a:lnSpc>
+                <a:spcPct val="100000"/>
+              </a:lnSpc>
+              <a:buFont typeface="+mj-lt"/>
+              <a:buAutoNum type="arabicPeriod"/>
+            </a:pPr>
+            <a:endParaRPr lang="en-GB" sz="3200" dirty="0">
+              <a:solidFill>
+                <a:srgbClr val="404040"/>
+              </a:solidFill>
+              <a:latin typeface="Fira Sans" pitchFamily="34"/>
+            </a:endParaRPr>
+          </a:p>
+          <a:p>
+            <a:pPr marL="0" indent="0">
+              <a:lnSpc>
+                <a:spcPct val="100000"/>
+              </a:lnSpc>
+              <a:buNone/>
+            </a:pPr>
+            <a:r>
+              <a:rPr lang="en-GB" sz="3200" dirty="0">
+                <a:solidFill>
+                  <a:srgbClr val="404040"/>
+                </a:solidFill>
+                <a:latin typeface="Fira Sans" pitchFamily="34"/>
+              </a:rPr>
+              <a:t>Recommended for complex / multi-collaborator projects</a:t>
+            </a:r>
+          </a:p>
+        </p:txBody>
+      </p:sp>
+    </p:spTree>
+    <p:extLst>
+      <p:ext uri="{BB962C8B-B14F-4D97-AF65-F5344CB8AC3E}">
+        <p14:creationId xmlns:p14="http://schemas.microsoft.com/office/powerpoint/2010/main" val="1134524916"/>
+      </p:ext>
+    </p:extLst>
+  </p:cSld>
+  <p:clrMapOvr>
+    <a:masterClrMapping/>
+  </p:clrMapOvr>
+</p:sld>
+</file>
+
+<file path=ppt/slides/slide25.xml><?xml version="1.0" encoding="utf-8"?>
+<p:sld xmlns:a="http://schemas.openxmlformats.org/drawingml/2006/main" xmlns:r="http://schemas.openxmlformats.org/officeDocument/2006/relationships" xmlns:p="http://schemas.openxmlformats.org/presentationml/2006/main">
+  <p:cSld>
+    <p:spTree>
+      <p:nvGrpSpPr>
+        <p:cNvPr id="1" name=""/>
+        <p:cNvGrpSpPr/>
+        <p:nvPr/>
+      </p:nvGrpSpPr>
+      <p:grpSpPr>
+        <a:xfrm>
+          <a:off x="0" y="0"/>
+          <a:ext cx="0" cy="0"/>
+          <a:chOff x="0" y="0"/>
+          <a:chExt cx="0" cy="0"/>
+        </a:xfrm>
+      </p:grpSpPr>
+      <p:sp>
+        <p:nvSpPr>
+          <p:cNvPr id="2" name="Title 1">
+            <a:extLst>
+              <a:ext uri="{FF2B5EF4-FFF2-40B4-BE49-F238E27FC236}">
+                <a16:creationId xmlns:a16="http://schemas.microsoft.com/office/drawing/2014/main" id="{D498ADB7-680B-954F-DAAE-4638E7C2038C}"/>
+              </a:ext>
+            </a:extLst>
+          </p:cNvPr>
+          <p:cNvSpPr txBox="1">
+            <a:spLocks noGrp="1"/>
+          </p:cNvSpPr>
+          <p:nvPr>
+            <p:ph type="title"/>
+          </p:nvPr>
+        </p:nvSpPr>
+        <p:spPr/>
+        <p:txBody>
+          <a:bodyPr/>
+          <a:lstStyle/>
+          <a:p>
+            <a:pPr lvl="0">
+              <a:lnSpc>
+                <a:spcPct val="100000"/>
+              </a:lnSpc>
+            </a:pPr>
+            <a:r>
+              <a:rPr lang="en-GB" sz="5400" b="1" kern="0" dirty="0">
+                <a:solidFill>
+                  <a:srgbClr val="006388"/>
+                </a:solidFill>
+                <a:latin typeface="Fira Sans" pitchFamily="34"/>
+                <a:ea typeface="Fira Code" pitchFamily="49"/>
+              </a:rPr>
+              <a:t>Offline workflow example</a:t>
+            </a:r>
+            <a:endParaRPr lang="en-GB" sz="1800" kern="0" dirty="0"/>
+          </a:p>
+        </p:txBody>
+      </p:sp>
+      <p:pic>
+        <p:nvPicPr>
+          <p:cNvPr id="9" name="Picture 8" descr="A white folder and hexagons on a black background&#10;&#10;Description automatically generated">
+            <a:extLst>
+              <a:ext uri="{FF2B5EF4-FFF2-40B4-BE49-F238E27FC236}">
+                <a16:creationId xmlns:a16="http://schemas.microsoft.com/office/drawing/2014/main" id="{61838756-4646-23E1-B2AD-31CE5E3BA8C1}"/>
+              </a:ext>
+            </a:extLst>
+          </p:cNvPr>
+          <p:cNvPicPr>
+            <a:picLocks noChangeAspect="1"/>
+          </p:cNvPicPr>
+          <p:nvPr/>
+        </p:nvPicPr>
+        <p:blipFill>
+          <a:blip r:embed="rId2">
+            <a:extLst>
+              <a:ext uri="{28A0092B-C50C-407E-A947-70E740481C1C}">
+                <a14:useLocalDpi xmlns:a14="http://schemas.microsoft.com/office/drawing/2010/main" val="0"/>
+              </a:ext>
+            </a:extLst>
+          </a:blip>
+          <a:stretch>
+            <a:fillRect/>
+          </a:stretch>
+        </p:blipFill>
+        <p:spPr>
+          <a:xfrm>
+            <a:off x="0" y="317500"/>
+            <a:ext cx="12192000" cy="6858000"/>
+          </a:xfrm>
+          <a:prstGeom prst="rect">
+            <a:avLst/>
+          </a:prstGeom>
+        </p:spPr>
+      </p:pic>
+      <p:pic>
+        <p:nvPicPr>
+          <p:cNvPr id="11" name="Graphic 10">
+            <a:extLst>
+              <a:ext uri="{FF2B5EF4-FFF2-40B4-BE49-F238E27FC236}">
+                <a16:creationId xmlns:a16="http://schemas.microsoft.com/office/drawing/2014/main" id="{E3F60A19-F4DE-BEE3-9E39-9505E1779837}"/>
+              </a:ext>
+            </a:extLst>
+          </p:cNvPr>
+          <p:cNvPicPr>
+            <a:picLocks noChangeAspect="1"/>
+          </p:cNvPicPr>
+          <p:nvPr/>
+        </p:nvPicPr>
+        <p:blipFill>
+          <a:blip r:embed="rId3">
+            <a:extLst>
+              <a:ext uri="{28A0092B-C50C-407E-A947-70E740481C1C}">
+                <a14:useLocalDpi xmlns:a14="http://schemas.microsoft.com/office/drawing/2010/main" val="0"/>
+              </a:ext>
+              <a:ext uri="{96DAC541-7B7A-43D3-8B79-37D633B846F1}">
+                <asvg:svgBlip xmlns:asvg="http://schemas.microsoft.com/office/drawing/2016/SVG/main" r:embed="rId4"/>
+              </a:ext>
+            </a:extLst>
+          </a:blip>
+          <a:stretch>
+            <a:fillRect/>
+          </a:stretch>
+        </p:blipFill>
+        <p:spPr>
+          <a:xfrm>
+            <a:off x="4165600" y="3373276"/>
+            <a:ext cx="762000" cy="746448"/>
+          </a:xfrm>
+          <a:prstGeom prst="rect">
+            <a:avLst/>
+          </a:prstGeom>
+        </p:spPr>
+      </p:pic>
+      <p:pic>
+        <p:nvPicPr>
+          <p:cNvPr id="12" name="Graphic 11">
+            <a:extLst>
+              <a:ext uri="{FF2B5EF4-FFF2-40B4-BE49-F238E27FC236}">
+                <a16:creationId xmlns:a16="http://schemas.microsoft.com/office/drawing/2014/main" id="{1A8AD33C-DEBD-9690-9750-DF0C08D5C7B1}"/>
+              </a:ext>
+            </a:extLst>
+          </p:cNvPr>
+          <p:cNvPicPr>
+            <a:picLocks noChangeAspect="1"/>
+          </p:cNvPicPr>
+          <p:nvPr/>
+        </p:nvPicPr>
+        <p:blipFill>
+          <a:blip r:embed="rId3">
+            <a:extLst>
+              <a:ext uri="{28A0092B-C50C-407E-A947-70E740481C1C}">
+                <a14:useLocalDpi xmlns:a14="http://schemas.microsoft.com/office/drawing/2010/main" val="0"/>
+              </a:ext>
+              <a:ext uri="{96DAC541-7B7A-43D3-8B79-37D633B846F1}">
+                <asvg:svgBlip xmlns:asvg="http://schemas.microsoft.com/office/drawing/2016/SVG/main" r:embed="rId4"/>
+              </a:ext>
+            </a:extLst>
+          </a:blip>
+          <a:stretch>
+            <a:fillRect/>
+          </a:stretch>
+        </p:blipFill>
+        <p:spPr>
+          <a:xfrm>
+            <a:off x="8001000" y="3373276"/>
+            <a:ext cx="762000" cy="746448"/>
+          </a:xfrm>
+          <a:prstGeom prst="rect">
+            <a:avLst/>
+          </a:prstGeom>
+        </p:spPr>
+      </p:pic>
+    </p:spTree>
+    <p:extLst>
+      <p:ext uri="{BB962C8B-B14F-4D97-AF65-F5344CB8AC3E}">
+        <p14:creationId xmlns:p14="http://schemas.microsoft.com/office/powerpoint/2010/main" val="4270113615"/>
+      </p:ext>
+    </p:extLst>
+  </p:cSld>
+  <p:clrMapOvr>
+    <a:masterClrMapping/>
+  </p:clrMapOvr>
+</p:sld>
+</file>
+
+<file path=ppt/slides/slide26.xml><?xml version="1.0" encoding="utf-8"?>
+<p:sld xmlns:a="http://schemas.openxmlformats.org/drawingml/2006/main" xmlns:r="http://schemas.openxmlformats.org/officeDocument/2006/relationships" xmlns:p="http://schemas.openxmlformats.org/presentationml/2006/main">
+  <p:cSld>
+    <p:spTree>
+      <p:nvGrpSpPr>
+        <p:cNvPr id="1" name=""/>
+        <p:cNvGrpSpPr/>
+        <p:nvPr/>
+      </p:nvGrpSpPr>
+      <p:grpSpPr>
+        <a:xfrm>
+          <a:off x="0" y="0"/>
+          <a:ext cx="0" cy="0"/>
+          <a:chOff x="0" y="0"/>
+          <a:chExt cx="0" cy="0"/>
+        </a:xfrm>
+      </p:grpSpPr>
+      <p:sp>
+        <p:nvSpPr>
+          <p:cNvPr id="2" name="Title 1">
+            <a:extLst>
+              <a:ext uri="{FF2B5EF4-FFF2-40B4-BE49-F238E27FC236}">
+                <a16:creationId xmlns:a16="http://schemas.microsoft.com/office/drawing/2014/main" id="{D498ADB7-680B-954F-DAAE-4638E7C2038C}"/>
+              </a:ext>
+            </a:extLst>
+          </p:cNvPr>
+          <p:cNvSpPr txBox="1">
+            <a:spLocks noGrp="1"/>
+          </p:cNvSpPr>
+          <p:nvPr>
+            <p:ph type="title"/>
+          </p:nvPr>
+        </p:nvSpPr>
+        <p:spPr/>
+        <p:txBody>
+          <a:bodyPr/>
+          <a:lstStyle/>
+          <a:p>
+            <a:pPr lvl="0">
+              <a:lnSpc>
+                <a:spcPct val="100000"/>
+              </a:lnSpc>
+            </a:pPr>
+            <a:r>
+              <a:rPr lang="en-GB" sz="5400" b="1" kern="0" dirty="0">
+                <a:solidFill>
+                  <a:srgbClr val="006388"/>
+                </a:solidFill>
+                <a:latin typeface="Fira Sans" pitchFamily="34"/>
+                <a:ea typeface="Fira Code" pitchFamily="49"/>
+              </a:rPr>
+              <a:t>Offline workflow example</a:t>
+            </a:r>
+            <a:endParaRPr lang="en-GB" sz="1800" kern="0" dirty="0"/>
+          </a:p>
+        </p:txBody>
+      </p:sp>
+      <p:sp>
+        <p:nvSpPr>
+          <p:cNvPr id="3" name="Content Placeholder 2">
+            <a:extLst>
+              <a:ext uri="{FF2B5EF4-FFF2-40B4-BE49-F238E27FC236}">
+                <a16:creationId xmlns:a16="http://schemas.microsoft.com/office/drawing/2014/main" id="{D1010590-C015-8AF6-DE6B-0E74807124E7}"/>
+              </a:ext>
+            </a:extLst>
+          </p:cNvPr>
+          <p:cNvSpPr txBox="1">
+            <a:spLocks noGrp="1"/>
+          </p:cNvSpPr>
+          <p:nvPr>
+            <p:ph idx="1"/>
+          </p:nvPr>
+        </p:nvSpPr>
+        <p:spPr>
+          <a:xfrm>
+            <a:off x="838203" y="1825627"/>
+            <a:ext cx="10515600" cy="4667243"/>
+          </a:xfrm>
+        </p:spPr>
+        <p:txBody>
+          <a:bodyPr>
+            <a:normAutofit/>
+          </a:bodyPr>
+          <a:lstStyle/>
+          <a:p>
             <a:pPr marL="0" indent="0">
               <a:lnSpc>
                 <a:spcPct val="100000"/>
@@ -10547,7 +11310,7 @@
 </p:sld>
 </file>
 
-<file path=ppt/slides/slide24.xml><?xml version="1.0" encoding="utf-8"?>
+<file path=ppt/slides/slide27.xml><?xml version="1.0" encoding="utf-8"?>
 <p:sld xmlns:a="http://schemas.openxmlformats.org/drawingml/2006/main" xmlns:r="http://schemas.openxmlformats.org/officeDocument/2006/relationships" xmlns:p="http://schemas.openxmlformats.org/presentationml/2006/main">
   <p:cSld>
     <p:bg>
@@ -10634,7 +11397,7 @@
 </p:sld>
 </file>
 
-<file path=ppt/slides/slide25.xml><?xml version="1.0" encoding="utf-8"?>
+<file path=ppt/slides/slide28.xml><?xml version="1.0" encoding="utf-8"?>
 <p:sld xmlns:a="http://schemas.openxmlformats.org/drawingml/2006/main" xmlns:r="http://schemas.openxmlformats.org/officeDocument/2006/relationships" xmlns:p="http://schemas.openxmlformats.org/presentationml/2006/main">
   <p:cSld name="Slide68">
     <p:spTree>
@@ -11663,7 +12426,7 @@
 </p:sld>
 </file>
 
-<file path=ppt/slides/slide26.xml><?xml version="1.0" encoding="utf-8"?>
+<file path=ppt/slides/slide29.xml><?xml version="1.0" encoding="utf-8"?>
 <p:sld xmlns:a="http://schemas.openxmlformats.org/drawingml/2006/main" xmlns:r="http://schemas.openxmlformats.org/officeDocument/2006/relationships" xmlns:p="http://schemas.openxmlformats.org/presentationml/2006/main">
   <p:cSld>
     <p:bg>
@@ -11791,7 +12554,123 @@
 </p:sld>
 </file>
 
-<file path=ppt/slides/slide27.xml><?xml version="1.0" encoding="utf-8"?>
+<file path=ppt/slides/slide3.xml><?xml version="1.0" encoding="utf-8"?>
+<p:sld xmlns:a="http://schemas.openxmlformats.org/drawingml/2006/main" xmlns:r="http://schemas.openxmlformats.org/officeDocument/2006/relationships" xmlns:p="http://schemas.openxmlformats.org/presentationml/2006/main">
+  <p:cSld>
+    <p:spTree>
+      <p:nvGrpSpPr>
+        <p:cNvPr id="1" name=""/>
+        <p:cNvGrpSpPr/>
+        <p:nvPr/>
+      </p:nvGrpSpPr>
+      <p:grpSpPr>
+        <a:xfrm>
+          <a:off x="0" y="0"/>
+          <a:ext cx="0" cy="0"/>
+          <a:chOff x="0" y="0"/>
+          <a:chExt cx="0" cy="0"/>
+        </a:xfrm>
+      </p:grpSpPr>
+      <p:pic>
+        <p:nvPicPr>
+          <p:cNvPr id="5" name="Picture 4">
+            <a:extLst>
+              <a:ext uri="{FF2B5EF4-FFF2-40B4-BE49-F238E27FC236}">
+                <a16:creationId xmlns:a16="http://schemas.microsoft.com/office/drawing/2014/main" id="{3B619243-5364-512A-76EA-92EB068EF8F2}"/>
+              </a:ext>
+            </a:extLst>
+          </p:cNvPr>
+          <p:cNvPicPr>
+            <a:picLocks noChangeAspect="1"/>
+          </p:cNvPicPr>
+          <p:nvPr/>
+        </p:nvPicPr>
+        <p:blipFill>
+          <a:blip r:embed="rId2"/>
+          <a:stretch>
+            <a:fillRect/>
+          </a:stretch>
+        </p:blipFill>
+        <p:spPr>
+          <a:xfrm>
+            <a:off x="0" y="0"/>
+            <a:ext cx="12192000" cy="5828551"/>
+          </a:xfrm>
+          <a:prstGeom prst="rect">
+            <a:avLst/>
+          </a:prstGeom>
+        </p:spPr>
+      </p:pic>
+      <p:sp>
+        <p:nvSpPr>
+          <p:cNvPr id="3" name="Content Placeholder 2">
+            <a:extLst>
+              <a:ext uri="{FF2B5EF4-FFF2-40B4-BE49-F238E27FC236}">
+                <a16:creationId xmlns:a16="http://schemas.microsoft.com/office/drawing/2014/main" id="{D1010590-C015-8AF6-DE6B-0E74807124E7}"/>
+              </a:ext>
+            </a:extLst>
+          </p:cNvPr>
+          <p:cNvSpPr txBox="1">
+            <a:spLocks noGrp="1"/>
+          </p:cNvSpPr>
+          <p:nvPr>
+            <p:ph idx="1"/>
+          </p:nvPr>
+        </p:nvSpPr>
+        <p:spPr>
+          <a:xfrm>
+            <a:off x="2712917" y="6040102"/>
+            <a:ext cx="6766166" cy="860883"/>
+          </a:xfrm>
+        </p:spPr>
+        <p:txBody>
+          <a:bodyPr>
+            <a:normAutofit/>
+          </a:bodyPr>
+          <a:lstStyle/>
+          <a:p>
+            <a:pPr marL="0" lvl="0" indent="0" algn="ctr">
+              <a:lnSpc>
+                <a:spcPct val="110000"/>
+              </a:lnSpc>
+              <a:buNone/>
+            </a:pPr>
+            <a:r>
+              <a:rPr lang="en-GB" sz="3200" dirty="0">
+                <a:solidFill>
+                  <a:srgbClr val="404040"/>
+                </a:solidFill>
+                <a:latin typeface="Fira Sans" pitchFamily="34"/>
+                <a:hlinkClick r:id="rId3"/>
+              </a:rPr>
+              <a:t>https://odissei-soda.nl/</a:t>
+            </a:r>
+            <a:r>
+              <a:rPr lang="en-GB" sz="3200" dirty="0">
+                <a:solidFill>
+                  <a:srgbClr val="404040"/>
+                </a:solidFill>
+                <a:latin typeface="Fira Sans" pitchFamily="34"/>
+              </a:rPr>
+              <a:t> </a:t>
+            </a:r>
+          </a:p>
+        </p:txBody>
+      </p:sp>
+    </p:spTree>
+    <p:extLst>
+      <p:ext uri="{BB962C8B-B14F-4D97-AF65-F5344CB8AC3E}">
+        <p14:creationId xmlns:p14="http://schemas.microsoft.com/office/powerpoint/2010/main" val="4274060528"/>
+      </p:ext>
+    </p:extLst>
+  </p:cSld>
+  <p:clrMapOvr>
+    <a:masterClrMapping/>
+  </p:clrMapOvr>
+</p:sld>
+</file>
+
+<file path=ppt/slides/slide30.xml><?xml version="1.0" encoding="utf-8"?>
 <p:sld xmlns:a="http://schemas.openxmlformats.org/drawingml/2006/main" xmlns:r="http://schemas.openxmlformats.org/officeDocument/2006/relationships" xmlns:p="http://schemas.openxmlformats.org/presentationml/2006/main">
   <p:cSld name="Slide44">
     <p:spTree>
@@ -12502,7 +13381,7 @@
 </p:sld>
 </file>
 
-<file path=ppt/slides/slide28.xml><?xml version="1.0" encoding="utf-8"?>
+<file path=ppt/slides/slide31.xml><?xml version="1.0" encoding="utf-8"?>
 <p:sld xmlns:a="http://schemas.openxmlformats.org/drawingml/2006/main" xmlns:r="http://schemas.openxmlformats.org/officeDocument/2006/relationships" xmlns:p="http://schemas.openxmlformats.org/presentationml/2006/main">
   <p:cSld name="Slide47">
     <p:spTree>
@@ -12643,7 +13522,7 @@
 </p:sld>
 </file>
 
-<file path=ppt/slides/slide29.xml><?xml version="1.0" encoding="utf-8"?>
+<file path=ppt/slides/slide32.xml><?xml version="1.0" encoding="utf-8"?>
 <p:sld xmlns:a="http://schemas.openxmlformats.org/drawingml/2006/main" xmlns:r="http://schemas.openxmlformats.org/officeDocument/2006/relationships" xmlns:p="http://schemas.openxmlformats.org/presentationml/2006/main">
   <p:cSld>
     <p:spTree>
@@ -12931,89 +13810,7 @@
 </p:sld>
 </file>
 
-<file path=ppt/slides/slide3.xml><?xml version="1.0" encoding="utf-8"?>
-<p:sld xmlns:a="http://schemas.openxmlformats.org/drawingml/2006/main" xmlns:r="http://schemas.openxmlformats.org/officeDocument/2006/relationships" xmlns:p="http://schemas.openxmlformats.org/presentationml/2006/main">
-  <p:cSld name="Slide46">
-    <p:bg>
-      <p:bgPr>
-        <a:solidFill>
-          <a:srgbClr val="006388"/>
-        </a:solidFill>
-        <a:effectLst/>
-      </p:bgPr>
-    </p:bg>
-    <p:spTree>
-      <p:nvGrpSpPr>
-        <p:cNvPr id="1" name=""/>
-        <p:cNvGrpSpPr/>
-        <p:nvPr/>
-      </p:nvGrpSpPr>
-      <p:grpSpPr>
-        <a:xfrm>
-          <a:off x="0" y="0"/>
-          <a:ext cx="0" cy="0"/>
-          <a:chOff x="0" y="0"/>
-          <a:chExt cx="0" cy="0"/>
-        </a:xfrm>
-      </p:grpSpPr>
-      <p:sp>
-        <p:nvSpPr>
-          <p:cNvPr id="2" name="Title 1">
-            <a:extLst>
-              <a:ext uri="{FF2B5EF4-FFF2-40B4-BE49-F238E27FC236}">
-                <a16:creationId xmlns:a16="http://schemas.microsoft.com/office/drawing/2014/main" id="{95AAFFEC-F2D1-13C0-9DAF-FE8BEE10C5FB}"/>
-              </a:ext>
-            </a:extLst>
-          </p:cNvPr>
-          <p:cNvSpPr txBox="1">
-            <a:spLocks noGrp="1"/>
-          </p:cNvSpPr>
-          <p:nvPr>
-            <p:ph type="title"/>
-          </p:nvPr>
-        </p:nvSpPr>
-        <p:spPr>
-          <a:xfrm>
-            <a:off x="838203" y="2766220"/>
-            <a:ext cx="10515600" cy="1325559"/>
-          </a:xfrm>
-        </p:spPr>
-        <p:txBody>
-          <a:bodyPr anchorCtr="1"/>
-          <a:lstStyle/>
-          <a:p>
-            <a:pPr lvl="0" algn="ctr">
-              <a:lnSpc>
-                <a:spcPct val="100000"/>
-              </a:lnSpc>
-            </a:pPr>
-            <a:r>
-              <a:rPr lang="en-GB" sz="5400" b="1" kern="0" dirty="0">
-                <a:solidFill>
-                  <a:srgbClr val="FFFFFF"/>
-                </a:solidFill>
-                <a:latin typeface="Fira Sans" pitchFamily="34"/>
-                <a:ea typeface="Fira Code" pitchFamily="49"/>
-              </a:rPr>
-              <a:t>CBS RA fundamentals</a:t>
-            </a:r>
-            <a:endParaRPr lang="en-GB" sz="1800" kern="0" dirty="0">
-              <a:solidFill>
-                <a:srgbClr val="FFFFFF"/>
-              </a:solidFill>
-            </a:endParaRPr>
-          </a:p>
-        </p:txBody>
-      </p:sp>
-    </p:spTree>
-  </p:cSld>
-  <p:clrMapOvr>
-    <a:masterClrMapping/>
-  </p:clrMapOvr>
-</p:sld>
-</file>
-
-<file path=ppt/slides/slide30.xml><?xml version="1.0" encoding="utf-8"?>
+<file path=ppt/slides/slide33.xml><?xml version="1.0" encoding="utf-8"?>
 <p:sld xmlns:a="http://schemas.openxmlformats.org/drawingml/2006/main" xmlns:r="http://schemas.openxmlformats.org/officeDocument/2006/relationships" xmlns:p="http://schemas.openxmlformats.org/presentationml/2006/main">
   <p:cSld name="Slide56">
     <p:bg>
@@ -13136,7 +13933,7 @@
 </p:sld>
 </file>
 
-<file path=ppt/slides/slide31.xml><?xml version="1.0" encoding="utf-8"?>
+<file path=ppt/slides/slide34.xml><?xml version="1.0" encoding="utf-8"?>
 <p:sld xmlns:a="http://schemas.openxmlformats.org/drawingml/2006/main" xmlns:r="http://schemas.openxmlformats.org/officeDocument/2006/relationships" xmlns:p="http://schemas.openxmlformats.org/presentationml/2006/main">
   <p:cSld name="Slide42">
     <p:spTree>
@@ -13310,7 +14107,7 @@
 </p:sld>
 </file>
 
-<file path=ppt/slides/slide32.xml><?xml version="1.0" encoding="utf-8"?>
+<file path=ppt/slides/slide35.xml><?xml version="1.0" encoding="utf-8"?>
 <p:sld xmlns:a="http://schemas.openxmlformats.org/drawingml/2006/main" xmlns:r="http://schemas.openxmlformats.org/officeDocument/2006/relationships" xmlns:p="http://schemas.openxmlformats.org/presentationml/2006/main">
   <p:cSld name="Slide58">
     <p:spTree>
@@ -13416,7 +14213,7 @@
 </p:sld>
 </file>
 
-<file path=ppt/slides/slide33.xml><?xml version="1.0" encoding="utf-8"?>
+<file path=ppt/slides/slide36.xml><?xml version="1.0" encoding="utf-8"?>
 <p:sld xmlns:a="http://schemas.openxmlformats.org/drawingml/2006/main" xmlns:r="http://schemas.openxmlformats.org/officeDocument/2006/relationships" xmlns:p="http://schemas.openxmlformats.org/presentationml/2006/main">
   <p:cSld name="Slide59">
     <p:spTree>
@@ -13557,7 +14354,7 @@
 </p:sld>
 </file>
 
-<file path=ppt/slides/slide34.xml><?xml version="1.0" encoding="utf-8"?>
+<file path=ppt/slides/slide37.xml><?xml version="1.0" encoding="utf-8"?>
 <p:sld xmlns:a="http://schemas.openxmlformats.org/drawingml/2006/main" xmlns:r="http://schemas.openxmlformats.org/officeDocument/2006/relationships" xmlns:p="http://schemas.openxmlformats.org/presentationml/2006/main">
   <p:cSld name="Slide64">
     <p:spTree>
@@ -13601,7 +14398,7 @@
               </a:lnSpc>
             </a:pPr>
             <a:r>
-              <a:rPr lang="en-GB" sz="5400" b="1" kern="0">
+              <a:rPr lang="en-GB" sz="5400" b="1" kern="0" dirty="0">
                 <a:solidFill>
                   <a:srgbClr val="006388"/>
                 </a:solidFill>
@@ -13610,7 +14407,7 @@
               </a:rPr>
               <a:t>Larger-than-memory data</a:t>
             </a:r>
-            <a:endParaRPr lang="en-GB" sz="1800" kern="0"/>
+            <a:endParaRPr lang="en-GB" sz="1800" kern="0" dirty="0"/>
           </a:p>
         </p:txBody>
       </p:sp>
@@ -13706,7 +14503,7 @@
                 </a:solidFill>
                 <a:latin typeface="Fira Sans" pitchFamily="34"/>
               </a:rPr>
-              <a:t>Create chunked data objects</a:t>
+              <a:t>Process data in chunks</a:t>
             </a:r>
           </a:p>
           <a:p>
@@ -13740,7 +14537,7 @@
 </p:sld>
 </file>
 
-<file path=ppt/slides/slide35.xml><?xml version="1.0" encoding="utf-8"?>
+<file path=ppt/slides/slide38.xml><?xml version="1.0" encoding="utf-8"?>
 <p:sld xmlns:a="http://schemas.openxmlformats.org/drawingml/2006/main" xmlns:r="http://schemas.openxmlformats.org/officeDocument/2006/relationships" xmlns:p="http://schemas.openxmlformats.org/presentationml/2006/main">
   <p:cSld name="Slide70">
     <p:spTree>
@@ -13883,7 +14680,7 @@
 </p:sld>
 </file>
 
-<file path=ppt/slides/slide36.xml><?xml version="1.0" encoding="utf-8"?>
+<file path=ppt/slides/slide39.xml><?xml version="1.0" encoding="utf-8"?>
 <p:sld xmlns:a="http://schemas.openxmlformats.org/drawingml/2006/main" xmlns:r="http://schemas.openxmlformats.org/officeDocument/2006/relationships" xmlns:p="http://schemas.openxmlformats.org/presentationml/2006/main">
   <p:cSld name="Slide37">
     <p:bg>
@@ -13953,331 +14750,6 @@
               <a:solidFill>
                 <a:srgbClr val="FFFFFF"/>
               </a:solidFill>
-            </a:endParaRPr>
-          </a:p>
-        </p:txBody>
-      </p:sp>
-    </p:spTree>
-  </p:cSld>
-  <p:clrMapOvr>
-    <a:masterClrMapping/>
-  </p:clrMapOvr>
-</p:sld>
-</file>
-
-<file path=ppt/slides/slide37.xml><?xml version="1.0" encoding="utf-8"?>
-<p:sld xmlns:a="http://schemas.openxmlformats.org/drawingml/2006/main" xmlns:r="http://schemas.openxmlformats.org/officeDocument/2006/relationships" xmlns:p="http://schemas.openxmlformats.org/presentationml/2006/main">
-  <p:cSld>
-    <p:bg>
-      <p:bgPr>
-        <a:solidFill>
-          <a:srgbClr val="006388"/>
-        </a:solidFill>
-        <a:effectLst/>
-      </p:bgPr>
-    </p:bg>
-    <p:spTree>
-      <p:nvGrpSpPr>
-        <p:cNvPr id="1" name=""/>
-        <p:cNvGrpSpPr/>
-        <p:nvPr/>
-      </p:nvGrpSpPr>
-      <p:grpSpPr>
-        <a:xfrm>
-          <a:off x="0" y="0"/>
-          <a:ext cx="0" cy="0"/>
-          <a:chOff x="0" y="0"/>
-          <a:chExt cx="0" cy="0"/>
-        </a:xfrm>
-      </p:grpSpPr>
-      <p:sp>
-        <p:nvSpPr>
-          <p:cNvPr id="2" name="Title 1">
-            <a:extLst>
-              <a:ext uri="{FF2B5EF4-FFF2-40B4-BE49-F238E27FC236}">
-                <a16:creationId xmlns:a16="http://schemas.microsoft.com/office/drawing/2014/main" id="{36E1470B-4121-603B-BA86-19CFF4D872BB}"/>
-              </a:ext>
-            </a:extLst>
-          </p:cNvPr>
-          <p:cNvSpPr txBox="1">
-            <a:spLocks noGrp="1"/>
-          </p:cNvSpPr>
-          <p:nvPr>
-            <p:ph type="title"/>
-          </p:nvPr>
-        </p:nvSpPr>
-        <p:spPr>
-          <a:xfrm>
-            <a:off x="838200" y="2766220"/>
-            <a:ext cx="10515600" cy="1325559"/>
-          </a:xfrm>
-        </p:spPr>
-        <p:txBody>
-          <a:bodyPr anchorCtr="1"/>
-          <a:lstStyle/>
-          <a:p>
-            <a:pPr lvl="0" algn="ctr">
-              <a:lnSpc>
-                <a:spcPct val="100000"/>
-              </a:lnSpc>
-            </a:pPr>
-            <a:r>
-              <a:rPr lang="en-GB" sz="5400" b="1" kern="0" dirty="0">
-                <a:solidFill>
-                  <a:srgbClr val="FFFFFF"/>
-                </a:solidFill>
-                <a:latin typeface="Fira Sans" pitchFamily="34"/>
-                <a:ea typeface="Fira Code" pitchFamily="49"/>
-              </a:rPr>
-              <a:t>Group consultations / exercise</a:t>
-            </a:r>
-            <a:endParaRPr lang="en-GB" sz="1800" kern="0" dirty="0">
-              <a:solidFill>
-                <a:srgbClr val="FFFFFF"/>
-              </a:solidFill>
-            </a:endParaRPr>
-          </a:p>
-        </p:txBody>
-      </p:sp>
-    </p:spTree>
-    <p:extLst>
-      <p:ext uri="{BB962C8B-B14F-4D97-AF65-F5344CB8AC3E}">
-        <p14:creationId xmlns:p14="http://schemas.microsoft.com/office/powerpoint/2010/main" val="3490048193"/>
-      </p:ext>
-    </p:extLst>
-  </p:cSld>
-  <p:clrMapOvr>
-    <a:masterClrMapping/>
-  </p:clrMapOvr>
-</p:sld>
-</file>
-
-<file path=ppt/slides/slide38.xml><?xml version="1.0" encoding="utf-8"?>
-<p:sld xmlns:a="http://schemas.openxmlformats.org/drawingml/2006/main" xmlns:r="http://schemas.openxmlformats.org/officeDocument/2006/relationships" xmlns:p="http://schemas.openxmlformats.org/presentationml/2006/main">
-  <p:cSld>
-    <p:spTree>
-      <p:nvGrpSpPr>
-        <p:cNvPr id="1" name=""/>
-        <p:cNvGrpSpPr/>
-        <p:nvPr/>
-      </p:nvGrpSpPr>
-      <p:grpSpPr>
-        <a:xfrm>
-          <a:off x="0" y="0"/>
-          <a:ext cx="0" cy="0"/>
-          <a:chOff x="0" y="0"/>
-          <a:chExt cx="0" cy="0"/>
-        </a:xfrm>
-      </p:grpSpPr>
-    </p:spTree>
-    <p:extLst>
-      <p:ext uri="{BB962C8B-B14F-4D97-AF65-F5344CB8AC3E}">
-        <p14:creationId xmlns:p14="http://schemas.microsoft.com/office/powerpoint/2010/main" val="1028303881"/>
-      </p:ext>
-    </p:extLst>
-  </p:cSld>
-  <p:clrMapOvr>
-    <a:masterClrMapping/>
-  </p:clrMapOvr>
-</p:sld>
-</file>
-
-<file path=ppt/slides/slide39.xml><?xml version="1.0" encoding="utf-8"?>
-<p:sld xmlns:a="http://schemas.openxmlformats.org/drawingml/2006/main" xmlns:r="http://schemas.openxmlformats.org/officeDocument/2006/relationships" xmlns:p="http://schemas.openxmlformats.org/presentationml/2006/main">
-  <p:cSld name="Slide35">
-    <p:spTree>
-      <p:nvGrpSpPr>
-        <p:cNvPr id="1" name=""/>
-        <p:cNvGrpSpPr/>
-        <p:nvPr/>
-      </p:nvGrpSpPr>
-      <p:grpSpPr>
-        <a:xfrm>
-          <a:off x="0" y="0"/>
-          <a:ext cx="0" cy="0"/>
-          <a:chOff x="0" y="0"/>
-          <a:chExt cx="0" cy="0"/>
-        </a:xfrm>
-      </p:grpSpPr>
-      <p:pic>
-        <p:nvPicPr>
-          <p:cNvPr id="2" name="Graphic 3">
-            <a:extLst>
-              <a:ext uri="{FF2B5EF4-FFF2-40B4-BE49-F238E27FC236}">
-                <a16:creationId xmlns:a16="http://schemas.microsoft.com/office/drawing/2014/main" id="{0CEEB3C4-2794-3796-7E00-0454C008EF69}"/>
-              </a:ext>
-            </a:extLst>
-          </p:cNvPr>
-          <p:cNvPicPr>
-            <a:picLocks noChangeAspect="1"/>
-          </p:cNvPicPr>
-          <p:nvPr/>
-        </p:nvPicPr>
-        <p:blipFill>
-          <a:blip r:embed="rId2">
-            <a:extLst>
-              <a:ext uri="{96DAC541-7B7A-43D3-8B79-37D633B846F1}">
-                <asvg:svgBlip xmlns:asvg="http://schemas.microsoft.com/office/drawing/2016/SVG/main" r:embed="rId3"/>
-              </a:ext>
-            </a:extLst>
-          </a:blip>
-          <a:stretch>
-            <a:fillRect/>
-          </a:stretch>
-        </p:blipFill>
-        <p:spPr>
-          <a:xfrm>
-            <a:off x="5095722" y="2448608"/>
-            <a:ext cx="2000542" cy="675513"/>
-          </a:xfrm>
-          <a:prstGeom prst="rect">
-            <a:avLst/>
-          </a:prstGeom>
-          <a:noFill/>
-          <a:ln cap="flat">
-            <a:noFill/>
-          </a:ln>
-        </p:spPr>
-      </p:pic>
-      <p:sp>
-        <p:nvSpPr>
-          <p:cNvPr id="3" name="TextBox 6">
-            <a:extLst>
-              <a:ext uri="{FF2B5EF4-FFF2-40B4-BE49-F238E27FC236}">
-                <a16:creationId xmlns:a16="http://schemas.microsoft.com/office/drawing/2014/main" id="{AF340431-E49E-DAE9-A817-87135740B4EC}"/>
-              </a:ext>
-            </a:extLst>
-          </p:cNvPr>
-          <p:cNvSpPr txBox="1"/>
-          <p:nvPr/>
-        </p:nvSpPr>
-        <p:spPr>
-          <a:xfrm>
-            <a:off x="3048893" y="1340611"/>
-            <a:ext cx="6094201" cy="1107996"/>
-          </a:xfrm>
-          <a:prstGeom prst="rect">
-            <a:avLst/>
-          </a:prstGeom>
-          <a:noFill/>
-          <a:ln cap="flat">
-            <a:noFill/>
-          </a:ln>
-        </p:spPr>
-        <p:txBody>
-          <a:bodyPr vert="horz" wrap="square" lIns="91440" tIns="45720" rIns="91440" bIns="45720" anchor="t" anchorCtr="1" compatLnSpc="1">
-            <a:spAutoFit/>
-          </a:bodyPr>
-          <a:lstStyle/>
-          <a:p>
-            <a:pPr marL="0" marR="0" lvl="0" indent="0" algn="ctr" defTabSz="914400" rtl="0" fontAlgn="auto" hangingPunct="1">
-              <a:lnSpc>
-                <a:spcPct val="100000"/>
-              </a:lnSpc>
-              <a:spcBef>
-                <a:spcPts val="0"/>
-              </a:spcBef>
-              <a:spcAft>
-                <a:spcPts val="0"/>
-              </a:spcAft>
-              <a:buNone/>
-              <a:tabLst/>
-              <a:defRPr sz="1800" b="0" i="0" u="none" strike="noStrike" kern="0" cap="none" spc="0" baseline="0">
-                <a:solidFill>
-                  <a:srgbClr val="000000"/>
-                </a:solidFill>
-                <a:uFillTx/>
-              </a:defRPr>
-            </a:pPr>
-            <a:r>
-              <a:rPr lang="en-GB" sz="6600" b="1" i="0" u="none" strike="noStrike" kern="0" cap="none" spc="0" baseline="0" dirty="0">
-                <a:solidFill>
-                  <a:srgbClr val="006388"/>
-                </a:solidFill>
-                <a:uFillTx/>
-                <a:latin typeface="Fira Sans" pitchFamily="34"/>
-                <a:ea typeface="Fira Code" pitchFamily="49"/>
-              </a:rPr>
-              <a:t>Thank you!</a:t>
-            </a:r>
-            <a:endParaRPr lang="en-GB" sz="6600" b="0" i="0" u="none" strike="noStrike" kern="1200" cap="none" spc="0" baseline="0" dirty="0">
-              <a:solidFill>
-                <a:srgbClr val="000000"/>
-              </a:solidFill>
-              <a:uFillTx/>
-              <a:latin typeface="Calibri"/>
-            </a:endParaRPr>
-          </a:p>
-        </p:txBody>
-      </p:sp>
-      <p:sp>
-        <p:nvSpPr>
-          <p:cNvPr id="4" name="TextBox 3">
-            <a:extLst>
-              <a:ext uri="{FF2B5EF4-FFF2-40B4-BE49-F238E27FC236}">
-                <a16:creationId xmlns:a16="http://schemas.microsoft.com/office/drawing/2014/main" id="{EC157671-DA9F-8B25-0EE3-E51952D594CE}"/>
-              </a:ext>
-            </a:extLst>
-          </p:cNvPr>
-          <p:cNvSpPr txBox="1"/>
-          <p:nvPr/>
-        </p:nvSpPr>
-        <p:spPr>
-          <a:xfrm>
-            <a:off x="838193" y="3733879"/>
-            <a:ext cx="10782303" cy="769441"/>
-          </a:xfrm>
-          <a:prstGeom prst="rect">
-            <a:avLst/>
-          </a:prstGeom>
-          <a:noFill/>
-          <a:ln cap="flat">
-            <a:noFill/>
-          </a:ln>
-        </p:spPr>
-        <p:txBody>
-          <a:bodyPr vert="horz" wrap="square" lIns="91440" tIns="45720" rIns="91440" bIns="45720" anchor="t" anchorCtr="0" compatLnSpc="1">
-            <a:spAutoFit/>
-          </a:bodyPr>
-          <a:lstStyle/>
-          <a:p>
-            <a:pPr marL="0" marR="0" lvl="0" indent="0" algn="ctr" defTabSz="914400" rtl="0" fontAlgn="auto" hangingPunct="1">
-              <a:lnSpc>
-                <a:spcPct val="100000"/>
-              </a:lnSpc>
-              <a:spcBef>
-                <a:spcPts val="0"/>
-              </a:spcBef>
-              <a:spcAft>
-                <a:spcPts val="0"/>
-              </a:spcAft>
-              <a:buNone/>
-              <a:tabLst/>
-              <a:defRPr sz="1800" b="0" i="0" u="none" strike="noStrike" kern="0" cap="none" spc="0" baseline="0">
-                <a:solidFill>
-                  <a:srgbClr val="000000"/>
-                </a:solidFill>
-                <a:uFillTx/>
-              </a:defRPr>
-            </a:pPr>
-            <a:r>
-              <a:rPr lang="en-US" sz="4400" dirty="0">
-                <a:solidFill>
-                  <a:srgbClr val="000000"/>
-                </a:solidFill>
-                <a:latin typeface="Fira Code" pitchFamily="49"/>
-                <a:ea typeface="Fira Code" pitchFamily="49"/>
-                <a:hlinkClick r:id="rId4"/>
-              </a:rPr>
-              <a:t>https://odissei-soda.nl</a:t>
-            </a:r>
-            <a:endParaRPr lang="en-US" sz="4400" b="0" i="0" u="none" strike="noStrike" kern="1200" cap="none" spc="0" baseline="0" dirty="0">
-              <a:solidFill>
-                <a:srgbClr val="000000"/>
-              </a:solidFill>
-              <a:uFillTx/>
-              <a:latin typeface="Fira Code" pitchFamily="49"/>
-              <a:ea typeface="Fira Code" pitchFamily="49"/>
             </a:endParaRPr>
           </a:p>
         </p:txBody>
@@ -14325,9 +14797,7 @@
         </p:nvSpPr>
         <p:spPr/>
         <p:txBody>
-          <a:bodyPr>
-            <a:normAutofit/>
-          </a:bodyPr>
+          <a:bodyPr/>
           <a:lstStyle/>
           <a:p>
             <a:pPr lvl="0">
@@ -14343,7 +14813,7 @@
                 <a:latin typeface="Fira Sans" pitchFamily="34"/>
                 <a:ea typeface="Fira Code" pitchFamily="49"/>
               </a:rPr>
-              <a:t>CBS Remote Access environment</a:t>
+              <a:t>About me</a:t>
             </a:r>
             <a:endParaRPr lang="en-GB" sz="1800" kern="0" dirty="0"/>
           </a:p>
@@ -14355,6 +14825,341 @@
             <a:extLst>
               <a:ext uri="{FF2B5EF4-FFF2-40B4-BE49-F238E27FC236}">
                 <a16:creationId xmlns:a16="http://schemas.microsoft.com/office/drawing/2014/main" id="{D1010590-C015-8AF6-DE6B-0E74807124E7}"/>
+              </a:ext>
+            </a:extLst>
+          </p:cNvPr>
+          <p:cNvSpPr txBox="1">
+            <a:spLocks noGrp="1"/>
+          </p:cNvSpPr>
+          <p:nvPr>
+            <p:ph idx="1"/>
+          </p:nvPr>
+        </p:nvSpPr>
+        <p:spPr>
+          <a:xfrm>
+            <a:off x="838203" y="1690687"/>
+            <a:ext cx="10515600" cy="5047737"/>
+          </a:xfrm>
+        </p:spPr>
+        <p:txBody>
+          <a:bodyPr>
+            <a:normAutofit fontScale="85000" lnSpcReduction="20000"/>
+          </a:bodyPr>
+          <a:lstStyle/>
+          <a:p>
+            <a:pPr marL="0" indent="0">
+              <a:lnSpc>
+                <a:spcPct val="120000"/>
+              </a:lnSpc>
+              <a:buNone/>
+            </a:pPr>
+            <a:r>
+              <a:rPr lang="en-GB" sz="3200" b="1" dirty="0">
+                <a:solidFill>
+                  <a:srgbClr val="404040"/>
+                </a:solidFill>
+                <a:latin typeface="Fira Sans" pitchFamily="34"/>
+              </a:rPr>
+              <a:t>Erik-Jan van Kesteren</a:t>
+            </a:r>
+          </a:p>
+          <a:p>
+            <a:pPr marL="0" indent="0">
+              <a:lnSpc>
+                <a:spcPct val="120000"/>
+              </a:lnSpc>
+              <a:buNone/>
+            </a:pPr>
+            <a:r>
+              <a:rPr lang="en-GB" sz="3200" dirty="0">
+                <a:solidFill>
+                  <a:srgbClr val="404040"/>
+                </a:solidFill>
+                <a:latin typeface="Fira Sans" pitchFamily="34"/>
+              </a:rPr>
+              <a:t>Assistant Professor Data Science / Statistics</a:t>
+            </a:r>
+          </a:p>
+          <a:p>
+            <a:pPr marL="0" indent="0">
+              <a:lnSpc>
+                <a:spcPct val="120000"/>
+              </a:lnSpc>
+              <a:buNone/>
+            </a:pPr>
+            <a:r>
+              <a:rPr lang="en-GB" sz="3200" dirty="0">
+                <a:solidFill>
+                  <a:srgbClr val="404040"/>
+                </a:solidFill>
+                <a:latin typeface="Fira Sans" pitchFamily="34"/>
+              </a:rPr>
+              <a:t>Team lead ODISSEI </a:t>
+            </a:r>
+            <a:r>
+              <a:rPr lang="en-GB" sz="3200" dirty="0" err="1">
+                <a:solidFill>
+                  <a:srgbClr val="404040"/>
+                </a:solidFill>
+                <a:latin typeface="Fira Sans" pitchFamily="34"/>
+              </a:rPr>
+              <a:t>SoDa</a:t>
+            </a:r>
+            <a:r>
+              <a:rPr lang="en-GB" sz="3200" dirty="0">
+                <a:solidFill>
+                  <a:srgbClr val="404040"/>
+                </a:solidFill>
+                <a:latin typeface="Fira Sans" pitchFamily="34"/>
+              </a:rPr>
+              <a:t> team</a:t>
+            </a:r>
+          </a:p>
+          <a:p>
+            <a:pPr>
+              <a:lnSpc>
+                <a:spcPct val="120000"/>
+              </a:lnSpc>
+            </a:pPr>
+            <a:endParaRPr lang="en-GB" sz="3200" dirty="0">
+              <a:solidFill>
+                <a:srgbClr val="404040"/>
+              </a:solidFill>
+              <a:latin typeface="Fira Sans" pitchFamily="34"/>
+            </a:endParaRPr>
+          </a:p>
+          <a:p>
+            <a:pPr marL="0" lvl="0" indent="0">
+              <a:lnSpc>
+                <a:spcPct val="120000"/>
+              </a:lnSpc>
+              <a:buNone/>
+            </a:pPr>
+            <a:r>
+              <a:rPr lang="en-GB" sz="3200" b="1" dirty="0">
+                <a:solidFill>
+                  <a:schemeClr val="bg2">
+                    <a:lumMod val="50000"/>
+                  </a:schemeClr>
+                </a:solidFill>
+                <a:latin typeface="Fira Sans" pitchFamily="34"/>
+              </a:rPr>
+              <a:t>Research topics</a:t>
+            </a:r>
+            <a:br>
+              <a:rPr lang="en-GB" sz="3200" dirty="0">
+                <a:solidFill>
+                  <a:schemeClr val="bg2">
+                    <a:lumMod val="50000"/>
+                  </a:schemeClr>
+                </a:solidFill>
+                <a:latin typeface="Fira Sans" pitchFamily="34"/>
+              </a:rPr>
+            </a:br>
+            <a:r>
+              <a:rPr lang="en-GB" sz="3200" dirty="0">
+                <a:solidFill>
+                  <a:schemeClr val="bg2">
+                    <a:lumMod val="50000"/>
+                  </a:schemeClr>
+                </a:solidFill>
+                <a:latin typeface="Fira Sans" pitchFamily="34"/>
+              </a:rPr>
+              <a:t>structural equation </a:t>
+            </a:r>
+            <a:r>
+              <a:rPr lang="en-GB" sz="3200" dirty="0" err="1">
+                <a:solidFill>
+                  <a:schemeClr val="bg2">
+                    <a:lumMod val="50000"/>
+                  </a:schemeClr>
+                </a:solidFill>
+                <a:latin typeface="Fira Sans" pitchFamily="34"/>
+              </a:rPr>
+              <a:t>modeling</a:t>
+            </a:r>
+            <a:r>
+              <a:rPr lang="en-GB" sz="3200" dirty="0">
+                <a:solidFill>
+                  <a:schemeClr val="bg2">
+                    <a:lumMod val="50000"/>
+                  </a:schemeClr>
+                </a:solidFill>
+                <a:latin typeface="Fira Sans" pitchFamily="34"/>
+              </a:rPr>
+              <a:t>, regularization &amp; penalization, Bayesian statistics, multilevel generalized linear models, geospatial data analysis, rank data analysis, visualisation, optimization, federated learning, privacy, fairness, measurement, synthetic data</a:t>
+            </a:r>
+          </a:p>
+        </p:txBody>
+      </p:sp>
+    </p:spTree>
+    <p:extLst>
+      <p:ext uri="{BB962C8B-B14F-4D97-AF65-F5344CB8AC3E}">
+        <p14:creationId xmlns:p14="http://schemas.microsoft.com/office/powerpoint/2010/main" val="1062919702"/>
+      </p:ext>
+    </p:extLst>
+  </p:cSld>
+  <p:clrMapOvr>
+    <a:masterClrMapping/>
+  </p:clrMapOvr>
+</p:sld>
+</file>
+
+<file path=ppt/slides/slide40.xml><?xml version="1.0" encoding="utf-8"?>
+<p:sld xmlns:a="http://schemas.openxmlformats.org/drawingml/2006/main" xmlns:r="http://schemas.openxmlformats.org/officeDocument/2006/relationships" xmlns:p="http://schemas.openxmlformats.org/presentationml/2006/main">
+  <p:cSld>
+    <p:bg>
+      <p:bgPr>
+        <a:solidFill>
+          <a:srgbClr val="006388"/>
+        </a:solidFill>
+        <a:effectLst/>
+      </p:bgPr>
+    </p:bg>
+    <p:spTree>
+      <p:nvGrpSpPr>
+        <p:cNvPr id="1" name=""/>
+        <p:cNvGrpSpPr/>
+        <p:nvPr/>
+      </p:nvGrpSpPr>
+      <p:grpSpPr>
+        <a:xfrm>
+          <a:off x="0" y="0"/>
+          <a:ext cx="0" cy="0"/>
+          <a:chOff x="0" y="0"/>
+          <a:chExt cx="0" cy="0"/>
+        </a:xfrm>
+      </p:grpSpPr>
+      <p:sp>
+        <p:nvSpPr>
+          <p:cNvPr id="2" name="Title 1">
+            <a:extLst>
+              <a:ext uri="{FF2B5EF4-FFF2-40B4-BE49-F238E27FC236}">
+                <a16:creationId xmlns:a16="http://schemas.microsoft.com/office/drawing/2014/main" id="{36E1470B-4121-603B-BA86-19CFF4D872BB}"/>
+              </a:ext>
+            </a:extLst>
+          </p:cNvPr>
+          <p:cNvSpPr txBox="1">
+            <a:spLocks noGrp="1"/>
+          </p:cNvSpPr>
+          <p:nvPr>
+            <p:ph type="title"/>
+          </p:nvPr>
+        </p:nvSpPr>
+        <p:spPr>
+          <a:xfrm>
+            <a:off x="838200" y="2766220"/>
+            <a:ext cx="10515600" cy="1325559"/>
+          </a:xfrm>
+        </p:spPr>
+        <p:txBody>
+          <a:bodyPr anchorCtr="1"/>
+          <a:lstStyle/>
+          <a:p>
+            <a:pPr lvl="0" algn="ctr">
+              <a:lnSpc>
+                <a:spcPct val="100000"/>
+              </a:lnSpc>
+            </a:pPr>
+            <a:r>
+              <a:rPr lang="en-GB" sz="5400" b="1" kern="0" dirty="0">
+                <a:solidFill>
+                  <a:srgbClr val="FFFFFF"/>
+                </a:solidFill>
+                <a:latin typeface="Fira Sans" pitchFamily="34"/>
+                <a:ea typeface="Fira Code" pitchFamily="49"/>
+              </a:rPr>
+              <a:t>Group consultations / exercise</a:t>
+            </a:r>
+            <a:endParaRPr lang="en-GB" sz="1800" kern="0" dirty="0">
+              <a:solidFill>
+                <a:srgbClr val="FFFFFF"/>
+              </a:solidFill>
+            </a:endParaRPr>
+          </a:p>
+        </p:txBody>
+      </p:sp>
+    </p:spTree>
+    <p:extLst>
+      <p:ext uri="{BB962C8B-B14F-4D97-AF65-F5344CB8AC3E}">
+        <p14:creationId xmlns:p14="http://schemas.microsoft.com/office/powerpoint/2010/main" val="3490048193"/>
+      </p:ext>
+    </p:extLst>
+  </p:cSld>
+  <p:clrMapOvr>
+    <a:masterClrMapping/>
+  </p:clrMapOvr>
+</p:sld>
+</file>
+
+<file path=ppt/slides/slide41.xml><?xml version="1.0" encoding="utf-8"?>
+<p:sld xmlns:a="http://schemas.openxmlformats.org/drawingml/2006/main" xmlns:r="http://schemas.openxmlformats.org/officeDocument/2006/relationships" xmlns:p="http://schemas.openxmlformats.org/presentationml/2006/main">
+  <p:cSld>
+    <p:spTree>
+      <p:nvGrpSpPr>
+        <p:cNvPr id="1" name=""/>
+        <p:cNvGrpSpPr/>
+        <p:nvPr/>
+      </p:nvGrpSpPr>
+      <p:grpSpPr>
+        <a:xfrm>
+          <a:off x="0" y="0"/>
+          <a:ext cx="0" cy="0"/>
+          <a:chOff x="0" y="0"/>
+          <a:chExt cx="0" cy="0"/>
+        </a:xfrm>
+      </p:grpSpPr>
+      <p:sp>
+        <p:nvSpPr>
+          <p:cNvPr id="5" name="Title 1">
+            <a:extLst>
+              <a:ext uri="{FF2B5EF4-FFF2-40B4-BE49-F238E27FC236}">
+                <a16:creationId xmlns:a16="http://schemas.microsoft.com/office/drawing/2014/main" id="{21710369-68EE-6CFD-B9C3-2BC215E5DDD1}"/>
+              </a:ext>
+            </a:extLst>
+          </p:cNvPr>
+          <p:cNvSpPr txBox="1">
+            <a:spLocks noGrp="1"/>
+          </p:cNvSpPr>
+          <p:nvPr>
+            <p:ph type="title"/>
+          </p:nvPr>
+        </p:nvSpPr>
+        <p:spPr>
+          <a:xfrm>
+            <a:off x="838203" y="365129"/>
+            <a:ext cx="10515600" cy="1325559"/>
+          </a:xfrm>
+        </p:spPr>
+        <p:txBody>
+          <a:bodyPr/>
+          <a:lstStyle/>
+          <a:p>
+            <a:pPr lvl="0">
+              <a:lnSpc>
+                <a:spcPct val="100000"/>
+              </a:lnSpc>
+            </a:pPr>
+            <a:r>
+              <a:rPr lang="en-GB" sz="5400" b="1" kern="0" dirty="0">
+                <a:solidFill>
+                  <a:srgbClr val="006388"/>
+                </a:solidFill>
+                <a:latin typeface="Fira Sans" pitchFamily="34"/>
+                <a:ea typeface="Fira Code" pitchFamily="49"/>
+              </a:rPr>
+              <a:t>Exercise</a:t>
+            </a:r>
+            <a:endParaRPr lang="en-GB" sz="1800" kern="0" dirty="0"/>
+          </a:p>
+        </p:txBody>
+      </p:sp>
+      <p:sp>
+        <p:nvSpPr>
+          <p:cNvPr id="6" name="Content Placeholder 2">
+            <a:extLst>
+              <a:ext uri="{FF2B5EF4-FFF2-40B4-BE49-F238E27FC236}">
+                <a16:creationId xmlns:a16="http://schemas.microsoft.com/office/drawing/2014/main" id="{4A6AE8C0-E171-6345-5098-4500E6FEF0F1}"/>
               </a:ext>
             </a:extLst>
           </p:cNvPr>
@@ -14368,115 +15173,84 @@
         <p:spPr>
           <a:xfrm>
             <a:off x="838203" y="1825627"/>
-            <a:ext cx="6152659" cy="4667243"/>
+            <a:ext cx="5366979" cy="4667243"/>
           </a:xfrm>
         </p:spPr>
         <p:txBody>
-          <a:bodyPr>
-            <a:normAutofit fontScale="85000" lnSpcReduction="20000"/>
-          </a:bodyPr>
+          <a:bodyPr/>
           <a:lstStyle/>
           <a:p>
             <a:pPr lvl="0">
               <a:lnSpc>
-                <a:spcPct val="120000"/>
-              </a:lnSpc>
-            </a:pPr>
-            <a:r>
-              <a:rPr lang="en-GB" sz="3200" dirty="0">
+                <a:spcPct val="100000"/>
+              </a:lnSpc>
+            </a:pPr>
+            <a:r>
+              <a:rPr lang="en-GB" dirty="0">
                 <a:solidFill>
                   <a:srgbClr val="404040"/>
                 </a:solidFill>
                 <a:latin typeface="Fira Sans" pitchFamily="34"/>
               </a:rPr>
-              <a:t>A virtual machine on a big server in the internal network</a:t>
+              <a:t>Fake SPOLISBUS</a:t>
             </a:r>
           </a:p>
           <a:p>
             <a:pPr lvl="0">
               <a:lnSpc>
-                <a:spcPct val="120000"/>
-              </a:lnSpc>
-            </a:pPr>
-            <a:r>
-              <a:rPr lang="en-GB" sz="3200" dirty="0">
+                <a:spcPct val="100000"/>
+              </a:lnSpc>
+            </a:pPr>
+            <a:r>
+              <a:rPr lang="en-GB" dirty="0">
                 <a:solidFill>
                   <a:srgbClr val="404040"/>
                 </a:solidFill>
                 <a:latin typeface="Fira Sans" pitchFamily="34"/>
               </a:rPr>
-              <a:t>Normal windows OS with 100GB storage</a:t>
+              <a:t>Create a “simple” plot</a:t>
             </a:r>
           </a:p>
           <a:p>
             <a:pPr lvl="0">
               <a:lnSpc>
-                <a:spcPct val="120000"/>
-              </a:lnSpc>
-            </a:pPr>
-            <a:r>
-              <a:rPr lang="en-GB" sz="3200" dirty="0">
+                <a:spcPct val="100000"/>
+              </a:lnSpc>
+            </a:pPr>
+            <a:r>
+              <a:rPr lang="en-GB" dirty="0">
                 <a:solidFill>
                   <a:srgbClr val="404040"/>
                 </a:solidFill>
                 <a:latin typeface="Fira Sans" pitchFamily="34"/>
               </a:rPr>
-              <a:t>R, python, SPSS, Stata, and more installed by default</a:t>
+              <a:t>Use the skills from this workshop!</a:t>
             </a:r>
           </a:p>
           <a:p>
             <a:pPr lvl="0">
               <a:lnSpc>
-                <a:spcPct val="120000"/>
-              </a:lnSpc>
-            </a:pPr>
-            <a:r>
-              <a:rPr lang="en-GB" sz="3200" dirty="0">
+                <a:spcPct val="100000"/>
+              </a:lnSpc>
+            </a:pPr>
+            <a:r>
+              <a:rPr lang="en-GB" dirty="0">
                 <a:solidFill>
                   <a:srgbClr val="404040"/>
                 </a:solidFill>
                 <a:latin typeface="Fira Sans" pitchFamily="34"/>
               </a:rPr>
-              <a:t>If you want specific libraries, ask the microdata team</a:t>
-            </a:r>
-          </a:p>
-          <a:p>
-            <a:pPr lvl="0">
-              <a:lnSpc>
-                <a:spcPct val="120000"/>
-              </a:lnSpc>
-            </a:pPr>
-            <a:r>
-              <a:rPr lang="en-GB" sz="3200" dirty="0">
-                <a:solidFill>
-                  <a:srgbClr val="404040"/>
-                </a:solidFill>
-                <a:latin typeface="Fira Sans" pitchFamily="34"/>
-              </a:rPr>
-              <a:t>No fancy environment management</a:t>
-            </a:r>
-          </a:p>
-          <a:p>
-            <a:pPr lvl="0">
-              <a:lnSpc>
-                <a:spcPct val="120000"/>
-              </a:lnSpc>
-            </a:pPr>
-            <a:endParaRPr lang="en-GB" sz="3200" dirty="0">
-              <a:solidFill>
-                <a:srgbClr val="404040"/>
-              </a:solidFill>
-              <a:latin typeface="Fira Sans" pitchFamily="34"/>
-            </a:endParaRPr>
+              <a:t>Discuss with your group members!</a:t>
+            </a:r>
           </a:p>
         </p:txBody>
       </p:sp>
       <p:pic>
         <p:nvPicPr>
-          <p:cNvPr id="6" name="Graphic 5">
+          <p:cNvPr id="8" name="Picture 7" descr="A graph with black lines and dots&#10;&#10;Description automatically generated">
             <a:extLst>
               <a:ext uri="{FF2B5EF4-FFF2-40B4-BE49-F238E27FC236}">
-                <a16:creationId xmlns:a16="http://schemas.microsoft.com/office/drawing/2014/main" id="{045CA459-40EC-F3A1-3F60-0829F2AB926F}"/>
+                <a16:creationId xmlns:a16="http://schemas.microsoft.com/office/drawing/2014/main" id="{70408B5A-DA90-6F26-FB45-D316030A1DE5}"/>
               </a:ext>
             </a:extLst>
           </p:cNvPr>
@@ -14491,9 +15265,6 @@
               <a:ext uri="{28A0092B-C50C-407E-A947-70E740481C1C}">
                 <a14:useLocalDpi xmlns:a14="http://schemas.microsoft.com/office/drawing/2010/main" val="0"/>
               </a:ext>
-              <a:ext uri="{96DAC541-7B7A-43D3-8B79-37D633B846F1}">
-                <asvg:svgBlip xmlns:asvg="http://schemas.microsoft.com/office/drawing/2016/SVG/main" r:embed="rId3"/>
-              </a:ext>
             </a:extLst>
           </a:blip>
           <a:stretch>
@@ -14502,8 +15273,8 @@
         </p:blipFill>
         <p:spPr>
           <a:xfrm>
-            <a:off x="7638563" y="1690688"/>
-            <a:ext cx="3646242" cy="1802789"/>
+            <a:off x="5985191" y="1555840"/>
+            <a:ext cx="5927033" cy="4148924"/>
           </a:xfrm>
           <a:prstGeom prst="rect">
             <a:avLst/>
@@ -14513,7 +15284,7 @@
     </p:spTree>
     <p:extLst>
       <p:ext uri="{BB962C8B-B14F-4D97-AF65-F5344CB8AC3E}">
-        <p14:creationId xmlns:p14="http://schemas.microsoft.com/office/powerpoint/2010/main" val="2085890626"/>
+        <p14:creationId xmlns:p14="http://schemas.microsoft.com/office/powerpoint/2010/main" val="3029925352"/>
       </p:ext>
     </p:extLst>
   </p:cSld>
@@ -14523,7 +15294,3300 @@
 </p:sld>
 </file>
 
-<file path=ppt/slides/slide40.xml><?xml version="1.0" encoding="utf-8"?>
+<file path=ppt/slides/slide42.xml><?xml version="1.0" encoding="utf-8"?>
+<p:sld xmlns:a="http://schemas.openxmlformats.org/drawingml/2006/main" xmlns:r="http://schemas.openxmlformats.org/officeDocument/2006/relationships" xmlns:p="http://schemas.openxmlformats.org/presentationml/2006/main">
+  <p:cSld>
+    <p:spTree>
+      <p:nvGrpSpPr>
+        <p:cNvPr id="1" name=""/>
+        <p:cNvGrpSpPr/>
+        <p:nvPr/>
+      </p:nvGrpSpPr>
+      <p:grpSpPr>
+        <a:xfrm>
+          <a:off x="0" y="0"/>
+          <a:ext cx="0" cy="0"/>
+          <a:chOff x="0" y="0"/>
+          <a:chExt cx="0" cy="0"/>
+        </a:xfrm>
+      </p:grpSpPr>
+      <p:graphicFrame>
+        <p:nvGraphicFramePr>
+          <p:cNvPr id="4" name="Table 3">
+            <a:extLst>
+              <a:ext uri="{FF2B5EF4-FFF2-40B4-BE49-F238E27FC236}">
+                <a16:creationId xmlns:a16="http://schemas.microsoft.com/office/drawing/2014/main" id="{452DED42-872C-A8A9-4862-DAC67F8C2982}"/>
+              </a:ext>
+            </a:extLst>
+          </p:cNvPr>
+          <p:cNvGraphicFramePr>
+            <a:graphicFrameLocks noGrp="1"/>
+          </p:cNvGraphicFramePr>
+          <p:nvPr>
+            <p:extLst>
+              <p:ext uri="{D42A27DB-BD31-4B8C-83A1-F6EECF244321}">
+                <p14:modId xmlns:p14="http://schemas.microsoft.com/office/powerpoint/2010/main" val="1069826896"/>
+              </p:ext>
+            </p:extLst>
+          </p:nvPr>
+        </p:nvGraphicFramePr>
+        <p:xfrm>
+          <a:off x="8053754" y="95736"/>
+          <a:ext cx="3997569" cy="6666528"/>
+        </p:xfrm>
+        <a:graphic>
+          <a:graphicData uri="http://schemas.openxmlformats.org/drawingml/2006/table">
+            <a:tbl>
+              <a:tblPr>
+                <a:tableStyleId>{5C22544A-7EE6-4342-B048-85BDC9FD1C3A}</a:tableStyleId>
+              </a:tblPr>
+              <a:tblGrid>
+                <a:gridCol w="1039368">
+                  <a:extLst>
+                    <a:ext uri="{9D8B030D-6E8A-4147-A177-3AD203B41FA5}">
+                      <a16:colId xmlns:a16="http://schemas.microsoft.com/office/drawing/2014/main" val="1743071661"/>
+                    </a:ext>
+                  </a:extLst>
+                </a:gridCol>
+                <a:gridCol w="1231252">
+                  <a:extLst>
+                    <a:ext uri="{9D8B030D-6E8A-4147-A177-3AD203B41FA5}">
+                      <a16:colId xmlns:a16="http://schemas.microsoft.com/office/drawing/2014/main" val="1472267000"/>
+                    </a:ext>
+                  </a:extLst>
+                </a:gridCol>
+                <a:gridCol w="1726949">
+                  <a:extLst>
+                    <a:ext uri="{9D8B030D-6E8A-4147-A177-3AD203B41FA5}">
+                      <a16:colId xmlns:a16="http://schemas.microsoft.com/office/drawing/2014/main" val="4050518597"/>
+                    </a:ext>
+                  </a:extLst>
+                </a:gridCol>
+              </a:tblGrid>
+              <a:tr h="202016">
+                <a:tc>
+                  <a:txBody>
+                    <a:bodyPr/>
+                    <a:lstStyle/>
+                    <a:p>
+                      <a:pPr algn="ctr" fontAlgn="b"/>
+                      <a:r>
+                        <a:rPr lang="en-US" sz="1200" b="1" u="none" strike="noStrike" dirty="0">
+                          <a:effectLst/>
+                        </a:rPr>
+                        <a:t>First name</a:t>
+                      </a:r>
+                      <a:endParaRPr lang="en-US" sz="1200" b="1" i="0" u="none" strike="noStrike" dirty="0">
+                        <a:solidFill>
+                          <a:srgbClr val="000000"/>
+                        </a:solidFill>
+                        <a:effectLst/>
+                        <a:latin typeface="Arial" panose="020B0604020202020204" pitchFamily="34" charset="0"/>
+                      </a:endParaRPr>
+                    </a:p>
+                  </a:txBody>
+                  <a:tcPr marL="3470" marR="3470" marT="6940" marB="6940" anchor="b"/>
+                </a:tc>
+                <a:tc>
+                  <a:txBody>
+                    <a:bodyPr/>
+                    <a:lstStyle/>
+                    <a:p>
+                      <a:pPr algn="ctr" fontAlgn="b"/>
+                      <a:r>
+                        <a:rPr lang="en-US" sz="1200" b="1" u="none" strike="noStrike" dirty="0">
+                          <a:effectLst/>
+                        </a:rPr>
+                        <a:t>Last name</a:t>
+                      </a:r>
+                      <a:endParaRPr lang="en-US" sz="1200" b="1" i="0" u="none" strike="noStrike" dirty="0">
+                        <a:solidFill>
+                          <a:srgbClr val="000000"/>
+                        </a:solidFill>
+                        <a:effectLst/>
+                        <a:latin typeface="Arial" panose="020B0604020202020204" pitchFamily="34" charset="0"/>
+                      </a:endParaRPr>
+                    </a:p>
+                  </a:txBody>
+                  <a:tcPr marL="3470" marR="3470" marT="3470" marB="0" anchor="b"/>
+                </a:tc>
+                <a:tc>
+                  <a:txBody>
+                    <a:bodyPr/>
+                    <a:lstStyle/>
+                    <a:p>
+                      <a:pPr algn="ctr" fontAlgn="b"/>
+                      <a:r>
+                        <a:rPr lang="en-US" sz="1200" b="1" u="none" strike="noStrike" dirty="0">
+                          <a:effectLst/>
+                        </a:rPr>
+                        <a:t>Group</a:t>
+                      </a:r>
+                      <a:endParaRPr lang="en-US" sz="1200" b="1" i="0" u="none" strike="noStrike" dirty="0">
+                        <a:solidFill>
+                          <a:srgbClr val="000000"/>
+                        </a:solidFill>
+                        <a:effectLst/>
+                        <a:latin typeface="Arial" panose="020B0604020202020204" pitchFamily="34" charset="0"/>
+                      </a:endParaRPr>
+                    </a:p>
+                  </a:txBody>
+                  <a:tcPr marL="3470" marR="3470" marT="3470" marB="0" anchor="b"/>
+                </a:tc>
+                <a:extLst>
+                  <a:ext uri="{0D108BD9-81ED-4DB2-BD59-A6C34878D82A}">
+                    <a16:rowId xmlns:a16="http://schemas.microsoft.com/office/drawing/2014/main" val="2825885128"/>
+                  </a:ext>
+                </a:extLst>
+              </a:tr>
+              <a:tr h="202016">
+                <a:tc>
+                  <a:txBody>
+                    <a:bodyPr/>
+                    <a:lstStyle/>
+                    <a:p>
+                      <a:pPr algn="ctr" fontAlgn="b"/>
+                      <a:r>
+                        <a:rPr lang="en-US" sz="1200" u="none" strike="noStrike">
+                          <a:effectLst/>
+                          <a:latin typeface="Fira Sans" panose="020B0503050000020004" pitchFamily="34" charset="0"/>
+                          <a:ea typeface="Fira Sans" panose="020B0503050000020004" pitchFamily="34" charset="0"/>
+                        </a:rPr>
+                        <a:t>Henry</a:t>
+                      </a:r>
+                      <a:endParaRPr lang="en-US" sz="1200" b="0" i="0" u="none" strike="noStrike">
+                        <a:solidFill>
+                          <a:srgbClr val="000000"/>
+                        </a:solidFill>
+                        <a:effectLst/>
+                        <a:latin typeface="Fira Sans" panose="020B0503050000020004" pitchFamily="34" charset="0"/>
+                        <a:ea typeface="Fira Sans" panose="020B0503050000020004" pitchFamily="34" charset="0"/>
+                      </a:endParaRPr>
+                    </a:p>
+                  </a:txBody>
+                  <a:tcPr marL="3470" marR="3470" marT="6940" marB="6940" anchor="b"/>
+                </a:tc>
+                <a:tc>
+                  <a:txBody>
+                    <a:bodyPr/>
+                    <a:lstStyle/>
+                    <a:p>
+                      <a:pPr algn="ctr" fontAlgn="b"/>
+                      <a:r>
+                        <a:rPr lang="en-US" sz="1200" u="none" strike="noStrike">
+                          <a:effectLst/>
+                          <a:latin typeface="Fira Sans" panose="020B0503050000020004" pitchFamily="34" charset="0"/>
+                          <a:ea typeface="Fira Sans" panose="020B0503050000020004" pitchFamily="34" charset="0"/>
+                        </a:rPr>
+                        <a:t>Abbink</a:t>
+                      </a:r>
+                      <a:endParaRPr lang="en-US" sz="1200" b="0" i="0" u="none" strike="noStrike">
+                        <a:solidFill>
+                          <a:srgbClr val="000000"/>
+                        </a:solidFill>
+                        <a:effectLst/>
+                        <a:latin typeface="Fira Sans" panose="020B0503050000020004" pitchFamily="34" charset="0"/>
+                        <a:ea typeface="Fira Sans" panose="020B0503050000020004" pitchFamily="34" charset="0"/>
+                      </a:endParaRPr>
+                    </a:p>
+                  </a:txBody>
+                  <a:tcPr marL="3470" marR="3470" marT="6940" marB="6940" anchor="b"/>
+                </a:tc>
+                <a:tc>
+                  <a:txBody>
+                    <a:bodyPr/>
+                    <a:lstStyle/>
+                    <a:p>
+                      <a:pPr algn="ctr" fontAlgn="b"/>
+                      <a:r>
+                        <a:rPr lang="en-US" sz="1200" u="none" strike="noStrike">
+                          <a:effectLst/>
+                          <a:latin typeface="Fira Sans" panose="020B0503050000020004" pitchFamily="34" charset="0"/>
+                          <a:ea typeface="Fira Sans" panose="020B0503050000020004" pitchFamily="34" charset="0"/>
+                        </a:rPr>
+                        <a:t>Data handling</a:t>
+                      </a:r>
+                      <a:endParaRPr lang="en-US" sz="1200" b="0" i="0" u="none" strike="noStrike">
+                        <a:solidFill>
+                          <a:srgbClr val="000000"/>
+                        </a:solidFill>
+                        <a:effectLst/>
+                        <a:latin typeface="Fira Sans" panose="020B0503050000020004" pitchFamily="34" charset="0"/>
+                        <a:ea typeface="Fira Sans" panose="020B0503050000020004" pitchFamily="34" charset="0"/>
+                      </a:endParaRPr>
+                    </a:p>
+                  </a:txBody>
+                  <a:tcPr marL="3470" marR="3470" marT="3470" marB="0" anchor="b"/>
+                </a:tc>
+                <a:extLst>
+                  <a:ext uri="{0D108BD9-81ED-4DB2-BD59-A6C34878D82A}">
+                    <a16:rowId xmlns:a16="http://schemas.microsoft.com/office/drawing/2014/main" val="391009903"/>
+                  </a:ext>
+                </a:extLst>
+              </a:tr>
+              <a:tr h="202016">
+                <a:tc>
+                  <a:txBody>
+                    <a:bodyPr/>
+                    <a:lstStyle/>
+                    <a:p>
+                      <a:pPr algn="ctr" fontAlgn="b"/>
+                      <a:r>
+                        <a:rPr lang="en-US" sz="1200" u="none" strike="noStrike">
+                          <a:effectLst/>
+                          <a:latin typeface="Fira Sans" panose="020B0503050000020004" pitchFamily="34" charset="0"/>
+                          <a:ea typeface="Fira Sans" panose="020B0503050000020004" pitchFamily="34" charset="0"/>
+                        </a:rPr>
+                        <a:t>Nathalie</a:t>
+                      </a:r>
+                      <a:endParaRPr lang="en-US" sz="1200" b="0" i="0" u="none" strike="noStrike">
+                        <a:solidFill>
+                          <a:srgbClr val="000000"/>
+                        </a:solidFill>
+                        <a:effectLst/>
+                        <a:latin typeface="Fira Sans" panose="020B0503050000020004" pitchFamily="34" charset="0"/>
+                        <a:ea typeface="Fira Sans" panose="020B0503050000020004" pitchFamily="34" charset="0"/>
+                      </a:endParaRPr>
+                    </a:p>
+                  </a:txBody>
+                  <a:tcPr marL="3470" marR="3470" marT="6940" marB="6940" anchor="b"/>
+                </a:tc>
+                <a:tc>
+                  <a:txBody>
+                    <a:bodyPr/>
+                    <a:lstStyle/>
+                    <a:p>
+                      <a:pPr algn="ctr" fontAlgn="b"/>
+                      <a:r>
+                        <a:rPr lang="en-US" sz="1200" u="none" strike="noStrike">
+                          <a:effectLst/>
+                          <a:latin typeface="Fira Sans" panose="020B0503050000020004" pitchFamily="34" charset="0"/>
+                          <a:ea typeface="Fira Sans" panose="020B0503050000020004" pitchFamily="34" charset="0"/>
+                        </a:rPr>
+                        <a:t>Aerts</a:t>
+                      </a:r>
+                      <a:endParaRPr lang="en-US" sz="1200" b="0" i="0" u="none" strike="noStrike">
+                        <a:solidFill>
+                          <a:srgbClr val="000000"/>
+                        </a:solidFill>
+                        <a:effectLst/>
+                        <a:latin typeface="Fira Sans" panose="020B0503050000020004" pitchFamily="34" charset="0"/>
+                        <a:ea typeface="Fira Sans" panose="020B0503050000020004" pitchFamily="34" charset="0"/>
+                      </a:endParaRPr>
+                    </a:p>
+                  </a:txBody>
+                  <a:tcPr marL="3470" marR="3470" marT="6940" marB="6940" anchor="b"/>
+                </a:tc>
+                <a:tc>
+                  <a:txBody>
+                    <a:bodyPr/>
+                    <a:lstStyle/>
+                    <a:p>
+                      <a:pPr algn="ctr" fontAlgn="b"/>
+                      <a:r>
+                        <a:rPr lang="en-US" sz="1200" u="none" strike="noStrike">
+                          <a:effectLst/>
+                          <a:latin typeface="Fira Sans" panose="020B0503050000020004" pitchFamily="34" charset="0"/>
+                          <a:ea typeface="Fira Sans" panose="020B0503050000020004" pitchFamily="34" charset="0"/>
+                        </a:rPr>
+                        <a:t>CBS RA data</a:t>
+                      </a:r>
+                      <a:endParaRPr lang="en-US" sz="1200" b="0" i="0" u="none" strike="noStrike">
+                        <a:solidFill>
+                          <a:srgbClr val="000000"/>
+                        </a:solidFill>
+                        <a:effectLst/>
+                        <a:latin typeface="Fira Sans" panose="020B0503050000020004" pitchFamily="34" charset="0"/>
+                        <a:ea typeface="Fira Sans" panose="020B0503050000020004" pitchFamily="34" charset="0"/>
+                      </a:endParaRPr>
+                    </a:p>
+                  </a:txBody>
+                  <a:tcPr marL="3470" marR="3470" marT="3470" marB="0" anchor="b"/>
+                </a:tc>
+                <a:extLst>
+                  <a:ext uri="{0D108BD9-81ED-4DB2-BD59-A6C34878D82A}">
+                    <a16:rowId xmlns:a16="http://schemas.microsoft.com/office/drawing/2014/main" val="1320289952"/>
+                  </a:ext>
+                </a:extLst>
+              </a:tr>
+              <a:tr h="202016">
+                <a:tc>
+                  <a:txBody>
+                    <a:bodyPr/>
+                    <a:lstStyle/>
+                    <a:p>
+                      <a:pPr algn="ctr" fontAlgn="b"/>
+                      <a:r>
+                        <a:rPr lang="en-US" sz="1200" u="none" strike="noStrike">
+                          <a:effectLst/>
+                          <a:latin typeface="Fira Sans" panose="020B0503050000020004" pitchFamily="34" charset="0"/>
+                          <a:ea typeface="Fira Sans" panose="020B0503050000020004" pitchFamily="34" charset="0"/>
+                        </a:rPr>
+                        <a:t>Nadya</a:t>
+                      </a:r>
+                      <a:endParaRPr lang="en-US" sz="1200" b="0" i="0" u="none" strike="noStrike">
+                        <a:solidFill>
+                          <a:srgbClr val="000000"/>
+                        </a:solidFill>
+                        <a:effectLst/>
+                        <a:latin typeface="Fira Sans" panose="020B0503050000020004" pitchFamily="34" charset="0"/>
+                        <a:ea typeface="Fira Sans" panose="020B0503050000020004" pitchFamily="34" charset="0"/>
+                      </a:endParaRPr>
+                    </a:p>
+                  </a:txBody>
+                  <a:tcPr marL="3470" marR="3470" marT="6940" marB="6940" anchor="b"/>
+                </a:tc>
+                <a:tc>
+                  <a:txBody>
+                    <a:bodyPr/>
+                    <a:lstStyle/>
+                    <a:p>
+                      <a:pPr algn="ctr" fontAlgn="b"/>
+                      <a:r>
+                        <a:rPr lang="en-US" sz="1200" u="none" strike="noStrike">
+                          <a:effectLst/>
+                          <a:latin typeface="Fira Sans" panose="020B0503050000020004" pitchFamily="34" charset="0"/>
+                          <a:ea typeface="Fira Sans" panose="020B0503050000020004" pitchFamily="34" charset="0"/>
+                        </a:rPr>
+                        <a:t>Ali</a:t>
+                      </a:r>
+                      <a:endParaRPr lang="en-US" sz="1200" b="0" i="0" u="none" strike="noStrike">
+                        <a:solidFill>
+                          <a:srgbClr val="000000"/>
+                        </a:solidFill>
+                        <a:effectLst/>
+                        <a:latin typeface="Fira Sans" panose="020B0503050000020004" pitchFamily="34" charset="0"/>
+                        <a:ea typeface="Fira Sans" panose="020B0503050000020004" pitchFamily="34" charset="0"/>
+                      </a:endParaRPr>
+                    </a:p>
+                  </a:txBody>
+                  <a:tcPr marL="3470" marR="3470" marT="6940" marB="6940" anchor="b"/>
+                </a:tc>
+                <a:tc>
+                  <a:txBody>
+                    <a:bodyPr/>
+                    <a:lstStyle/>
+                    <a:p>
+                      <a:pPr algn="ctr" fontAlgn="b"/>
+                      <a:r>
+                        <a:rPr lang="en-US" sz="1200" b="0" i="0" u="none" strike="noStrike" dirty="0">
+                          <a:solidFill>
+                            <a:srgbClr val="000000"/>
+                          </a:solidFill>
+                          <a:effectLst/>
+                          <a:latin typeface="Fira Sans" panose="020B0503050000020004" pitchFamily="34" charset="0"/>
+                          <a:ea typeface="Fira Sans" panose="020B0503050000020004" pitchFamily="34" charset="0"/>
+                        </a:rPr>
+                        <a:t>Exercise</a:t>
+                      </a:r>
+                      <a:endParaRPr lang="en-NL" sz="1200" b="0" i="0" u="none" strike="noStrike" dirty="0">
+                        <a:solidFill>
+                          <a:srgbClr val="000000"/>
+                        </a:solidFill>
+                        <a:effectLst/>
+                        <a:latin typeface="Fira Sans" panose="020B0503050000020004" pitchFamily="34" charset="0"/>
+                        <a:ea typeface="Fira Sans" panose="020B0503050000020004" pitchFamily="34" charset="0"/>
+                      </a:endParaRPr>
+                    </a:p>
+                  </a:txBody>
+                  <a:tcPr marL="3470" marR="3470" marT="3470" marB="0" anchor="b"/>
+                </a:tc>
+                <a:extLst>
+                  <a:ext uri="{0D108BD9-81ED-4DB2-BD59-A6C34878D82A}">
+                    <a16:rowId xmlns:a16="http://schemas.microsoft.com/office/drawing/2014/main" val="3886504020"/>
+                  </a:ext>
+                </a:extLst>
+              </a:tr>
+              <a:tr h="202016">
+                <a:tc>
+                  <a:txBody>
+                    <a:bodyPr/>
+                    <a:lstStyle/>
+                    <a:p>
+                      <a:pPr algn="ctr" fontAlgn="b"/>
+                      <a:r>
+                        <a:rPr lang="en-US" sz="1200" u="none" strike="noStrike">
+                          <a:effectLst/>
+                          <a:latin typeface="Fira Sans" panose="020B0503050000020004" pitchFamily="34" charset="0"/>
+                          <a:ea typeface="Fira Sans" panose="020B0503050000020004" pitchFamily="34" charset="0"/>
+                        </a:rPr>
+                        <a:t>Stanislav</a:t>
+                      </a:r>
+                      <a:endParaRPr lang="en-US" sz="1200" b="0" i="0" u="none" strike="noStrike">
+                        <a:solidFill>
+                          <a:srgbClr val="000000"/>
+                        </a:solidFill>
+                        <a:effectLst/>
+                        <a:latin typeface="Fira Sans" panose="020B0503050000020004" pitchFamily="34" charset="0"/>
+                        <a:ea typeface="Fira Sans" panose="020B0503050000020004" pitchFamily="34" charset="0"/>
+                      </a:endParaRPr>
+                    </a:p>
+                  </a:txBody>
+                  <a:tcPr marL="3470" marR="3470" marT="6940" marB="6940" anchor="b"/>
+                </a:tc>
+                <a:tc>
+                  <a:txBody>
+                    <a:bodyPr/>
+                    <a:lstStyle/>
+                    <a:p>
+                      <a:pPr algn="ctr" fontAlgn="b"/>
+                      <a:r>
+                        <a:rPr lang="en-US" sz="1200" u="none" strike="noStrike">
+                          <a:effectLst/>
+                          <a:latin typeface="Fira Sans" panose="020B0503050000020004" pitchFamily="34" charset="0"/>
+                          <a:ea typeface="Fira Sans" panose="020B0503050000020004" pitchFamily="34" charset="0"/>
+                        </a:rPr>
+                        <a:t>Avdeev</a:t>
+                      </a:r>
+                      <a:endParaRPr lang="en-US" sz="1200" b="0" i="0" u="none" strike="noStrike">
+                        <a:solidFill>
+                          <a:srgbClr val="000000"/>
+                        </a:solidFill>
+                        <a:effectLst/>
+                        <a:latin typeface="Fira Sans" panose="020B0503050000020004" pitchFamily="34" charset="0"/>
+                        <a:ea typeface="Fira Sans" panose="020B0503050000020004" pitchFamily="34" charset="0"/>
+                      </a:endParaRPr>
+                    </a:p>
+                  </a:txBody>
+                  <a:tcPr marL="3470" marR="3470" marT="6940" marB="6940" anchor="b"/>
+                </a:tc>
+                <a:tc>
+                  <a:txBody>
+                    <a:bodyPr/>
+                    <a:lstStyle/>
+                    <a:p>
+                      <a:pPr algn="ctr" fontAlgn="b"/>
+                      <a:r>
+                        <a:rPr lang="en-US" sz="1200" u="none" strike="noStrike">
+                          <a:effectLst/>
+                          <a:latin typeface="Fira Sans" panose="020B0503050000020004" pitchFamily="34" charset="0"/>
+                          <a:ea typeface="Fira Sans" panose="020B0503050000020004" pitchFamily="34" charset="0"/>
+                        </a:rPr>
+                        <a:t>Data handling</a:t>
+                      </a:r>
+                      <a:endParaRPr lang="en-US" sz="1200" b="0" i="0" u="none" strike="noStrike">
+                        <a:solidFill>
+                          <a:srgbClr val="000000"/>
+                        </a:solidFill>
+                        <a:effectLst/>
+                        <a:latin typeface="Fira Sans" panose="020B0503050000020004" pitchFamily="34" charset="0"/>
+                        <a:ea typeface="Fira Sans" panose="020B0503050000020004" pitchFamily="34" charset="0"/>
+                      </a:endParaRPr>
+                    </a:p>
+                  </a:txBody>
+                  <a:tcPr marL="3470" marR="3470" marT="3470" marB="0" anchor="b"/>
+                </a:tc>
+                <a:extLst>
+                  <a:ext uri="{0D108BD9-81ED-4DB2-BD59-A6C34878D82A}">
+                    <a16:rowId xmlns:a16="http://schemas.microsoft.com/office/drawing/2014/main" val="2270372630"/>
+                  </a:ext>
+                </a:extLst>
+              </a:tr>
+              <a:tr h="202016">
+                <a:tc>
+                  <a:txBody>
+                    <a:bodyPr/>
+                    <a:lstStyle/>
+                    <a:p>
+                      <a:pPr algn="ctr" fontAlgn="b"/>
+                      <a:r>
+                        <a:rPr lang="en-US" sz="1200" u="none" strike="noStrike">
+                          <a:effectLst/>
+                          <a:latin typeface="Fira Sans" panose="020B0503050000020004" pitchFamily="34" charset="0"/>
+                          <a:ea typeface="Fira Sans" panose="020B0503050000020004" pitchFamily="34" charset="0"/>
+                        </a:rPr>
+                        <a:t>Özgün</a:t>
+                      </a:r>
+                      <a:endParaRPr lang="en-US" sz="1200" b="0" i="0" u="none" strike="noStrike">
+                        <a:solidFill>
+                          <a:srgbClr val="000000"/>
+                        </a:solidFill>
+                        <a:effectLst/>
+                        <a:latin typeface="Fira Sans" panose="020B0503050000020004" pitchFamily="34" charset="0"/>
+                        <a:ea typeface="Fira Sans" panose="020B0503050000020004" pitchFamily="34" charset="0"/>
+                      </a:endParaRPr>
+                    </a:p>
+                  </a:txBody>
+                  <a:tcPr marL="3470" marR="3470" marT="6940" marB="6940" anchor="b"/>
+                </a:tc>
+                <a:tc>
+                  <a:txBody>
+                    <a:bodyPr/>
+                    <a:lstStyle/>
+                    <a:p>
+                      <a:pPr algn="ctr" fontAlgn="b"/>
+                      <a:r>
+                        <a:rPr lang="en-US" sz="1200" u="none" strike="noStrike">
+                          <a:effectLst/>
+                          <a:latin typeface="Fira Sans" panose="020B0503050000020004" pitchFamily="34" charset="0"/>
+                          <a:ea typeface="Fira Sans" panose="020B0503050000020004" pitchFamily="34" charset="0"/>
+                        </a:rPr>
+                        <a:t>Balaban</a:t>
+                      </a:r>
+                      <a:endParaRPr lang="en-US" sz="1200" b="0" i="0" u="none" strike="noStrike">
+                        <a:solidFill>
+                          <a:srgbClr val="000000"/>
+                        </a:solidFill>
+                        <a:effectLst/>
+                        <a:latin typeface="Fira Sans" panose="020B0503050000020004" pitchFamily="34" charset="0"/>
+                        <a:ea typeface="Fira Sans" panose="020B0503050000020004" pitchFamily="34" charset="0"/>
+                      </a:endParaRPr>
+                    </a:p>
+                  </a:txBody>
+                  <a:tcPr marL="3470" marR="3470" marT="6940" marB="6940" anchor="b"/>
+                </a:tc>
+                <a:tc>
+                  <a:txBody>
+                    <a:bodyPr/>
+                    <a:lstStyle/>
+                    <a:p>
+                      <a:pPr algn="ctr" fontAlgn="b"/>
+                      <a:r>
+                        <a:rPr lang="en-US" sz="1200" u="none" strike="noStrike">
+                          <a:effectLst/>
+                          <a:latin typeface="Fira Sans" panose="020B0503050000020004" pitchFamily="34" charset="0"/>
+                          <a:ea typeface="Fira Sans" panose="020B0503050000020004" pitchFamily="34" charset="0"/>
+                        </a:rPr>
+                        <a:t>CBS RA data</a:t>
+                      </a:r>
+                      <a:endParaRPr lang="en-US" sz="1200" b="0" i="0" u="none" strike="noStrike">
+                        <a:solidFill>
+                          <a:srgbClr val="000000"/>
+                        </a:solidFill>
+                        <a:effectLst/>
+                        <a:latin typeface="Fira Sans" panose="020B0503050000020004" pitchFamily="34" charset="0"/>
+                        <a:ea typeface="Fira Sans" panose="020B0503050000020004" pitchFamily="34" charset="0"/>
+                      </a:endParaRPr>
+                    </a:p>
+                  </a:txBody>
+                  <a:tcPr marL="3470" marR="3470" marT="3470" marB="0" anchor="b"/>
+                </a:tc>
+                <a:extLst>
+                  <a:ext uri="{0D108BD9-81ED-4DB2-BD59-A6C34878D82A}">
+                    <a16:rowId xmlns:a16="http://schemas.microsoft.com/office/drawing/2014/main" val="1952152976"/>
+                  </a:ext>
+                </a:extLst>
+              </a:tr>
+              <a:tr h="202016">
+                <a:tc>
+                  <a:txBody>
+                    <a:bodyPr/>
+                    <a:lstStyle/>
+                    <a:p>
+                      <a:pPr algn="ctr" fontAlgn="b"/>
+                      <a:r>
+                        <a:rPr lang="en-US" sz="1200" u="none" strike="noStrike">
+                          <a:effectLst/>
+                          <a:latin typeface="Fira Sans" panose="020B0503050000020004" pitchFamily="34" charset="0"/>
+                          <a:ea typeface="Fira Sans" panose="020B0503050000020004" pitchFamily="34" charset="0"/>
+                        </a:rPr>
+                        <a:t>Dorien</a:t>
+                      </a:r>
+                      <a:endParaRPr lang="en-US" sz="1200" b="0" i="0" u="none" strike="noStrike">
+                        <a:solidFill>
+                          <a:srgbClr val="000000"/>
+                        </a:solidFill>
+                        <a:effectLst/>
+                        <a:latin typeface="Fira Sans" panose="020B0503050000020004" pitchFamily="34" charset="0"/>
+                        <a:ea typeface="Fira Sans" panose="020B0503050000020004" pitchFamily="34" charset="0"/>
+                      </a:endParaRPr>
+                    </a:p>
+                  </a:txBody>
+                  <a:tcPr marL="3470" marR="3470" marT="6940" marB="6940" anchor="b"/>
+                </a:tc>
+                <a:tc>
+                  <a:txBody>
+                    <a:bodyPr/>
+                    <a:lstStyle/>
+                    <a:p>
+                      <a:pPr algn="ctr" fontAlgn="b"/>
+                      <a:r>
+                        <a:rPr lang="en-US" sz="1200" u="none" strike="noStrike">
+                          <a:effectLst/>
+                          <a:latin typeface="Fira Sans" panose="020B0503050000020004" pitchFamily="34" charset="0"/>
+                          <a:ea typeface="Fira Sans" panose="020B0503050000020004" pitchFamily="34" charset="0"/>
+                        </a:rPr>
+                        <a:t>Beeres</a:t>
+                      </a:r>
+                      <a:endParaRPr lang="en-US" sz="1200" b="0" i="0" u="none" strike="noStrike">
+                        <a:solidFill>
+                          <a:srgbClr val="000000"/>
+                        </a:solidFill>
+                        <a:effectLst/>
+                        <a:latin typeface="Fira Sans" panose="020B0503050000020004" pitchFamily="34" charset="0"/>
+                        <a:ea typeface="Fira Sans" panose="020B0503050000020004" pitchFamily="34" charset="0"/>
+                      </a:endParaRPr>
+                    </a:p>
+                  </a:txBody>
+                  <a:tcPr marL="3470" marR="3470" marT="6940" marB="6940" anchor="b"/>
+                </a:tc>
+                <a:tc>
+                  <a:txBody>
+                    <a:bodyPr/>
+                    <a:lstStyle/>
+                    <a:p>
+                      <a:pPr algn="ctr" fontAlgn="b"/>
+                      <a:r>
+                        <a:rPr lang="en-US" sz="1200" u="none" strike="noStrike">
+                          <a:effectLst/>
+                          <a:latin typeface="Fira Sans" panose="020B0503050000020004" pitchFamily="34" charset="0"/>
+                          <a:ea typeface="Fira Sans" panose="020B0503050000020004" pitchFamily="34" charset="0"/>
+                        </a:rPr>
+                        <a:t>CBS RA data</a:t>
+                      </a:r>
+                      <a:endParaRPr lang="en-US" sz="1200" b="0" i="0" u="none" strike="noStrike">
+                        <a:solidFill>
+                          <a:srgbClr val="000000"/>
+                        </a:solidFill>
+                        <a:effectLst/>
+                        <a:latin typeface="Fira Sans" panose="020B0503050000020004" pitchFamily="34" charset="0"/>
+                        <a:ea typeface="Fira Sans" panose="020B0503050000020004" pitchFamily="34" charset="0"/>
+                      </a:endParaRPr>
+                    </a:p>
+                  </a:txBody>
+                  <a:tcPr marL="3470" marR="3470" marT="3470" marB="0" anchor="b"/>
+                </a:tc>
+                <a:extLst>
+                  <a:ext uri="{0D108BD9-81ED-4DB2-BD59-A6C34878D82A}">
+                    <a16:rowId xmlns:a16="http://schemas.microsoft.com/office/drawing/2014/main" val="2534319570"/>
+                  </a:ext>
+                </a:extLst>
+              </a:tr>
+              <a:tr h="202016">
+                <a:tc>
+                  <a:txBody>
+                    <a:bodyPr/>
+                    <a:lstStyle/>
+                    <a:p>
+                      <a:pPr algn="ctr" fontAlgn="b"/>
+                      <a:r>
+                        <a:rPr lang="en-US" sz="1200" u="none" strike="noStrike">
+                          <a:effectLst/>
+                          <a:latin typeface="Fira Sans" panose="020B0503050000020004" pitchFamily="34" charset="0"/>
+                          <a:ea typeface="Fira Sans" panose="020B0503050000020004" pitchFamily="34" charset="0"/>
+                        </a:rPr>
+                        <a:t>Cindy</a:t>
+                      </a:r>
+                      <a:endParaRPr lang="en-US" sz="1200" b="0" i="0" u="none" strike="noStrike">
+                        <a:solidFill>
+                          <a:srgbClr val="000000"/>
+                        </a:solidFill>
+                        <a:effectLst/>
+                        <a:latin typeface="Fira Sans" panose="020B0503050000020004" pitchFamily="34" charset="0"/>
+                        <a:ea typeface="Fira Sans" panose="020B0503050000020004" pitchFamily="34" charset="0"/>
+                      </a:endParaRPr>
+                    </a:p>
+                  </a:txBody>
+                  <a:tcPr marL="3470" marR="3470" marT="6940" marB="6940" anchor="b"/>
+                </a:tc>
+                <a:tc>
+                  <a:txBody>
+                    <a:bodyPr/>
+                    <a:lstStyle/>
+                    <a:p>
+                      <a:pPr algn="ctr" fontAlgn="b"/>
+                      <a:r>
+                        <a:rPr lang="en-US" sz="1200" u="none" strike="noStrike">
+                          <a:effectLst/>
+                          <a:latin typeface="Fira Sans" panose="020B0503050000020004" pitchFamily="34" charset="0"/>
+                          <a:ea typeface="Fira Sans" panose="020B0503050000020004" pitchFamily="34" charset="0"/>
+                        </a:rPr>
+                        <a:t>Biesenbeek</a:t>
+                      </a:r>
+                      <a:endParaRPr lang="en-US" sz="1200" b="0" i="0" u="none" strike="noStrike">
+                        <a:solidFill>
+                          <a:srgbClr val="000000"/>
+                        </a:solidFill>
+                        <a:effectLst/>
+                        <a:latin typeface="Fira Sans" panose="020B0503050000020004" pitchFamily="34" charset="0"/>
+                        <a:ea typeface="Fira Sans" panose="020B0503050000020004" pitchFamily="34" charset="0"/>
+                      </a:endParaRPr>
+                    </a:p>
+                  </a:txBody>
+                  <a:tcPr marL="3470" marR="3470" marT="6940" marB="6940" anchor="b"/>
+                </a:tc>
+                <a:tc>
+                  <a:txBody>
+                    <a:bodyPr/>
+                    <a:lstStyle/>
+                    <a:p>
+                      <a:pPr algn="ctr" fontAlgn="b"/>
+                      <a:r>
+                        <a:rPr lang="en-US" sz="1200" b="0" i="0" u="none" strike="noStrike" dirty="0">
+                          <a:solidFill>
+                            <a:srgbClr val="000000"/>
+                          </a:solidFill>
+                          <a:effectLst/>
+                          <a:latin typeface="Fira Sans" panose="020B0503050000020004" pitchFamily="34" charset="0"/>
+                          <a:ea typeface="Fira Sans" panose="020B0503050000020004" pitchFamily="34" charset="0"/>
+                        </a:rPr>
+                        <a:t>Exercise</a:t>
+                      </a:r>
+                      <a:endParaRPr lang="en-NL" sz="1200" b="0" i="0" u="none" strike="noStrike" dirty="0">
+                        <a:solidFill>
+                          <a:srgbClr val="000000"/>
+                        </a:solidFill>
+                        <a:effectLst/>
+                        <a:latin typeface="Fira Sans" panose="020B0503050000020004" pitchFamily="34" charset="0"/>
+                        <a:ea typeface="Fira Sans" panose="020B0503050000020004" pitchFamily="34" charset="0"/>
+                      </a:endParaRPr>
+                    </a:p>
+                  </a:txBody>
+                  <a:tcPr marL="3470" marR="3470" marT="3470" marB="0" anchor="b"/>
+                </a:tc>
+                <a:extLst>
+                  <a:ext uri="{0D108BD9-81ED-4DB2-BD59-A6C34878D82A}">
+                    <a16:rowId xmlns:a16="http://schemas.microsoft.com/office/drawing/2014/main" val="998432459"/>
+                  </a:ext>
+                </a:extLst>
+              </a:tr>
+              <a:tr h="202016">
+                <a:tc>
+                  <a:txBody>
+                    <a:bodyPr/>
+                    <a:lstStyle/>
+                    <a:p>
+                      <a:pPr algn="ctr" fontAlgn="b"/>
+                      <a:r>
+                        <a:rPr lang="en-US" sz="1200" u="none" strike="noStrike">
+                          <a:effectLst/>
+                          <a:latin typeface="Fira Sans" panose="020B0503050000020004" pitchFamily="34" charset="0"/>
+                          <a:ea typeface="Fira Sans" panose="020B0503050000020004" pitchFamily="34" charset="0"/>
+                        </a:rPr>
+                        <a:t>Clémentine</a:t>
+                      </a:r>
+                      <a:endParaRPr lang="en-US" sz="1200" b="0" i="0" u="none" strike="noStrike">
+                        <a:solidFill>
+                          <a:srgbClr val="000000"/>
+                        </a:solidFill>
+                        <a:effectLst/>
+                        <a:latin typeface="Fira Sans" panose="020B0503050000020004" pitchFamily="34" charset="0"/>
+                        <a:ea typeface="Fira Sans" panose="020B0503050000020004" pitchFamily="34" charset="0"/>
+                      </a:endParaRPr>
+                    </a:p>
+                  </a:txBody>
+                  <a:tcPr marL="3470" marR="3470" marT="6940" marB="6940" anchor="b"/>
+                </a:tc>
+                <a:tc>
+                  <a:txBody>
+                    <a:bodyPr/>
+                    <a:lstStyle/>
+                    <a:p>
+                      <a:pPr algn="ctr" fontAlgn="b"/>
+                      <a:r>
+                        <a:rPr lang="en-US" sz="1200" u="none" strike="noStrike">
+                          <a:effectLst/>
+                          <a:latin typeface="Fira Sans" panose="020B0503050000020004" pitchFamily="34" charset="0"/>
+                          <a:ea typeface="Fira Sans" panose="020B0503050000020004" pitchFamily="34" charset="0"/>
+                        </a:rPr>
+                        <a:t>Cottineau</a:t>
+                      </a:r>
+                      <a:endParaRPr lang="en-US" sz="1200" b="0" i="0" u="none" strike="noStrike">
+                        <a:solidFill>
+                          <a:srgbClr val="000000"/>
+                        </a:solidFill>
+                        <a:effectLst/>
+                        <a:latin typeface="Fira Sans" panose="020B0503050000020004" pitchFamily="34" charset="0"/>
+                        <a:ea typeface="Fira Sans" panose="020B0503050000020004" pitchFamily="34" charset="0"/>
+                      </a:endParaRPr>
+                    </a:p>
+                  </a:txBody>
+                  <a:tcPr marL="3470" marR="3470" marT="6940" marB="6940" anchor="b"/>
+                </a:tc>
+                <a:tc>
+                  <a:txBody>
+                    <a:bodyPr/>
+                    <a:lstStyle/>
+                    <a:p>
+                      <a:pPr algn="ctr" fontAlgn="b"/>
+                      <a:r>
+                        <a:rPr lang="en-US" sz="1200" u="none" strike="noStrike">
+                          <a:effectLst/>
+                          <a:latin typeface="Fira Sans" panose="020B0503050000020004" pitchFamily="34" charset="0"/>
+                          <a:ea typeface="Fira Sans" panose="020B0503050000020004" pitchFamily="34" charset="0"/>
+                        </a:rPr>
+                        <a:t>Advanced computation</a:t>
+                      </a:r>
+                      <a:endParaRPr lang="en-US" sz="1200" b="0" i="0" u="none" strike="noStrike">
+                        <a:solidFill>
+                          <a:srgbClr val="000000"/>
+                        </a:solidFill>
+                        <a:effectLst/>
+                        <a:latin typeface="Fira Sans" panose="020B0503050000020004" pitchFamily="34" charset="0"/>
+                        <a:ea typeface="Fira Sans" panose="020B0503050000020004" pitchFamily="34" charset="0"/>
+                      </a:endParaRPr>
+                    </a:p>
+                  </a:txBody>
+                  <a:tcPr marL="3470" marR="3470" marT="3470" marB="0" anchor="b"/>
+                </a:tc>
+                <a:extLst>
+                  <a:ext uri="{0D108BD9-81ED-4DB2-BD59-A6C34878D82A}">
+                    <a16:rowId xmlns:a16="http://schemas.microsoft.com/office/drawing/2014/main" val="1009430379"/>
+                  </a:ext>
+                </a:extLst>
+              </a:tr>
+              <a:tr h="202016">
+                <a:tc>
+                  <a:txBody>
+                    <a:bodyPr/>
+                    <a:lstStyle/>
+                    <a:p>
+                      <a:pPr algn="ctr" fontAlgn="b"/>
+                      <a:r>
+                        <a:rPr lang="en-US" sz="1200" u="none" strike="noStrike">
+                          <a:effectLst/>
+                          <a:latin typeface="Fira Sans" panose="020B0503050000020004" pitchFamily="34" charset="0"/>
+                          <a:ea typeface="Fira Sans" panose="020B0503050000020004" pitchFamily="34" charset="0"/>
+                        </a:rPr>
+                        <a:t>Ernst-Jan</a:t>
+                      </a:r>
+                      <a:endParaRPr lang="en-US" sz="1200" b="0" i="0" u="none" strike="noStrike">
+                        <a:solidFill>
+                          <a:srgbClr val="000000"/>
+                        </a:solidFill>
+                        <a:effectLst/>
+                        <a:latin typeface="Fira Sans" panose="020B0503050000020004" pitchFamily="34" charset="0"/>
+                        <a:ea typeface="Fira Sans" panose="020B0503050000020004" pitchFamily="34" charset="0"/>
+                      </a:endParaRPr>
+                    </a:p>
+                  </a:txBody>
+                  <a:tcPr marL="3470" marR="3470" marT="6940" marB="6940" anchor="b"/>
+                </a:tc>
+                <a:tc>
+                  <a:txBody>
+                    <a:bodyPr/>
+                    <a:lstStyle/>
+                    <a:p>
+                      <a:pPr algn="ctr" fontAlgn="b"/>
+                      <a:r>
+                        <a:rPr lang="en-US" sz="1200" u="none" strike="noStrike">
+                          <a:effectLst/>
+                          <a:latin typeface="Fira Sans" panose="020B0503050000020004" pitchFamily="34" charset="0"/>
+                          <a:ea typeface="Fira Sans" panose="020B0503050000020004" pitchFamily="34" charset="0"/>
+                        </a:rPr>
+                        <a:t>de Bruijn</a:t>
+                      </a:r>
+                      <a:endParaRPr lang="en-US" sz="1200" b="0" i="0" u="none" strike="noStrike">
+                        <a:solidFill>
+                          <a:srgbClr val="000000"/>
+                        </a:solidFill>
+                        <a:effectLst/>
+                        <a:latin typeface="Fira Sans" panose="020B0503050000020004" pitchFamily="34" charset="0"/>
+                        <a:ea typeface="Fira Sans" panose="020B0503050000020004" pitchFamily="34" charset="0"/>
+                      </a:endParaRPr>
+                    </a:p>
+                  </a:txBody>
+                  <a:tcPr marL="3470" marR="3470" marT="6940" marB="6940" anchor="b"/>
+                </a:tc>
+                <a:tc>
+                  <a:txBody>
+                    <a:bodyPr/>
+                    <a:lstStyle/>
+                    <a:p>
+                      <a:pPr algn="ctr" fontAlgn="b"/>
+                      <a:r>
+                        <a:rPr lang="en-US" sz="1200" u="none" strike="noStrike">
+                          <a:effectLst/>
+                          <a:latin typeface="Fira Sans" panose="020B0503050000020004" pitchFamily="34" charset="0"/>
+                          <a:ea typeface="Fira Sans" panose="020B0503050000020004" pitchFamily="34" charset="0"/>
+                        </a:rPr>
+                        <a:t>Reproducibility</a:t>
+                      </a:r>
+                      <a:endParaRPr lang="en-US" sz="1200" b="0" i="0" u="none" strike="noStrike">
+                        <a:solidFill>
+                          <a:srgbClr val="000000"/>
+                        </a:solidFill>
+                        <a:effectLst/>
+                        <a:latin typeface="Fira Sans" panose="020B0503050000020004" pitchFamily="34" charset="0"/>
+                        <a:ea typeface="Fira Sans" panose="020B0503050000020004" pitchFamily="34" charset="0"/>
+                      </a:endParaRPr>
+                    </a:p>
+                  </a:txBody>
+                  <a:tcPr marL="3470" marR="3470" marT="3470" marB="0" anchor="b"/>
+                </a:tc>
+                <a:extLst>
+                  <a:ext uri="{0D108BD9-81ED-4DB2-BD59-A6C34878D82A}">
+                    <a16:rowId xmlns:a16="http://schemas.microsoft.com/office/drawing/2014/main" val="1119278693"/>
+                  </a:ext>
+                </a:extLst>
+              </a:tr>
+              <a:tr h="202016">
+                <a:tc>
+                  <a:txBody>
+                    <a:bodyPr/>
+                    <a:lstStyle/>
+                    <a:p>
+                      <a:pPr algn="ctr" fontAlgn="b"/>
+                      <a:r>
+                        <a:rPr lang="en-US" sz="1200" u="none" strike="noStrike">
+                          <a:effectLst/>
+                          <a:latin typeface="Fira Sans" panose="020B0503050000020004" pitchFamily="34" charset="0"/>
+                          <a:ea typeface="Fira Sans" panose="020B0503050000020004" pitchFamily="34" charset="0"/>
+                        </a:rPr>
+                        <a:t>Niek</a:t>
+                      </a:r>
+                      <a:endParaRPr lang="en-US" sz="1200" b="0" i="0" u="none" strike="noStrike">
+                        <a:solidFill>
+                          <a:srgbClr val="000000"/>
+                        </a:solidFill>
+                        <a:effectLst/>
+                        <a:latin typeface="Fira Sans" panose="020B0503050000020004" pitchFamily="34" charset="0"/>
+                        <a:ea typeface="Fira Sans" panose="020B0503050000020004" pitchFamily="34" charset="0"/>
+                      </a:endParaRPr>
+                    </a:p>
+                  </a:txBody>
+                  <a:tcPr marL="3470" marR="3470" marT="6940" marB="6940" anchor="b"/>
+                </a:tc>
+                <a:tc>
+                  <a:txBody>
+                    <a:bodyPr/>
+                    <a:lstStyle/>
+                    <a:p>
+                      <a:pPr algn="ctr" fontAlgn="b"/>
+                      <a:r>
+                        <a:rPr lang="en-US" sz="1200" u="none" strike="noStrike">
+                          <a:effectLst/>
+                          <a:latin typeface="Fira Sans" panose="020B0503050000020004" pitchFamily="34" charset="0"/>
+                          <a:ea typeface="Fira Sans" panose="020B0503050000020004" pitchFamily="34" charset="0"/>
+                        </a:rPr>
+                        <a:t>de Meijier</a:t>
+                      </a:r>
+                      <a:endParaRPr lang="en-US" sz="1200" b="0" i="0" u="none" strike="noStrike">
+                        <a:solidFill>
+                          <a:srgbClr val="000000"/>
+                        </a:solidFill>
+                        <a:effectLst/>
+                        <a:latin typeface="Fira Sans" panose="020B0503050000020004" pitchFamily="34" charset="0"/>
+                        <a:ea typeface="Fira Sans" panose="020B0503050000020004" pitchFamily="34" charset="0"/>
+                      </a:endParaRPr>
+                    </a:p>
+                  </a:txBody>
+                  <a:tcPr marL="3470" marR="3470" marT="6940" marB="6940" anchor="b"/>
+                </a:tc>
+                <a:tc>
+                  <a:txBody>
+                    <a:bodyPr/>
+                    <a:lstStyle/>
+                    <a:p>
+                      <a:pPr algn="ctr" fontAlgn="b"/>
+                      <a:r>
+                        <a:rPr lang="en-US" sz="1200" u="none" strike="noStrike">
+                          <a:effectLst/>
+                          <a:latin typeface="Fira Sans" panose="020B0503050000020004" pitchFamily="34" charset="0"/>
+                          <a:ea typeface="Fira Sans" panose="020B0503050000020004" pitchFamily="34" charset="0"/>
+                        </a:rPr>
+                        <a:t>CBS RA data</a:t>
+                      </a:r>
+                      <a:endParaRPr lang="en-US" sz="1200" b="0" i="0" u="none" strike="noStrike">
+                        <a:solidFill>
+                          <a:srgbClr val="000000"/>
+                        </a:solidFill>
+                        <a:effectLst/>
+                        <a:latin typeface="Fira Sans" panose="020B0503050000020004" pitchFamily="34" charset="0"/>
+                        <a:ea typeface="Fira Sans" panose="020B0503050000020004" pitchFamily="34" charset="0"/>
+                      </a:endParaRPr>
+                    </a:p>
+                  </a:txBody>
+                  <a:tcPr marL="3470" marR="3470" marT="3470" marB="0" anchor="b"/>
+                </a:tc>
+                <a:extLst>
+                  <a:ext uri="{0D108BD9-81ED-4DB2-BD59-A6C34878D82A}">
+                    <a16:rowId xmlns:a16="http://schemas.microsoft.com/office/drawing/2014/main" val="930993004"/>
+                  </a:ext>
+                </a:extLst>
+              </a:tr>
+              <a:tr h="202016">
+                <a:tc>
+                  <a:txBody>
+                    <a:bodyPr/>
+                    <a:lstStyle/>
+                    <a:p>
+                      <a:pPr algn="ctr" fontAlgn="b"/>
+                      <a:r>
+                        <a:rPr lang="en-US" sz="1200" u="none" strike="noStrike">
+                          <a:effectLst/>
+                          <a:latin typeface="Fira Sans" panose="020B0503050000020004" pitchFamily="34" charset="0"/>
+                          <a:ea typeface="Fira Sans" panose="020B0503050000020004" pitchFamily="34" charset="0"/>
+                        </a:rPr>
+                        <a:t>Sreeparna</a:t>
+                      </a:r>
+                      <a:endParaRPr lang="en-US" sz="1200" b="0" i="0" u="none" strike="noStrike">
+                        <a:solidFill>
+                          <a:srgbClr val="000000"/>
+                        </a:solidFill>
+                        <a:effectLst/>
+                        <a:latin typeface="Fira Sans" panose="020B0503050000020004" pitchFamily="34" charset="0"/>
+                        <a:ea typeface="Fira Sans" panose="020B0503050000020004" pitchFamily="34" charset="0"/>
+                      </a:endParaRPr>
+                    </a:p>
+                  </a:txBody>
+                  <a:tcPr marL="3470" marR="3470" marT="6940" marB="6940" anchor="b"/>
+                </a:tc>
+                <a:tc>
+                  <a:txBody>
+                    <a:bodyPr/>
+                    <a:lstStyle/>
+                    <a:p>
+                      <a:pPr algn="ctr" fontAlgn="b"/>
+                      <a:r>
+                        <a:rPr lang="en-US" sz="1200" u="none" strike="noStrike">
+                          <a:effectLst/>
+                          <a:latin typeface="Fira Sans" panose="020B0503050000020004" pitchFamily="34" charset="0"/>
+                          <a:ea typeface="Fira Sans" panose="020B0503050000020004" pitchFamily="34" charset="0"/>
+                        </a:rPr>
+                        <a:t>Deb</a:t>
+                      </a:r>
+                      <a:endParaRPr lang="en-US" sz="1200" b="0" i="0" u="none" strike="noStrike">
+                        <a:solidFill>
+                          <a:srgbClr val="000000"/>
+                        </a:solidFill>
+                        <a:effectLst/>
+                        <a:latin typeface="Fira Sans" panose="020B0503050000020004" pitchFamily="34" charset="0"/>
+                        <a:ea typeface="Fira Sans" panose="020B0503050000020004" pitchFamily="34" charset="0"/>
+                      </a:endParaRPr>
+                    </a:p>
+                  </a:txBody>
+                  <a:tcPr marL="3470" marR="3470" marT="6940" marB="6940" anchor="b"/>
+                </a:tc>
+                <a:tc>
+                  <a:txBody>
+                    <a:bodyPr/>
+                    <a:lstStyle/>
+                    <a:p>
+                      <a:pPr algn="ctr" fontAlgn="b"/>
+                      <a:r>
+                        <a:rPr lang="en-US" sz="1200" u="none" strike="noStrike">
+                          <a:effectLst/>
+                          <a:latin typeface="Fira Sans" panose="020B0503050000020004" pitchFamily="34" charset="0"/>
+                          <a:ea typeface="Fira Sans" panose="020B0503050000020004" pitchFamily="34" charset="0"/>
+                        </a:rPr>
+                        <a:t>CBS RA data</a:t>
+                      </a:r>
+                      <a:endParaRPr lang="en-US" sz="1200" b="0" i="0" u="none" strike="noStrike">
+                        <a:solidFill>
+                          <a:srgbClr val="000000"/>
+                        </a:solidFill>
+                        <a:effectLst/>
+                        <a:latin typeface="Fira Sans" panose="020B0503050000020004" pitchFamily="34" charset="0"/>
+                        <a:ea typeface="Fira Sans" panose="020B0503050000020004" pitchFamily="34" charset="0"/>
+                      </a:endParaRPr>
+                    </a:p>
+                  </a:txBody>
+                  <a:tcPr marL="3470" marR="3470" marT="3470" marB="0" anchor="b"/>
+                </a:tc>
+                <a:extLst>
+                  <a:ext uri="{0D108BD9-81ED-4DB2-BD59-A6C34878D82A}">
+                    <a16:rowId xmlns:a16="http://schemas.microsoft.com/office/drawing/2014/main" val="4163186697"/>
+                  </a:ext>
+                </a:extLst>
+              </a:tr>
+              <a:tr h="202016">
+                <a:tc>
+                  <a:txBody>
+                    <a:bodyPr/>
+                    <a:lstStyle/>
+                    <a:p>
+                      <a:pPr algn="ctr" fontAlgn="b"/>
+                      <a:r>
+                        <a:rPr lang="en-US" sz="1200" u="none" strike="noStrike">
+                          <a:effectLst/>
+                          <a:latin typeface="Fira Sans" panose="020B0503050000020004" pitchFamily="34" charset="0"/>
+                          <a:ea typeface="Fira Sans" panose="020B0503050000020004" pitchFamily="34" charset="0"/>
+                        </a:rPr>
+                        <a:t>Bob</a:t>
+                      </a:r>
+                      <a:endParaRPr lang="en-US" sz="1200" b="0" i="0" u="none" strike="noStrike">
+                        <a:solidFill>
+                          <a:srgbClr val="000000"/>
+                        </a:solidFill>
+                        <a:effectLst/>
+                        <a:latin typeface="Fira Sans" panose="020B0503050000020004" pitchFamily="34" charset="0"/>
+                        <a:ea typeface="Fira Sans" panose="020B0503050000020004" pitchFamily="34" charset="0"/>
+                      </a:endParaRPr>
+                    </a:p>
+                  </a:txBody>
+                  <a:tcPr marL="3470" marR="3470" marT="6940" marB="6940" anchor="b"/>
+                </a:tc>
+                <a:tc>
+                  <a:txBody>
+                    <a:bodyPr/>
+                    <a:lstStyle/>
+                    <a:p>
+                      <a:pPr algn="ctr" fontAlgn="b"/>
+                      <a:r>
+                        <a:rPr lang="en-US" sz="1200" u="none" strike="noStrike">
+                          <a:effectLst/>
+                          <a:latin typeface="Fira Sans" panose="020B0503050000020004" pitchFamily="34" charset="0"/>
+                          <a:ea typeface="Fira Sans" panose="020B0503050000020004" pitchFamily="34" charset="0"/>
+                        </a:rPr>
+                        <a:t>Driessen</a:t>
+                      </a:r>
+                      <a:endParaRPr lang="en-US" sz="1200" b="0" i="0" u="none" strike="noStrike">
+                        <a:solidFill>
+                          <a:srgbClr val="000000"/>
+                        </a:solidFill>
+                        <a:effectLst/>
+                        <a:latin typeface="Fira Sans" panose="020B0503050000020004" pitchFamily="34" charset="0"/>
+                        <a:ea typeface="Fira Sans" panose="020B0503050000020004" pitchFamily="34" charset="0"/>
+                      </a:endParaRPr>
+                    </a:p>
+                  </a:txBody>
+                  <a:tcPr marL="3470" marR="3470" marT="6940" marB="6940" anchor="b"/>
+                </a:tc>
+                <a:tc>
+                  <a:txBody>
+                    <a:bodyPr/>
+                    <a:lstStyle/>
+                    <a:p>
+                      <a:pPr algn="ctr" fontAlgn="b"/>
+                      <a:r>
+                        <a:rPr lang="en-US" sz="1200" u="none" strike="noStrike" dirty="0">
+                          <a:effectLst/>
+                          <a:latin typeface="Fira Sans" panose="020B0503050000020004" pitchFamily="34" charset="0"/>
+                          <a:ea typeface="Fira Sans" panose="020B0503050000020004" pitchFamily="34" charset="0"/>
+                        </a:rPr>
+                        <a:t>Reproducibility</a:t>
+                      </a:r>
+                      <a:endParaRPr lang="en-US" sz="1200" b="0" i="0" u="none" strike="noStrike" dirty="0">
+                        <a:solidFill>
+                          <a:srgbClr val="000000"/>
+                        </a:solidFill>
+                        <a:effectLst/>
+                        <a:latin typeface="Fira Sans" panose="020B0503050000020004" pitchFamily="34" charset="0"/>
+                        <a:ea typeface="Fira Sans" panose="020B0503050000020004" pitchFamily="34" charset="0"/>
+                      </a:endParaRPr>
+                    </a:p>
+                  </a:txBody>
+                  <a:tcPr marL="3470" marR="3470" marT="3470" marB="0" anchor="b"/>
+                </a:tc>
+                <a:extLst>
+                  <a:ext uri="{0D108BD9-81ED-4DB2-BD59-A6C34878D82A}">
+                    <a16:rowId xmlns:a16="http://schemas.microsoft.com/office/drawing/2014/main" val="1318233022"/>
+                  </a:ext>
+                </a:extLst>
+              </a:tr>
+              <a:tr h="202016">
+                <a:tc>
+                  <a:txBody>
+                    <a:bodyPr/>
+                    <a:lstStyle/>
+                    <a:p>
+                      <a:pPr algn="ctr" fontAlgn="b"/>
+                      <a:r>
+                        <a:rPr lang="en-US" sz="1200" u="none" strike="noStrike">
+                          <a:effectLst/>
+                          <a:latin typeface="Fira Sans" panose="020B0503050000020004" pitchFamily="34" charset="0"/>
+                          <a:ea typeface="Fira Sans" panose="020B0503050000020004" pitchFamily="34" charset="0"/>
+                        </a:rPr>
+                        <a:t>Federica</a:t>
+                      </a:r>
+                      <a:endParaRPr lang="en-US" sz="1200" b="0" i="0" u="none" strike="noStrike">
+                        <a:solidFill>
+                          <a:srgbClr val="000000"/>
+                        </a:solidFill>
+                        <a:effectLst/>
+                        <a:latin typeface="Fira Sans" panose="020B0503050000020004" pitchFamily="34" charset="0"/>
+                        <a:ea typeface="Fira Sans" panose="020B0503050000020004" pitchFamily="34" charset="0"/>
+                      </a:endParaRPr>
+                    </a:p>
+                  </a:txBody>
+                  <a:tcPr marL="3470" marR="3470" marT="6940" marB="6940" anchor="b"/>
+                </a:tc>
+                <a:tc>
+                  <a:txBody>
+                    <a:bodyPr/>
+                    <a:lstStyle/>
+                    <a:p>
+                      <a:pPr algn="ctr" fontAlgn="b"/>
+                      <a:r>
+                        <a:rPr lang="en-US" sz="1200" u="none" strike="noStrike">
+                          <a:effectLst/>
+                          <a:latin typeface="Fira Sans" panose="020B0503050000020004" pitchFamily="34" charset="0"/>
+                          <a:ea typeface="Fira Sans" panose="020B0503050000020004" pitchFamily="34" charset="0"/>
+                        </a:rPr>
+                        <a:t>Giardina</a:t>
+                      </a:r>
+                      <a:endParaRPr lang="en-US" sz="1200" b="0" i="0" u="none" strike="noStrike">
+                        <a:solidFill>
+                          <a:srgbClr val="000000"/>
+                        </a:solidFill>
+                        <a:effectLst/>
+                        <a:latin typeface="Fira Sans" panose="020B0503050000020004" pitchFamily="34" charset="0"/>
+                        <a:ea typeface="Fira Sans" panose="020B0503050000020004" pitchFamily="34" charset="0"/>
+                      </a:endParaRPr>
+                    </a:p>
+                  </a:txBody>
+                  <a:tcPr marL="3470" marR="3470" marT="6940" marB="6940" anchor="b"/>
+                </a:tc>
+                <a:tc>
+                  <a:txBody>
+                    <a:bodyPr/>
+                    <a:lstStyle/>
+                    <a:p>
+                      <a:pPr algn="ctr" fontAlgn="b"/>
+                      <a:r>
+                        <a:rPr lang="en-US" sz="1200" u="none" strike="noStrike">
+                          <a:effectLst/>
+                          <a:latin typeface="Fira Sans" panose="020B0503050000020004" pitchFamily="34" charset="0"/>
+                          <a:ea typeface="Fira Sans" panose="020B0503050000020004" pitchFamily="34" charset="0"/>
+                        </a:rPr>
+                        <a:t>Data handling</a:t>
+                      </a:r>
+                      <a:endParaRPr lang="en-US" sz="1200" b="0" i="0" u="none" strike="noStrike">
+                        <a:solidFill>
+                          <a:srgbClr val="000000"/>
+                        </a:solidFill>
+                        <a:effectLst/>
+                        <a:latin typeface="Fira Sans" panose="020B0503050000020004" pitchFamily="34" charset="0"/>
+                        <a:ea typeface="Fira Sans" panose="020B0503050000020004" pitchFamily="34" charset="0"/>
+                      </a:endParaRPr>
+                    </a:p>
+                  </a:txBody>
+                  <a:tcPr marL="3470" marR="3470" marT="3470" marB="0" anchor="b"/>
+                </a:tc>
+                <a:extLst>
+                  <a:ext uri="{0D108BD9-81ED-4DB2-BD59-A6C34878D82A}">
+                    <a16:rowId xmlns:a16="http://schemas.microsoft.com/office/drawing/2014/main" val="3476720213"/>
+                  </a:ext>
+                </a:extLst>
+              </a:tr>
+              <a:tr h="202016">
+                <a:tc>
+                  <a:txBody>
+                    <a:bodyPr/>
+                    <a:lstStyle/>
+                    <a:p>
+                      <a:pPr algn="ctr" fontAlgn="b"/>
+                      <a:r>
+                        <a:rPr lang="en-US" sz="1200" u="none" strike="noStrike">
+                          <a:effectLst/>
+                          <a:latin typeface="Fira Sans" panose="020B0503050000020004" pitchFamily="34" charset="0"/>
+                          <a:ea typeface="Fira Sans" panose="020B0503050000020004" pitchFamily="34" charset="0"/>
+                        </a:rPr>
+                        <a:t>Kyri</a:t>
+                      </a:r>
+                      <a:endParaRPr lang="en-US" sz="1200" b="0" i="0" u="none" strike="noStrike">
+                        <a:solidFill>
+                          <a:srgbClr val="000000"/>
+                        </a:solidFill>
+                        <a:effectLst/>
+                        <a:latin typeface="Fira Sans" panose="020B0503050000020004" pitchFamily="34" charset="0"/>
+                        <a:ea typeface="Fira Sans" panose="020B0503050000020004" pitchFamily="34" charset="0"/>
+                      </a:endParaRPr>
+                    </a:p>
+                  </a:txBody>
+                  <a:tcPr marL="3470" marR="3470" marT="6940" marB="6940" anchor="b"/>
+                </a:tc>
+                <a:tc>
+                  <a:txBody>
+                    <a:bodyPr/>
+                    <a:lstStyle/>
+                    <a:p>
+                      <a:pPr algn="ctr" fontAlgn="b"/>
+                      <a:r>
+                        <a:rPr lang="en-US" sz="1200" u="none" strike="noStrike">
+                          <a:effectLst/>
+                          <a:latin typeface="Fira Sans" panose="020B0503050000020004" pitchFamily="34" charset="0"/>
+                          <a:ea typeface="Fira Sans" panose="020B0503050000020004" pitchFamily="34" charset="0"/>
+                        </a:rPr>
+                        <a:t>Janssen</a:t>
+                      </a:r>
+                      <a:endParaRPr lang="en-US" sz="1200" b="0" i="0" u="none" strike="noStrike">
+                        <a:solidFill>
+                          <a:srgbClr val="000000"/>
+                        </a:solidFill>
+                        <a:effectLst/>
+                        <a:latin typeface="Fira Sans" panose="020B0503050000020004" pitchFamily="34" charset="0"/>
+                        <a:ea typeface="Fira Sans" panose="020B0503050000020004" pitchFamily="34" charset="0"/>
+                      </a:endParaRPr>
+                    </a:p>
+                  </a:txBody>
+                  <a:tcPr marL="3470" marR="3470" marT="6940" marB="6940" anchor="b"/>
+                </a:tc>
+                <a:tc>
+                  <a:txBody>
+                    <a:bodyPr/>
+                    <a:lstStyle/>
+                    <a:p>
+                      <a:pPr algn="ctr" fontAlgn="b"/>
+                      <a:r>
+                        <a:rPr lang="en-US" sz="1200" u="none" strike="noStrike">
+                          <a:effectLst/>
+                          <a:latin typeface="Fira Sans" panose="020B0503050000020004" pitchFamily="34" charset="0"/>
+                          <a:ea typeface="Fira Sans" panose="020B0503050000020004" pitchFamily="34" charset="0"/>
+                        </a:rPr>
+                        <a:t>Big tables</a:t>
+                      </a:r>
+                      <a:endParaRPr lang="en-US" sz="1200" b="0" i="0" u="none" strike="noStrike">
+                        <a:solidFill>
+                          <a:srgbClr val="000000"/>
+                        </a:solidFill>
+                        <a:effectLst/>
+                        <a:latin typeface="Fira Sans" panose="020B0503050000020004" pitchFamily="34" charset="0"/>
+                        <a:ea typeface="Fira Sans" panose="020B0503050000020004" pitchFamily="34" charset="0"/>
+                      </a:endParaRPr>
+                    </a:p>
+                  </a:txBody>
+                  <a:tcPr marL="3470" marR="3470" marT="3470" marB="0" anchor="b"/>
+                </a:tc>
+                <a:extLst>
+                  <a:ext uri="{0D108BD9-81ED-4DB2-BD59-A6C34878D82A}">
+                    <a16:rowId xmlns:a16="http://schemas.microsoft.com/office/drawing/2014/main" val="960815786"/>
+                  </a:ext>
+                </a:extLst>
+              </a:tr>
+              <a:tr h="202016">
+                <a:tc>
+                  <a:txBody>
+                    <a:bodyPr/>
+                    <a:lstStyle/>
+                    <a:p>
+                      <a:pPr algn="ctr" fontAlgn="b"/>
+                      <a:r>
+                        <a:rPr lang="en-US" sz="1200" u="none" strike="noStrike">
+                          <a:effectLst/>
+                          <a:latin typeface="Fira Sans" panose="020B0503050000020004" pitchFamily="34" charset="0"/>
+                          <a:ea typeface="Fira Sans" panose="020B0503050000020004" pitchFamily="34" charset="0"/>
+                        </a:rPr>
+                        <a:t>Yuxuan</a:t>
+                      </a:r>
+                      <a:endParaRPr lang="en-US" sz="1200" b="0" i="0" u="none" strike="noStrike">
+                        <a:solidFill>
+                          <a:srgbClr val="000000"/>
+                        </a:solidFill>
+                        <a:effectLst/>
+                        <a:latin typeface="Fira Sans" panose="020B0503050000020004" pitchFamily="34" charset="0"/>
+                        <a:ea typeface="Fira Sans" panose="020B0503050000020004" pitchFamily="34" charset="0"/>
+                      </a:endParaRPr>
+                    </a:p>
+                  </a:txBody>
+                  <a:tcPr marL="3470" marR="3470" marT="6940" marB="6940" anchor="b"/>
+                </a:tc>
+                <a:tc>
+                  <a:txBody>
+                    <a:bodyPr/>
+                    <a:lstStyle/>
+                    <a:p>
+                      <a:pPr algn="ctr" fontAlgn="b"/>
+                      <a:r>
+                        <a:rPr lang="en-US" sz="1200" u="none" strike="noStrike">
+                          <a:effectLst/>
+                          <a:latin typeface="Fira Sans" panose="020B0503050000020004" pitchFamily="34" charset="0"/>
+                          <a:ea typeface="Fira Sans" panose="020B0503050000020004" pitchFamily="34" charset="0"/>
+                        </a:rPr>
+                        <a:t>Jin</a:t>
+                      </a:r>
+                      <a:endParaRPr lang="en-US" sz="1200" b="0" i="0" u="none" strike="noStrike">
+                        <a:solidFill>
+                          <a:srgbClr val="000000"/>
+                        </a:solidFill>
+                        <a:effectLst/>
+                        <a:latin typeface="Fira Sans" panose="020B0503050000020004" pitchFamily="34" charset="0"/>
+                        <a:ea typeface="Fira Sans" panose="020B0503050000020004" pitchFamily="34" charset="0"/>
+                      </a:endParaRPr>
+                    </a:p>
+                  </a:txBody>
+                  <a:tcPr marL="3470" marR="3470" marT="6940" marB="6940" anchor="b"/>
+                </a:tc>
+                <a:tc>
+                  <a:txBody>
+                    <a:bodyPr/>
+                    <a:lstStyle/>
+                    <a:p>
+                      <a:pPr algn="ctr" fontAlgn="b"/>
+                      <a:r>
+                        <a:rPr lang="en-US" sz="1200" u="none" strike="noStrike">
+                          <a:effectLst/>
+                          <a:latin typeface="Fira Sans" panose="020B0503050000020004" pitchFamily="34" charset="0"/>
+                          <a:ea typeface="Fira Sans" panose="020B0503050000020004" pitchFamily="34" charset="0"/>
+                        </a:rPr>
+                        <a:t>Data handling</a:t>
+                      </a:r>
+                      <a:endParaRPr lang="en-US" sz="1200" b="0" i="0" u="none" strike="noStrike">
+                        <a:solidFill>
+                          <a:srgbClr val="000000"/>
+                        </a:solidFill>
+                        <a:effectLst/>
+                        <a:latin typeface="Fira Sans" panose="020B0503050000020004" pitchFamily="34" charset="0"/>
+                        <a:ea typeface="Fira Sans" panose="020B0503050000020004" pitchFamily="34" charset="0"/>
+                      </a:endParaRPr>
+                    </a:p>
+                  </a:txBody>
+                  <a:tcPr marL="3470" marR="3470" marT="3470" marB="0" anchor="b"/>
+                </a:tc>
+                <a:extLst>
+                  <a:ext uri="{0D108BD9-81ED-4DB2-BD59-A6C34878D82A}">
+                    <a16:rowId xmlns:a16="http://schemas.microsoft.com/office/drawing/2014/main" val="1065229477"/>
+                  </a:ext>
+                </a:extLst>
+              </a:tr>
+              <a:tr h="202016">
+                <a:tc>
+                  <a:txBody>
+                    <a:bodyPr/>
+                    <a:lstStyle/>
+                    <a:p>
+                      <a:pPr algn="ctr" fontAlgn="b"/>
+                      <a:r>
+                        <a:rPr lang="en-US" sz="1200" u="none" strike="noStrike">
+                          <a:effectLst/>
+                          <a:latin typeface="Fira Sans" panose="020B0503050000020004" pitchFamily="34" charset="0"/>
+                          <a:ea typeface="Fira Sans" panose="020B0503050000020004" pitchFamily="34" charset="0"/>
+                        </a:rPr>
+                        <a:t>Steven</a:t>
+                      </a:r>
+                      <a:endParaRPr lang="en-US" sz="1200" b="0" i="0" u="none" strike="noStrike">
+                        <a:solidFill>
+                          <a:srgbClr val="000000"/>
+                        </a:solidFill>
+                        <a:effectLst/>
+                        <a:latin typeface="Fira Sans" panose="020B0503050000020004" pitchFamily="34" charset="0"/>
+                        <a:ea typeface="Fira Sans" panose="020B0503050000020004" pitchFamily="34" charset="0"/>
+                      </a:endParaRPr>
+                    </a:p>
+                  </a:txBody>
+                  <a:tcPr marL="3470" marR="3470" marT="6940" marB="6940" anchor="b"/>
+                </a:tc>
+                <a:tc>
+                  <a:txBody>
+                    <a:bodyPr/>
+                    <a:lstStyle/>
+                    <a:p>
+                      <a:pPr algn="ctr" fontAlgn="b"/>
+                      <a:r>
+                        <a:rPr lang="en-US" sz="1200" u="none" strike="noStrike">
+                          <a:effectLst/>
+                          <a:latin typeface="Fira Sans" panose="020B0503050000020004" pitchFamily="34" charset="0"/>
+                          <a:ea typeface="Fira Sans" panose="020B0503050000020004" pitchFamily="34" charset="0"/>
+                        </a:rPr>
+                        <a:t>Kema</a:t>
+                      </a:r>
+                      <a:endParaRPr lang="en-US" sz="1200" b="0" i="0" u="none" strike="noStrike">
+                        <a:solidFill>
+                          <a:srgbClr val="000000"/>
+                        </a:solidFill>
+                        <a:effectLst/>
+                        <a:latin typeface="Fira Sans" panose="020B0503050000020004" pitchFamily="34" charset="0"/>
+                        <a:ea typeface="Fira Sans" panose="020B0503050000020004" pitchFamily="34" charset="0"/>
+                      </a:endParaRPr>
+                    </a:p>
+                  </a:txBody>
+                  <a:tcPr marL="3470" marR="3470" marT="6940" marB="6940" anchor="b"/>
+                </a:tc>
+                <a:tc>
+                  <a:txBody>
+                    <a:bodyPr/>
+                    <a:lstStyle/>
+                    <a:p>
+                      <a:pPr algn="ctr" fontAlgn="b"/>
+                      <a:r>
+                        <a:rPr lang="en-US" sz="1200" u="none" strike="noStrike">
+                          <a:effectLst/>
+                          <a:latin typeface="Fira Sans" panose="020B0503050000020004" pitchFamily="34" charset="0"/>
+                          <a:ea typeface="Fira Sans" panose="020B0503050000020004" pitchFamily="34" charset="0"/>
+                        </a:rPr>
+                        <a:t>Data handling</a:t>
+                      </a:r>
+                      <a:endParaRPr lang="en-US" sz="1200" b="0" i="0" u="none" strike="noStrike">
+                        <a:solidFill>
+                          <a:srgbClr val="000000"/>
+                        </a:solidFill>
+                        <a:effectLst/>
+                        <a:latin typeface="Fira Sans" panose="020B0503050000020004" pitchFamily="34" charset="0"/>
+                        <a:ea typeface="Fira Sans" panose="020B0503050000020004" pitchFamily="34" charset="0"/>
+                      </a:endParaRPr>
+                    </a:p>
+                  </a:txBody>
+                  <a:tcPr marL="3470" marR="3470" marT="3470" marB="0" anchor="b"/>
+                </a:tc>
+                <a:extLst>
+                  <a:ext uri="{0D108BD9-81ED-4DB2-BD59-A6C34878D82A}">
+                    <a16:rowId xmlns:a16="http://schemas.microsoft.com/office/drawing/2014/main" val="3956356857"/>
+                  </a:ext>
+                </a:extLst>
+              </a:tr>
+              <a:tr h="202016">
+                <a:tc>
+                  <a:txBody>
+                    <a:bodyPr/>
+                    <a:lstStyle/>
+                    <a:p>
+                      <a:pPr algn="ctr" fontAlgn="b"/>
+                      <a:r>
+                        <a:rPr lang="en-US" sz="1200" u="none" strike="noStrike">
+                          <a:effectLst/>
+                          <a:latin typeface="Fira Sans" panose="020B0503050000020004" pitchFamily="34" charset="0"/>
+                          <a:ea typeface="Fira Sans" panose="020B0503050000020004" pitchFamily="34" charset="0"/>
+                        </a:rPr>
+                        <a:t>Megha</a:t>
+                      </a:r>
+                      <a:endParaRPr lang="en-US" sz="1200" b="0" i="0" u="none" strike="noStrike">
+                        <a:solidFill>
+                          <a:srgbClr val="000000"/>
+                        </a:solidFill>
+                        <a:effectLst/>
+                        <a:latin typeface="Fira Sans" panose="020B0503050000020004" pitchFamily="34" charset="0"/>
+                        <a:ea typeface="Fira Sans" panose="020B0503050000020004" pitchFamily="34" charset="0"/>
+                      </a:endParaRPr>
+                    </a:p>
+                  </a:txBody>
+                  <a:tcPr marL="3470" marR="3470" marT="6940" marB="6940" anchor="b"/>
+                </a:tc>
+                <a:tc>
+                  <a:txBody>
+                    <a:bodyPr/>
+                    <a:lstStyle/>
+                    <a:p>
+                      <a:pPr algn="ctr" fontAlgn="b"/>
+                      <a:r>
+                        <a:rPr lang="en-US" sz="1200" u="none" strike="noStrike">
+                          <a:effectLst/>
+                          <a:latin typeface="Fira Sans" panose="020B0503050000020004" pitchFamily="34" charset="0"/>
+                          <a:ea typeface="Fira Sans" panose="020B0503050000020004" pitchFamily="34" charset="0"/>
+                        </a:rPr>
+                        <a:t>Khosla</a:t>
+                      </a:r>
+                      <a:endParaRPr lang="en-US" sz="1200" b="0" i="0" u="none" strike="noStrike">
+                        <a:solidFill>
+                          <a:srgbClr val="000000"/>
+                        </a:solidFill>
+                        <a:effectLst/>
+                        <a:latin typeface="Fira Sans" panose="020B0503050000020004" pitchFamily="34" charset="0"/>
+                        <a:ea typeface="Fira Sans" panose="020B0503050000020004" pitchFamily="34" charset="0"/>
+                      </a:endParaRPr>
+                    </a:p>
+                  </a:txBody>
+                  <a:tcPr marL="3470" marR="3470" marT="6940" marB="6940" anchor="b"/>
+                </a:tc>
+                <a:tc>
+                  <a:txBody>
+                    <a:bodyPr/>
+                    <a:lstStyle/>
+                    <a:p>
+                      <a:pPr algn="ctr" fontAlgn="b"/>
+                      <a:r>
+                        <a:rPr lang="en-US" sz="1200" u="none" strike="noStrike">
+                          <a:effectLst/>
+                          <a:latin typeface="Fira Sans" panose="020B0503050000020004" pitchFamily="34" charset="0"/>
+                          <a:ea typeface="Fira Sans" panose="020B0503050000020004" pitchFamily="34" charset="0"/>
+                        </a:rPr>
+                        <a:t>Advanced computation</a:t>
+                      </a:r>
+                      <a:endParaRPr lang="en-US" sz="1200" b="0" i="0" u="none" strike="noStrike">
+                        <a:solidFill>
+                          <a:srgbClr val="000000"/>
+                        </a:solidFill>
+                        <a:effectLst/>
+                        <a:latin typeface="Fira Sans" panose="020B0503050000020004" pitchFamily="34" charset="0"/>
+                        <a:ea typeface="Fira Sans" panose="020B0503050000020004" pitchFamily="34" charset="0"/>
+                      </a:endParaRPr>
+                    </a:p>
+                  </a:txBody>
+                  <a:tcPr marL="3470" marR="3470" marT="3470" marB="0" anchor="b"/>
+                </a:tc>
+                <a:extLst>
+                  <a:ext uri="{0D108BD9-81ED-4DB2-BD59-A6C34878D82A}">
+                    <a16:rowId xmlns:a16="http://schemas.microsoft.com/office/drawing/2014/main" val="2847164550"/>
+                  </a:ext>
+                </a:extLst>
+              </a:tr>
+              <a:tr h="202016">
+                <a:tc>
+                  <a:txBody>
+                    <a:bodyPr/>
+                    <a:lstStyle/>
+                    <a:p>
+                      <a:pPr algn="ctr" fontAlgn="b"/>
+                      <a:r>
+                        <a:rPr lang="en-US" sz="1200" u="none" strike="noStrike">
+                          <a:effectLst/>
+                          <a:latin typeface="Fira Sans" panose="020B0503050000020004" pitchFamily="34" charset="0"/>
+                          <a:ea typeface="Fira Sans" panose="020B0503050000020004" pitchFamily="34" charset="0"/>
+                        </a:rPr>
+                        <a:t>Maša</a:t>
+                      </a:r>
+                      <a:endParaRPr lang="en-US" sz="1200" b="0" i="0" u="none" strike="noStrike">
+                        <a:solidFill>
+                          <a:srgbClr val="000000"/>
+                        </a:solidFill>
+                        <a:effectLst/>
+                        <a:latin typeface="Fira Sans" panose="020B0503050000020004" pitchFamily="34" charset="0"/>
+                        <a:ea typeface="Fira Sans" panose="020B0503050000020004" pitchFamily="34" charset="0"/>
+                      </a:endParaRPr>
+                    </a:p>
+                  </a:txBody>
+                  <a:tcPr marL="3470" marR="3470" marT="6940" marB="6940" anchor="b"/>
+                </a:tc>
+                <a:tc>
+                  <a:txBody>
+                    <a:bodyPr/>
+                    <a:lstStyle/>
+                    <a:p>
+                      <a:pPr algn="ctr" fontAlgn="b"/>
+                      <a:r>
+                        <a:rPr lang="en-US" sz="1200" u="none" strike="noStrike">
+                          <a:effectLst/>
+                          <a:latin typeface="Fira Sans" panose="020B0503050000020004" pitchFamily="34" charset="0"/>
+                          <a:ea typeface="Fira Sans" panose="020B0503050000020004" pitchFamily="34" charset="0"/>
+                        </a:rPr>
+                        <a:t>Krajnc</a:t>
+                      </a:r>
+                      <a:endParaRPr lang="en-US" sz="1200" b="0" i="0" u="none" strike="noStrike">
+                        <a:solidFill>
+                          <a:srgbClr val="000000"/>
+                        </a:solidFill>
+                        <a:effectLst/>
+                        <a:latin typeface="Fira Sans" panose="020B0503050000020004" pitchFamily="34" charset="0"/>
+                        <a:ea typeface="Fira Sans" panose="020B0503050000020004" pitchFamily="34" charset="0"/>
+                      </a:endParaRPr>
+                    </a:p>
+                  </a:txBody>
+                  <a:tcPr marL="3470" marR="3470" marT="6940" marB="6940" anchor="b"/>
+                </a:tc>
+                <a:tc>
+                  <a:txBody>
+                    <a:bodyPr/>
+                    <a:lstStyle/>
+                    <a:p>
+                      <a:pPr algn="ctr" fontAlgn="b"/>
+                      <a:r>
+                        <a:rPr lang="en-US" sz="1200" u="none" strike="noStrike">
+                          <a:effectLst/>
+                          <a:latin typeface="Fira Sans" panose="020B0503050000020004" pitchFamily="34" charset="0"/>
+                          <a:ea typeface="Fira Sans" panose="020B0503050000020004" pitchFamily="34" charset="0"/>
+                        </a:rPr>
+                        <a:t>Big tables</a:t>
+                      </a:r>
+                      <a:endParaRPr lang="en-US" sz="1200" b="0" i="0" u="none" strike="noStrike">
+                        <a:solidFill>
+                          <a:srgbClr val="000000"/>
+                        </a:solidFill>
+                        <a:effectLst/>
+                        <a:latin typeface="Fira Sans" panose="020B0503050000020004" pitchFamily="34" charset="0"/>
+                        <a:ea typeface="Fira Sans" panose="020B0503050000020004" pitchFamily="34" charset="0"/>
+                      </a:endParaRPr>
+                    </a:p>
+                  </a:txBody>
+                  <a:tcPr marL="3470" marR="3470" marT="3470" marB="0" anchor="b"/>
+                </a:tc>
+                <a:extLst>
+                  <a:ext uri="{0D108BD9-81ED-4DB2-BD59-A6C34878D82A}">
+                    <a16:rowId xmlns:a16="http://schemas.microsoft.com/office/drawing/2014/main" val="661132335"/>
+                  </a:ext>
+                </a:extLst>
+              </a:tr>
+              <a:tr h="202016">
+                <a:tc>
+                  <a:txBody>
+                    <a:bodyPr/>
+                    <a:lstStyle/>
+                    <a:p>
+                      <a:pPr algn="ctr" fontAlgn="b"/>
+                      <a:r>
+                        <a:rPr lang="en-US" sz="1200" u="none" strike="noStrike">
+                          <a:effectLst/>
+                          <a:latin typeface="Fira Sans" panose="020B0503050000020004" pitchFamily="34" charset="0"/>
+                          <a:ea typeface="Fira Sans" panose="020B0503050000020004" pitchFamily="34" charset="0"/>
+                        </a:rPr>
+                        <a:t>Marie</a:t>
+                      </a:r>
+                      <a:endParaRPr lang="en-US" sz="1200" b="0" i="0" u="none" strike="noStrike">
+                        <a:solidFill>
+                          <a:srgbClr val="000000"/>
+                        </a:solidFill>
+                        <a:effectLst/>
+                        <a:latin typeface="Fira Sans" panose="020B0503050000020004" pitchFamily="34" charset="0"/>
+                        <a:ea typeface="Fira Sans" panose="020B0503050000020004" pitchFamily="34" charset="0"/>
+                      </a:endParaRPr>
+                    </a:p>
+                  </a:txBody>
+                  <a:tcPr marL="3470" marR="3470" marT="6940" marB="6940" anchor="b"/>
+                </a:tc>
+                <a:tc>
+                  <a:txBody>
+                    <a:bodyPr/>
+                    <a:lstStyle/>
+                    <a:p>
+                      <a:pPr algn="ctr" fontAlgn="b"/>
+                      <a:r>
+                        <a:rPr lang="en-US" sz="1200" u="none" strike="noStrike">
+                          <a:effectLst/>
+                          <a:latin typeface="Fira Sans" panose="020B0503050000020004" pitchFamily="34" charset="0"/>
+                          <a:ea typeface="Fira Sans" panose="020B0503050000020004" pitchFamily="34" charset="0"/>
+                        </a:rPr>
+                        <a:t>Labussiere</a:t>
+                      </a:r>
+                      <a:endParaRPr lang="en-US" sz="1200" b="0" i="0" u="none" strike="noStrike">
+                        <a:solidFill>
+                          <a:srgbClr val="000000"/>
+                        </a:solidFill>
+                        <a:effectLst/>
+                        <a:latin typeface="Fira Sans" panose="020B0503050000020004" pitchFamily="34" charset="0"/>
+                        <a:ea typeface="Fira Sans" panose="020B0503050000020004" pitchFamily="34" charset="0"/>
+                      </a:endParaRPr>
+                    </a:p>
+                  </a:txBody>
+                  <a:tcPr marL="3470" marR="3470" marT="6940" marB="6940" anchor="b"/>
+                </a:tc>
+                <a:tc>
+                  <a:txBody>
+                    <a:bodyPr/>
+                    <a:lstStyle/>
+                    <a:p>
+                      <a:pPr algn="ctr" fontAlgn="b"/>
+                      <a:r>
+                        <a:rPr lang="en-US" sz="1200" u="none" strike="noStrike">
+                          <a:effectLst/>
+                          <a:latin typeface="Fira Sans" panose="020B0503050000020004" pitchFamily="34" charset="0"/>
+                          <a:ea typeface="Fira Sans" panose="020B0503050000020004" pitchFamily="34" charset="0"/>
+                        </a:rPr>
+                        <a:t>Reproducibility</a:t>
+                      </a:r>
+                      <a:endParaRPr lang="en-US" sz="1200" b="0" i="0" u="none" strike="noStrike">
+                        <a:solidFill>
+                          <a:srgbClr val="000000"/>
+                        </a:solidFill>
+                        <a:effectLst/>
+                        <a:latin typeface="Fira Sans" panose="020B0503050000020004" pitchFamily="34" charset="0"/>
+                        <a:ea typeface="Fira Sans" panose="020B0503050000020004" pitchFamily="34" charset="0"/>
+                      </a:endParaRPr>
+                    </a:p>
+                  </a:txBody>
+                  <a:tcPr marL="3470" marR="3470" marT="3470" marB="0" anchor="b"/>
+                </a:tc>
+                <a:extLst>
+                  <a:ext uri="{0D108BD9-81ED-4DB2-BD59-A6C34878D82A}">
+                    <a16:rowId xmlns:a16="http://schemas.microsoft.com/office/drawing/2014/main" val="706535781"/>
+                  </a:ext>
+                </a:extLst>
+              </a:tr>
+              <a:tr h="202016">
+                <a:tc>
+                  <a:txBody>
+                    <a:bodyPr/>
+                    <a:lstStyle/>
+                    <a:p>
+                      <a:pPr algn="ctr" fontAlgn="b"/>
+                      <a:r>
+                        <a:rPr lang="en-US" sz="1200" u="none" strike="noStrike">
+                          <a:effectLst/>
+                          <a:latin typeface="Fira Sans" panose="020B0503050000020004" pitchFamily="34" charset="0"/>
+                          <a:ea typeface="Fira Sans" panose="020B0503050000020004" pitchFamily="34" charset="0"/>
+                        </a:rPr>
+                        <a:t>Huyen</a:t>
+                      </a:r>
+                      <a:endParaRPr lang="en-US" sz="1200" b="0" i="0" u="none" strike="noStrike">
+                        <a:solidFill>
+                          <a:srgbClr val="000000"/>
+                        </a:solidFill>
+                        <a:effectLst/>
+                        <a:latin typeface="Fira Sans" panose="020B0503050000020004" pitchFamily="34" charset="0"/>
+                        <a:ea typeface="Fira Sans" panose="020B0503050000020004" pitchFamily="34" charset="0"/>
+                      </a:endParaRPr>
+                    </a:p>
+                  </a:txBody>
+                  <a:tcPr marL="3470" marR="3470" marT="6940" marB="6940" anchor="b"/>
+                </a:tc>
+                <a:tc>
+                  <a:txBody>
+                    <a:bodyPr/>
+                    <a:lstStyle/>
+                    <a:p>
+                      <a:pPr algn="ctr" fontAlgn="b"/>
+                      <a:r>
+                        <a:rPr lang="en-US" sz="1200" u="none" strike="noStrike">
+                          <a:effectLst/>
+                          <a:latin typeface="Fira Sans" panose="020B0503050000020004" pitchFamily="34" charset="0"/>
+                          <a:ea typeface="Fira Sans" panose="020B0503050000020004" pitchFamily="34" charset="0"/>
+                        </a:rPr>
+                        <a:t>Nguyen</a:t>
+                      </a:r>
+                      <a:endParaRPr lang="en-US" sz="1200" b="0" i="0" u="none" strike="noStrike">
+                        <a:solidFill>
+                          <a:srgbClr val="000000"/>
+                        </a:solidFill>
+                        <a:effectLst/>
+                        <a:latin typeface="Fira Sans" panose="020B0503050000020004" pitchFamily="34" charset="0"/>
+                        <a:ea typeface="Fira Sans" panose="020B0503050000020004" pitchFamily="34" charset="0"/>
+                      </a:endParaRPr>
+                    </a:p>
+                  </a:txBody>
+                  <a:tcPr marL="3470" marR="3470" marT="6940" marB="6940" anchor="b"/>
+                </a:tc>
+                <a:tc>
+                  <a:txBody>
+                    <a:bodyPr/>
+                    <a:lstStyle/>
+                    <a:p>
+                      <a:pPr algn="ctr" fontAlgn="b"/>
+                      <a:r>
+                        <a:rPr lang="en-US" sz="1200" u="none" strike="noStrike">
+                          <a:effectLst/>
+                          <a:latin typeface="Fira Sans" panose="020B0503050000020004" pitchFamily="34" charset="0"/>
+                          <a:ea typeface="Fira Sans" panose="020B0503050000020004" pitchFamily="34" charset="0"/>
+                        </a:rPr>
+                        <a:t>CBS RA data</a:t>
+                      </a:r>
+                      <a:endParaRPr lang="en-US" sz="1200" b="0" i="0" u="none" strike="noStrike">
+                        <a:solidFill>
+                          <a:srgbClr val="000000"/>
+                        </a:solidFill>
+                        <a:effectLst/>
+                        <a:latin typeface="Fira Sans" panose="020B0503050000020004" pitchFamily="34" charset="0"/>
+                        <a:ea typeface="Fira Sans" panose="020B0503050000020004" pitchFamily="34" charset="0"/>
+                      </a:endParaRPr>
+                    </a:p>
+                  </a:txBody>
+                  <a:tcPr marL="3470" marR="3470" marT="3470" marB="0" anchor="b"/>
+                </a:tc>
+                <a:extLst>
+                  <a:ext uri="{0D108BD9-81ED-4DB2-BD59-A6C34878D82A}">
+                    <a16:rowId xmlns:a16="http://schemas.microsoft.com/office/drawing/2014/main" val="2095253911"/>
+                  </a:ext>
+                </a:extLst>
+              </a:tr>
+              <a:tr h="202016">
+                <a:tc>
+                  <a:txBody>
+                    <a:bodyPr/>
+                    <a:lstStyle/>
+                    <a:p>
+                      <a:pPr algn="ctr" fontAlgn="b"/>
+                      <a:r>
+                        <a:rPr lang="en-US" sz="1200" u="none" strike="noStrike">
+                          <a:effectLst/>
+                          <a:latin typeface="Fira Sans" panose="020B0503050000020004" pitchFamily="34" charset="0"/>
+                          <a:ea typeface="Fira Sans" panose="020B0503050000020004" pitchFamily="34" charset="0"/>
+                        </a:rPr>
+                        <a:t>Marjanne</a:t>
+                      </a:r>
+                      <a:endParaRPr lang="en-US" sz="1200" b="0" i="0" u="none" strike="noStrike">
+                        <a:solidFill>
+                          <a:srgbClr val="000000"/>
+                        </a:solidFill>
+                        <a:effectLst/>
+                        <a:latin typeface="Fira Sans" panose="020B0503050000020004" pitchFamily="34" charset="0"/>
+                        <a:ea typeface="Fira Sans" panose="020B0503050000020004" pitchFamily="34" charset="0"/>
+                      </a:endParaRPr>
+                    </a:p>
+                  </a:txBody>
+                  <a:tcPr marL="3470" marR="3470" marT="6940" marB="6940" anchor="b"/>
+                </a:tc>
+                <a:tc>
+                  <a:txBody>
+                    <a:bodyPr/>
+                    <a:lstStyle/>
+                    <a:p>
+                      <a:pPr algn="ctr" fontAlgn="b"/>
+                      <a:r>
+                        <a:rPr lang="en-US" sz="1200" u="none" strike="noStrike">
+                          <a:effectLst/>
+                          <a:latin typeface="Fira Sans" panose="020B0503050000020004" pitchFamily="34" charset="0"/>
+                          <a:ea typeface="Fira Sans" panose="020B0503050000020004" pitchFamily="34" charset="0"/>
+                        </a:rPr>
+                        <a:t>Piena</a:t>
+                      </a:r>
+                      <a:endParaRPr lang="en-US" sz="1200" b="0" i="0" u="none" strike="noStrike">
+                        <a:solidFill>
+                          <a:srgbClr val="000000"/>
+                        </a:solidFill>
+                        <a:effectLst/>
+                        <a:latin typeface="Fira Sans" panose="020B0503050000020004" pitchFamily="34" charset="0"/>
+                        <a:ea typeface="Fira Sans" panose="020B0503050000020004" pitchFamily="34" charset="0"/>
+                      </a:endParaRPr>
+                    </a:p>
+                  </a:txBody>
+                  <a:tcPr marL="3470" marR="3470" marT="6940" marB="6940" anchor="b"/>
+                </a:tc>
+                <a:tc>
+                  <a:txBody>
+                    <a:bodyPr/>
+                    <a:lstStyle/>
+                    <a:p>
+                      <a:pPr algn="ctr" fontAlgn="b"/>
+                      <a:r>
+                        <a:rPr lang="en-US" sz="1200" u="none" strike="noStrike">
+                          <a:effectLst/>
+                          <a:latin typeface="Fira Sans" panose="020B0503050000020004" pitchFamily="34" charset="0"/>
+                          <a:ea typeface="Fira Sans" panose="020B0503050000020004" pitchFamily="34" charset="0"/>
+                        </a:rPr>
+                        <a:t>Big tables</a:t>
+                      </a:r>
+                      <a:endParaRPr lang="en-US" sz="1200" b="0" i="0" u="none" strike="noStrike">
+                        <a:solidFill>
+                          <a:srgbClr val="000000"/>
+                        </a:solidFill>
+                        <a:effectLst/>
+                        <a:latin typeface="Fira Sans" panose="020B0503050000020004" pitchFamily="34" charset="0"/>
+                        <a:ea typeface="Fira Sans" panose="020B0503050000020004" pitchFamily="34" charset="0"/>
+                      </a:endParaRPr>
+                    </a:p>
+                  </a:txBody>
+                  <a:tcPr marL="3470" marR="3470" marT="3470" marB="0" anchor="b"/>
+                </a:tc>
+                <a:extLst>
+                  <a:ext uri="{0D108BD9-81ED-4DB2-BD59-A6C34878D82A}">
+                    <a16:rowId xmlns:a16="http://schemas.microsoft.com/office/drawing/2014/main" val="2432671040"/>
+                  </a:ext>
+                </a:extLst>
+              </a:tr>
+              <a:tr h="202016">
+                <a:tc>
+                  <a:txBody>
+                    <a:bodyPr/>
+                    <a:lstStyle/>
+                    <a:p>
+                      <a:pPr algn="ctr" fontAlgn="b"/>
+                      <a:r>
+                        <a:rPr lang="en-US" sz="1200" u="none" strike="noStrike">
+                          <a:effectLst/>
+                          <a:latin typeface="Fira Sans" panose="020B0503050000020004" pitchFamily="34" charset="0"/>
+                          <a:ea typeface="Fira Sans" panose="020B0503050000020004" pitchFamily="34" charset="0"/>
+                        </a:rPr>
+                        <a:t>Friso</a:t>
+                      </a:r>
+                      <a:endParaRPr lang="en-US" sz="1200" b="0" i="0" u="none" strike="noStrike">
+                        <a:solidFill>
+                          <a:srgbClr val="000000"/>
+                        </a:solidFill>
+                        <a:effectLst/>
+                        <a:latin typeface="Fira Sans" panose="020B0503050000020004" pitchFamily="34" charset="0"/>
+                        <a:ea typeface="Fira Sans" panose="020B0503050000020004" pitchFamily="34" charset="0"/>
+                      </a:endParaRPr>
+                    </a:p>
+                  </a:txBody>
+                  <a:tcPr marL="3470" marR="3470" marT="6940" marB="6940" anchor="b"/>
+                </a:tc>
+                <a:tc>
+                  <a:txBody>
+                    <a:bodyPr/>
+                    <a:lstStyle/>
+                    <a:p>
+                      <a:pPr algn="ctr" fontAlgn="b"/>
+                      <a:r>
+                        <a:rPr lang="en-US" sz="1200" u="none" strike="noStrike">
+                          <a:effectLst/>
+                          <a:latin typeface="Fira Sans" panose="020B0503050000020004" pitchFamily="34" charset="0"/>
+                          <a:ea typeface="Fira Sans" panose="020B0503050000020004" pitchFamily="34" charset="0"/>
+                        </a:rPr>
+                        <a:t>Scheepstra</a:t>
+                      </a:r>
+                      <a:endParaRPr lang="en-US" sz="1200" b="0" i="0" u="none" strike="noStrike">
+                        <a:solidFill>
+                          <a:srgbClr val="000000"/>
+                        </a:solidFill>
+                        <a:effectLst/>
+                        <a:latin typeface="Fira Sans" panose="020B0503050000020004" pitchFamily="34" charset="0"/>
+                        <a:ea typeface="Fira Sans" panose="020B0503050000020004" pitchFamily="34" charset="0"/>
+                      </a:endParaRPr>
+                    </a:p>
+                  </a:txBody>
+                  <a:tcPr marL="3470" marR="3470" marT="6940" marB="6940" anchor="b"/>
+                </a:tc>
+                <a:tc>
+                  <a:txBody>
+                    <a:bodyPr/>
+                    <a:lstStyle/>
+                    <a:p>
+                      <a:pPr algn="ctr" fontAlgn="b"/>
+                      <a:r>
+                        <a:rPr lang="en-US" sz="1200" u="none" strike="noStrike">
+                          <a:effectLst/>
+                          <a:latin typeface="Fira Sans" panose="020B0503050000020004" pitchFamily="34" charset="0"/>
+                          <a:ea typeface="Fira Sans" panose="020B0503050000020004" pitchFamily="34" charset="0"/>
+                        </a:rPr>
+                        <a:t>Version control</a:t>
+                      </a:r>
+                      <a:endParaRPr lang="en-US" sz="1200" b="0" i="0" u="none" strike="noStrike">
+                        <a:solidFill>
+                          <a:srgbClr val="000000"/>
+                        </a:solidFill>
+                        <a:effectLst/>
+                        <a:latin typeface="Fira Sans" panose="020B0503050000020004" pitchFamily="34" charset="0"/>
+                        <a:ea typeface="Fira Sans" panose="020B0503050000020004" pitchFamily="34" charset="0"/>
+                      </a:endParaRPr>
+                    </a:p>
+                  </a:txBody>
+                  <a:tcPr marL="3470" marR="3470" marT="3470" marB="0" anchor="b"/>
+                </a:tc>
+                <a:extLst>
+                  <a:ext uri="{0D108BD9-81ED-4DB2-BD59-A6C34878D82A}">
+                    <a16:rowId xmlns:a16="http://schemas.microsoft.com/office/drawing/2014/main" val="1068840651"/>
+                  </a:ext>
+                </a:extLst>
+              </a:tr>
+              <a:tr h="202016">
+                <a:tc>
+                  <a:txBody>
+                    <a:bodyPr/>
+                    <a:lstStyle/>
+                    <a:p>
+                      <a:pPr algn="ctr" fontAlgn="b"/>
+                      <a:r>
+                        <a:rPr lang="en-US" sz="1200" u="none" strike="noStrike">
+                          <a:effectLst/>
+                          <a:latin typeface="Fira Sans" panose="020B0503050000020004" pitchFamily="34" charset="0"/>
+                          <a:ea typeface="Fira Sans" panose="020B0503050000020004" pitchFamily="34" charset="0"/>
+                        </a:rPr>
+                        <a:t>Raoul</a:t>
+                      </a:r>
+                      <a:endParaRPr lang="en-US" sz="1200" b="0" i="0" u="none" strike="noStrike">
+                        <a:solidFill>
+                          <a:srgbClr val="000000"/>
+                        </a:solidFill>
+                        <a:effectLst/>
+                        <a:latin typeface="Fira Sans" panose="020B0503050000020004" pitchFamily="34" charset="0"/>
+                        <a:ea typeface="Fira Sans" panose="020B0503050000020004" pitchFamily="34" charset="0"/>
+                      </a:endParaRPr>
+                    </a:p>
+                  </a:txBody>
+                  <a:tcPr marL="3470" marR="3470" marT="6940" marB="6940" anchor="b"/>
+                </a:tc>
+                <a:tc>
+                  <a:txBody>
+                    <a:bodyPr/>
+                    <a:lstStyle/>
+                    <a:p>
+                      <a:pPr algn="ctr" fontAlgn="b"/>
+                      <a:r>
+                        <a:rPr lang="en-US" sz="1200" u="none" strike="noStrike">
+                          <a:effectLst/>
+                          <a:latin typeface="Fira Sans" panose="020B0503050000020004" pitchFamily="34" charset="0"/>
+                          <a:ea typeface="Fira Sans" panose="020B0503050000020004" pitchFamily="34" charset="0"/>
+                        </a:rPr>
+                        <a:t>Schram</a:t>
+                      </a:r>
+                      <a:endParaRPr lang="en-US" sz="1200" b="0" i="0" u="none" strike="noStrike">
+                        <a:solidFill>
+                          <a:srgbClr val="000000"/>
+                        </a:solidFill>
+                        <a:effectLst/>
+                        <a:latin typeface="Fira Sans" panose="020B0503050000020004" pitchFamily="34" charset="0"/>
+                        <a:ea typeface="Fira Sans" panose="020B0503050000020004" pitchFamily="34" charset="0"/>
+                      </a:endParaRPr>
+                    </a:p>
+                  </a:txBody>
+                  <a:tcPr marL="3470" marR="3470" marT="6940" marB="6940" anchor="b"/>
+                </a:tc>
+                <a:tc>
+                  <a:txBody>
+                    <a:bodyPr/>
+                    <a:lstStyle/>
+                    <a:p>
+                      <a:pPr algn="ctr" fontAlgn="b"/>
+                      <a:r>
+                        <a:rPr lang="en-US" sz="1200" u="none" strike="noStrike">
+                          <a:effectLst/>
+                          <a:latin typeface="Fira Sans" panose="020B0503050000020004" pitchFamily="34" charset="0"/>
+                          <a:ea typeface="Fira Sans" panose="020B0503050000020004" pitchFamily="34" charset="0"/>
+                        </a:rPr>
+                        <a:t>CBS RA data</a:t>
+                      </a:r>
+                      <a:endParaRPr lang="en-US" sz="1200" b="0" i="0" u="none" strike="noStrike">
+                        <a:solidFill>
+                          <a:srgbClr val="000000"/>
+                        </a:solidFill>
+                        <a:effectLst/>
+                        <a:latin typeface="Fira Sans" panose="020B0503050000020004" pitchFamily="34" charset="0"/>
+                        <a:ea typeface="Fira Sans" panose="020B0503050000020004" pitchFamily="34" charset="0"/>
+                      </a:endParaRPr>
+                    </a:p>
+                  </a:txBody>
+                  <a:tcPr marL="3470" marR="3470" marT="3470" marB="0" anchor="b"/>
+                </a:tc>
+                <a:extLst>
+                  <a:ext uri="{0D108BD9-81ED-4DB2-BD59-A6C34878D82A}">
+                    <a16:rowId xmlns:a16="http://schemas.microsoft.com/office/drawing/2014/main" val="988515239"/>
+                  </a:ext>
+                </a:extLst>
+              </a:tr>
+              <a:tr h="202016">
+                <a:tc>
+                  <a:txBody>
+                    <a:bodyPr/>
+                    <a:lstStyle/>
+                    <a:p>
+                      <a:pPr algn="ctr" fontAlgn="b"/>
+                      <a:r>
+                        <a:rPr lang="en-US" sz="1200" u="none" strike="noStrike">
+                          <a:effectLst/>
+                          <a:latin typeface="Fira Sans" panose="020B0503050000020004" pitchFamily="34" charset="0"/>
+                          <a:ea typeface="Fira Sans" panose="020B0503050000020004" pitchFamily="34" charset="0"/>
+                        </a:rPr>
+                        <a:t>Elizaveta</a:t>
+                      </a:r>
+                      <a:endParaRPr lang="en-US" sz="1200" b="0" i="0" u="none" strike="noStrike">
+                        <a:solidFill>
+                          <a:srgbClr val="000000"/>
+                        </a:solidFill>
+                        <a:effectLst/>
+                        <a:latin typeface="Fira Sans" panose="020B0503050000020004" pitchFamily="34" charset="0"/>
+                        <a:ea typeface="Fira Sans" panose="020B0503050000020004" pitchFamily="34" charset="0"/>
+                      </a:endParaRPr>
+                    </a:p>
+                  </a:txBody>
+                  <a:tcPr marL="3470" marR="3470" marT="6940" marB="6940" anchor="b"/>
+                </a:tc>
+                <a:tc>
+                  <a:txBody>
+                    <a:bodyPr/>
+                    <a:lstStyle/>
+                    <a:p>
+                      <a:pPr algn="ctr" fontAlgn="b"/>
+                      <a:r>
+                        <a:rPr lang="en-US" sz="1200" u="none" strike="noStrike">
+                          <a:effectLst/>
+                          <a:latin typeface="Fira Sans" panose="020B0503050000020004" pitchFamily="34" charset="0"/>
+                          <a:ea typeface="Fira Sans" panose="020B0503050000020004" pitchFamily="34" charset="0"/>
+                        </a:rPr>
+                        <a:t>Sivak</a:t>
+                      </a:r>
+                      <a:endParaRPr lang="en-US" sz="1200" b="0" i="0" u="none" strike="noStrike">
+                        <a:solidFill>
+                          <a:srgbClr val="000000"/>
+                        </a:solidFill>
+                        <a:effectLst/>
+                        <a:latin typeface="Fira Sans" panose="020B0503050000020004" pitchFamily="34" charset="0"/>
+                        <a:ea typeface="Fira Sans" panose="020B0503050000020004" pitchFamily="34" charset="0"/>
+                      </a:endParaRPr>
+                    </a:p>
+                  </a:txBody>
+                  <a:tcPr marL="3470" marR="3470" marT="6940" marB="6940" anchor="b"/>
+                </a:tc>
+                <a:tc>
+                  <a:txBody>
+                    <a:bodyPr/>
+                    <a:lstStyle/>
+                    <a:p>
+                      <a:pPr algn="ctr" fontAlgn="b"/>
+                      <a:r>
+                        <a:rPr lang="en-US" sz="1200" u="none" strike="noStrike">
+                          <a:effectLst/>
+                          <a:latin typeface="Fira Sans" panose="020B0503050000020004" pitchFamily="34" charset="0"/>
+                          <a:ea typeface="Fira Sans" panose="020B0503050000020004" pitchFamily="34" charset="0"/>
+                        </a:rPr>
+                        <a:t>Big tables</a:t>
+                      </a:r>
+                      <a:endParaRPr lang="en-US" sz="1200" b="0" i="0" u="none" strike="noStrike">
+                        <a:solidFill>
+                          <a:srgbClr val="000000"/>
+                        </a:solidFill>
+                        <a:effectLst/>
+                        <a:latin typeface="Fira Sans" panose="020B0503050000020004" pitchFamily="34" charset="0"/>
+                        <a:ea typeface="Fira Sans" panose="020B0503050000020004" pitchFamily="34" charset="0"/>
+                      </a:endParaRPr>
+                    </a:p>
+                  </a:txBody>
+                  <a:tcPr marL="3470" marR="3470" marT="3470" marB="0" anchor="b"/>
+                </a:tc>
+                <a:extLst>
+                  <a:ext uri="{0D108BD9-81ED-4DB2-BD59-A6C34878D82A}">
+                    <a16:rowId xmlns:a16="http://schemas.microsoft.com/office/drawing/2014/main" val="97073830"/>
+                  </a:ext>
+                </a:extLst>
+              </a:tr>
+              <a:tr h="202016">
+                <a:tc>
+                  <a:txBody>
+                    <a:bodyPr/>
+                    <a:lstStyle/>
+                    <a:p>
+                      <a:pPr algn="ctr" fontAlgn="b"/>
+                      <a:r>
+                        <a:rPr lang="en-US" sz="1200" u="none" strike="noStrike">
+                          <a:effectLst/>
+                          <a:latin typeface="Fira Sans" panose="020B0503050000020004" pitchFamily="34" charset="0"/>
+                          <a:ea typeface="Fira Sans" panose="020B0503050000020004" pitchFamily="34" charset="0"/>
+                        </a:rPr>
+                        <a:t>Florian</a:t>
+                      </a:r>
+                      <a:endParaRPr lang="en-US" sz="1200" b="0" i="0" u="none" strike="noStrike">
+                        <a:solidFill>
+                          <a:srgbClr val="000000"/>
+                        </a:solidFill>
+                        <a:effectLst/>
+                        <a:latin typeface="Fira Sans" panose="020B0503050000020004" pitchFamily="34" charset="0"/>
+                        <a:ea typeface="Fira Sans" panose="020B0503050000020004" pitchFamily="34" charset="0"/>
+                      </a:endParaRPr>
+                    </a:p>
+                  </a:txBody>
+                  <a:tcPr marL="3470" marR="3470" marT="6940" marB="6940" anchor="b"/>
+                </a:tc>
+                <a:tc>
+                  <a:txBody>
+                    <a:bodyPr/>
+                    <a:lstStyle/>
+                    <a:p>
+                      <a:pPr algn="ctr" fontAlgn="b"/>
+                      <a:r>
+                        <a:rPr lang="en-US" sz="1200" u="none" strike="noStrike">
+                          <a:effectLst/>
+                          <a:latin typeface="Fira Sans" panose="020B0503050000020004" pitchFamily="34" charset="0"/>
+                          <a:ea typeface="Fira Sans" panose="020B0503050000020004" pitchFamily="34" charset="0"/>
+                        </a:rPr>
+                        <a:t>Sniekers</a:t>
+                      </a:r>
+                      <a:endParaRPr lang="en-US" sz="1200" b="0" i="0" u="none" strike="noStrike">
+                        <a:solidFill>
+                          <a:srgbClr val="000000"/>
+                        </a:solidFill>
+                        <a:effectLst/>
+                        <a:latin typeface="Fira Sans" panose="020B0503050000020004" pitchFamily="34" charset="0"/>
+                        <a:ea typeface="Fira Sans" panose="020B0503050000020004" pitchFamily="34" charset="0"/>
+                      </a:endParaRPr>
+                    </a:p>
+                  </a:txBody>
+                  <a:tcPr marL="3470" marR="3470" marT="6940" marB="6940" anchor="b"/>
+                </a:tc>
+                <a:tc>
+                  <a:txBody>
+                    <a:bodyPr/>
+                    <a:lstStyle/>
+                    <a:p>
+                      <a:pPr algn="ctr" fontAlgn="b"/>
+                      <a:r>
+                        <a:rPr lang="en-US" sz="1200" u="none" strike="noStrike">
+                          <a:effectLst/>
+                          <a:latin typeface="Fira Sans" panose="020B0503050000020004" pitchFamily="34" charset="0"/>
+                          <a:ea typeface="Fira Sans" panose="020B0503050000020004" pitchFamily="34" charset="0"/>
+                        </a:rPr>
+                        <a:t>Version control</a:t>
+                      </a:r>
+                      <a:endParaRPr lang="en-US" sz="1200" b="0" i="0" u="none" strike="noStrike">
+                        <a:solidFill>
+                          <a:srgbClr val="000000"/>
+                        </a:solidFill>
+                        <a:effectLst/>
+                        <a:latin typeface="Fira Sans" panose="020B0503050000020004" pitchFamily="34" charset="0"/>
+                        <a:ea typeface="Fira Sans" panose="020B0503050000020004" pitchFamily="34" charset="0"/>
+                      </a:endParaRPr>
+                    </a:p>
+                  </a:txBody>
+                  <a:tcPr marL="3470" marR="3470" marT="3470" marB="0" anchor="b"/>
+                </a:tc>
+                <a:extLst>
+                  <a:ext uri="{0D108BD9-81ED-4DB2-BD59-A6C34878D82A}">
+                    <a16:rowId xmlns:a16="http://schemas.microsoft.com/office/drawing/2014/main" val="2522852948"/>
+                  </a:ext>
+                </a:extLst>
+              </a:tr>
+              <a:tr h="202016">
+                <a:tc>
+                  <a:txBody>
+                    <a:bodyPr/>
+                    <a:lstStyle/>
+                    <a:p>
+                      <a:pPr algn="ctr" fontAlgn="b"/>
+                      <a:r>
+                        <a:rPr lang="en-US" sz="1200" u="none" strike="noStrike">
+                          <a:effectLst/>
+                          <a:latin typeface="Fira Sans" panose="020B0503050000020004" pitchFamily="34" charset="0"/>
+                          <a:ea typeface="Fira Sans" panose="020B0503050000020004" pitchFamily="34" charset="0"/>
+                        </a:rPr>
+                        <a:t>Pascalle</a:t>
+                      </a:r>
+                      <a:endParaRPr lang="en-US" sz="1200" b="0" i="0" u="none" strike="noStrike">
+                        <a:solidFill>
+                          <a:srgbClr val="000000"/>
+                        </a:solidFill>
+                        <a:effectLst/>
+                        <a:latin typeface="Fira Sans" panose="020B0503050000020004" pitchFamily="34" charset="0"/>
+                        <a:ea typeface="Fira Sans" panose="020B0503050000020004" pitchFamily="34" charset="0"/>
+                      </a:endParaRPr>
+                    </a:p>
+                  </a:txBody>
+                  <a:tcPr marL="3470" marR="3470" marT="6940" marB="6940" anchor="b"/>
+                </a:tc>
+                <a:tc>
+                  <a:txBody>
+                    <a:bodyPr/>
+                    <a:lstStyle/>
+                    <a:p>
+                      <a:pPr algn="ctr" fontAlgn="b"/>
+                      <a:r>
+                        <a:rPr lang="en-US" sz="1200" u="none" strike="noStrike">
+                          <a:effectLst/>
+                          <a:latin typeface="Fira Sans" panose="020B0503050000020004" pitchFamily="34" charset="0"/>
+                          <a:ea typeface="Fira Sans" panose="020B0503050000020004" pitchFamily="34" charset="0"/>
+                        </a:rPr>
+                        <a:t>Spaan</a:t>
+                      </a:r>
+                      <a:endParaRPr lang="en-US" sz="1200" b="0" i="0" u="none" strike="noStrike">
+                        <a:solidFill>
+                          <a:srgbClr val="000000"/>
+                        </a:solidFill>
+                        <a:effectLst/>
+                        <a:latin typeface="Fira Sans" panose="020B0503050000020004" pitchFamily="34" charset="0"/>
+                        <a:ea typeface="Fira Sans" panose="020B0503050000020004" pitchFamily="34" charset="0"/>
+                      </a:endParaRPr>
+                    </a:p>
+                  </a:txBody>
+                  <a:tcPr marL="3470" marR="3470" marT="6940" marB="6940" anchor="b"/>
+                </a:tc>
+                <a:tc>
+                  <a:txBody>
+                    <a:bodyPr/>
+                    <a:lstStyle/>
+                    <a:p>
+                      <a:pPr algn="ctr" fontAlgn="b"/>
+                      <a:r>
+                        <a:rPr lang="en-US" sz="1200" u="none" strike="noStrike">
+                          <a:effectLst/>
+                          <a:latin typeface="Fira Sans" panose="020B0503050000020004" pitchFamily="34" charset="0"/>
+                          <a:ea typeface="Fira Sans" panose="020B0503050000020004" pitchFamily="34" charset="0"/>
+                        </a:rPr>
+                        <a:t>CBS RA data</a:t>
+                      </a:r>
+                      <a:endParaRPr lang="en-US" sz="1200" b="0" i="0" u="none" strike="noStrike">
+                        <a:solidFill>
+                          <a:srgbClr val="000000"/>
+                        </a:solidFill>
+                        <a:effectLst/>
+                        <a:latin typeface="Fira Sans" panose="020B0503050000020004" pitchFamily="34" charset="0"/>
+                        <a:ea typeface="Fira Sans" panose="020B0503050000020004" pitchFamily="34" charset="0"/>
+                      </a:endParaRPr>
+                    </a:p>
+                  </a:txBody>
+                  <a:tcPr marL="3470" marR="3470" marT="3470" marB="0" anchor="b"/>
+                </a:tc>
+                <a:extLst>
+                  <a:ext uri="{0D108BD9-81ED-4DB2-BD59-A6C34878D82A}">
+                    <a16:rowId xmlns:a16="http://schemas.microsoft.com/office/drawing/2014/main" val="519562609"/>
+                  </a:ext>
+                </a:extLst>
+              </a:tr>
+              <a:tr h="202016">
+                <a:tc>
+                  <a:txBody>
+                    <a:bodyPr/>
+                    <a:lstStyle/>
+                    <a:p>
+                      <a:pPr algn="ctr" fontAlgn="b"/>
+                      <a:r>
+                        <a:rPr lang="en-US" sz="1200" u="none" strike="noStrike">
+                          <a:effectLst/>
+                          <a:latin typeface="Fira Sans" panose="020B0503050000020004" pitchFamily="34" charset="0"/>
+                          <a:ea typeface="Fira Sans" panose="020B0503050000020004" pitchFamily="34" charset="0"/>
+                        </a:rPr>
+                        <a:t>Lisa</a:t>
+                      </a:r>
+                      <a:endParaRPr lang="en-US" sz="1200" b="0" i="0" u="none" strike="noStrike">
+                        <a:solidFill>
+                          <a:srgbClr val="000000"/>
+                        </a:solidFill>
+                        <a:effectLst/>
+                        <a:latin typeface="Fira Sans" panose="020B0503050000020004" pitchFamily="34" charset="0"/>
+                        <a:ea typeface="Fira Sans" panose="020B0503050000020004" pitchFamily="34" charset="0"/>
+                      </a:endParaRPr>
+                    </a:p>
+                  </a:txBody>
+                  <a:tcPr marL="3470" marR="3470" marT="6940" marB="6940" anchor="b"/>
+                </a:tc>
+                <a:tc>
+                  <a:txBody>
+                    <a:bodyPr/>
+                    <a:lstStyle/>
+                    <a:p>
+                      <a:pPr algn="ctr" fontAlgn="b"/>
+                      <a:r>
+                        <a:rPr lang="en-US" sz="1200" u="none" strike="noStrike">
+                          <a:effectLst/>
+                          <a:latin typeface="Fira Sans" panose="020B0503050000020004" pitchFamily="34" charset="0"/>
+                          <a:ea typeface="Fira Sans" panose="020B0503050000020004" pitchFamily="34" charset="0"/>
+                        </a:rPr>
+                        <a:t>Timm</a:t>
+                      </a:r>
+                      <a:endParaRPr lang="en-US" sz="1200" b="0" i="0" u="none" strike="noStrike">
+                        <a:solidFill>
+                          <a:srgbClr val="000000"/>
+                        </a:solidFill>
+                        <a:effectLst/>
+                        <a:latin typeface="Fira Sans" panose="020B0503050000020004" pitchFamily="34" charset="0"/>
+                        <a:ea typeface="Fira Sans" panose="020B0503050000020004" pitchFamily="34" charset="0"/>
+                      </a:endParaRPr>
+                    </a:p>
+                  </a:txBody>
+                  <a:tcPr marL="3470" marR="3470" marT="6940" marB="6940" anchor="b"/>
+                </a:tc>
+                <a:tc>
+                  <a:txBody>
+                    <a:bodyPr/>
+                    <a:lstStyle/>
+                    <a:p>
+                      <a:pPr algn="ctr" fontAlgn="b"/>
+                      <a:r>
+                        <a:rPr lang="en-US" sz="1200" u="none" strike="noStrike">
+                          <a:effectLst/>
+                          <a:latin typeface="Fira Sans" panose="020B0503050000020004" pitchFamily="34" charset="0"/>
+                          <a:ea typeface="Fira Sans" panose="020B0503050000020004" pitchFamily="34" charset="0"/>
+                        </a:rPr>
+                        <a:t>Version control</a:t>
+                      </a:r>
+                      <a:endParaRPr lang="en-US" sz="1200" b="0" i="0" u="none" strike="noStrike">
+                        <a:solidFill>
+                          <a:srgbClr val="000000"/>
+                        </a:solidFill>
+                        <a:effectLst/>
+                        <a:latin typeface="Fira Sans" panose="020B0503050000020004" pitchFamily="34" charset="0"/>
+                        <a:ea typeface="Fira Sans" panose="020B0503050000020004" pitchFamily="34" charset="0"/>
+                      </a:endParaRPr>
+                    </a:p>
+                  </a:txBody>
+                  <a:tcPr marL="3470" marR="3470" marT="3470" marB="0" anchor="b"/>
+                </a:tc>
+                <a:extLst>
+                  <a:ext uri="{0D108BD9-81ED-4DB2-BD59-A6C34878D82A}">
+                    <a16:rowId xmlns:a16="http://schemas.microsoft.com/office/drawing/2014/main" val="288490640"/>
+                  </a:ext>
+                </a:extLst>
+              </a:tr>
+              <a:tr h="202016">
+                <a:tc>
+                  <a:txBody>
+                    <a:bodyPr/>
+                    <a:lstStyle/>
+                    <a:p>
+                      <a:pPr algn="ctr" fontAlgn="b"/>
+                      <a:r>
+                        <a:rPr lang="en-US" sz="1200" u="none" strike="noStrike">
+                          <a:effectLst/>
+                          <a:latin typeface="Fira Sans" panose="020B0503050000020004" pitchFamily="34" charset="0"/>
+                          <a:ea typeface="Fira Sans" panose="020B0503050000020004" pitchFamily="34" charset="0"/>
+                        </a:rPr>
+                        <a:t>Ignacio</a:t>
+                      </a:r>
+                      <a:endParaRPr lang="en-US" sz="1200" b="0" i="0" u="none" strike="noStrike">
+                        <a:solidFill>
+                          <a:srgbClr val="000000"/>
+                        </a:solidFill>
+                        <a:effectLst/>
+                        <a:latin typeface="Fira Sans" panose="020B0503050000020004" pitchFamily="34" charset="0"/>
+                        <a:ea typeface="Fira Sans" panose="020B0503050000020004" pitchFamily="34" charset="0"/>
+                      </a:endParaRPr>
+                    </a:p>
+                  </a:txBody>
+                  <a:tcPr marL="3470" marR="3470" marT="6940" marB="6940" anchor="b"/>
+                </a:tc>
+                <a:tc>
+                  <a:txBody>
+                    <a:bodyPr/>
+                    <a:lstStyle/>
+                    <a:p>
+                      <a:pPr algn="ctr" fontAlgn="b"/>
+                      <a:r>
+                        <a:rPr lang="en-US" sz="1200" u="none" strike="noStrike">
+                          <a:effectLst/>
+                          <a:latin typeface="Fira Sans" panose="020B0503050000020004" pitchFamily="34" charset="0"/>
+                          <a:ea typeface="Fira Sans" panose="020B0503050000020004" pitchFamily="34" charset="0"/>
+                        </a:rPr>
+                        <a:t>Urria</a:t>
+                      </a:r>
+                      <a:endParaRPr lang="en-US" sz="1200" b="0" i="0" u="none" strike="noStrike">
+                        <a:solidFill>
+                          <a:srgbClr val="000000"/>
+                        </a:solidFill>
+                        <a:effectLst/>
+                        <a:latin typeface="Fira Sans" panose="020B0503050000020004" pitchFamily="34" charset="0"/>
+                        <a:ea typeface="Fira Sans" panose="020B0503050000020004" pitchFamily="34" charset="0"/>
+                      </a:endParaRPr>
+                    </a:p>
+                  </a:txBody>
+                  <a:tcPr marL="3470" marR="3470" marT="6940" marB="6940" anchor="b"/>
+                </a:tc>
+                <a:tc>
+                  <a:txBody>
+                    <a:bodyPr/>
+                    <a:lstStyle/>
+                    <a:p>
+                      <a:pPr algn="ctr" fontAlgn="b"/>
+                      <a:r>
+                        <a:rPr lang="en-US" sz="1200" u="none" strike="noStrike">
+                          <a:effectLst/>
+                          <a:latin typeface="Fira Sans" panose="020B0503050000020004" pitchFamily="34" charset="0"/>
+                          <a:ea typeface="Fira Sans" panose="020B0503050000020004" pitchFamily="34" charset="0"/>
+                        </a:rPr>
+                        <a:t>Advanced computation</a:t>
+                      </a:r>
+                      <a:endParaRPr lang="en-US" sz="1200" b="0" i="0" u="none" strike="noStrike">
+                        <a:solidFill>
+                          <a:srgbClr val="000000"/>
+                        </a:solidFill>
+                        <a:effectLst/>
+                        <a:latin typeface="Fira Sans" panose="020B0503050000020004" pitchFamily="34" charset="0"/>
+                        <a:ea typeface="Fira Sans" panose="020B0503050000020004" pitchFamily="34" charset="0"/>
+                      </a:endParaRPr>
+                    </a:p>
+                  </a:txBody>
+                  <a:tcPr marL="3470" marR="3470" marT="3470" marB="0" anchor="b"/>
+                </a:tc>
+                <a:extLst>
+                  <a:ext uri="{0D108BD9-81ED-4DB2-BD59-A6C34878D82A}">
+                    <a16:rowId xmlns:a16="http://schemas.microsoft.com/office/drawing/2014/main" val="2323605391"/>
+                  </a:ext>
+                </a:extLst>
+              </a:tr>
+              <a:tr h="202016">
+                <a:tc>
+                  <a:txBody>
+                    <a:bodyPr/>
+                    <a:lstStyle/>
+                    <a:p>
+                      <a:pPr algn="ctr" fontAlgn="b"/>
+                      <a:r>
+                        <a:rPr lang="en-US" sz="1200" u="none" strike="noStrike">
+                          <a:effectLst/>
+                          <a:latin typeface="Fira Sans" panose="020B0503050000020004" pitchFamily="34" charset="0"/>
+                          <a:ea typeface="Fira Sans" panose="020B0503050000020004" pitchFamily="34" charset="0"/>
+                        </a:rPr>
+                        <a:t>Mark</a:t>
+                      </a:r>
+                      <a:endParaRPr lang="en-US" sz="1200" b="0" i="0" u="none" strike="noStrike">
+                        <a:solidFill>
+                          <a:srgbClr val="000000"/>
+                        </a:solidFill>
+                        <a:effectLst/>
+                        <a:latin typeface="Fira Sans" panose="020B0503050000020004" pitchFamily="34" charset="0"/>
+                        <a:ea typeface="Fira Sans" panose="020B0503050000020004" pitchFamily="34" charset="0"/>
+                      </a:endParaRPr>
+                    </a:p>
+                  </a:txBody>
+                  <a:tcPr marL="3470" marR="3470" marT="6940" marB="6940" anchor="b"/>
+                </a:tc>
+                <a:tc>
+                  <a:txBody>
+                    <a:bodyPr/>
+                    <a:lstStyle/>
+                    <a:p>
+                      <a:pPr algn="ctr" fontAlgn="b"/>
+                      <a:r>
+                        <a:rPr lang="en-US" sz="1200" u="none" strike="noStrike">
+                          <a:effectLst/>
+                          <a:latin typeface="Fira Sans" panose="020B0503050000020004" pitchFamily="34" charset="0"/>
+                          <a:ea typeface="Fira Sans" panose="020B0503050000020004" pitchFamily="34" charset="0"/>
+                        </a:rPr>
+                        <a:t>van der Meijden</a:t>
+                      </a:r>
+                      <a:endParaRPr lang="en-US" sz="1200" b="0" i="0" u="none" strike="noStrike">
+                        <a:solidFill>
+                          <a:srgbClr val="000000"/>
+                        </a:solidFill>
+                        <a:effectLst/>
+                        <a:latin typeface="Fira Sans" panose="020B0503050000020004" pitchFamily="34" charset="0"/>
+                        <a:ea typeface="Fira Sans" panose="020B0503050000020004" pitchFamily="34" charset="0"/>
+                      </a:endParaRPr>
+                    </a:p>
+                  </a:txBody>
+                  <a:tcPr marL="3470" marR="3470" marT="6940" marB="6940" anchor="b"/>
+                </a:tc>
+                <a:tc>
+                  <a:txBody>
+                    <a:bodyPr/>
+                    <a:lstStyle/>
+                    <a:p>
+                      <a:pPr algn="ctr" fontAlgn="b"/>
+                      <a:r>
+                        <a:rPr lang="en-US" sz="1200" b="0" i="0" u="none" strike="noStrike" dirty="0">
+                          <a:solidFill>
+                            <a:srgbClr val="000000"/>
+                          </a:solidFill>
+                          <a:effectLst/>
+                          <a:latin typeface="Fira Sans" panose="020B0503050000020004" pitchFamily="34" charset="0"/>
+                          <a:ea typeface="Fira Sans" panose="020B0503050000020004" pitchFamily="34" charset="0"/>
+                        </a:rPr>
+                        <a:t>Exercise</a:t>
+                      </a:r>
+                      <a:endParaRPr lang="en-NL" sz="1200" b="0" i="0" u="none" strike="noStrike" dirty="0">
+                        <a:solidFill>
+                          <a:srgbClr val="000000"/>
+                        </a:solidFill>
+                        <a:effectLst/>
+                        <a:latin typeface="Fira Sans" panose="020B0503050000020004" pitchFamily="34" charset="0"/>
+                        <a:ea typeface="Fira Sans" panose="020B0503050000020004" pitchFamily="34" charset="0"/>
+                      </a:endParaRPr>
+                    </a:p>
+                  </a:txBody>
+                  <a:tcPr marL="3470" marR="3470" marT="3470" marB="0" anchor="b"/>
+                </a:tc>
+                <a:extLst>
+                  <a:ext uri="{0D108BD9-81ED-4DB2-BD59-A6C34878D82A}">
+                    <a16:rowId xmlns:a16="http://schemas.microsoft.com/office/drawing/2014/main" val="1686183032"/>
+                  </a:ext>
+                </a:extLst>
+              </a:tr>
+              <a:tr h="202016">
+                <a:tc>
+                  <a:txBody>
+                    <a:bodyPr/>
+                    <a:lstStyle/>
+                    <a:p>
+                      <a:pPr algn="ctr" fontAlgn="b"/>
+                      <a:r>
+                        <a:rPr lang="en-US" sz="1200" u="none" strike="noStrike">
+                          <a:effectLst/>
+                          <a:latin typeface="Fira Sans" panose="020B0503050000020004" pitchFamily="34" charset="0"/>
+                          <a:ea typeface="Fira Sans" panose="020B0503050000020004" pitchFamily="34" charset="0"/>
+                        </a:rPr>
+                        <a:t>Kars</a:t>
+                      </a:r>
+                      <a:endParaRPr lang="en-US" sz="1200" b="0" i="0" u="none" strike="noStrike">
+                        <a:solidFill>
+                          <a:srgbClr val="000000"/>
+                        </a:solidFill>
+                        <a:effectLst/>
+                        <a:latin typeface="Fira Sans" panose="020B0503050000020004" pitchFamily="34" charset="0"/>
+                        <a:ea typeface="Fira Sans" panose="020B0503050000020004" pitchFamily="34" charset="0"/>
+                      </a:endParaRPr>
+                    </a:p>
+                  </a:txBody>
+                  <a:tcPr marL="3470" marR="3470" marT="6940" marB="6940" anchor="b"/>
+                </a:tc>
+                <a:tc>
+                  <a:txBody>
+                    <a:bodyPr/>
+                    <a:lstStyle/>
+                    <a:p>
+                      <a:pPr algn="ctr" fontAlgn="b"/>
+                      <a:r>
+                        <a:rPr lang="en-US" sz="1200" u="none" strike="noStrike">
+                          <a:effectLst/>
+                          <a:latin typeface="Fira Sans" panose="020B0503050000020004" pitchFamily="34" charset="0"/>
+                          <a:ea typeface="Fira Sans" panose="020B0503050000020004" pitchFamily="34" charset="0"/>
+                        </a:rPr>
+                        <a:t>van Oosterhout</a:t>
+                      </a:r>
+                      <a:endParaRPr lang="en-US" sz="1200" b="0" i="0" u="none" strike="noStrike">
+                        <a:solidFill>
+                          <a:srgbClr val="000000"/>
+                        </a:solidFill>
+                        <a:effectLst/>
+                        <a:latin typeface="Fira Sans" panose="020B0503050000020004" pitchFamily="34" charset="0"/>
+                        <a:ea typeface="Fira Sans" panose="020B0503050000020004" pitchFamily="34" charset="0"/>
+                      </a:endParaRPr>
+                    </a:p>
+                  </a:txBody>
+                  <a:tcPr marL="3470" marR="3470" marT="6940" marB="6940" anchor="b"/>
+                </a:tc>
+                <a:tc>
+                  <a:txBody>
+                    <a:bodyPr/>
+                    <a:lstStyle/>
+                    <a:p>
+                      <a:pPr algn="ctr" fontAlgn="b"/>
+                      <a:r>
+                        <a:rPr lang="en-US" sz="1200" u="none" strike="noStrike" dirty="0">
+                          <a:effectLst/>
+                          <a:latin typeface="Fira Sans" panose="020B0503050000020004" pitchFamily="34" charset="0"/>
+                          <a:ea typeface="Fira Sans" panose="020B0503050000020004" pitchFamily="34" charset="0"/>
+                        </a:rPr>
+                        <a:t>Data handling</a:t>
+                      </a:r>
+                      <a:endParaRPr lang="en-US" sz="1200" b="0" i="0" u="none" strike="noStrike" dirty="0">
+                        <a:solidFill>
+                          <a:srgbClr val="000000"/>
+                        </a:solidFill>
+                        <a:effectLst/>
+                        <a:latin typeface="Fira Sans" panose="020B0503050000020004" pitchFamily="34" charset="0"/>
+                        <a:ea typeface="Fira Sans" panose="020B0503050000020004" pitchFamily="34" charset="0"/>
+                      </a:endParaRPr>
+                    </a:p>
+                  </a:txBody>
+                  <a:tcPr marL="3470" marR="3470" marT="3470" marB="0" anchor="b"/>
+                </a:tc>
+                <a:extLst>
+                  <a:ext uri="{0D108BD9-81ED-4DB2-BD59-A6C34878D82A}">
+                    <a16:rowId xmlns:a16="http://schemas.microsoft.com/office/drawing/2014/main" val="1049820772"/>
+                  </a:ext>
+                </a:extLst>
+              </a:tr>
+              <a:tr h="202016">
+                <a:tc>
+                  <a:txBody>
+                    <a:bodyPr/>
+                    <a:lstStyle/>
+                    <a:p>
+                      <a:pPr algn="ctr" fontAlgn="b"/>
+                      <a:r>
+                        <a:rPr lang="en-US" sz="1200" u="none" strike="noStrike">
+                          <a:effectLst/>
+                          <a:latin typeface="Fira Sans" panose="020B0503050000020004" pitchFamily="34" charset="0"/>
+                          <a:ea typeface="Fira Sans" panose="020B0503050000020004" pitchFamily="34" charset="0"/>
+                        </a:rPr>
+                        <a:t>Michiel</a:t>
+                      </a:r>
+                      <a:endParaRPr lang="en-US" sz="1200" b="0" i="0" u="none" strike="noStrike">
+                        <a:solidFill>
+                          <a:srgbClr val="000000"/>
+                        </a:solidFill>
+                        <a:effectLst/>
+                        <a:latin typeface="Fira Sans" panose="020B0503050000020004" pitchFamily="34" charset="0"/>
+                        <a:ea typeface="Fira Sans" panose="020B0503050000020004" pitchFamily="34" charset="0"/>
+                      </a:endParaRPr>
+                    </a:p>
+                  </a:txBody>
+                  <a:tcPr marL="3470" marR="3470" marT="6940" marB="6940" anchor="b"/>
+                </a:tc>
+                <a:tc>
+                  <a:txBody>
+                    <a:bodyPr/>
+                    <a:lstStyle/>
+                    <a:p>
+                      <a:pPr algn="ctr" fontAlgn="b"/>
+                      <a:r>
+                        <a:rPr lang="en-US" sz="1200" u="none" strike="noStrike">
+                          <a:effectLst/>
+                          <a:latin typeface="Fira Sans" panose="020B0503050000020004" pitchFamily="34" charset="0"/>
+                          <a:ea typeface="Fira Sans" panose="020B0503050000020004" pitchFamily="34" charset="0"/>
+                        </a:rPr>
+                        <a:t>van Rijn</a:t>
+                      </a:r>
+                      <a:endParaRPr lang="en-US" sz="1200" b="0" i="0" u="none" strike="noStrike">
+                        <a:solidFill>
+                          <a:srgbClr val="000000"/>
+                        </a:solidFill>
+                        <a:effectLst/>
+                        <a:latin typeface="Fira Sans" panose="020B0503050000020004" pitchFamily="34" charset="0"/>
+                        <a:ea typeface="Fira Sans" panose="020B0503050000020004" pitchFamily="34" charset="0"/>
+                      </a:endParaRPr>
+                    </a:p>
+                  </a:txBody>
+                  <a:tcPr marL="3470" marR="3470" marT="6940" marB="6940" anchor="b"/>
+                </a:tc>
+                <a:tc>
+                  <a:txBody>
+                    <a:bodyPr/>
+                    <a:lstStyle/>
+                    <a:p>
+                      <a:pPr algn="ctr" fontAlgn="b"/>
+                      <a:r>
+                        <a:rPr lang="en-US" sz="1200" b="0" i="0" u="none" strike="noStrike" dirty="0">
+                          <a:solidFill>
+                            <a:srgbClr val="000000"/>
+                          </a:solidFill>
+                          <a:effectLst/>
+                          <a:latin typeface="Fira Sans" panose="020B0503050000020004" pitchFamily="34" charset="0"/>
+                          <a:ea typeface="Fira Sans" panose="020B0503050000020004" pitchFamily="34" charset="0"/>
+                        </a:rPr>
+                        <a:t>Exercise</a:t>
+                      </a:r>
+                      <a:endParaRPr lang="en-NL" sz="1200" b="0" i="0" u="none" strike="noStrike" dirty="0">
+                        <a:solidFill>
+                          <a:srgbClr val="000000"/>
+                        </a:solidFill>
+                        <a:effectLst/>
+                        <a:latin typeface="Fira Sans" panose="020B0503050000020004" pitchFamily="34" charset="0"/>
+                        <a:ea typeface="Fira Sans" panose="020B0503050000020004" pitchFamily="34" charset="0"/>
+                      </a:endParaRPr>
+                    </a:p>
+                  </a:txBody>
+                  <a:tcPr marL="3470" marR="3470" marT="3470" marB="0" anchor="b"/>
+                </a:tc>
+                <a:extLst>
+                  <a:ext uri="{0D108BD9-81ED-4DB2-BD59-A6C34878D82A}">
+                    <a16:rowId xmlns:a16="http://schemas.microsoft.com/office/drawing/2014/main" val="2738814915"/>
+                  </a:ext>
+                </a:extLst>
+              </a:tr>
+              <a:tr h="202016">
+                <a:tc>
+                  <a:txBody>
+                    <a:bodyPr/>
+                    <a:lstStyle/>
+                    <a:p>
+                      <a:pPr algn="ctr" fontAlgn="b"/>
+                      <a:r>
+                        <a:rPr lang="en-US" sz="1200" u="none" strike="noStrike">
+                          <a:effectLst/>
+                          <a:latin typeface="Fira Sans" panose="020B0503050000020004" pitchFamily="34" charset="0"/>
+                          <a:ea typeface="Fira Sans" panose="020B0503050000020004" pitchFamily="34" charset="0"/>
+                        </a:rPr>
+                        <a:t>Alexandra</a:t>
+                      </a:r>
+                      <a:endParaRPr lang="en-US" sz="1200" b="0" i="0" u="none" strike="noStrike">
+                        <a:solidFill>
+                          <a:srgbClr val="000000"/>
+                        </a:solidFill>
+                        <a:effectLst/>
+                        <a:latin typeface="Fira Sans" panose="020B0503050000020004" pitchFamily="34" charset="0"/>
+                        <a:ea typeface="Fira Sans" panose="020B0503050000020004" pitchFamily="34" charset="0"/>
+                      </a:endParaRPr>
+                    </a:p>
+                  </a:txBody>
+                  <a:tcPr marL="3470" marR="3470" marT="6940" marB="6940" anchor="b"/>
+                </a:tc>
+                <a:tc>
+                  <a:txBody>
+                    <a:bodyPr/>
+                    <a:lstStyle/>
+                    <a:p>
+                      <a:pPr algn="ctr" fontAlgn="b"/>
+                      <a:r>
+                        <a:rPr lang="en-US" sz="1200" u="none" strike="noStrike">
+                          <a:effectLst/>
+                          <a:latin typeface="Fira Sans" panose="020B0503050000020004" pitchFamily="34" charset="0"/>
+                          <a:ea typeface="Fira Sans" panose="020B0503050000020004" pitchFamily="34" charset="0"/>
+                        </a:rPr>
+                        <a:t>Voce</a:t>
+                      </a:r>
+                      <a:endParaRPr lang="en-US" sz="1200" b="0" i="0" u="none" strike="noStrike">
+                        <a:solidFill>
+                          <a:srgbClr val="000000"/>
+                        </a:solidFill>
+                        <a:effectLst/>
+                        <a:latin typeface="Fira Sans" panose="020B0503050000020004" pitchFamily="34" charset="0"/>
+                        <a:ea typeface="Fira Sans" panose="020B0503050000020004" pitchFamily="34" charset="0"/>
+                      </a:endParaRPr>
+                    </a:p>
+                  </a:txBody>
+                  <a:tcPr marL="3470" marR="3470" marT="6940" marB="6940" anchor="b"/>
+                </a:tc>
+                <a:tc>
+                  <a:txBody>
+                    <a:bodyPr/>
+                    <a:lstStyle/>
+                    <a:p>
+                      <a:pPr algn="ctr" fontAlgn="b"/>
+                      <a:r>
+                        <a:rPr lang="en-US" sz="1200" u="none" strike="noStrike" dirty="0">
+                          <a:effectLst/>
+                          <a:latin typeface="Fira Sans" panose="020B0503050000020004" pitchFamily="34" charset="0"/>
+                          <a:ea typeface="Fira Sans" panose="020B0503050000020004" pitchFamily="34" charset="0"/>
+                        </a:rPr>
+                        <a:t>CBS RA data</a:t>
+                      </a:r>
+                      <a:endParaRPr lang="en-US" sz="1200" b="0" i="0" u="none" strike="noStrike" dirty="0">
+                        <a:solidFill>
+                          <a:srgbClr val="000000"/>
+                        </a:solidFill>
+                        <a:effectLst/>
+                        <a:latin typeface="Fira Sans" panose="020B0503050000020004" pitchFamily="34" charset="0"/>
+                        <a:ea typeface="Fira Sans" panose="020B0503050000020004" pitchFamily="34" charset="0"/>
+                      </a:endParaRPr>
+                    </a:p>
+                  </a:txBody>
+                  <a:tcPr marL="3470" marR="3470" marT="3470" marB="0" anchor="b"/>
+                </a:tc>
+                <a:extLst>
+                  <a:ext uri="{0D108BD9-81ED-4DB2-BD59-A6C34878D82A}">
+                    <a16:rowId xmlns:a16="http://schemas.microsoft.com/office/drawing/2014/main" val="1064273218"/>
+                  </a:ext>
+                </a:extLst>
+              </a:tr>
+            </a:tbl>
+          </a:graphicData>
+        </a:graphic>
+      </p:graphicFrame>
+      <p:sp>
+        <p:nvSpPr>
+          <p:cNvPr id="5" name="Title 1">
+            <a:extLst>
+              <a:ext uri="{FF2B5EF4-FFF2-40B4-BE49-F238E27FC236}">
+                <a16:creationId xmlns:a16="http://schemas.microsoft.com/office/drawing/2014/main" id="{21710369-68EE-6CFD-B9C3-2BC215E5DDD1}"/>
+              </a:ext>
+            </a:extLst>
+          </p:cNvPr>
+          <p:cNvSpPr txBox="1">
+            <a:spLocks noGrp="1"/>
+          </p:cNvSpPr>
+          <p:nvPr>
+            <p:ph type="title"/>
+          </p:nvPr>
+        </p:nvSpPr>
+        <p:spPr>
+          <a:xfrm>
+            <a:off x="838203" y="365129"/>
+            <a:ext cx="10515600" cy="1325559"/>
+          </a:xfrm>
+        </p:spPr>
+        <p:txBody>
+          <a:bodyPr/>
+          <a:lstStyle/>
+          <a:p>
+            <a:pPr lvl="0">
+              <a:lnSpc>
+                <a:spcPct val="100000"/>
+              </a:lnSpc>
+            </a:pPr>
+            <a:r>
+              <a:rPr lang="en-GB" sz="5400" b="1" kern="0" dirty="0">
+                <a:solidFill>
+                  <a:srgbClr val="006388"/>
+                </a:solidFill>
+                <a:latin typeface="Fira Sans" pitchFamily="34"/>
+                <a:ea typeface="Fira Code" pitchFamily="49"/>
+              </a:rPr>
+              <a:t>Groups</a:t>
+            </a:r>
+            <a:endParaRPr lang="en-GB" sz="1800" kern="0" dirty="0"/>
+          </a:p>
+        </p:txBody>
+      </p:sp>
+      <p:sp>
+        <p:nvSpPr>
+          <p:cNvPr id="6" name="Content Placeholder 2">
+            <a:extLst>
+              <a:ext uri="{FF2B5EF4-FFF2-40B4-BE49-F238E27FC236}">
+                <a16:creationId xmlns:a16="http://schemas.microsoft.com/office/drawing/2014/main" id="{4A6AE8C0-E171-6345-5098-4500E6FEF0F1}"/>
+              </a:ext>
+            </a:extLst>
+          </p:cNvPr>
+          <p:cNvSpPr txBox="1">
+            <a:spLocks noGrp="1"/>
+          </p:cNvSpPr>
+          <p:nvPr>
+            <p:ph idx="1"/>
+          </p:nvPr>
+        </p:nvSpPr>
+        <p:spPr>
+          <a:xfrm>
+            <a:off x="838203" y="1825628"/>
+            <a:ext cx="6902935" cy="4667243"/>
+          </a:xfrm>
+        </p:spPr>
+        <p:txBody>
+          <a:bodyPr>
+            <a:normAutofit lnSpcReduction="10000"/>
+          </a:bodyPr>
+          <a:lstStyle/>
+          <a:p>
+            <a:pPr marL="0" lvl="0" indent="0">
+              <a:lnSpc>
+                <a:spcPct val="100000"/>
+              </a:lnSpc>
+              <a:buNone/>
+            </a:pPr>
+            <a:r>
+              <a:rPr lang="en-GB" dirty="0">
+                <a:solidFill>
+                  <a:srgbClr val="404040"/>
+                </a:solidFill>
+                <a:latin typeface="Fira Sans" pitchFamily="34"/>
+              </a:rPr>
+              <a:t>CBS RA data, data handling, exercise, reproducibility, big tables, advanced computation, version control</a:t>
+            </a:r>
+          </a:p>
+          <a:p>
+            <a:pPr lvl="0">
+              <a:lnSpc>
+                <a:spcPct val="100000"/>
+              </a:lnSpc>
+            </a:pPr>
+            <a:r>
+              <a:rPr lang="en-GB" dirty="0">
+                <a:solidFill>
+                  <a:srgbClr val="404040"/>
+                </a:solidFill>
+                <a:latin typeface="Fira Sans" pitchFamily="34"/>
+              </a:rPr>
+              <a:t>Discuss your questions; were they answered? Do you have more questions?</a:t>
+            </a:r>
+          </a:p>
+          <a:p>
+            <a:pPr lvl="0">
+              <a:lnSpc>
+                <a:spcPct val="100000"/>
+              </a:lnSpc>
+            </a:pPr>
+            <a:r>
+              <a:rPr lang="en-GB" dirty="0">
+                <a:solidFill>
+                  <a:srgbClr val="404040"/>
+                </a:solidFill>
+                <a:latin typeface="Fira Sans" pitchFamily="34"/>
+              </a:rPr>
+              <a:t>Help each other!</a:t>
+            </a:r>
+          </a:p>
+          <a:p>
+            <a:pPr lvl="0">
+              <a:lnSpc>
+                <a:spcPct val="100000"/>
+              </a:lnSpc>
+            </a:pPr>
+            <a:r>
+              <a:rPr lang="en-GB" dirty="0">
+                <a:solidFill>
+                  <a:srgbClr val="404040"/>
+                </a:solidFill>
+                <a:latin typeface="Fira Sans" pitchFamily="34"/>
+              </a:rPr>
+              <a:t>Do the exercise </a:t>
+            </a:r>
+            <a:r>
+              <a:rPr lang="en-GB" dirty="0">
+                <a:solidFill>
+                  <a:srgbClr val="404040"/>
+                </a:solidFill>
+                <a:latin typeface="Fira Sans" pitchFamily="34"/>
+                <a:sym typeface="Wingdings" panose="05000000000000000000" pitchFamily="2" charset="2"/>
+              </a:rPr>
+              <a:t></a:t>
+            </a:r>
+            <a:endParaRPr lang="en-GB" dirty="0">
+              <a:solidFill>
+                <a:srgbClr val="404040"/>
+              </a:solidFill>
+              <a:latin typeface="Fira Sans" pitchFamily="34"/>
+            </a:endParaRPr>
+          </a:p>
+          <a:p>
+            <a:pPr marL="0" lvl="0" indent="0">
+              <a:lnSpc>
+                <a:spcPct val="100000"/>
+              </a:lnSpc>
+              <a:buNone/>
+            </a:pPr>
+            <a:r>
+              <a:rPr lang="en-GB" dirty="0">
+                <a:solidFill>
+                  <a:srgbClr val="404040"/>
+                </a:solidFill>
+                <a:latin typeface="Fira Sans" pitchFamily="34"/>
+              </a:rPr>
+              <a:t>Members of the </a:t>
+            </a:r>
+            <a:r>
+              <a:rPr lang="en-GB" dirty="0" err="1">
+                <a:solidFill>
+                  <a:srgbClr val="404040"/>
+                </a:solidFill>
+                <a:latin typeface="Fira Sans" pitchFamily="34"/>
+              </a:rPr>
+              <a:t>SoDa</a:t>
+            </a:r>
+            <a:r>
+              <a:rPr lang="en-GB" dirty="0">
+                <a:solidFill>
+                  <a:srgbClr val="404040"/>
+                </a:solidFill>
+                <a:latin typeface="Fira Sans" pitchFamily="34"/>
+              </a:rPr>
+              <a:t> team will walk around</a:t>
+            </a:r>
+          </a:p>
+        </p:txBody>
+      </p:sp>
+    </p:spTree>
+    <p:extLst>
+      <p:ext uri="{BB962C8B-B14F-4D97-AF65-F5344CB8AC3E}">
+        <p14:creationId xmlns:p14="http://schemas.microsoft.com/office/powerpoint/2010/main" val="1028303881"/>
+      </p:ext>
+    </p:extLst>
+  </p:cSld>
+  <p:clrMapOvr>
+    <a:masterClrMapping/>
+  </p:clrMapOvr>
+</p:sld>
+</file>
+
+<file path=ppt/slides/slide43.xml><?xml version="1.0" encoding="utf-8"?>
+<p:sld xmlns:a="http://schemas.openxmlformats.org/drawingml/2006/main" xmlns:r="http://schemas.openxmlformats.org/officeDocument/2006/relationships" xmlns:p="http://schemas.openxmlformats.org/presentationml/2006/main">
+  <p:cSld name="Slide35">
+    <p:spTree>
+      <p:nvGrpSpPr>
+        <p:cNvPr id="1" name=""/>
+        <p:cNvGrpSpPr/>
+        <p:nvPr/>
+      </p:nvGrpSpPr>
+      <p:grpSpPr>
+        <a:xfrm>
+          <a:off x="0" y="0"/>
+          <a:ext cx="0" cy="0"/>
+          <a:chOff x="0" y="0"/>
+          <a:chExt cx="0" cy="0"/>
+        </a:xfrm>
+      </p:grpSpPr>
+      <p:pic>
+        <p:nvPicPr>
+          <p:cNvPr id="2" name="Graphic 3">
+            <a:extLst>
+              <a:ext uri="{FF2B5EF4-FFF2-40B4-BE49-F238E27FC236}">
+                <a16:creationId xmlns:a16="http://schemas.microsoft.com/office/drawing/2014/main" id="{0CEEB3C4-2794-3796-7E00-0454C008EF69}"/>
+              </a:ext>
+            </a:extLst>
+          </p:cNvPr>
+          <p:cNvPicPr>
+            <a:picLocks noChangeAspect="1"/>
+          </p:cNvPicPr>
+          <p:nvPr/>
+        </p:nvPicPr>
+        <p:blipFill>
+          <a:blip r:embed="rId2">
+            <a:extLst>
+              <a:ext uri="{96DAC541-7B7A-43D3-8B79-37D633B846F1}">
+                <asvg:svgBlip xmlns:asvg="http://schemas.microsoft.com/office/drawing/2016/SVG/main" r:embed="rId3"/>
+              </a:ext>
+            </a:extLst>
+          </a:blip>
+          <a:stretch>
+            <a:fillRect/>
+          </a:stretch>
+        </p:blipFill>
+        <p:spPr>
+          <a:xfrm>
+            <a:off x="5095722" y="2448608"/>
+            <a:ext cx="2000542" cy="675513"/>
+          </a:xfrm>
+          <a:prstGeom prst="rect">
+            <a:avLst/>
+          </a:prstGeom>
+          <a:noFill/>
+          <a:ln cap="flat">
+            <a:noFill/>
+          </a:ln>
+        </p:spPr>
+      </p:pic>
+      <p:sp>
+        <p:nvSpPr>
+          <p:cNvPr id="3" name="TextBox 6">
+            <a:extLst>
+              <a:ext uri="{FF2B5EF4-FFF2-40B4-BE49-F238E27FC236}">
+                <a16:creationId xmlns:a16="http://schemas.microsoft.com/office/drawing/2014/main" id="{AF340431-E49E-DAE9-A817-87135740B4EC}"/>
+              </a:ext>
+            </a:extLst>
+          </p:cNvPr>
+          <p:cNvSpPr txBox="1"/>
+          <p:nvPr/>
+        </p:nvSpPr>
+        <p:spPr>
+          <a:xfrm>
+            <a:off x="3048893" y="1340611"/>
+            <a:ext cx="6094201" cy="1107996"/>
+          </a:xfrm>
+          <a:prstGeom prst="rect">
+            <a:avLst/>
+          </a:prstGeom>
+          <a:noFill/>
+          <a:ln cap="flat">
+            <a:noFill/>
+          </a:ln>
+        </p:spPr>
+        <p:txBody>
+          <a:bodyPr vert="horz" wrap="square" lIns="91440" tIns="45720" rIns="91440" bIns="45720" anchor="t" anchorCtr="1" compatLnSpc="1">
+            <a:spAutoFit/>
+          </a:bodyPr>
+          <a:lstStyle/>
+          <a:p>
+            <a:pPr marL="0" marR="0" lvl="0" indent="0" algn="ctr" defTabSz="914400" rtl="0" fontAlgn="auto" hangingPunct="1">
+              <a:lnSpc>
+                <a:spcPct val="100000"/>
+              </a:lnSpc>
+              <a:spcBef>
+                <a:spcPts val="0"/>
+              </a:spcBef>
+              <a:spcAft>
+                <a:spcPts val="0"/>
+              </a:spcAft>
+              <a:buNone/>
+              <a:tabLst/>
+              <a:defRPr sz="1800" b="0" i="0" u="none" strike="noStrike" kern="0" cap="none" spc="0" baseline="0">
+                <a:solidFill>
+                  <a:srgbClr val="000000"/>
+                </a:solidFill>
+                <a:uFillTx/>
+              </a:defRPr>
+            </a:pPr>
+            <a:r>
+              <a:rPr lang="en-GB" sz="6600" b="1" i="0" u="none" strike="noStrike" kern="0" cap="none" spc="0" baseline="0" dirty="0">
+                <a:solidFill>
+                  <a:srgbClr val="006388"/>
+                </a:solidFill>
+                <a:uFillTx/>
+                <a:latin typeface="Fira Sans" pitchFamily="34"/>
+                <a:ea typeface="Fira Code" pitchFamily="49"/>
+              </a:rPr>
+              <a:t>Thank you!</a:t>
+            </a:r>
+            <a:endParaRPr lang="en-GB" sz="6600" b="0" i="0" u="none" strike="noStrike" kern="1200" cap="none" spc="0" baseline="0" dirty="0">
+              <a:solidFill>
+                <a:srgbClr val="000000"/>
+              </a:solidFill>
+              <a:uFillTx/>
+              <a:latin typeface="Calibri"/>
+            </a:endParaRPr>
+          </a:p>
+        </p:txBody>
+      </p:sp>
+      <p:sp>
+        <p:nvSpPr>
+          <p:cNvPr id="4" name="TextBox 3">
+            <a:extLst>
+              <a:ext uri="{FF2B5EF4-FFF2-40B4-BE49-F238E27FC236}">
+                <a16:creationId xmlns:a16="http://schemas.microsoft.com/office/drawing/2014/main" id="{EC157671-DA9F-8B25-0EE3-E51952D594CE}"/>
+              </a:ext>
+            </a:extLst>
+          </p:cNvPr>
+          <p:cNvSpPr txBox="1"/>
+          <p:nvPr/>
+        </p:nvSpPr>
+        <p:spPr>
+          <a:xfrm>
+            <a:off x="838193" y="3733879"/>
+            <a:ext cx="10782303" cy="769441"/>
+          </a:xfrm>
+          <a:prstGeom prst="rect">
+            <a:avLst/>
+          </a:prstGeom>
+          <a:noFill/>
+          <a:ln cap="flat">
+            <a:noFill/>
+          </a:ln>
+        </p:spPr>
+        <p:txBody>
+          <a:bodyPr vert="horz" wrap="square" lIns="91440" tIns="45720" rIns="91440" bIns="45720" anchor="t" anchorCtr="0" compatLnSpc="1">
+            <a:spAutoFit/>
+          </a:bodyPr>
+          <a:lstStyle/>
+          <a:p>
+            <a:pPr marL="0" marR="0" lvl="0" indent="0" algn="ctr" defTabSz="914400" rtl="0" fontAlgn="auto" hangingPunct="1">
+              <a:lnSpc>
+                <a:spcPct val="100000"/>
+              </a:lnSpc>
+              <a:spcBef>
+                <a:spcPts val="0"/>
+              </a:spcBef>
+              <a:spcAft>
+                <a:spcPts val="0"/>
+              </a:spcAft>
+              <a:buNone/>
+              <a:tabLst/>
+              <a:defRPr sz="1800" b="0" i="0" u="none" strike="noStrike" kern="0" cap="none" spc="0" baseline="0">
+                <a:solidFill>
+                  <a:srgbClr val="000000"/>
+                </a:solidFill>
+                <a:uFillTx/>
+              </a:defRPr>
+            </a:pPr>
+            <a:r>
+              <a:rPr lang="en-US" sz="4400" dirty="0">
+                <a:solidFill>
+                  <a:srgbClr val="000000"/>
+                </a:solidFill>
+                <a:latin typeface="Fira Code" pitchFamily="49"/>
+                <a:ea typeface="Fira Code" pitchFamily="49"/>
+                <a:hlinkClick r:id="rId4"/>
+              </a:rPr>
+              <a:t>https://odissei-soda.nl</a:t>
+            </a:r>
+            <a:endParaRPr lang="en-US" sz="4400" b="0" i="0" u="none" strike="noStrike" kern="1200" cap="none" spc="0" baseline="0" dirty="0">
+              <a:solidFill>
+                <a:srgbClr val="000000"/>
+              </a:solidFill>
+              <a:uFillTx/>
+              <a:latin typeface="Fira Code" pitchFamily="49"/>
+              <a:ea typeface="Fira Code" pitchFamily="49"/>
+            </a:endParaRPr>
+          </a:p>
+        </p:txBody>
+      </p:sp>
+    </p:spTree>
+  </p:cSld>
+  <p:clrMapOvr>
+    <a:masterClrMapping/>
+  </p:clrMapOvr>
+</p:sld>
+</file>
+
+<file path=ppt/slides/slide44.xml><?xml version="1.0" encoding="utf-8"?>
 <p:sld xmlns:a="http://schemas.openxmlformats.org/drawingml/2006/main" xmlns:r="http://schemas.openxmlformats.org/officeDocument/2006/relationships" xmlns:p="http://schemas.openxmlformats.org/presentationml/2006/main" show="0">
   <p:cSld name="Slide71">
     <p:spTree>
@@ -14771,7 +18835,7 @@
 </p:sld>
 </file>
 
-<file path=ppt/slides/slide41.xml><?xml version="1.0" encoding="utf-8"?>
+<file path=ppt/slides/slide45.xml><?xml version="1.0" encoding="utf-8"?>
 <p:sld xmlns:a="http://schemas.openxmlformats.org/drawingml/2006/main" xmlns:r="http://schemas.openxmlformats.org/officeDocument/2006/relationships" xmlns:p="http://schemas.openxmlformats.org/presentationml/2006/main" show="0">
   <p:cSld name="Slide75">
     <p:bg>
@@ -15031,7 +19095,7 @@
 </p:sld>
 </file>
 
-<file path=ppt/slides/slide42.xml><?xml version="1.0" encoding="utf-8"?>
+<file path=ppt/slides/slide46.xml><?xml version="1.0" encoding="utf-8"?>
 <p:sld xmlns:a="http://schemas.openxmlformats.org/drawingml/2006/main" xmlns:r="http://schemas.openxmlformats.org/officeDocument/2006/relationships" xmlns:p="http://schemas.openxmlformats.org/presentationml/2006/main" show="0">
   <p:cSld name="Slide43">
     <p:bg>
@@ -15113,7 +19177,7 @@
 </p:sld>
 </file>
 
-<file path=ppt/slides/slide43.xml><?xml version="1.0" encoding="utf-8"?>
+<file path=ppt/slides/slide47.xml><?xml version="1.0" encoding="utf-8"?>
 <p:sld xmlns:a="http://schemas.openxmlformats.org/drawingml/2006/main" xmlns:r="http://schemas.openxmlformats.org/officeDocument/2006/relationships" xmlns:p="http://schemas.openxmlformats.org/presentationml/2006/main" show="0">
   <p:cSld name="Slide55">
     <p:spTree>
@@ -15289,9 +19353,7 @@
         </p:nvSpPr>
         <p:spPr/>
         <p:txBody>
-          <a:bodyPr>
-            <a:normAutofit/>
-          </a:bodyPr>
+          <a:bodyPr/>
           <a:lstStyle/>
           <a:p>
             <a:pPr lvl="0">
@@ -15307,7 +19369,7 @@
                 <a:latin typeface="Fira Sans" pitchFamily="34"/>
                 <a:ea typeface="Fira Code" pitchFamily="49"/>
               </a:rPr>
-              <a:t>CBS Remote Access environment</a:t>
+              <a:t>Today</a:t>
             </a:r>
             <a:endParaRPr lang="en-GB" sz="1800" kern="0" dirty="0"/>
           </a:p>
@@ -15331,8 +19393,8 @@
         </p:nvSpPr>
         <p:spPr>
           <a:xfrm>
-            <a:off x="838203" y="1825627"/>
-            <a:ext cx="6152659" cy="4667243"/>
+            <a:off x="771160" y="1690688"/>
+            <a:ext cx="5828321" cy="4667243"/>
           </a:xfrm>
         </p:spPr>
         <p:txBody>
@@ -15353,7 +19415,7 @@
                 </a:solidFill>
                 <a:latin typeface="Fira Sans" pitchFamily="34"/>
               </a:rPr>
-              <a:t>Data is made available via a drive on a per-project basis G:/microdata</a:t>
+              <a:t>The CBS RA fundamentals</a:t>
             </a:r>
           </a:p>
           <a:p>
@@ -15369,7 +19431,7 @@
                 </a:solidFill>
                 <a:latin typeface="Fira Sans" pitchFamily="34"/>
               </a:rPr>
-              <a:t>You can see all tables, but you have access only to those you requested</a:t>
+              <a:t>Project structure &amp; reproducibility</a:t>
             </a:r>
           </a:p>
           <a:p>
@@ -15385,30 +19447,79 @@
                 </a:solidFill>
                 <a:latin typeface="Fira Sans" pitchFamily="34"/>
               </a:rPr>
-              <a:t>Additional metadata is also available (for everyone)</a:t>
-            </a:r>
-          </a:p>
-          <a:p>
-            <a:pPr lvl="0">
+              <a:t>Efficient data handling</a:t>
+            </a:r>
+          </a:p>
+          <a:p>
+            <a:pPr lvl="1">
               <a:lnSpc>
                 <a:spcPct val="100000"/>
               </a:lnSpc>
             </a:pPr>
-            <a:endParaRPr lang="en-GB" sz="3200" dirty="0">
+            <a:r>
+              <a:rPr lang="en-GB" sz="2800" dirty="0">
+                <a:solidFill>
+                  <a:srgbClr val="404040"/>
+                </a:solidFill>
+                <a:latin typeface="Fira Sans" pitchFamily="34"/>
+              </a:rPr>
+              <a:t>Storage</a:t>
+            </a:r>
+          </a:p>
+          <a:p>
+            <a:pPr lvl="1">
+              <a:lnSpc>
+                <a:spcPct val="100000"/>
+              </a:lnSpc>
+            </a:pPr>
+            <a:r>
+              <a:rPr lang="en-GB" sz="2800" dirty="0">
+                <a:solidFill>
+                  <a:srgbClr val="404040"/>
+                </a:solidFill>
+                <a:latin typeface="Fira Sans" pitchFamily="34"/>
+              </a:rPr>
+              <a:t>Memory</a:t>
+            </a:r>
+          </a:p>
+          <a:p>
+            <a:pPr marL="457200" lvl="1" indent="0">
+              <a:lnSpc>
+                <a:spcPct val="100000"/>
+              </a:lnSpc>
+              <a:buNone/>
+            </a:pPr>
+            <a:endParaRPr lang="en-GB" sz="2800" dirty="0">
               <a:solidFill>
                 <a:srgbClr val="404040"/>
               </a:solidFill>
               <a:latin typeface="Fira Sans" pitchFamily="34"/>
             </a:endParaRPr>
           </a:p>
+          <a:p>
+            <a:pPr lvl="0">
+              <a:lnSpc>
+                <a:spcPct val="100000"/>
+              </a:lnSpc>
+            </a:pPr>
+            <a:r>
+              <a:rPr lang="en-GB" sz="3200" dirty="0">
+                <a:solidFill>
+                  <a:srgbClr val="404040"/>
+                </a:solidFill>
+                <a:latin typeface="Fira Sans" pitchFamily="34"/>
+              </a:rPr>
+              <a:t>Consultation &amp; exercise!</a:t>
+            </a:r>
+          </a:p>
         </p:txBody>
       </p:sp>
       <p:pic>
         <p:nvPicPr>
-          <p:cNvPr id="6" name="Graphic 5">
+          <p:cNvPr id="4" name="Picture 4" descr="A picture containing text&#10;&#10;Description automatically generated">
             <a:extLst>
               <a:ext uri="{FF2B5EF4-FFF2-40B4-BE49-F238E27FC236}">
-                <a16:creationId xmlns:a16="http://schemas.microsoft.com/office/drawing/2014/main" id="{045CA459-40EC-F3A1-3F60-0829F2AB926F}"/>
+                <a16:creationId xmlns:a16="http://schemas.microsoft.com/office/drawing/2014/main" id="{577B5F0C-B07D-CB82-4E77-B12DF81106B3}"/>
               </a:ext>
             </a:extLst>
           </p:cNvPr>
@@ -15418,34 +19529,29 @@
           <p:nvPr/>
         </p:nvPicPr>
         <p:blipFill>
-          <a:blip r:embed="rId2">
-            <a:extLst>
-              <a:ext uri="{28A0092B-C50C-407E-A947-70E740481C1C}">
-                <a14:useLocalDpi xmlns:a14="http://schemas.microsoft.com/office/drawing/2010/main" val="0"/>
-              </a:ext>
-              <a:ext uri="{96DAC541-7B7A-43D3-8B79-37D633B846F1}">
-                <asvg:svgBlip xmlns:asvg="http://schemas.microsoft.com/office/drawing/2016/SVG/main" r:embed="rId3"/>
-              </a:ext>
-            </a:extLst>
-          </a:blip>
+          <a:blip r:embed="rId2"/>
           <a:stretch>
             <a:fillRect/>
           </a:stretch>
         </p:blipFill>
         <p:spPr>
           <a:xfrm>
-            <a:off x="7638563" y="1690688"/>
-            <a:ext cx="3646242" cy="1802789"/>
+            <a:off x="6532437" y="1690689"/>
+            <a:ext cx="4944455" cy="4421694"/>
           </a:xfrm>
           <a:prstGeom prst="rect">
             <a:avLst/>
           </a:prstGeom>
+          <a:noFill/>
+          <a:ln cap="flat">
+            <a:noFill/>
+          </a:ln>
         </p:spPr>
       </p:pic>
     </p:spTree>
     <p:extLst>
       <p:ext uri="{BB962C8B-B14F-4D97-AF65-F5344CB8AC3E}">
-        <p14:creationId xmlns:p14="http://schemas.microsoft.com/office/powerpoint/2010/main" val="1304416535"/>
+        <p14:creationId xmlns:p14="http://schemas.microsoft.com/office/powerpoint/2010/main" val="1841437133"/>
       </p:ext>
     </p:extLst>
   </p:cSld>
@@ -15457,7 +19563,15 @@
 
 <file path=ppt/slides/slide6.xml><?xml version="1.0" encoding="utf-8"?>
 <p:sld xmlns:a="http://schemas.openxmlformats.org/drawingml/2006/main" xmlns:r="http://schemas.openxmlformats.org/officeDocument/2006/relationships" xmlns:p="http://schemas.openxmlformats.org/presentationml/2006/main">
-  <p:cSld>
+  <p:cSld name="Slide46">
+    <p:bg>
+      <p:bgPr>
+        <a:solidFill>
+          <a:srgbClr val="006388"/>
+        </a:solidFill>
+        <a:effectLst/>
+      </p:bgPr>
+    </p:bg>
     <p:spTree>
       <p:nvGrpSpPr>
         <p:cNvPr id="1" name=""/>
@@ -15477,7 +19591,7 @@
           <p:cNvPr id="2" name="Title 1">
             <a:extLst>
               <a:ext uri="{FF2B5EF4-FFF2-40B4-BE49-F238E27FC236}">
-                <a16:creationId xmlns:a16="http://schemas.microsoft.com/office/drawing/2014/main" id="{D498ADB7-680B-954F-DAAE-4638E7C2038C}"/>
+                <a16:creationId xmlns:a16="http://schemas.microsoft.com/office/drawing/2014/main" id="{95AAFFEC-F2D1-13C0-9DAF-FE8BEE10C5FB}"/>
               </a:ext>
             </a:extLst>
           </p:cNvPr>
@@ -15488,213 +19602,40 @@
             <p:ph type="title"/>
           </p:nvPr>
         </p:nvSpPr>
-        <p:spPr/>
-        <p:txBody>
-          <a:bodyPr>
-            <a:normAutofit/>
-          </a:bodyPr>
-          <a:lstStyle/>
-          <a:p>
-            <a:pPr lvl="0">
-              <a:lnSpc>
-                <a:spcPct val="100000"/>
-              </a:lnSpc>
-            </a:pPr>
-            <a:r>
-              <a:rPr lang="en-GB" sz="5400" b="1" kern="0" dirty="0">
-                <a:solidFill>
-                  <a:srgbClr val="006388"/>
-                </a:solidFill>
-                <a:latin typeface="Fira Sans" pitchFamily="34"/>
-                <a:ea typeface="Fira Code" pitchFamily="49"/>
-              </a:rPr>
-              <a:t>Microdata at CBS</a:t>
-            </a:r>
-            <a:endParaRPr lang="en-GB" sz="1800" kern="0" dirty="0"/>
-          </a:p>
-        </p:txBody>
-      </p:sp>
-      <p:pic>
-        <p:nvPicPr>
-          <p:cNvPr id="8" name="Picture 7">
-            <a:extLst>
-              <a:ext uri="{FF2B5EF4-FFF2-40B4-BE49-F238E27FC236}">
-                <a16:creationId xmlns:a16="http://schemas.microsoft.com/office/drawing/2014/main" id="{C6AF0A2A-2E09-36E4-8A6E-DD20283AA22C}"/>
-              </a:ext>
-            </a:extLst>
-          </p:cNvPr>
-          <p:cNvPicPr>
-            <a:picLocks noChangeAspect="1"/>
-          </p:cNvPicPr>
-          <p:nvPr/>
-        </p:nvPicPr>
-        <p:blipFill>
-          <a:blip r:embed="rId2"/>
-          <a:stretch>
-            <a:fillRect/>
-          </a:stretch>
-        </p:blipFill>
         <p:spPr>
           <a:xfrm>
-            <a:off x="6588387" y="1469409"/>
-            <a:ext cx="5352920" cy="5120186"/>
-          </a:xfrm>
-          <a:prstGeom prst="rect">
-            <a:avLst/>
-          </a:prstGeom>
-        </p:spPr>
-      </p:pic>
-      <p:sp>
-        <p:nvSpPr>
-          <p:cNvPr id="12" name="TextBox 11">
-            <a:extLst>
-              <a:ext uri="{FF2B5EF4-FFF2-40B4-BE49-F238E27FC236}">
-                <a16:creationId xmlns:a16="http://schemas.microsoft.com/office/drawing/2014/main" id="{3D04B8B8-720A-910B-B3D1-7A0EE1994AE1}"/>
-              </a:ext>
-            </a:extLst>
-          </p:cNvPr>
-          <p:cNvSpPr txBox="1"/>
-          <p:nvPr/>
-        </p:nvSpPr>
-        <p:spPr>
-          <a:xfrm>
-            <a:off x="6588387" y="455604"/>
-            <a:ext cx="5461815" cy="923330"/>
-          </a:xfrm>
-          <a:prstGeom prst="rect">
-            <a:avLst/>
-          </a:prstGeom>
-          <a:noFill/>
-        </p:spPr>
-        <p:txBody>
-          <a:bodyPr wrap="square">
-            <a:spAutoFit/>
-          </a:bodyPr>
-          <a:lstStyle/>
-          <a:p>
-            <a:r>
-              <a:rPr lang="en-US" dirty="0">
-                <a:hlinkClick r:id="rId3"/>
-              </a:rPr>
-              <a:t>https://www.cbs.nl/nl-nl/onze-diensten/maatwerk-en-microdata/microdata-zelf-onderzoek-doen/catalogus-microdata</a:t>
-            </a:r>
-            <a:r>
-              <a:rPr lang="en-US" dirty="0"/>
-              <a:t> </a:t>
-            </a:r>
-            <a:endParaRPr lang="en-NL" dirty="0"/>
-          </a:p>
-        </p:txBody>
-      </p:sp>
-      <p:sp>
-        <p:nvSpPr>
-          <p:cNvPr id="13" name="Content Placeholder 2">
-            <a:extLst>
-              <a:ext uri="{FF2B5EF4-FFF2-40B4-BE49-F238E27FC236}">
-                <a16:creationId xmlns:a16="http://schemas.microsoft.com/office/drawing/2014/main" id="{28374D4B-315A-D7B8-E54F-9FB700C1EE00}"/>
-              </a:ext>
-            </a:extLst>
-          </p:cNvPr>
-          <p:cNvSpPr txBox="1">
-            <a:spLocks noGrp="1"/>
-          </p:cNvSpPr>
-          <p:nvPr>
-            <p:ph idx="1"/>
-          </p:nvPr>
-        </p:nvSpPr>
-        <p:spPr>
-          <a:xfrm>
-            <a:off x="838203" y="1825627"/>
-            <a:ext cx="5632447" cy="4667243"/>
+            <a:off x="838203" y="2766220"/>
+            <a:ext cx="10515600" cy="1325559"/>
           </a:xfrm>
         </p:spPr>
         <p:txBody>
-          <a:bodyPr>
-            <a:normAutofit lnSpcReduction="10000"/>
-          </a:bodyPr>
+          <a:bodyPr anchorCtr="1"/>
           <a:lstStyle/>
           <a:p>
-            <a:pPr lvl="0">
+            <a:pPr lvl="0" algn="ctr">
               <a:lnSpc>
                 <a:spcPct val="100000"/>
               </a:lnSpc>
             </a:pPr>
             <a:r>
-              <a:rPr lang="en-GB" sz="3200" dirty="0">
-                <a:solidFill>
-                  <a:srgbClr val="404040"/>
+              <a:rPr lang="en-GB" sz="5400" b="1" kern="0" dirty="0">
+                <a:solidFill>
+                  <a:srgbClr val="FFFFFF"/>
                 </a:solidFill>
                 <a:latin typeface="Fira Sans" pitchFamily="34"/>
-              </a:rPr>
-              <a:t>Register data and questionnaires</a:t>
-            </a:r>
-          </a:p>
-          <a:p>
-            <a:pPr lvl="0">
-              <a:lnSpc>
-                <a:spcPct val="100000"/>
-              </a:lnSpc>
-            </a:pPr>
-            <a:r>
-              <a:rPr lang="en-GB" sz="3200" dirty="0">
-                <a:solidFill>
-                  <a:srgbClr val="404040"/>
-                </a:solidFill>
-                <a:latin typeface="Fira Sans" pitchFamily="34"/>
-              </a:rPr>
-              <a:t>You can (subject to restrictions and costs) also upload your own data &amp; link</a:t>
-            </a:r>
-          </a:p>
-          <a:p>
-            <a:pPr lvl="0">
-              <a:lnSpc>
-                <a:spcPct val="100000"/>
-              </a:lnSpc>
-            </a:pPr>
-            <a:r>
-              <a:rPr lang="en-GB" sz="3200" dirty="0">
-                <a:solidFill>
-                  <a:srgbClr val="404040"/>
-                </a:solidFill>
-                <a:latin typeface="Fira Sans" pitchFamily="34"/>
-              </a:rPr>
-              <a:t>All these tables can be combined to do your research!</a:t>
-            </a:r>
-          </a:p>
-          <a:p>
-            <a:pPr lvl="0">
-              <a:lnSpc>
-                <a:spcPct val="100000"/>
-              </a:lnSpc>
-            </a:pPr>
-            <a:endParaRPr lang="en-GB" sz="3200" dirty="0">
+                <a:ea typeface="Fira Code" pitchFamily="49"/>
+              </a:rPr>
+              <a:t>CBS RA fundamentals</a:t>
+            </a:r>
+            <a:endParaRPr lang="en-GB" sz="1800" kern="0" dirty="0">
               <a:solidFill>
-                <a:srgbClr val="404040"/>
+                <a:srgbClr val="FFFFFF"/>
               </a:solidFill>
-              <a:latin typeface="Fira Sans" pitchFamily="34"/>
-            </a:endParaRPr>
-          </a:p>
-          <a:p>
-            <a:pPr lvl="0">
-              <a:lnSpc>
-                <a:spcPct val="100000"/>
-              </a:lnSpc>
-            </a:pPr>
-            <a:endParaRPr lang="en-GB" sz="3200" dirty="0">
-              <a:solidFill>
-                <a:srgbClr val="404040"/>
-              </a:solidFill>
-              <a:latin typeface="Fira Sans" pitchFamily="34"/>
             </a:endParaRPr>
           </a:p>
         </p:txBody>
       </p:sp>
     </p:spTree>
-    <p:extLst>
-      <p:ext uri="{BB962C8B-B14F-4D97-AF65-F5344CB8AC3E}">
-        <p14:creationId xmlns:p14="http://schemas.microsoft.com/office/powerpoint/2010/main" val="2734897833"/>
-      </p:ext>
-    </p:extLst>
   </p:cSld>
   <p:clrMapOvr>
     <a:masterClrMapping/>
@@ -15755,90 +19696,18 @@
                 <a:latin typeface="Fira Sans" pitchFamily="34"/>
                 <a:ea typeface="Fira Code" pitchFamily="49"/>
               </a:rPr>
-              <a:t>Microdata at CBS</a:t>
+              <a:t>CBS Remote Access environment</a:t>
             </a:r>
             <a:endParaRPr lang="en-GB" sz="1800" kern="0" dirty="0"/>
-          </a:p>
-        </p:txBody>
-      </p:sp>
-      <p:pic>
-        <p:nvPicPr>
-          <p:cNvPr id="8" name="Picture 7">
-            <a:extLst>
-              <a:ext uri="{FF2B5EF4-FFF2-40B4-BE49-F238E27FC236}">
-                <a16:creationId xmlns:a16="http://schemas.microsoft.com/office/drawing/2014/main" id="{C6AF0A2A-2E09-36E4-8A6E-DD20283AA22C}"/>
-              </a:ext>
-            </a:extLst>
-          </p:cNvPr>
-          <p:cNvPicPr>
-            <a:picLocks noChangeAspect="1"/>
-          </p:cNvPicPr>
-          <p:nvPr/>
-        </p:nvPicPr>
-        <p:blipFill>
-          <a:blip r:embed="rId2"/>
-          <a:stretch>
-            <a:fillRect/>
-          </a:stretch>
-        </p:blipFill>
-        <p:spPr>
-          <a:xfrm>
-            <a:off x="6588387" y="1469409"/>
-            <a:ext cx="5352920" cy="5120186"/>
-          </a:xfrm>
-          <a:prstGeom prst="rect">
-            <a:avLst/>
-          </a:prstGeom>
-        </p:spPr>
-      </p:pic>
-      <p:sp>
-        <p:nvSpPr>
-          <p:cNvPr id="12" name="TextBox 11">
-            <a:extLst>
-              <a:ext uri="{FF2B5EF4-FFF2-40B4-BE49-F238E27FC236}">
-                <a16:creationId xmlns:a16="http://schemas.microsoft.com/office/drawing/2014/main" id="{3D04B8B8-720A-910B-B3D1-7A0EE1994AE1}"/>
-              </a:ext>
-            </a:extLst>
-          </p:cNvPr>
-          <p:cNvSpPr txBox="1"/>
-          <p:nvPr/>
-        </p:nvSpPr>
-        <p:spPr>
-          <a:xfrm>
-            <a:off x="6588387" y="455604"/>
-            <a:ext cx="5461815" cy="923330"/>
-          </a:xfrm>
-          <a:prstGeom prst="rect">
-            <a:avLst/>
-          </a:prstGeom>
-          <a:noFill/>
-        </p:spPr>
-        <p:txBody>
-          <a:bodyPr wrap="square">
-            <a:spAutoFit/>
-          </a:bodyPr>
-          <a:lstStyle/>
-          <a:p>
-            <a:r>
-              <a:rPr lang="en-US" dirty="0">
-                <a:hlinkClick r:id="rId3"/>
-              </a:rPr>
-              <a:t>https://www.cbs.nl/nl-nl/onze-diensten/maatwerk-en-microdata/microdata-zelf-onderzoek-doen/catalogus-microdata</a:t>
-            </a:r>
-            <a:r>
-              <a:rPr lang="en-US" dirty="0"/>
-              <a:t> </a:t>
-            </a:r>
-            <a:endParaRPr lang="en-NL" dirty="0"/>
           </a:p>
         </p:txBody>
       </p:sp>
       <p:sp>
         <p:nvSpPr>
-          <p:cNvPr id="13" name="Content Placeholder 2">
+          <p:cNvPr id="3" name="Content Placeholder 2">
             <a:extLst>
               <a:ext uri="{FF2B5EF4-FFF2-40B4-BE49-F238E27FC236}">
-                <a16:creationId xmlns:a16="http://schemas.microsoft.com/office/drawing/2014/main" id="{28374D4B-315A-D7B8-E54F-9FB700C1EE00}"/>
+                <a16:creationId xmlns:a16="http://schemas.microsoft.com/office/drawing/2014/main" id="{D1010590-C015-8AF6-DE6B-0E74807124E7}"/>
               </a:ext>
             </a:extLst>
           </p:cNvPr>
@@ -15852,18 +19721,18 @@
         <p:spPr>
           <a:xfrm>
             <a:off x="838203" y="1825627"/>
-            <a:ext cx="5828321" cy="4667243"/>
+            <a:ext cx="6152659" cy="4667243"/>
           </a:xfrm>
         </p:spPr>
         <p:txBody>
           <a:bodyPr>
-            <a:normAutofit lnSpcReduction="10000"/>
+            <a:normAutofit fontScale="85000" lnSpcReduction="20000"/>
           </a:bodyPr>
           <a:lstStyle/>
           <a:p>
             <a:pPr lvl="0">
               <a:lnSpc>
-                <a:spcPct val="100000"/>
+                <a:spcPct val="120000"/>
               </a:lnSpc>
             </a:pPr>
             <a:r>
@@ -15873,13 +19742,13 @@
                 </a:solidFill>
                 <a:latin typeface="Fira Sans" pitchFamily="34"/>
               </a:rPr>
-              <a:t>The tables are made by humans / different departments: manual work</a:t>
+              <a:t>A virtual machine on a big server in the internal network</a:t>
             </a:r>
           </a:p>
           <a:p>
             <a:pPr lvl="0">
               <a:lnSpc>
-                <a:spcPct val="100000"/>
+                <a:spcPct val="120000"/>
               </a:lnSpc>
             </a:pPr>
             <a:r>
@@ -15889,13 +19758,13 @@
                 </a:solidFill>
                 <a:latin typeface="Fira Sans" pitchFamily="34"/>
               </a:rPr>
-              <a:t>They are (mostly) SPSS .sav files</a:t>
+              <a:t>Normal windows OS with 100GB storage</a:t>
             </a:r>
           </a:p>
           <a:p>
             <a:pPr lvl="0">
               <a:lnSpc>
-                <a:spcPct val="100000"/>
+                <a:spcPct val="120000"/>
               </a:lnSpc>
             </a:pPr>
             <a:r>
@@ -15905,13 +19774,13 @@
                 </a:solidFill>
                 <a:latin typeface="Fira Sans" pitchFamily="34"/>
               </a:rPr>
-              <a:t>Some files are huge! (SPOLISBUS) </a:t>
+              <a:t>R, python, SPSS, Stata, and more installed by default</a:t>
             </a:r>
           </a:p>
           <a:p>
             <a:pPr lvl="0">
               <a:lnSpc>
-                <a:spcPct val="100000"/>
+                <a:spcPct val="120000"/>
               </a:lnSpc>
             </a:pPr>
             <a:r>
@@ -15921,13 +19790,29 @@
                 </a:solidFill>
                 <a:latin typeface="Fira Sans" pitchFamily="34"/>
               </a:rPr>
-              <a:t>Their names / versions can change without warning</a:t>
+              <a:t>If you want specific libraries, ask the microdata team</a:t>
             </a:r>
           </a:p>
           <a:p>
             <a:pPr lvl="0">
               <a:lnSpc>
-                <a:spcPct val="100000"/>
+                <a:spcPct val="120000"/>
+              </a:lnSpc>
+            </a:pPr>
+            <a:r>
+              <a:rPr lang="en-GB" sz="3200" dirty="0">
+                <a:solidFill>
+                  <a:srgbClr val="404040"/>
+                </a:solidFill>
+                <a:latin typeface="Fira Sans" pitchFamily="34"/>
+              </a:rPr>
+              <a:t>No fancy environment management</a:t>
+            </a:r>
+          </a:p>
+          <a:p>
+            <a:pPr lvl="0">
+              <a:lnSpc>
+                <a:spcPct val="120000"/>
               </a:lnSpc>
             </a:pPr>
             <a:endParaRPr lang="en-GB" sz="3200" dirty="0">
@@ -15937,25 +19822,51 @@
               <a:latin typeface="Fira Sans" pitchFamily="34"/>
             </a:endParaRPr>
           </a:p>
-          <a:p>
-            <a:pPr lvl="0">
-              <a:lnSpc>
-                <a:spcPct val="100000"/>
-              </a:lnSpc>
-            </a:pPr>
-            <a:endParaRPr lang="en-GB" sz="3200" dirty="0">
-              <a:solidFill>
-                <a:srgbClr val="404040"/>
-              </a:solidFill>
-              <a:latin typeface="Fira Sans" pitchFamily="34"/>
-            </a:endParaRPr>
-          </a:p>
         </p:txBody>
       </p:sp>
+      <p:pic>
+        <p:nvPicPr>
+          <p:cNvPr id="6" name="Graphic 5">
+            <a:extLst>
+              <a:ext uri="{FF2B5EF4-FFF2-40B4-BE49-F238E27FC236}">
+                <a16:creationId xmlns:a16="http://schemas.microsoft.com/office/drawing/2014/main" id="{045CA459-40EC-F3A1-3F60-0829F2AB926F}"/>
+              </a:ext>
+            </a:extLst>
+          </p:cNvPr>
+          <p:cNvPicPr>
+            <a:picLocks noChangeAspect="1"/>
+          </p:cNvPicPr>
+          <p:nvPr/>
+        </p:nvPicPr>
+        <p:blipFill>
+          <a:blip r:embed="rId2">
+            <a:extLst>
+              <a:ext uri="{28A0092B-C50C-407E-A947-70E740481C1C}">
+                <a14:useLocalDpi xmlns:a14="http://schemas.microsoft.com/office/drawing/2010/main" val="0"/>
+              </a:ext>
+              <a:ext uri="{96DAC541-7B7A-43D3-8B79-37D633B846F1}">
+                <asvg:svgBlip xmlns:asvg="http://schemas.microsoft.com/office/drawing/2016/SVG/main" r:embed="rId3"/>
+              </a:ext>
+            </a:extLst>
+          </a:blip>
+          <a:stretch>
+            <a:fillRect/>
+          </a:stretch>
+        </p:blipFill>
+        <p:spPr>
+          <a:xfrm>
+            <a:off x="7638563" y="1690688"/>
+            <a:ext cx="3646242" cy="1802789"/>
+          </a:xfrm>
+          <a:prstGeom prst="rect">
+            <a:avLst/>
+          </a:prstGeom>
+        </p:spPr>
+      </p:pic>
     </p:spTree>
     <p:extLst>
       <p:ext uri="{BB962C8B-B14F-4D97-AF65-F5344CB8AC3E}">
-        <p14:creationId xmlns:p14="http://schemas.microsoft.com/office/powerpoint/2010/main" val="3562962347"/>
+        <p14:creationId xmlns:p14="http://schemas.microsoft.com/office/powerpoint/2010/main" val="2085890626"/>
       </p:ext>
     </p:extLst>
   </p:cSld>
@@ -16018,7 +19929,7 @@
                 <a:latin typeface="Fira Sans" pitchFamily="34"/>
                 <a:ea typeface="Fira Code" pitchFamily="49"/>
               </a:rPr>
-              <a:t>Additional data</a:t>
+              <a:t>CBS Remote Access environment</a:t>
             </a:r>
             <a:endParaRPr lang="en-GB" sz="1800" kern="0" dirty="0"/>
           </a:p>
@@ -16026,10 +19937,10 @@
       </p:sp>
       <p:sp>
         <p:nvSpPr>
-          <p:cNvPr id="13" name="Content Placeholder 2">
+          <p:cNvPr id="3" name="Content Placeholder 2">
             <a:extLst>
               <a:ext uri="{FF2B5EF4-FFF2-40B4-BE49-F238E27FC236}">
-                <a16:creationId xmlns:a16="http://schemas.microsoft.com/office/drawing/2014/main" id="{28374D4B-315A-D7B8-E54F-9FB700C1EE00}"/>
+                <a16:creationId xmlns:a16="http://schemas.microsoft.com/office/drawing/2014/main" id="{D1010590-C015-8AF6-DE6B-0E74807124E7}"/>
               </a:ext>
             </a:extLst>
           </p:cNvPr>
@@ -16043,7 +19954,7 @@
         <p:spPr>
           <a:xfrm>
             <a:off x="838203" y="1825627"/>
-            <a:ext cx="10515600" cy="4667243"/>
+            <a:ext cx="6152659" cy="4667243"/>
           </a:xfrm>
         </p:spPr>
         <p:txBody>
@@ -16052,7 +19963,7 @@
           </a:bodyPr>
           <a:lstStyle/>
           <a:p>
-            <a:pPr>
+            <a:pPr lvl="0">
               <a:lnSpc>
                 <a:spcPct val="100000"/>
               </a:lnSpc>
@@ -16064,11 +19975,11 @@
                 </a:solidFill>
                 <a:latin typeface="Fira Sans" pitchFamily="34"/>
               </a:rPr>
-              <a:t>There are additional files to help with analysis</a:t>
-            </a:r>
-          </a:p>
-          <a:p>
-            <a:pPr>
+              <a:t>Data is made available via a drive on a per-project basis G:/microdata</a:t>
+            </a:r>
+          </a:p>
+          <a:p>
+            <a:pPr lvl="0">
               <a:lnSpc>
                 <a:spcPct val="100000"/>
               </a:lnSpc>
@@ -16080,11 +19991,11 @@
                 </a:solidFill>
                 <a:latin typeface="Fira Sans" pitchFamily="34"/>
               </a:rPr>
-              <a:t>Metadata &amp; supplementary data. Translation files, key/value files, lists of existing postal codes, and more.</a:t>
-            </a:r>
-          </a:p>
-          <a:p>
-            <a:pPr>
+              <a:t>You can see all tables, but you have access only to those you requested</a:t>
+            </a:r>
+          </a:p>
+          <a:p>
+            <a:pPr lvl="0">
               <a:lnSpc>
                 <a:spcPct val="100000"/>
               </a:lnSpc>
@@ -16096,27 +20007,11 @@
                 </a:solidFill>
                 <a:latin typeface="Fira Sans" pitchFamily="34"/>
               </a:rPr>
-              <a:t>These reside in a different location (not G:/)</a:t>
-            </a:r>
-          </a:p>
-          <a:p>
-            <a:pPr>
-              <a:lnSpc>
-                <a:spcPct val="100000"/>
-              </a:lnSpc>
-            </a:pPr>
-            <a:r>
-              <a:rPr lang="en-GB" sz="3200" dirty="0">
-                <a:solidFill>
-                  <a:srgbClr val="404040"/>
-                </a:solidFill>
-                <a:latin typeface="Fira Sans" pitchFamily="34"/>
-              </a:rPr>
-              <a:t>This location has also changed in the past &amp; could change in the future too</a:t>
-            </a:r>
-          </a:p>
-          <a:p>
-            <a:pPr>
+              <a:t>Additional metadata is also available (for everyone)</a:t>
+            </a:r>
+          </a:p>
+          <a:p>
+            <a:pPr lvl="0">
               <a:lnSpc>
                 <a:spcPct val="100000"/>
               </a:lnSpc>
@@ -16128,25 +20023,51 @@
               <a:latin typeface="Fira Sans" pitchFamily="34"/>
             </a:endParaRPr>
           </a:p>
-          <a:p>
-            <a:pPr>
-              <a:lnSpc>
-                <a:spcPct val="100000"/>
-              </a:lnSpc>
-            </a:pPr>
-            <a:endParaRPr lang="en-GB" sz="3200" dirty="0">
-              <a:solidFill>
-                <a:srgbClr val="404040"/>
-              </a:solidFill>
-              <a:latin typeface="Fira Sans" pitchFamily="34"/>
-            </a:endParaRPr>
-          </a:p>
         </p:txBody>
       </p:sp>
+      <p:pic>
+        <p:nvPicPr>
+          <p:cNvPr id="6" name="Graphic 5">
+            <a:extLst>
+              <a:ext uri="{FF2B5EF4-FFF2-40B4-BE49-F238E27FC236}">
+                <a16:creationId xmlns:a16="http://schemas.microsoft.com/office/drawing/2014/main" id="{045CA459-40EC-F3A1-3F60-0829F2AB926F}"/>
+              </a:ext>
+            </a:extLst>
+          </p:cNvPr>
+          <p:cNvPicPr>
+            <a:picLocks noChangeAspect="1"/>
+          </p:cNvPicPr>
+          <p:nvPr/>
+        </p:nvPicPr>
+        <p:blipFill>
+          <a:blip r:embed="rId2">
+            <a:extLst>
+              <a:ext uri="{28A0092B-C50C-407E-A947-70E740481C1C}">
+                <a14:useLocalDpi xmlns:a14="http://schemas.microsoft.com/office/drawing/2010/main" val="0"/>
+              </a:ext>
+              <a:ext uri="{96DAC541-7B7A-43D3-8B79-37D633B846F1}">
+                <asvg:svgBlip xmlns:asvg="http://schemas.microsoft.com/office/drawing/2016/SVG/main" r:embed="rId3"/>
+              </a:ext>
+            </a:extLst>
+          </a:blip>
+          <a:stretch>
+            <a:fillRect/>
+          </a:stretch>
+        </p:blipFill>
+        <p:spPr>
+          <a:xfrm>
+            <a:off x="7638563" y="1690688"/>
+            <a:ext cx="3646242" cy="1802789"/>
+          </a:xfrm>
+          <a:prstGeom prst="rect">
+            <a:avLst/>
+          </a:prstGeom>
+        </p:spPr>
+      </p:pic>
     </p:spTree>
     <p:extLst>
       <p:ext uri="{BB962C8B-B14F-4D97-AF65-F5344CB8AC3E}">
-        <p14:creationId xmlns:p14="http://schemas.microsoft.com/office/powerpoint/2010/main" val="316997872"/>
+        <p14:creationId xmlns:p14="http://schemas.microsoft.com/office/powerpoint/2010/main" val="1304416535"/>
       </p:ext>
     </p:extLst>
   </p:cSld>
@@ -16209,9 +20130,81 @@
                 <a:latin typeface="Fira Sans" pitchFamily="34"/>
                 <a:ea typeface="Fira Code" pitchFamily="49"/>
               </a:rPr>
-              <a:t>Imports/exports</a:t>
+              <a:t>Microdata at CBS</a:t>
             </a:r>
             <a:endParaRPr lang="en-GB" sz="1800" kern="0" dirty="0"/>
+          </a:p>
+        </p:txBody>
+      </p:sp>
+      <p:pic>
+        <p:nvPicPr>
+          <p:cNvPr id="8" name="Picture 7">
+            <a:extLst>
+              <a:ext uri="{FF2B5EF4-FFF2-40B4-BE49-F238E27FC236}">
+                <a16:creationId xmlns:a16="http://schemas.microsoft.com/office/drawing/2014/main" id="{C6AF0A2A-2E09-36E4-8A6E-DD20283AA22C}"/>
+              </a:ext>
+            </a:extLst>
+          </p:cNvPr>
+          <p:cNvPicPr>
+            <a:picLocks noChangeAspect="1"/>
+          </p:cNvPicPr>
+          <p:nvPr/>
+        </p:nvPicPr>
+        <p:blipFill>
+          <a:blip r:embed="rId2"/>
+          <a:stretch>
+            <a:fillRect/>
+          </a:stretch>
+        </p:blipFill>
+        <p:spPr>
+          <a:xfrm>
+            <a:off x="6588387" y="1469409"/>
+            <a:ext cx="5352920" cy="5120186"/>
+          </a:xfrm>
+          <a:prstGeom prst="rect">
+            <a:avLst/>
+          </a:prstGeom>
+        </p:spPr>
+      </p:pic>
+      <p:sp>
+        <p:nvSpPr>
+          <p:cNvPr id="12" name="TextBox 11">
+            <a:extLst>
+              <a:ext uri="{FF2B5EF4-FFF2-40B4-BE49-F238E27FC236}">
+                <a16:creationId xmlns:a16="http://schemas.microsoft.com/office/drawing/2014/main" id="{3D04B8B8-720A-910B-B3D1-7A0EE1994AE1}"/>
+              </a:ext>
+            </a:extLst>
+          </p:cNvPr>
+          <p:cNvSpPr txBox="1"/>
+          <p:nvPr/>
+        </p:nvSpPr>
+        <p:spPr>
+          <a:xfrm>
+            <a:off x="6588387" y="455604"/>
+            <a:ext cx="5461815" cy="923330"/>
+          </a:xfrm>
+          <a:prstGeom prst="rect">
+            <a:avLst/>
+          </a:prstGeom>
+          <a:noFill/>
+        </p:spPr>
+        <p:txBody>
+          <a:bodyPr wrap="square">
+            <a:spAutoFit/>
+          </a:bodyPr>
+          <a:lstStyle/>
+          <a:p>
+            <a:r>
+              <a:rPr lang="en-US" dirty="0">
+                <a:hlinkClick r:id="rId3"/>
+              </a:rPr>
+              <a:t>https://www.cbs.nl/nl-nl/onze-diensten/maatwerk-en-microdata/microdata-zelf-onderzoek-doen/catalogus-microdata</a:t>
+            </a:r>
+            <a:r>
+              <a:rPr lang="en-US" dirty="0"/>
+              <a:t> </a:t>
+            </a:r>
+            <a:endParaRPr lang="en-NL" dirty="0"/>
           </a:p>
         </p:txBody>
       </p:sp>
@@ -16233,36 +20226,35 @@
         </p:nvSpPr>
         <p:spPr>
           <a:xfrm>
-            <a:off x="838203" y="1690689"/>
-            <a:ext cx="10515600" cy="4802182"/>
+            <a:off x="838203" y="1825627"/>
+            <a:ext cx="5632447" cy="4667243"/>
           </a:xfrm>
         </p:spPr>
         <p:txBody>
           <a:bodyPr>
-            <a:normAutofit fontScale="92500" lnSpcReduction="10000"/>
+            <a:normAutofit lnSpcReduction="10000"/>
           </a:bodyPr>
           <a:lstStyle/>
           <a:p>
-            <a:pPr marL="0" lvl="0" indent="0">
-              <a:lnSpc>
-                <a:spcPct val="110000"/>
-              </a:lnSpc>
-              <a:buNone/>
-            </a:pPr>
-            <a:r>
-              <a:rPr lang="en-GB" sz="3200" b="1" dirty="0">
+            <a:pPr lvl="0">
+              <a:lnSpc>
+                <a:spcPct val="100000"/>
+              </a:lnSpc>
+            </a:pPr>
+            <a:r>
+              <a:rPr lang="en-GB" sz="3200" dirty="0">
                 <a:solidFill>
                   <a:srgbClr val="404040"/>
                 </a:solidFill>
                 <a:latin typeface="Fira Sans" pitchFamily="34"/>
               </a:rPr>
-              <a:t>Exporting analysis results is subject to output check</a:t>
-            </a:r>
-          </a:p>
-          <a:p>
-            <a:pPr>
-              <a:lnSpc>
-                <a:spcPct val="110000"/>
+              <a:t>Register data and questionnaires</a:t>
+            </a:r>
+          </a:p>
+          <a:p>
+            <a:pPr lvl="0">
+              <a:lnSpc>
+                <a:spcPct val="100000"/>
               </a:lnSpc>
             </a:pPr>
             <a:r>
@@ -16272,13 +20264,13 @@
                 </a:solidFill>
                 <a:latin typeface="Fira Sans" pitchFamily="34"/>
               </a:rPr>
-              <a:t>Ensures our privacy</a:t>
-            </a:r>
-          </a:p>
-          <a:p>
-            <a:pPr>
-              <a:lnSpc>
-                <a:spcPct val="110000"/>
+              <a:t>You can (subject to restrictions and costs) also upload your own data &amp; link</a:t>
+            </a:r>
+          </a:p>
+          <a:p>
+            <a:pPr lvl="0">
+              <a:lnSpc>
+                <a:spcPct val="100000"/>
               </a:lnSpc>
             </a:pPr>
             <a:r>
@@ -16288,31 +20280,14 @@
                 </a:solidFill>
                 <a:latin typeface="Fira Sans" pitchFamily="34"/>
               </a:rPr>
-              <a:t>This is manual labour, done by microdata team member</a:t>
+              <a:t>All these tables can be combined to do your research!</a:t>
             </a:r>
           </a:p>
           <a:p>
             <a:pPr lvl="0">
               <a:lnSpc>
-                <a:spcPct val="110000"/>
-              </a:lnSpc>
-            </a:pPr>
-            <a:r>
-              <a:rPr lang="en-GB" sz="3200" dirty="0">
-                <a:solidFill>
-                  <a:srgbClr val="404040"/>
-                </a:solidFill>
-                <a:latin typeface="Fira Sans" pitchFamily="34"/>
-              </a:rPr>
-              <a:t>Each output costs time and money</a:t>
-            </a:r>
-          </a:p>
-          <a:p>
-            <a:pPr marL="0" lvl="0" indent="0">
-              <a:lnSpc>
-                <a:spcPct val="110000"/>
-              </a:lnSpc>
-              <a:buNone/>
+                <a:spcPct val="100000"/>
+              </a:lnSpc>
             </a:pPr>
             <a:endParaRPr lang="en-GB" sz="3200" dirty="0">
               <a:solidFill>
@@ -16322,58 +20297,9 @@
             </a:endParaRPr>
           </a:p>
           <a:p>
-            <a:pPr marL="0" lvl="0" indent="0">
-              <a:lnSpc>
-                <a:spcPct val="110000"/>
-              </a:lnSpc>
-              <a:buNone/>
-            </a:pPr>
-            <a:r>
-              <a:rPr lang="en-GB" sz="3200" b="1" dirty="0">
-                <a:solidFill>
-                  <a:srgbClr val="404040"/>
-                </a:solidFill>
-                <a:latin typeface="Fira Sans" pitchFamily="34"/>
-              </a:rPr>
-              <a:t>You can also import and export code files</a:t>
-            </a:r>
-          </a:p>
-          <a:p>
             <a:pPr lvl="0">
               <a:lnSpc>
-                <a:spcPct val="110000"/>
-              </a:lnSpc>
-            </a:pPr>
-            <a:r>
-              <a:rPr lang="en-GB" sz="3200" dirty="0">
-                <a:solidFill>
-                  <a:srgbClr val="404040"/>
-                </a:solidFill>
-                <a:latin typeface="Fira Sans" pitchFamily="34"/>
-              </a:rPr>
-              <a:t>This does not cost money!!</a:t>
-            </a:r>
-          </a:p>
-          <a:p>
-            <a:pPr lvl="0">
-              <a:lnSpc>
-                <a:spcPct val="110000"/>
-              </a:lnSpc>
-            </a:pPr>
-            <a:r>
-              <a:rPr lang="en-GB" sz="3200" dirty="0">
-                <a:solidFill>
-                  <a:srgbClr val="404040"/>
-                </a:solidFill>
-                <a:latin typeface="Fira Sans" pitchFamily="34"/>
-              </a:rPr>
-              <a:t>More on this later</a:t>
-            </a:r>
-          </a:p>
-          <a:p>
-            <a:pPr lvl="0">
-              <a:lnSpc>
-                <a:spcPct val="110000"/>
+                <a:spcPct val="100000"/>
               </a:lnSpc>
             </a:pPr>
             <a:endParaRPr lang="en-GB" sz="3200" dirty="0">
@@ -16383,25 +20309,12 @@
               <a:latin typeface="Fira Sans" pitchFamily="34"/>
             </a:endParaRPr>
           </a:p>
-          <a:p>
-            <a:pPr lvl="0">
-              <a:lnSpc>
-                <a:spcPct val="110000"/>
-              </a:lnSpc>
-            </a:pPr>
-            <a:endParaRPr lang="en-GB" sz="3200" dirty="0">
-              <a:solidFill>
-                <a:srgbClr val="404040"/>
-              </a:solidFill>
-              <a:latin typeface="Fira Sans" pitchFamily="34"/>
-            </a:endParaRPr>
-          </a:p>
         </p:txBody>
       </p:sp>
     </p:spTree>
     <p:extLst>
       <p:ext uri="{BB962C8B-B14F-4D97-AF65-F5344CB8AC3E}">
-        <p14:creationId xmlns:p14="http://schemas.microsoft.com/office/powerpoint/2010/main" val="4229071438"/>
+        <p14:creationId xmlns:p14="http://schemas.microsoft.com/office/powerpoint/2010/main" val="2734897833"/>
       </p:ext>
     </p:extLst>
   </p:cSld>
